--- a/《海量对象文件存储》结题报告.pptx
+++ b/《海量对象文件存储》结题报告.pptx
@@ -2,7 +2,7 @@
 <file path=ppt/presentation.xml><?xml version="1.0" encoding="utf-8"?>
 <p:presentation xmlns:a="http://schemas.openxmlformats.org/drawingml/2006/main" xmlns:r="http://schemas.openxmlformats.org/officeDocument/2006/relationships" xmlns:p="http://schemas.openxmlformats.org/presentationml/2006/main" saveSubsetFonts="1">
   <p:sldMasterIdLst>
-    <p:sldMasterId id="2147483660" r:id="rId1"/>
+    <p:sldMasterId id="2147483745" r:id="rId1"/>
   </p:sldMasterIdLst>
   <p:notesMasterIdLst>
     <p:notesMasterId r:id="rId19"/>
@@ -17,14 +17,14 @@
     <p:sldId id="262" r:id="rId8"/>
     <p:sldId id="263" r:id="rId9"/>
     <p:sldId id="267" r:id="rId10"/>
-    <p:sldId id="264" r:id="rId11"/>
-    <p:sldId id="265" r:id="rId12"/>
-    <p:sldId id="266" r:id="rId13"/>
-    <p:sldId id="269" r:id="rId14"/>
-    <p:sldId id="272" r:id="rId15"/>
-    <p:sldId id="270" r:id="rId16"/>
-    <p:sldId id="271" r:id="rId17"/>
-    <p:sldId id="268" r:id="rId18"/>
+    <p:sldId id="265" r:id="rId11"/>
+    <p:sldId id="266" r:id="rId12"/>
+    <p:sldId id="269" r:id="rId13"/>
+    <p:sldId id="272" r:id="rId14"/>
+    <p:sldId id="270" r:id="rId15"/>
+    <p:sldId id="271" r:id="rId16"/>
+    <p:sldId id="268" r:id="rId17"/>
+    <p:sldId id="273" r:id="rId18"/>
   </p:sldIdLst>
   <p:sldSz cx="12192000" cy="6858000"/>
   <p:notesSz cx="6858000" cy="9144000"/>
@@ -1626,15 +1626,15 @@
 </file>
 
 <file path=ppt/diagrams/colors3.xml><?xml version="1.0" encoding="utf-8"?>
-<dgm:colorsDef xmlns:dgm="http://schemas.openxmlformats.org/drawingml/2006/diagram" xmlns:a="http://schemas.openxmlformats.org/drawingml/2006/main" uniqueId="urn:microsoft.com/office/officeart/2005/8/colors/accent6_5">
+<dgm:colorsDef xmlns:dgm="http://schemas.openxmlformats.org/drawingml/2006/diagram" xmlns:a="http://schemas.openxmlformats.org/drawingml/2006/main" uniqueId="urn:microsoft.com/office/officeart/2005/8/colors/accent4_5">
   <dgm:title val=""/>
   <dgm:desc val=""/>
   <dgm:catLst>
-    <dgm:cat type="accent6" pri="11500"/>
+    <dgm:cat type="accent4" pri="11500"/>
   </dgm:catLst>
   <dgm:styleLbl name="node0">
     <dgm:fillClrLst meth="cycle">
-      <a:schemeClr val="accent6">
+      <a:schemeClr val="accent4">
         <a:alpha val="80000"/>
       </a:schemeClr>
     </dgm:fillClrLst>
@@ -1646,34 +1646,12 @@
     <dgm:txFillClrLst/>
     <dgm:txEffectClrLst/>
   </dgm:styleLbl>
-  <dgm:styleLbl name="alignNode1">
-    <dgm:fillClrLst>
-      <a:schemeClr val="accent6">
-        <a:alpha val="90000"/>
-      </a:schemeClr>
-      <a:schemeClr val="accent6">
-        <a:alpha val="50000"/>
-      </a:schemeClr>
-    </dgm:fillClrLst>
-    <dgm:linClrLst>
-      <a:schemeClr val="accent6">
-        <a:alpha val="90000"/>
-      </a:schemeClr>
-      <a:schemeClr val="accent6">
-        <a:alpha val="50000"/>
-      </a:schemeClr>
-    </dgm:linClrLst>
-    <dgm:effectClrLst/>
-    <dgm:txLinClrLst/>
-    <dgm:txFillClrLst/>
-    <dgm:txEffectClrLst/>
-  </dgm:styleLbl>
   <dgm:styleLbl name="node1">
     <dgm:fillClrLst>
-      <a:schemeClr val="accent6">
+      <a:schemeClr val="accent4">
         <a:alpha val="90000"/>
       </a:schemeClr>
-      <a:schemeClr val="accent6">
+      <a:schemeClr val="accent4">
         <a:alpha val="50000"/>
       </a:schemeClr>
     </dgm:fillClrLst>
@@ -1685,14 +1663,36 @@
     <dgm:txFillClrLst/>
     <dgm:txEffectClrLst/>
   </dgm:styleLbl>
+  <dgm:styleLbl name="alignNode1">
+    <dgm:fillClrLst>
+      <a:schemeClr val="accent4">
+        <a:alpha val="90000"/>
+      </a:schemeClr>
+      <a:schemeClr val="accent4">
+        <a:alpha val="50000"/>
+      </a:schemeClr>
+    </dgm:fillClrLst>
+    <dgm:linClrLst>
+      <a:schemeClr val="accent4">
+        <a:alpha val="90000"/>
+      </a:schemeClr>
+      <a:schemeClr val="accent4">
+        <a:alpha val="50000"/>
+      </a:schemeClr>
+    </dgm:linClrLst>
+    <dgm:effectClrLst/>
+    <dgm:txLinClrLst/>
+    <dgm:txFillClrLst/>
+    <dgm:txEffectClrLst/>
+  </dgm:styleLbl>
   <dgm:styleLbl name="lnNode1">
     <dgm:fillClrLst>
-      <a:schemeClr val="accent6">
+      <a:schemeClr val="accent4">
         <a:shade val="90000"/>
       </a:schemeClr>
-      <a:schemeClr val="accent6">
+      <a:schemeClr val="accent4">
+        <a:alpha val="50000"/>
         <a:tint val="50000"/>
-        <a:alpha val="50000"/>
       </a:schemeClr>
     </dgm:fillClrLst>
     <dgm:linClrLst meth="repeat">
@@ -1705,11 +1705,11 @@
   </dgm:styleLbl>
   <dgm:styleLbl name="vennNode1">
     <dgm:fillClrLst>
-      <a:schemeClr val="accent6">
+      <a:schemeClr val="accent4">
         <a:shade val="80000"/>
         <a:alpha val="50000"/>
       </a:schemeClr>
-      <a:schemeClr val="accent6">
+      <a:schemeClr val="accent4">
         <a:alpha val="80000"/>
       </a:schemeClr>
     </dgm:fillClrLst>
@@ -1723,7 +1723,7 @@
   </dgm:styleLbl>
   <dgm:styleLbl name="node2">
     <dgm:fillClrLst>
-      <a:schemeClr val="accent6">
+      <a:schemeClr val="accent4">
         <a:alpha val="70000"/>
       </a:schemeClr>
     </dgm:fillClrLst>
@@ -1737,7 +1737,7 @@
   </dgm:styleLbl>
   <dgm:styleLbl name="node3">
     <dgm:fillClrLst>
-      <a:schemeClr val="accent6">
+      <a:schemeClr val="accent4">
         <a:alpha val="50000"/>
       </a:schemeClr>
     </dgm:fillClrLst>
@@ -1751,7 +1751,7 @@
   </dgm:styleLbl>
   <dgm:styleLbl name="node4">
     <dgm:fillClrLst>
-      <a:schemeClr val="accent6">
+      <a:schemeClr val="accent4">
         <a:alpha val="30000"/>
       </a:schemeClr>
     </dgm:fillClrLst>
@@ -1765,11 +1765,11 @@
   </dgm:styleLbl>
   <dgm:styleLbl name="fgImgPlace1">
     <dgm:fillClrLst>
-      <a:schemeClr val="accent6">
+      <a:schemeClr val="accent4">
         <a:tint val="50000"/>
         <a:alpha val="90000"/>
       </a:schemeClr>
-      <a:schemeClr val="accent6">
+      <a:schemeClr val="accent4">
         <a:tint val="20000"/>
         <a:alpha val="50000"/>
       </a:schemeClr>
@@ -1786,10 +1786,10 @@
   </dgm:styleLbl>
   <dgm:styleLbl name="alignImgPlace1">
     <dgm:fillClrLst>
-      <a:schemeClr val="accent6">
+      <a:schemeClr val="accent4">
         <a:tint val="50000"/>
       </a:schemeClr>
-      <a:schemeClr val="accent6">
+      <a:schemeClr val="accent4">
         <a:tint val="20000"/>
       </a:schemeClr>
     </dgm:fillClrLst>
@@ -1805,10 +1805,10 @@
   </dgm:styleLbl>
   <dgm:styleLbl name="bgImgPlace1">
     <dgm:fillClrLst>
-      <a:schemeClr val="accent6">
+      <a:schemeClr val="accent4">
         <a:tint val="50000"/>
       </a:schemeClr>
-      <a:schemeClr val="accent6">
+      <a:schemeClr val="accent4">
         <a:tint val="20000"/>
       </a:schemeClr>
     </dgm:fillClrLst>
@@ -1824,18 +1824,18 @@
   </dgm:styleLbl>
   <dgm:styleLbl name="sibTrans2D1">
     <dgm:fillClrLst>
-      <a:schemeClr val="accent6">
+      <a:schemeClr val="accent4">
         <a:shade val="90000"/>
       </a:schemeClr>
-      <a:schemeClr val="accent6">
+      <a:schemeClr val="accent4">
         <a:tint val="50000"/>
       </a:schemeClr>
     </dgm:fillClrLst>
     <dgm:linClrLst>
-      <a:schemeClr val="accent6">
+      <a:schemeClr val="accent4">
         <a:shade val="90000"/>
       </a:schemeClr>
-      <a:schemeClr val="accent6">
+      <a:schemeClr val="accent4">
         <a:tint val="50000"/>
       </a:schemeClr>
     </dgm:linClrLst>
@@ -1846,18 +1846,18 @@
   </dgm:styleLbl>
   <dgm:styleLbl name="fgSibTrans2D1">
     <dgm:fillClrLst>
-      <a:schemeClr val="accent6">
+      <a:schemeClr val="accent4">
         <a:shade val="90000"/>
       </a:schemeClr>
-      <a:schemeClr val="accent6">
+      <a:schemeClr val="accent4">
         <a:tint val="50000"/>
       </a:schemeClr>
     </dgm:fillClrLst>
     <dgm:linClrLst>
-      <a:schemeClr val="accent6">
+      <a:schemeClr val="accent4">
         <a:shade val="90000"/>
       </a:schemeClr>
-      <a:schemeClr val="accent6">
+      <a:schemeClr val="accent4">
         <a:tint val="50000"/>
       </a:schemeClr>
     </dgm:linClrLst>
@@ -1868,18 +1868,18 @@
   </dgm:styleLbl>
   <dgm:styleLbl name="bgSibTrans2D1">
     <dgm:fillClrLst>
-      <a:schemeClr val="accent6">
+      <a:schemeClr val="accent4">
         <a:shade val="90000"/>
       </a:schemeClr>
-      <a:schemeClr val="accent6">
+      <a:schemeClr val="accent4">
         <a:tint val="50000"/>
       </a:schemeClr>
     </dgm:fillClrLst>
     <dgm:linClrLst>
-      <a:schemeClr val="accent6">
+      <a:schemeClr val="accent4">
         <a:shade val="90000"/>
       </a:schemeClr>
-      <a:schemeClr val="accent6">
+      <a:schemeClr val="accent4">
         <a:tint val="50000"/>
       </a:schemeClr>
     </dgm:linClrLst>
@@ -1890,18 +1890,18 @@
   </dgm:styleLbl>
   <dgm:styleLbl name="sibTrans1D1">
     <dgm:fillClrLst>
-      <a:schemeClr val="accent6">
+      <a:schemeClr val="accent4">
         <a:shade val="90000"/>
       </a:schemeClr>
-      <a:schemeClr val="accent6">
+      <a:schemeClr val="accent4">
         <a:tint val="50000"/>
       </a:schemeClr>
     </dgm:fillClrLst>
     <dgm:linClrLst>
-      <a:schemeClr val="accent6">
+      <a:schemeClr val="accent4">
         <a:shade val="90000"/>
       </a:schemeClr>
-      <a:schemeClr val="accent6">
+      <a:schemeClr val="accent4">
         <a:tint val="50000"/>
       </a:schemeClr>
     </dgm:linClrLst>
@@ -1914,10 +1914,10 @@
   </dgm:styleLbl>
   <dgm:styleLbl name="callout">
     <dgm:fillClrLst meth="repeat">
-      <a:schemeClr val="accent6"/>
+      <a:schemeClr val="accent4"/>
     </dgm:fillClrLst>
     <dgm:linClrLst meth="repeat">
-      <a:schemeClr val="accent6"/>
+      <a:schemeClr val="accent4"/>
     </dgm:linClrLst>
     <dgm:effectClrLst/>
     <dgm:txLinClrLst/>
@@ -1928,7 +1928,7 @@
   </dgm:styleLbl>
   <dgm:styleLbl name="asst0">
     <dgm:fillClrLst meth="repeat">
-      <a:schemeClr val="accent6">
+      <a:schemeClr val="accent4">
         <a:alpha val="90000"/>
       </a:schemeClr>
     </dgm:fillClrLst>
@@ -1942,7 +1942,7 @@
   </dgm:styleLbl>
   <dgm:styleLbl name="asst1">
     <dgm:fillClrLst meth="repeat">
-      <a:schemeClr val="accent6">
+      <a:schemeClr val="accent4">
         <a:alpha val="90000"/>
       </a:schemeClr>
     </dgm:fillClrLst>
@@ -1956,7 +1956,7 @@
   </dgm:styleLbl>
   <dgm:styleLbl name="asst2">
     <dgm:fillClrLst>
-      <a:schemeClr val="accent6">
+      <a:schemeClr val="accent4">
         <a:alpha val="90000"/>
       </a:schemeClr>
     </dgm:fillClrLst>
@@ -1970,7 +1970,7 @@
   </dgm:styleLbl>
   <dgm:styleLbl name="asst3">
     <dgm:fillClrLst>
-      <a:schemeClr val="accent6">
+      <a:schemeClr val="accent4">
         <a:alpha val="70000"/>
       </a:schemeClr>
     </dgm:fillClrLst>
@@ -1984,7 +1984,7 @@
   </dgm:styleLbl>
   <dgm:styleLbl name="asst4">
     <dgm:fillClrLst>
-      <a:schemeClr val="accent6">
+      <a:schemeClr val="accent4">
         <a:alpha val="50000"/>
       </a:schemeClr>
     </dgm:fillClrLst>
@@ -1998,12 +1998,12 @@
   </dgm:styleLbl>
   <dgm:styleLbl name="parChTrans2D1">
     <dgm:fillClrLst meth="repeat">
-      <a:schemeClr val="accent6">
+      <a:schemeClr val="accent4">
         <a:shade val="80000"/>
       </a:schemeClr>
     </dgm:fillClrLst>
     <dgm:linClrLst meth="repeat">
-      <a:schemeClr val="accent6">
+      <a:schemeClr val="accent4">
         <a:shade val="80000"/>
       </a:schemeClr>
     </dgm:linClrLst>
@@ -2014,12 +2014,12 @@
   </dgm:styleLbl>
   <dgm:styleLbl name="parChTrans2D2">
     <dgm:fillClrLst meth="repeat">
-      <a:schemeClr val="accent6">
+      <a:schemeClr val="accent4">
         <a:tint val="90000"/>
       </a:schemeClr>
     </dgm:fillClrLst>
     <dgm:linClrLst meth="repeat">
-      <a:schemeClr val="accent6">
+      <a:schemeClr val="accent4">
         <a:tint val="90000"/>
       </a:schemeClr>
     </dgm:linClrLst>
@@ -2030,12 +2030,12 @@
   </dgm:styleLbl>
   <dgm:styleLbl name="parChTrans2D3">
     <dgm:fillClrLst meth="repeat">
-      <a:schemeClr val="accent6">
+      <a:schemeClr val="accent4">
         <a:tint val="70000"/>
       </a:schemeClr>
     </dgm:fillClrLst>
     <dgm:linClrLst meth="repeat">
-      <a:schemeClr val="accent6">
+      <a:schemeClr val="accent4">
         <a:tint val="70000"/>
       </a:schemeClr>
     </dgm:linClrLst>
@@ -2046,12 +2046,12 @@
   </dgm:styleLbl>
   <dgm:styleLbl name="parChTrans2D4">
     <dgm:fillClrLst meth="repeat">
-      <a:schemeClr val="accent6">
+      <a:schemeClr val="accent4">
         <a:tint val="50000"/>
       </a:schemeClr>
     </dgm:fillClrLst>
     <dgm:linClrLst meth="repeat">
-      <a:schemeClr val="accent6">
+      <a:schemeClr val="accent4">
         <a:tint val="50000"/>
       </a:schemeClr>
     </dgm:linClrLst>
@@ -2064,12 +2064,12 @@
   </dgm:styleLbl>
   <dgm:styleLbl name="parChTrans1D1">
     <dgm:fillClrLst meth="repeat">
-      <a:schemeClr val="accent6">
+      <a:schemeClr val="accent4">
         <a:shade val="80000"/>
       </a:schemeClr>
     </dgm:fillClrLst>
     <dgm:linClrLst meth="repeat">
-      <a:schemeClr val="accent6">
+      <a:schemeClr val="accent4">
         <a:shade val="80000"/>
       </a:schemeClr>
     </dgm:linClrLst>
@@ -2082,12 +2082,12 @@
   </dgm:styleLbl>
   <dgm:styleLbl name="parChTrans1D2">
     <dgm:fillClrLst meth="repeat">
-      <a:schemeClr val="accent6">
+      <a:schemeClr val="accent4">
         <a:tint val="90000"/>
       </a:schemeClr>
     </dgm:fillClrLst>
     <dgm:linClrLst meth="repeat">
-      <a:schemeClr val="accent6">
+      <a:schemeClr val="accent4">
         <a:tint val="90000"/>
       </a:schemeClr>
     </dgm:linClrLst>
@@ -2100,12 +2100,12 @@
   </dgm:styleLbl>
   <dgm:styleLbl name="parChTrans1D3">
     <dgm:fillClrLst meth="repeat">
-      <a:schemeClr val="accent6">
+      <a:schemeClr val="accent4">
         <a:tint val="70000"/>
       </a:schemeClr>
     </dgm:fillClrLst>
     <dgm:linClrLst meth="repeat">
-      <a:schemeClr val="accent6">
+      <a:schemeClr val="accent4">
         <a:tint val="70000"/>
       </a:schemeClr>
     </dgm:linClrLst>
@@ -2118,12 +2118,12 @@
   </dgm:styleLbl>
   <dgm:styleLbl name="parChTrans1D4">
     <dgm:fillClrLst meth="repeat">
-      <a:schemeClr val="accent6">
+      <a:schemeClr val="accent4">
         <a:tint val="50000"/>
       </a:schemeClr>
     </dgm:fillClrLst>
     <dgm:linClrLst meth="repeat">
-      <a:schemeClr val="accent6">
+      <a:schemeClr val="accent4">
         <a:tint val="50000"/>
       </a:schemeClr>
     </dgm:linClrLst>
@@ -2141,10 +2141,10 @@
       </a:schemeClr>
     </dgm:fillClrLst>
     <dgm:linClrLst>
-      <a:schemeClr val="accent6">
+      <a:schemeClr val="accent4">
         <a:alpha val="90000"/>
       </a:schemeClr>
-      <a:schemeClr val="accent6">
+      <a:schemeClr val="accent4">
         <a:alpha val="50000"/>
       </a:schemeClr>
     </dgm:linClrLst>
@@ -2162,10 +2162,10 @@
       </a:schemeClr>
     </dgm:fillClrLst>
     <dgm:linClrLst>
-      <a:schemeClr val="accent6">
+      <a:schemeClr val="accent4">
         <a:alpha val="90000"/>
       </a:schemeClr>
-      <a:schemeClr val="accent6">
+      <a:schemeClr val="accent4">
         <a:alpha val="50000"/>
       </a:schemeClr>
     </dgm:linClrLst>
@@ -2183,10 +2183,10 @@
       </a:schemeClr>
     </dgm:fillClrLst>
     <dgm:linClrLst>
-      <a:schemeClr val="accent6">
+      <a:schemeClr val="accent4">
         <a:alpha val="90000"/>
       </a:schemeClr>
-      <a:schemeClr val="accent6">
+      <a:schemeClr val="accent4">
         <a:alpha val="50000"/>
       </a:schemeClr>
     </dgm:linClrLst>
@@ -2204,10 +2204,10 @@
       </a:schemeClr>
     </dgm:fillClrLst>
     <dgm:linClrLst>
-      <a:schemeClr val="accent6">
+      <a:schemeClr val="accent4">
         <a:alpha val="90000"/>
       </a:schemeClr>
-      <a:schemeClr val="accent6">
+      <a:schemeClr val="accent4">
         <a:alpha val="50000"/>
       </a:schemeClr>
     </dgm:linClrLst>
@@ -2225,10 +2225,10 @@
       </a:schemeClr>
     </dgm:fillClrLst>
     <dgm:linClrLst>
-      <a:schemeClr val="accent6">
+      <a:schemeClr val="accent4">
         <a:alpha val="90000"/>
       </a:schemeClr>
-      <a:schemeClr val="accent6">
+      <a:schemeClr val="accent4">
         <a:alpha val="50000"/>
       </a:schemeClr>
     </dgm:linClrLst>
@@ -2244,10 +2244,10 @@
       <a:schemeClr val="lt1"/>
     </dgm:fillClrLst>
     <dgm:linClrLst>
-      <a:schemeClr val="accent6">
+      <a:schemeClr val="accent4">
         <a:alpha val="90000"/>
       </a:schemeClr>
-      <a:schemeClr val="accent6">
+      <a:schemeClr val="accent4">
         <a:alpha val="50000"/>
       </a:schemeClr>
     </dgm:linClrLst>
@@ -2263,7 +2263,7 @@
       <a:schemeClr val="lt1"/>
     </dgm:fillClrLst>
     <dgm:linClrLst meth="repeat">
-      <a:schemeClr val="accent6"/>
+      <a:schemeClr val="accent4"/>
     </dgm:linClrLst>
     <dgm:effectClrLst/>
     <dgm:txLinClrLst/>
@@ -2277,7 +2277,7 @@
       <a:schemeClr val="lt1"/>
     </dgm:fillClrLst>
     <dgm:linClrLst meth="repeat">
-      <a:schemeClr val="accent6"/>
+      <a:schemeClr val="accent4"/>
     </dgm:linClrLst>
     <dgm:effectClrLst/>
     <dgm:txLinClrLst/>
@@ -2288,17 +2288,17 @@
   </dgm:styleLbl>
   <dgm:styleLbl name="fgAccFollowNode1">
     <dgm:fillClrLst>
-      <a:schemeClr val="accent6">
+      <a:schemeClr val="accent4">
         <a:alpha val="90000"/>
         <a:tint val="40000"/>
       </a:schemeClr>
-      <a:schemeClr val="accent6">
+      <a:schemeClr val="accent4">
         <a:alpha val="50000"/>
         <a:tint val="40000"/>
       </a:schemeClr>
     </dgm:fillClrLst>
     <dgm:linClrLst meth="repeat">
-      <a:schemeClr val="accent6">
+      <a:schemeClr val="accent4">
         <a:alpha val="90000"/>
         <a:tint val="40000"/>
       </a:schemeClr>
@@ -2312,13 +2312,13 @@
   </dgm:styleLbl>
   <dgm:styleLbl name="alignAccFollowNode1">
     <dgm:fillClrLst meth="repeat">
-      <a:schemeClr val="accent6">
+      <a:schemeClr val="accent4">
         <a:alpha val="90000"/>
         <a:tint val="40000"/>
       </a:schemeClr>
     </dgm:fillClrLst>
     <dgm:linClrLst meth="repeat">
-      <a:schemeClr val="accent6">
+      <a:schemeClr val="accent4">
         <a:alpha val="90000"/>
         <a:tint val="40000"/>
       </a:schemeClr>
@@ -2332,7 +2332,7 @@
   </dgm:styleLbl>
   <dgm:styleLbl name="bgAccFollowNode1">
     <dgm:fillClrLst meth="repeat">
-      <a:schemeClr val="accent6">
+      <a:schemeClr val="accent4">
         <a:alpha val="90000"/>
         <a:tint val="40000"/>
       </a:schemeClr>
@@ -2354,7 +2354,7 @@
       </a:schemeClr>
     </dgm:fillClrLst>
     <dgm:linClrLst meth="repeat">
-      <a:schemeClr val="accent6">
+      <a:schemeClr val="accent4">
         <a:shade val="80000"/>
       </a:schemeClr>
     </dgm:linClrLst>
@@ -2372,7 +2372,7 @@
       </a:schemeClr>
     </dgm:fillClrLst>
     <dgm:linClrLst meth="repeat">
-      <a:schemeClr val="accent6">
+      <a:schemeClr val="accent4">
         <a:tint val="90000"/>
       </a:schemeClr>
     </dgm:linClrLst>
@@ -2390,7 +2390,7 @@
       </a:schemeClr>
     </dgm:fillClrLst>
     <dgm:linClrLst meth="repeat">
-      <a:schemeClr val="accent6">
+      <a:schemeClr val="accent4">
         <a:tint val="70000"/>
       </a:schemeClr>
     </dgm:linClrLst>
@@ -2408,7 +2408,7 @@
       </a:schemeClr>
     </dgm:fillClrLst>
     <dgm:linClrLst meth="repeat">
-      <a:schemeClr val="accent6">
+      <a:schemeClr val="accent4">
         <a:tint val="50000"/>
       </a:schemeClr>
     </dgm:linClrLst>
@@ -2421,7 +2421,7 @@
   </dgm:styleLbl>
   <dgm:styleLbl name="bgShp">
     <dgm:fillClrLst meth="repeat">
-      <a:schemeClr val="accent6">
+      <a:schemeClr val="accent4">
         <a:tint val="40000"/>
       </a:schemeClr>
     </dgm:fillClrLst>
@@ -2437,7 +2437,7 @@
   </dgm:styleLbl>
   <dgm:styleLbl name="dkBgShp">
     <dgm:fillClrLst meth="repeat">
-      <a:schemeClr val="accent6">
+      <a:schemeClr val="accent4">
         <a:shade val="90000"/>
       </a:schemeClr>
     </dgm:fillClrLst>
@@ -2453,13 +2453,13 @@
   </dgm:styleLbl>
   <dgm:styleLbl name="trBgShp">
     <dgm:fillClrLst meth="repeat">
-      <a:schemeClr val="accent6">
+      <a:schemeClr val="accent4">
         <a:tint val="50000"/>
         <a:alpha val="40000"/>
       </a:schemeClr>
     </dgm:fillClrLst>
     <dgm:linClrLst meth="repeat">
-      <a:schemeClr val="accent6"/>
+      <a:schemeClr val="accent4"/>
     </dgm:linClrLst>
     <dgm:effectClrLst/>
     <dgm:txLinClrLst/>
@@ -2470,7 +2470,7 @@
   </dgm:styleLbl>
   <dgm:styleLbl name="fgShp">
     <dgm:fillClrLst meth="repeat">
-      <a:schemeClr val="accent6">
+      <a:schemeClr val="accent4">
         <a:tint val="40000"/>
       </a:schemeClr>
     </dgm:fillClrLst>
@@ -5101,6 +5101,753 @@
     <dgm:fillClrLst meth="repeat">
       <a:schemeClr val="accent6">
         <a:tint val="55000"/>
+      </a:schemeClr>
+    </dgm:fillClrLst>
+    <dgm:linClrLst meth="repeat">
+      <a:schemeClr val="lt1"/>
+    </dgm:linClrLst>
+    <dgm:effectClrLst/>
+    <dgm:txLinClrLst/>
+    <dgm:txFillClrLst meth="repeat">
+      <a:schemeClr val="dk1"/>
+    </dgm:txFillClrLst>
+    <dgm:txEffectClrLst/>
+  </dgm:styleLbl>
+  <dgm:styleLbl name="revTx">
+    <dgm:fillClrLst meth="repeat">
+      <a:schemeClr val="lt1">
+        <a:alpha val="0"/>
+      </a:schemeClr>
+    </dgm:fillClrLst>
+    <dgm:linClrLst meth="repeat">
+      <a:schemeClr val="dk1">
+        <a:alpha val="0"/>
+      </a:schemeClr>
+    </dgm:linClrLst>
+    <dgm:effectClrLst/>
+    <dgm:txLinClrLst/>
+    <dgm:txFillClrLst meth="repeat">
+      <a:schemeClr val="tx1"/>
+    </dgm:txFillClrLst>
+    <dgm:txEffectClrLst/>
+  </dgm:styleLbl>
+</dgm:colorsDef>
+</file>
+
+<file path=ppt/diagrams/colors7.xml><?xml version="1.0" encoding="utf-8"?>
+<dgm:colorsDef xmlns:dgm="http://schemas.openxmlformats.org/drawingml/2006/diagram" xmlns:a="http://schemas.openxmlformats.org/drawingml/2006/main" uniqueId="urn:microsoft.com/office/officeart/2005/8/colors/accent1_2">
+  <dgm:title val=""/>
+  <dgm:desc val=""/>
+  <dgm:catLst>
+    <dgm:cat type="accent1" pri="11200"/>
+  </dgm:catLst>
+  <dgm:styleLbl name="node0">
+    <dgm:fillClrLst meth="repeat">
+      <a:schemeClr val="accent1"/>
+    </dgm:fillClrLst>
+    <dgm:linClrLst meth="repeat">
+      <a:schemeClr val="lt1"/>
+    </dgm:linClrLst>
+    <dgm:effectClrLst/>
+    <dgm:txLinClrLst/>
+    <dgm:txFillClrLst/>
+    <dgm:txEffectClrLst/>
+  </dgm:styleLbl>
+  <dgm:styleLbl name="alignNode1">
+    <dgm:fillClrLst meth="repeat">
+      <a:schemeClr val="accent1"/>
+    </dgm:fillClrLst>
+    <dgm:linClrLst meth="repeat">
+      <a:schemeClr val="accent1"/>
+    </dgm:linClrLst>
+    <dgm:effectClrLst/>
+    <dgm:txLinClrLst/>
+    <dgm:txFillClrLst/>
+    <dgm:txEffectClrLst/>
+  </dgm:styleLbl>
+  <dgm:styleLbl name="node1">
+    <dgm:fillClrLst meth="repeat">
+      <a:schemeClr val="accent1"/>
+    </dgm:fillClrLst>
+    <dgm:linClrLst meth="repeat">
+      <a:schemeClr val="lt1"/>
+    </dgm:linClrLst>
+    <dgm:effectClrLst/>
+    <dgm:txLinClrLst/>
+    <dgm:txFillClrLst/>
+    <dgm:txEffectClrLst/>
+  </dgm:styleLbl>
+  <dgm:styleLbl name="lnNode1">
+    <dgm:fillClrLst meth="repeat">
+      <a:schemeClr val="accent1"/>
+    </dgm:fillClrLst>
+    <dgm:linClrLst meth="repeat">
+      <a:schemeClr val="lt1"/>
+    </dgm:linClrLst>
+    <dgm:effectClrLst/>
+    <dgm:txLinClrLst/>
+    <dgm:txFillClrLst/>
+    <dgm:txEffectClrLst/>
+  </dgm:styleLbl>
+  <dgm:styleLbl name="vennNode1">
+    <dgm:fillClrLst meth="repeat">
+      <a:schemeClr val="accent1">
+        <a:alpha val="50000"/>
+      </a:schemeClr>
+    </dgm:fillClrLst>
+    <dgm:linClrLst meth="repeat">
+      <a:schemeClr val="lt1"/>
+    </dgm:linClrLst>
+    <dgm:effectClrLst/>
+    <dgm:txLinClrLst/>
+    <dgm:txFillClrLst/>
+    <dgm:txEffectClrLst/>
+  </dgm:styleLbl>
+  <dgm:styleLbl name="node2">
+    <dgm:fillClrLst meth="repeat">
+      <a:schemeClr val="accent1"/>
+    </dgm:fillClrLst>
+    <dgm:linClrLst meth="repeat">
+      <a:schemeClr val="lt1"/>
+    </dgm:linClrLst>
+    <dgm:effectClrLst/>
+    <dgm:txLinClrLst/>
+    <dgm:txFillClrLst/>
+    <dgm:txEffectClrLst/>
+  </dgm:styleLbl>
+  <dgm:styleLbl name="node3">
+    <dgm:fillClrLst meth="repeat">
+      <a:schemeClr val="accent1"/>
+    </dgm:fillClrLst>
+    <dgm:linClrLst meth="repeat">
+      <a:schemeClr val="lt1"/>
+    </dgm:linClrLst>
+    <dgm:effectClrLst/>
+    <dgm:txLinClrLst/>
+    <dgm:txFillClrLst/>
+    <dgm:txEffectClrLst/>
+  </dgm:styleLbl>
+  <dgm:styleLbl name="node4">
+    <dgm:fillClrLst meth="repeat">
+      <a:schemeClr val="accent1"/>
+    </dgm:fillClrLst>
+    <dgm:linClrLst meth="repeat">
+      <a:schemeClr val="lt1"/>
+    </dgm:linClrLst>
+    <dgm:effectClrLst/>
+    <dgm:txLinClrLst/>
+    <dgm:txFillClrLst/>
+    <dgm:txEffectClrLst/>
+  </dgm:styleLbl>
+  <dgm:styleLbl name="fgImgPlace1">
+    <dgm:fillClrLst meth="repeat">
+      <a:schemeClr val="accent1">
+        <a:tint val="50000"/>
+      </a:schemeClr>
+    </dgm:fillClrLst>
+    <dgm:linClrLst meth="repeat">
+      <a:schemeClr val="lt1"/>
+    </dgm:linClrLst>
+    <dgm:effectClrLst/>
+    <dgm:txLinClrLst/>
+    <dgm:txFillClrLst meth="repeat">
+      <a:schemeClr val="lt1"/>
+    </dgm:txFillClrLst>
+    <dgm:txEffectClrLst/>
+  </dgm:styleLbl>
+  <dgm:styleLbl name="alignImgPlace1">
+    <dgm:fillClrLst meth="repeat">
+      <a:schemeClr val="accent1">
+        <a:tint val="50000"/>
+      </a:schemeClr>
+    </dgm:fillClrLst>
+    <dgm:linClrLst meth="repeat">
+      <a:schemeClr val="lt1"/>
+    </dgm:linClrLst>
+    <dgm:effectClrLst/>
+    <dgm:txLinClrLst/>
+    <dgm:txFillClrLst meth="repeat">
+      <a:schemeClr val="lt1"/>
+    </dgm:txFillClrLst>
+    <dgm:txEffectClrLst/>
+  </dgm:styleLbl>
+  <dgm:styleLbl name="bgImgPlace1">
+    <dgm:fillClrLst meth="repeat">
+      <a:schemeClr val="accent1">
+        <a:tint val="50000"/>
+      </a:schemeClr>
+    </dgm:fillClrLst>
+    <dgm:linClrLst meth="repeat">
+      <a:schemeClr val="lt1"/>
+    </dgm:linClrLst>
+    <dgm:effectClrLst/>
+    <dgm:txLinClrLst/>
+    <dgm:txFillClrLst meth="repeat">
+      <a:schemeClr val="lt1"/>
+    </dgm:txFillClrLst>
+    <dgm:txEffectClrLst/>
+  </dgm:styleLbl>
+  <dgm:styleLbl name="sibTrans2D1">
+    <dgm:fillClrLst meth="repeat">
+      <a:schemeClr val="accent1">
+        <a:tint val="60000"/>
+      </a:schemeClr>
+    </dgm:fillClrLst>
+    <dgm:linClrLst meth="repeat">
+      <a:schemeClr val="accent1">
+        <a:tint val="60000"/>
+      </a:schemeClr>
+    </dgm:linClrLst>
+    <dgm:effectClrLst/>
+    <dgm:txLinClrLst/>
+    <dgm:txFillClrLst/>
+    <dgm:txEffectClrLst/>
+  </dgm:styleLbl>
+  <dgm:styleLbl name="fgSibTrans2D1">
+    <dgm:fillClrLst meth="repeat">
+      <a:schemeClr val="accent1">
+        <a:tint val="60000"/>
+      </a:schemeClr>
+    </dgm:fillClrLst>
+    <dgm:linClrLst meth="repeat">
+      <a:schemeClr val="accent1">
+        <a:tint val="60000"/>
+      </a:schemeClr>
+    </dgm:linClrLst>
+    <dgm:effectClrLst/>
+    <dgm:txLinClrLst/>
+    <dgm:txFillClrLst/>
+    <dgm:txEffectClrLst/>
+  </dgm:styleLbl>
+  <dgm:styleLbl name="bgSibTrans2D1">
+    <dgm:fillClrLst meth="repeat">
+      <a:schemeClr val="accent1">
+        <a:tint val="60000"/>
+      </a:schemeClr>
+    </dgm:fillClrLst>
+    <dgm:linClrLst meth="repeat">
+      <a:schemeClr val="accent1">
+        <a:tint val="60000"/>
+      </a:schemeClr>
+    </dgm:linClrLst>
+    <dgm:effectClrLst/>
+    <dgm:txLinClrLst/>
+    <dgm:txFillClrLst/>
+    <dgm:txEffectClrLst/>
+  </dgm:styleLbl>
+  <dgm:styleLbl name="sibTrans1D1">
+    <dgm:fillClrLst meth="repeat">
+      <a:schemeClr val="accent1"/>
+    </dgm:fillClrLst>
+    <dgm:linClrLst meth="repeat">
+      <a:schemeClr val="accent1"/>
+    </dgm:linClrLst>
+    <dgm:effectClrLst/>
+    <dgm:txLinClrLst/>
+    <dgm:txFillClrLst meth="repeat">
+      <a:schemeClr val="tx1"/>
+    </dgm:txFillClrLst>
+    <dgm:txEffectClrLst/>
+  </dgm:styleLbl>
+  <dgm:styleLbl name="callout">
+    <dgm:fillClrLst meth="repeat">
+      <a:schemeClr val="accent1"/>
+    </dgm:fillClrLst>
+    <dgm:linClrLst meth="repeat">
+      <a:schemeClr val="accent1">
+        <a:tint val="50000"/>
+      </a:schemeClr>
+    </dgm:linClrLst>
+    <dgm:effectClrLst/>
+    <dgm:txLinClrLst/>
+    <dgm:txFillClrLst meth="repeat">
+      <a:schemeClr val="tx1"/>
+    </dgm:txFillClrLst>
+    <dgm:txEffectClrLst/>
+  </dgm:styleLbl>
+  <dgm:styleLbl name="asst0">
+    <dgm:fillClrLst meth="repeat">
+      <a:schemeClr val="accent1"/>
+    </dgm:fillClrLst>
+    <dgm:linClrLst meth="repeat">
+      <a:schemeClr val="lt1"/>
+    </dgm:linClrLst>
+    <dgm:effectClrLst/>
+    <dgm:txLinClrLst/>
+    <dgm:txFillClrLst/>
+    <dgm:txEffectClrLst/>
+  </dgm:styleLbl>
+  <dgm:styleLbl name="asst1">
+    <dgm:fillClrLst meth="repeat">
+      <a:schemeClr val="accent1"/>
+    </dgm:fillClrLst>
+    <dgm:linClrLst meth="repeat">
+      <a:schemeClr val="lt1"/>
+    </dgm:linClrLst>
+    <dgm:effectClrLst/>
+    <dgm:txLinClrLst/>
+    <dgm:txFillClrLst/>
+    <dgm:txEffectClrLst/>
+  </dgm:styleLbl>
+  <dgm:styleLbl name="asst2">
+    <dgm:fillClrLst meth="repeat">
+      <a:schemeClr val="accent1"/>
+    </dgm:fillClrLst>
+    <dgm:linClrLst meth="repeat">
+      <a:schemeClr val="lt1"/>
+    </dgm:linClrLst>
+    <dgm:effectClrLst/>
+    <dgm:txLinClrLst/>
+    <dgm:txFillClrLst/>
+    <dgm:txEffectClrLst/>
+  </dgm:styleLbl>
+  <dgm:styleLbl name="asst3">
+    <dgm:fillClrLst meth="repeat">
+      <a:schemeClr val="accent1"/>
+    </dgm:fillClrLst>
+    <dgm:linClrLst meth="repeat">
+      <a:schemeClr val="lt1"/>
+    </dgm:linClrLst>
+    <dgm:effectClrLst/>
+    <dgm:txLinClrLst/>
+    <dgm:txFillClrLst/>
+    <dgm:txEffectClrLst/>
+  </dgm:styleLbl>
+  <dgm:styleLbl name="asst4">
+    <dgm:fillClrLst meth="repeat">
+      <a:schemeClr val="accent1"/>
+    </dgm:fillClrLst>
+    <dgm:linClrLst meth="repeat">
+      <a:schemeClr val="lt1"/>
+    </dgm:linClrLst>
+    <dgm:effectClrLst/>
+    <dgm:txLinClrLst/>
+    <dgm:txFillClrLst/>
+    <dgm:txEffectClrLst/>
+  </dgm:styleLbl>
+  <dgm:styleLbl name="parChTrans2D1">
+    <dgm:fillClrLst meth="repeat">
+      <a:schemeClr val="accent1">
+        <a:tint val="60000"/>
+      </a:schemeClr>
+    </dgm:fillClrLst>
+    <dgm:linClrLst meth="repeat">
+      <a:schemeClr val="accent1">
+        <a:tint val="60000"/>
+      </a:schemeClr>
+    </dgm:linClrLst>
+    <dgm:effectClrLst/>
+    <dgm:txLinClrLst/>
+    <dgm:txFillClrLst meth="repeat">
+      <a:schemeClr val="lt1"/>
+    </dgm:txFillClrLst>
+    <dgm:txEffectClrLst/>
+  </dgm:styleLbl>
+  <dgm:styleLbl name="parChTrans2D2">
+    <dgm:fillClrLst meth="repeat">
+      <a:schemeClr val="accent1"/>
+    </dgm:fillClrLst>
+    <dgm:linClrLst meth="repeat">
+      <a:schemeClr val="accent1"/>
+    </dgm:linClrLst>
+    <dgm:effectClrLst/>
+    <dgm:txLinClrLst/>
+    <dgm:txFillClrLst meth="repeat">
+      <a:schemeClr val="lt1"/>
+    </dgm:txFillClrLst>
+    <dgm:txEffectClrLst/>
+  </dgm:styleLbl>
+  <dgm:styleLbl name="parChTrans2D3">
+    <dgm:fillClrLst meth="repeat">
+      <a:schemeClr val="accent1"/>
+    </dgm:fillClrLst>
+    <dgm:linClrLst meth="repeat">
+      <a:schemeClr val="accent1"/>
+    </dgm:linClrLst>
+    <dgm:effectClrLst/>
+    <dgm:txLinClrLst/>
+    <dgm:txFillClrLst meth="repeat">
+      <a:schemeClr val="lt1"/>
+    </dgm:txFillClrLst>
+    <dgm:txEffectClrLst/>
+  </dgm:styleLbl>
+  <dgm:styleLbl name="parChTrans2D4">
+    <dgm:fillClrLst meth="repeat">
+      <a:schemeClr val="accent1"/>
+    </dgm:fillClrLst>
+    <dgm:linClrLst meth="repeat">
+      <a:schemeClr val="accent1"/>
+    </dgm:linClrLst>
+    <dgm:effectClrLst/>
+    <dgm:txLinClrLst/>
+    <dgm:txFillClrLst meth="repeat">
+      <a:schemeClr val="lt1"/>
+    </dgm:txFillClrLst>
+    <dgm:txEffectClrLst/>
+  </dgm:styleLbl>
+  <dgm:styleLbl name="parChTrans1D1">
+    <dgm:fillClrLst meth="repeat">
+      <a:schemeClr val="accent1"/>
+    </dgm:fillClrLst>
+    <dgm:linClrLst meth="repeat">
+      <a:schemeClr val="accent1">
+        <a:shade val="60000"/>
+      </a:schemeClr>
+    </dgm:linClrLst>
+    <dgm:effectClrLst/>
+    <dgm:txLinClrLst/>
+    <dgm:txFillClrLst meth="repeat">
+      <a:schemeClr val="tx1"/>
+    </dgm:txFillClrLst>
+    <dgm:txEffectClrLst/>
+  </dgm:styleLbl>
+  <dgm:styleLbl name="parChTrans1D2">
+    <dgm:fillClrLst meth="repeat">
+      <a:schemeClr val="accent1"/>
+    </dgm:fillClrLst>
+    <dgm:linClrLst meth="repeat">
+      <a:schemeClr val="accent1">
+        <a:shade val="60000"/>
+      </a:schemeClr>
+    </dgm:linClrLst>
+    <dgm:effectClrLst/>
+    <dgm:txLinClrLst/>
+    <dgm:txFillClrLst meth="repeat">
+      <a:schemeClr val="tx1"/>
+    </dgm:txFillClrLst>
+    <dgm:txEffectClrLst/>
+  </dgm:styleLbl>
+  <dgm:styleLbl name="parChTrans1D3">
+    <dgm:fillClrLst meth="repeat">
+      <a:schemeClr val="accent1"/>
+    </dgm:fillClrLst>
+    <dgm:linClrLst meth="repeat">
+      <a:schemeClr val="accent1">
+        <a:shade val="80000"/>
+      </a:schemeClr>
+    </dgm:linClrLst>
+    <dgm:effectClrLst/>
+    <dgm:txLinClrLst/>
+    <dgm:txFillClrLst meth="repeat">
+      <a:schemeClr val="tx1"/>
+    </dgm:txFillClrLst>
+    <dgm:txEffectClrLst/>
+  </dgm:styleLbl>
+  <dgm:styleLbl name="parChTrans1D4">
+    <dgm:fillClrLst meth="repeat">
+      <a:schemeClr val="accent1"/>
+    </dgm:fillClrLst>
+    <dgm:linClrLst meth="repeat">
+      <a:schemeClr val="accent1">
+        <a:shade val="80000"/>
+      </a:schemeClr>
+    </dgm:linClrLst>
+    <dgm:effectClrLst/>
+    <dgm:txLinClrLst/>
+    <dgm:txFillClrLst meth="repeat">
+      <a:schemeClr val="tx1"/>
+    </dgm:txFillClrLst>
+    <dgm:txEffectClrLst/>
+  </dgm:styleLbl>
+  <dgm:styleLbl name="fgAcc1">
+    <dgm:fillClrLst meth="repeat">
+      <a:schemeClr val="lt1">
+        <a:alpha val="90000"/>
+      </a:schemeClr>
+    </dgm:fillClrLst>
+    <dgm:linClrLst meth="repeat">
+      <a:schemeClr val="accent1"/>
+    </dgm:linClrLst>
+    <dgm:effectClrLst/>
+    <dgm:txLinClrLst/>
+    <dgm:txFillClrLst meth="repeat">
+      <a:schemeClr val="dk1"/>
+    </dgm:txFillClrLst>
+    <dgm:txEffectClrLst/>
+  </dgm:styleLbl>
+  <dgm:styleLbl name="conFgAcc1">
+    <dgm:fillClrLst meth="repeat">
+      <a:schemeClr val="lt1">
+        <a:alpha val="90000"/>
+      </a:schemeClr>
+    </dgm:fillClrLst>
+    <dgm:linClrLst meth="repeat">
+      <a:schemeClr val="accent1"/>
+    </dgm:linClrLst>
+    <dgm:effectClrLst/>
+    <dgm:txLinClrLst/>
+    <dgm:txFillClrLst meth="repeat">
+      <a:schemeClr val="dk1"/>
+    </dgm:txFillClrLst>
+    <dgm:txEffectClrLst/>
+  </dgm:styleLbl>
+  <dgm:styleLbl name="alignAcc1">
+    <dgm:fillClrLst meth="repeat">
+      <a:schemeClr val="lt1">
+        <a:alpha val="90000"/>
+      </a:schemeClr>
+    </dgm:fillClrLst>
+    <dgm:linClrLst meth="repeat">
+      <a:schemeClr val="accent1"/>
+    </dgm:linClrLst>
+    <dgm:effectClrLst/>
+    <dgm:txLinClrLst/>
+    <dgm:txFillClrLst meth="repeat">
+      <a:schemeClr val="dk1"/>
+    </dgm:txFillClrLst>
+    <dgm:txEffectClrLst/>
+  </dgm:styleLbl>
+  <dgm:styleLbl name="trAlignAcc1">
+    <dgm:fillClrLst meth="repeat">
+      <a:schemeClr val="lt1">
+        <a:alpha val="40000"/>
+      </a:schemeClr>
+    </dgm:fillClrLst>
+    <dgm:linClrLst meth="repeat">
+      <a:schemeClr val="accent1"/>
+    </dgm:linClrLst>
+    <dgm:effectClrLst/>
+    <dgm:txLinClrLst/>
+    <dgm:txFillClrLst meth="repeat">
+      <a:schemeClr val="dk1"/>
+    </dgm:txFillClrLst>
+    <dgm:txEffectClrLst/>
+  </dgm:styleLbl>
+  <dgm:styleLbl name="bgAcc1">
+    <dgm:fillClrLst meth="repeat">
+      <a:schemeClr val="lt1">
+        <a:alpha val="90000"/>
+      </a:schemeClr>
+    </dgm:fillClrLst>
+    <dgm:linClrLst meth="repeat">
+      <a:schemeClr val="accent1"/>
+    </dgm:linClrLst>
+    <dgm:effectClrLst/>
+    <dgm:txLinClrLst/>
+    <dgm:txFillClrLst meth="repeat">
+      <a:schemeClr val="dk1"/>
+    </dgm:txFillClrLst>
+    <dgm:txEffectClrLst/>
+  </dgm:styleLbl>
+  <dgm:styleLbl name="solidFgAcc1">
+    <dgm:fillClrLst meth="repeat">
+      <a:schemeClr val="lt1"/>
+    </dgm:fillClrLst>
+    <dgm:linClrLst meth="repeat">
+      <a:schemeClr val="accent1"/>
+    </dgm:linClrLst>
+    <dgm:effectClrLst/>
+    <dgm:txLinClrLst/>
+    <dgm:txFillClrLst meth="repeat">
+      <a:schemeClr val="dk1"/>
+    </dgm:txFillClrLst>
+    <dgm:txEffectClrLst/>
+  </dgm:styleLbl>
+  <dgm:styleLbl name="solidAlignAcc1">
+    <dgm:fillClrLst meth="repeat">
+      <a:schemeClr val="lt1"/>
+    </dgm:fillClrLst>
+    <dgm:linClrLst meth="repeat">
+      <a:schemeClr val="accent1"/>
+    </dgm:linClrLst>
+    <dgm:effectClrLst/>
+    <dgm:txLinClrLst/>
+    <dgm:txFillClrLst meth="repeat">
+      <a:schemeClr val="dk1"/>
+    </dgm:txFillClrLst>
+    <dgm:txEffectClrLst/>
+  </dgm:styleLbl>
+  <dgm:styleLbl name="solidBgAcc1">
+    <dgm:fillClrLst meth="repeat">
+      <a:schemeClr val="lt1"/>
+    </dgm:fillClrLst>
+    <dgm:linClrLst meth="repeat">
+      <a:schemeClr val="accent1"/>
+    </dgm:linClrLst>
+    <dgm:effectClrLst/>
+    <dgm:txLinClrLst/>
+    <dgm:txFillClrLst meth="repeat">
+      <a:schemeClr val="dk1"/>
+    </dgm:txFillClrLst>
+    <dgm:txEffectClrLst/>
+  </dgm:styleLbl>
+  <dgm:styleLbl name="fgAccFollowNode1">
+    <dgm:fillClrLst meth="repeat">
+      <a:schemeClr val="accent1">
+        <a:alpha val="90000"/>
+        <a:tint val="40000"/>
+      </a:schemeClr>
+    </dgm:fillClrLst>
+    <dgm:linClrLst meth="repeat">
+      <a:schemeClr val="accent1">
+        <a:alpha val="90000"/>
+        <a:tint val="40000"/>
+      </a:schemeClr>
+    </dgm:linClrLst>
+    <dgm:effectClrLst/>
+    <dgm:txLinClrLst/>
+    <dgm:txFillClrLst meth="repeat">
+      <a:schemeClr val="dk1"/>
+    </dgm:txFillClrLst>
+    <dgm:txEffectClrLst/>
+  </dgm:styleLbl>
+  <dgm:styleLbl name="alignAccFollowNode1">
+    <dgm:fillClrLst meth="repeat">
+      <a:schemeClr val="accent1">
+        <a:alpha val="90000"/>
+        <a:tint val="40000"/>
+      </a:schemeClr>
+    </dgm:fillClrLst>
+    <dgm:linClrLst meth="repeat">
+      <a:schemeClr val="accent1">
+        <a:alpha val="90000"/>
+        <a:tint val="40000"/>
+      </a:schemeClr>
+    </dgm:linClrLst>
+    <dgm:effectClrLst/>
+    <dgm:txLinClrLst/>
+    <dgm:txFillClrLst meth="repeat">
+      <a:schemeClr val="dk1"/>
+    </dgm:txFillClrLst>
+    <dgm:txEffectClrLst/>
+  </dgm:styleLbl>
+  <dgm:styleLbl name="bgAccFollowNode1">
+    <dgm:fillClrLst meth="repeat">
+      <a:schemeClr val="accent1">
+        <a:alpha val="90000"/>
+        <a:tint val="40000"/>
+      </a:schemeClr>
+    </dgm:fillClrLst>
+    <dgm:linClrLst meth="repeat">
+      <a:schemeClr val="accent1">
+        <a:alpha val="90000"/>
+        <a:tint val="40000"/>
+      </a:schemeClr>
+    </dgm:linClrLst>
+    <dgm:effectClrLst/>
+    <dgm:txLinClrLst/>
+    <dgm:txFillClrLst meth="repeat">
+      <a:schemeClr val="dk1"/>
+    </dgm:txFillClrLst>
+    <dgm:txEffectClrLst/>
+  </dgm:styleLbl>
+  <dgm:styleLbl name="fgAcc0">
+    <dgm:fillClrLst meth="repeat">
+      <a:schemeClr val="lt1">
+        <a:alpha val="90000"/>
+      </a:schemeClr>
+    </dgm:fillClrLst>
+    <dgm:linClrLst meth="repeat">
+      <a:schemeClr val="accent1"/>
+    </dgm:linClrLst>
+    <dgm:effectClrLst/>
+    <dgm:txLinClrLst/>
+    <dgm:txFillClrLst meth="repeat">
+      <a:schemeClr val="dk1"/>
+    </dgm:txFillClrLst>
+    <dgm:txEffectClrLst/>
+  </dgm:styleLbl>
+  <dgm:styleLbl name="fgAcc2">
+    <dgm:fillClrLst meth="repeat">
+      <a:schemeClr val="lt1">
+        <a:alpha val="90000"/>
+      </a:schemeClr>
+    </dgm:fillClrLst>
+    <dgm:linClrLst meth="repeat">
+      <a:schemeClr val="accent1"/>
+    </dgm:linClrLst>
+    <dgm:effectClrLst/>
+    <dgm:txLinClrLst/>
+    <dgm:txFillClrLst meth="repeat">
+      <a:schemeClr val="dk1"/>
+    </dgm:txFillClrLst>
+    <dgm:txEffectClrLst/>
+  </dgm:styleLbl>
+  <dgm:styleLbl name="fgAcc3">
+    <dgm:fillClrLst meth="repeat">
+      <a:schemeClr val="lt1">
+        <a:alpha val="90000"/>
+      </a:schemeClr>
+    </dgm:fillClrLst>
+    <dgm:linClrLst meth="repeat">
+      <a:schemeClr val="accent1"/>
+    </dgm:linClrLst>
+    <dgm:effectClrLst/>
+    <dgm:txLinClrLst/>
+    <dgm:txFillClrLst meth="repeat">
+      <a:schemeClr val="dk1"/>
+    </dgm:txFillClrLst>
+    <dgm:txEffectClrLst/>
+  </dgm:styleLbl>
+  <dgm:styleLbl name="fgAcc4">
+    <dgm:fillClrLst meth="repeat">
+      <a:schemeClr val="lt1">
+        <a:alpha val="90000"/>
+      </a:schemeClr>
+    </dgm:fillClrLst>
+    <dgm:linClrLst meth="repeat">
+      <a:schemeClr val="accent1"/>
+    </dgm:linClrLst>
+    <dgm:effectClrLst/>
+    <dgm:txLinClrLst/>
+    <dgm:txFillClrLst meth="repeat">
+      <a:schemeClr val="dk1"/>
+    </dgm:txFillClrLst>
+    <dgm:txEffectClrLst/>
+  </dgm:styleLbl>
+  <dgm:styleLbl name="bgShp">
+    <dgm:fillClrLst meth="repeat">
+      <a:schemeClr val="accent1">
+        <a:tint val="40000"/>
+      </a:schemeClr>
+    </dgm:fillClrLst>
+    <dgm:linClrLst meth="repeat">
+      <a:schemeClr val="accent1"/>
+    </dgm:linClrLst>
+    <dgm:effectClrLst/>
+    <dgm:txLinClrLst/>
+    <dgm:txFillClrLst meth="repeat">
+      <a:schemeClr val="dk1"/>
+    </dgm:txFillClrLst>
+    <dgm:txEffectClrLst/>
+  </dgm:styleLbl>
+  <dgm:styleLbl name="dkBgShp">
+    <dgm:fillClrLst meth="repeat">
+      <a:schemeClr val="accent1">
+        <a:shade val="80000"/>
+      </a:schemeClr>
+    </dgm:fillClrLst>
+    <dgm:linClrLst meth="repeat">
+      <a:schemeClr val="accent1"/>
+    </dgm:linClrLst>
+    <dgm:effectClrLst/>
+    <dgm:txLinClrLst/>
+    <dgm:txFillClrLst meth="repeat">
+      <a:schemeClr val="lt1"/>
+    </dgm:txFillClrLst>
+    <dgm:txEffectClrLst/>
+  </dgm:styleLbl>
+  <dgm:styleLbl name="trBgShp">
+    <dgm:fillClrLst meth="repeat">
+      <a:schemeClr val="accent1">
+        <a:tint val="50000"/>
+        <a:alpha val="40000"/>
+      </a:schemeClr>
+    </dgm:fillClrLst>
+    <dgm:linClrLst meth="repeat">
+      <a:schemeClr val="accent1"/>
+    </dgm:linClrLst>
+    <dgm:effectClrLst/>
+    <dgm:txLinClrLst/>
+    <dgm:txFillClrLst meth="repeat">
+      <a:schemeClr val="lt1"/>
+    </dgm:txFillClrLst>
+    <dgm:txEffectClrLst/>
+  </dgm:styleLbl>
+  <dgm:styleLbl name="fgShp">
+    <dgm:fillClrLst meth="repeat">
+      <a:schemeClr val="accent1">
+        <a:tint val="60000"/>
       </a:schemeClr>
     </dgm:fillClrLst>
     <dgm:linClrLst meth="repeat">
@@ -5574,7 +6321,7 @@
 <dgm:dataModel xmlns:dgm="http://schemas.openxmlformats.org/drawingml/2006/diagram" xmlns:a="http://schemas.openxmlformats.org/drawingml/2006/main">
   <dgm:ptLst>
     <dgm:pt modelId="{7FB6AEA7-7689-4FA5-B106-4CA4D80644D2}" type="doc">
-      <dgm:prSet loTypeId="urn:microsoft.com/office/officeart/2005/8/layout/process5" loCatId="process" qsTypeId="urn:microsoft.com/office/officeart/2005/8/quickstyle/simple1" qsCatId="simple" csTypeId="urn:microsoft.com/office/officeart/2005/8/colors/accent6_5" csCatId="accent6" phldr="1"/>
+      <dgm:prSet loTypeId="urn:microsoft.com/office/officeart/2005/8/layout/process5" loCatId="process" qsTypeId="urn:microsoft.com/office/officeart/2005/8/quickstyle/simple1" qsCatId="simple" csTypeId="urn:microsoft.com/office/officeart/2005/8/colors/accent4_5" csCatId="accent4" phldr="1"/>
       <dgm:spPr/>
       <dgm:t>
         <a:bodyPr/>
@@ -5670,10 +6417,16 @@
             <a:t>安装</a:t>
           </a:r>
           <a:r>
-            <a:rPr lang="en-US" altLang="zh-CN" smtClean="0"/>
+            <a:rPr lang="en-US" altLang="zh-CN" smtClean="0">
+              <a:latin typeface="Times New Roman" panose="02020603050405020304" pitchFamily="18" charset="0"/>
+              <a:cs typeface="Times New Roman" panose="02020603050405020304" pitchFamily="18" charset="0"/>
+            </a:rPr>
             <a:t>swift</a:t>
           </a:r>
-          <a:endParaRPr lang="zh-CN" altLang="en-US"/>
+          <a:endParaRPr lang="zh-CN" altLang="en-US">
+            <a:latin typeface="Times New Roman" panose="02020603050405020304" pitchFamily="18" charset="0"/>
+            <a:cs typeface="Times New Roman" panose="02020603050405020304" pitchFamily="18" charset="0"/>
+          </a:endParaRPr>
         </a:p>
       </dgm:t>
     </dgm:pt>
@@ -5711,10 +6464,16 @@
             <a:t>开启</a:t>
           </a:r>
           <a:r>
-            <a:rPr lang="en-US" altLang="zh-CN" smtClean="0"/>
+            <a:rPr lang="en-US" altLang="zh-CN" smtClean="0">
+              <a:latin typeface="Times New Roman" panose="02020603050405020304" pitchFamily="18" charset="0"/>
+              <a:cs typeface="Times New Roman" panose="02020603050405020304" pitchFamily="18" charset="0"/>
+            </a:rPr>
             <a:t>rsync、memcached</a:t>
           </a:r>
-          <a:endParaRPr lang="zh-CN" altLang="en-US"/>
+          <a:endParaRPr lang="zh-CN" altLang="en-US">
+            <a:latin typeface="Times New Roman" panose="02020603050405020304" pitchFamily="18" charset="0"/>
+            <a:cs typeface="Times New Roman" panose="02020603050405020304" pitchFamily="18" charset="0"/>
+          </a:endParaRPr>
         </a:p>
       </dgm:t>
     </dgm:pt>
@@ -5752,10 +6511,16 @@
             <a:t>启动</a:t>
           </a:r>
           <a:r>
-            <a:rPr lang="en-US" altLang="zh-CN" smtClean="0"/>
+            <a:rPr lang="en-US" altLang="zh-CN" smtClean="0">
+              <a:latin typeface="Times New Roman" panose="02020603050405020304" pitchFamily="18" charset="0"/>
+              <a:cs typeface="Times New Roman" panose="02020603050405020304" pitchFamily="18" charset="0"/>
+            </a:rPr>
             <a:t>swift</a:t>
           </a:r>
-          <a:endParaRPr lang="zh-CN" altLang="en-US"/>
+          <a:endParaRPr lang="zh-CN" altLang="en-US">
+            <a:latin typeface="Times New Roman" panose="02020603050405020304" pitchFamily="18" charset="0"/>
+            <a:cs typeface="Times New Roman" panose="02020603050405020304" pitchFamily="18" charset="0"/>
+          </a:endParaRPr>
         </a:p>
       </dgm:t>
     </dgm:pt>
@@ -5909,7 +6674,7 @@
       </dgm:t>
     </dgm:pt>
     <dgm:pt modelId="{4970E94A-C64E-457C-A07E-C30E9120445A}" type="pres">
-      <dgm:prSet presAssocID="{D93B6687-2F72-439F-8D79-D99ED4353678}" presName="node" presStyleLbl="node1" presStyleIdx="3" presStyleCnt="5">
+      <dgm:prSet presAssocID="{D93B6687-2F72-439F-8D79-D99ED4353678}" presName="node" presStyleLbl="node1" presStyleIdx="3" presStyleCnt="5" custLinFactNeighborX="-612" custLinFactNeighborY="-1020">
         <dgm:presLayoutVars>
           <dgm:bulletEnabled val="1"/>
         </dgm:presLayoutVars>
@@ -6027,10 +6792,16 @@
         <a:lstStyle/>
         <a:p>
           <a:r>
-            <a:rPr lang="en-US" altLang="zh-CN" smtClean="0"/>
+            <a:rPr lang="en-US" altLang="zh-CN" smtClean="0">
+              <a:latin typeface="Times New Roman" panose="02020603050405020304" pitchFamily="18" charset="0"/>
+              <a:cs typeface="Times New Roman" panose="02020603050405020304" pitchFamily="18" charset="0"/>
+            </a:rPr>
             <a:t>Proxy</a:t>
           </a:r>
-          <a:endParaRPr lang="zh-CN" altLang="en-US"/>
+          <a:endParaRPr lang="zh-CN" altLang="en-US">
+            <a:latin typeface="Times New Roman" panose="02020603050405020304" pitchFamily="18" charset="0"/>
+            <a:cs typeface="Times New Roman" panose="02020603050405020304" pitchFamily="18" charset="0"/>
+          </a:endParaRPr>
         </a:p>
       </dgm:t>
     </dgm:pt>
@@ -6064,10 +6835,16 @@
         <a:lstStyle/>
         <a:p>
           <a:r>
-            <a:rPr lang="en-US" altLang="zh-CN" smtClean="0"/>
+            <a:rPr lang="en-US" altLang="zh-CN" smtClean="0">
+              <a:latin typeface="Times New Roman" panose="02020603050405020304" pitchFamily="18" charset="0"/>
+              <a:cs typeface="Times New Roman" panose="02020603050405020304" pitchFamily="18" charset="0"/>
+            </a:rPr>
             <a:t>Auth</a:t>
           </a:r>
-          <a:endParaRPr lang="zh-CN" altLang="en-US"/>
+          <a:endParaRPr lang="zh-CN" altLang="en-US">
+            <a:latin typeface="Times New Roman" panose="02020603050405020304" pitchFamily="18" charset="0"/>
+            <a:cs typeface="Times New Roman" panose="02020603050405020304" pitchFamily="18" charset="0"/>
+          </a:endParaRPr>
         </a:p>
       </dgm:t>
     </dgm:pt>
@@ -6101,10 +6878,16 @@
         <a:lstStyle/>
         <a:p>
           <a:r>
-            <a:rPr lang="en-US" altLang="zh-CN" smtClean="0"/>
+            <a:rPr lang="en-US" altLang="zh-CN" smtClean="0">
+              <a:latin typeface="Times New Roman" panose="02020603050405020304" pitchFamily="18" charset="0"/>
+              <a:cs typeface="Times New Roman" panose="02020603050405020304" pitchFamily="18" charset="0"/>
+            </a:rPr>
             <a:t>Swif-osd</a:t>
           </a:r>
-          <a:endParaRPr lang="zh-CN" altLang="en-US"/>
+          <a:endParaRPr lang="zh-CN" altLang="en-US">
+            <a:latin typeface="Times New Roman" panose="02020603050405020304" pitchFamily="18" charset="0"/>
+            <a:cs typeface="Times New Roman" panose="02020603050405020304" pitchFamily="18" charset="0"/>
+          </a:endParaRPr>
         </a:p>
       </dgm:t>
     </dgm:pt>
@@ -6138,10 +6921,16 @@
         <a:lstStyle/>
         <a:p>
           <a:r>
-            <a:rPr lang="en-US" altLang="zh-CN" smtClean="0"/>
+            <a:rPr lang="en-US" altLang="zh-CN" smtClean="0">
+              <a:latin typeface="Times New Roman" panose="02020603050405020304" pitchFamily="18" charset="0"/>
+              <a:cs typeface="Times New Roman" panose="02020603050405020304" pitchFamily="18" charset="0"/>
+            </a:rPr>
             <a:t>Swift-osd</a:t>
           </a:r>
-          <a:endParaRPr lang="zh-CN" altLang="en-US"/>
+          <a:endParaRPr lang="zh-CN" altLang="en-US">
+            <a:latin typeface="Times New Roman" panose="02020603050405020304" pitchFamily="18" charset="0"/>
+            <a:cs typeface="Times New Roman" panose="02020603050405020304" pitchFamily="18" charset="0"/>
+          </a:endParaRPr>
         </a:p>
       </dgm:t>
     </dgm:pt>
@@ -6175,10 +6964,16 @@
         <a:lstStyle/>
         <a:p>
           <a:r>
-            <a:rPr lang="en-US" altLang="zh-CN" smtClean="0"/>
+            <a:rPr lang="en-US" altLang="zh-CN" smtClean="0">
+              <a:latin typeface="Times New Roman" panose="02020603050405020304" pitchFamily="18" charset="0"/>
+              <a:cs typeface="Times New Roman" panose="02020603050405020304" pitchFamily="18" charset="0"/>
+            </a:rPr>
             <a:t>Client</a:t>
           </a:r>
-          <a:endParaRPr lang="zh-CN" altLang="en-US"/>
+          <a:endParaRPr lang="zh-CN" altLang="en-US">
+            <a:latin typeface="Times New Roman" panose="02020603050405020304" pitchFamily="18" charset="0"/>
+            <a:cs typeface="Times New Roman" panose="02020603050405020304" pitchFamily="18" charset="0"/>
+          </a:endParaRPr>
         </a:p>
       </dgm:t>
     </dgm:pt>
@@ -6214,6 +7009,13 @@
         </dgm:presLayoutVars>
       </dgm:prSet>
       <dgm:spPr/>
+      <dgm:t>
+        <a:bodyPr/>
+        <a:lstStyle/>
+        <a:p>
+          <a:endParaRPr lang="zh-CN" altLang="en-US"/>
+        </a:p>
+      </dgm:t>
     </dgm:pt>
     <dgm:pt modelId="{34A87DAE-57A7-473C-AB99-8162A75E1580}" type="pres">
       <dgm:prSet presAssocID="{5306DE72-7EFC-497D-87F2-57F5B185402E}" presName="centerShape" presStyleLbl="node0" presStyleIdx="0" presStyleCnt="1"/>
@@ -6229,10 +7031,24 @@
     <dgm:pt modelId="{580A71D5-26CD-4A4F-AA8E-AE8F46C97F11}" type="pres">
       <dgm:prSet presAssocID="{722C4C0B-A503-4407-B3DA-6AD027AEFA46}" presName="Name9" presStyleLbl="parChTrans1D2" presStyleIdx="0" presStyleCnt="4"/>
       <dgm:spPr/>
+      <dgm:t>
+        <a:bodyPr/>
+        <a:lstStyle/>
+        <a:p>
+          <a:endParaRPr lang="zh-CN" altLang="en-US"/>
+        </a:p>
+      </dgm:t>
     </dgm:pt>
     <dgm:pt modelId="{56B52772-9496-482B-8937-DC80851CA761}" type="pres">
       <dgm:prSet presAssocID="{722C4C0B-A503-4407-B3DA-6AD027AEFA46}" presName="connTx" presStyleLbl="parChTrans1D2" presStyleIdx="0" presStyleCnt="4"/>
       <dgm:spPr/>
+      <dgm:t>
+        <a:bodyPr/>
+        <a:lstStyle/>
+        <a:p>
+          <a:endParaRPr lang="zh-CN" altLang="en-US"/>
+        </a:p>
+      </dgm:t>
     </dgm:pt>
     <dgm:pt modelId="{D2B9C226-D667-4840-A62C-F961CC330122}" type="pres">
       <dgm:prSet presAssocID="{2BB56F6B-EE8B-4D14-9F5E-8096CA69945C}" presName="node" presStyleLbl="node1" presStyleIdx="0" presStyleCnt="4">
@@ -6252,10 +7068,24 @@
     <dgm:pt modelId="{728AAC5F-762C-49BE-B872-0170D0B2DCD5}" type="pres">
       <dgm:prSet presAssocID="{9DD60194-2354-4EA5-8140-1078A3A2BEA5}" presName="Name9" presStyleLbl="parChTrans1D2" presStyleIdx="1" presStyleCnt="4"/>
       <dgm:spPr/>
+      <dgm:t>
+        <a:bodyPr/>
+        <a:lstStyle/>
+        <a:p>
+          <a:endParaRPr lang="zh-CN" altLang="en-US"/>
+        </a:p>
+      </dgm:t>
     </dgm:pt>
     <dgm:pt modelId="{406D7194-0B0D-4909-B431-4C520ED1B4B5}" type="pres">
       <dgm:prSet presAssocID="{9DD60194-2354-4EA5-8140-1078A3A2BEA5}" presName="connTx" presStyleLbl="parChTrans1D2" presStyleIdx="1" presStyleCnt="4"/>
       <dgm:spPr/>
+      <dgm:t>
+        <a:bodyPr/>
+        <a:lstStyle/>
+        <a:p>
+          <a:endParaRPr lang="zh-CN" altLang="en-US"/>
+        </a:p>
+      </dgm:t>
     </dgm:pt>
     <dgm:pt modelId="{13397D41-7F99-4FB1-85F9-A8D64F6DF808}" type="pres">
       <dgm:prSet presAssocID="{D3F24189-EA81-4BAB-AE8D-73D26CD96140}" presName="node" presStyleLbl="node1" presStyleIdx="1" presStyleCnt="4">
@@ -6264,14 +7094,35 @@
         </dgm:presLayoutVars>
       </dgm:prSet>
       <dgm:spPr/>
+      <dgm:t>
+        <a:bodyPr/>
+        <a:lstStyle/>
+        <a:p>
+          <a:endParaRPr lang="zh-CN" altLang="en-US"/>
+        </a:p>
+      </dgm:t>
     </dgm:pt>
     <dgm:pt modelId="{A20011D8-FB13-4119-B578-D4FFF90D92B2}" type="pres">
       <dgm:prSet presAssocID="{B2535E92-2000-40E8-B0F7-9146558A0D45}" presName="Name9" presStyleLbl="parChTrans1D2" presStyleIdx="2" presStyleCnt="4"/>
       <dgm:spPr/>
+      <dgm:t>
+        <a:bodyPr/>
+        <a:lstStyle/>
+        <a:p>
+          <a:endParaRPr lang="zh-CN" altLang="en-US"/>
+        </a:p>
+      </dgm:t>
     </dgm:pt>
     <dgm:pt modelId="{BE3C20EF-369E-473F-ADAD-A86F88936B37}" type="pres">
       <dgm:prSet presAssocID="{B2535E92-2000-40E8-B0F7-9146558A0D45}" presName="connTx" presStyleLbl="parChTrans1D2" presStyleIdx="2" presStyleCnt="4"/>
       <dgm:spPr/>
+      <dgm:t>
+        <a:bodyPr/>
+        <a:lstStyle/>
+        <a:p>
+          <a:endParaRPr lang="zh-CN" altLang="en-US"/>
+        </a:p>
+      </dgm:t>
     </dgm:pt>
     <dgm:pt modelId="{3164176C-1F40-4D4D-B4B0-BF8D196CDE40}" type="pres">
       <dgm:prSet presAssocID="{7E06A363-ECCC-45DE-BEA1-4428F8DCB5FF}" presName="node" presStyleLbl="node1" presStyleIdx="2" presStyleCnt="4">
@@ -6280,14 +7131,35 @@
         </dgm:presLayoutVars>
       </dgm:prSet>
       <dgm:spPr/>
+      <dgm:t>
+        <a:bodyPr/>
+        <a:lstStyle/>
+        <a:p>
+          <a:endParaRPr lang="zh-CN" altLang="en-US"/>
+        </a:p>
+      </dgm:t>
     </dgm:pt>
     <dgm:pt modelId="{A2F4439E-EB91-4DD6-BD0A-8557660F1799}" type="pres">
       <dgm:prSet presAssocID="{D4AD6AD9-820F-4773-94C9-0D8DAD2D158F}" presName="Name9" presStyleLbl="parChTrans1D2" presStyleIdx="3" presStyleCnt="4"/>
       <dgm:spPr/>
+      <dgm:t>
+        <a:bodyPr/>
+        <a:lstStyle/>
+        <a:p>
+          <a:endParaRPr lang="zh-CN" altLang="en-US"/>
+        </a:p>
+      </dgm:t>
     </dgm:pt>
     <dgm:pt modelId="{ACFD0B6A-5090-483F-8092-CDBE9A5EC8E4}" type="pres">
       <dgm:prSet presAssocID="{D4AD6AD9-820F-4773-94C9-0D8DAD2D158F}" presName="connTx" presStyleLbl="parChTrans1D2" presStyleIdx="3" presStyleCnt="4"/>
       <dgm:spPr/>
+      <dgm:t>
+        <a:bodyPr/>
+        <a:lstStyle/>
+        <a:p>
+          <a:endParaRPr lang="zh-CN" altLang="en-US"/>
+        </a:p>
+      </dgm:t>
     </dgm:pt>
     <dgm:pt modelId="{A2AC560B-955D-498A-9D37-6D0D91D5A53E}" type="pres">
       <dgm:prSet presAssocID="{5D28AEA2-1798-4CAB-803C-78CD11A1F9B8}" presName="node" presStyleLbl="node1" presStyleIdx="3" presStyleCnt="4">
@@ -6306,25 +7178,25 @@
     </dgm:pt>
   </dgm:ptLst>
   <dgm:cxnLst>
-    <dgm:cxn modelId="{EF81A9D0-64C3-4BCE-8331-16081CA1B58E}" srcId="{5306DE72-7EFC-497D-87F2-57F5B185402E}" destId="{D3F24189-EA81-4BAB-AE8D-73D26CD96140}" srcOrd="1" destOrd="0" parTransId="{9DD60194-2354-4EA5-8140-1078A3A2BEA5}" sibTransId="{FBB9D7FC-ED7C-4DBF-8ED3-AD09BCBBFC97}"/>
+    <dgm:cxn modelId="{4B5CA90D-7AB2-4A7E-B378-219C22B64F19}" type="presOf" srcId="{D4AD6AD9-820F-4773-94C9-0D8DAD2D158F}" destId="{A2F4439E-EB91-4DD6-BD0A-8557660F1799}" srcOrd="0" destOrd="0" presId="urn:microsoft.com/office/officeart/2005/8/layout/radial1"/>
     <dgm:cxn modelId="{9602EFFD-7D87-4241-AD88-D62A0D16F10C}" srcId="{A6EF3C86-D525-4B80-8D1A-6FE3013FC8E1}" destId="{5306DE72-7EFC-497D-87F2-57F5B185402E}" srcOrd="0" destOrd="0" parTransId="{DD556232-C57E-4E1D-8361-92F83AE64F28}" sibTransId="{2C7DF687-AC73-4370-89EA-E95337A0B315}"/>
-    <dgm:cxn modelId="{0B0FCB99-4E00-4C06-BA20-D5C9AB7EA2B8}" srcId="{5306DE72-7EFC-497D-87F2-57F5B185402E}" destId="{5D28AEA2-1798-4CAB-803C-78CD11A1F9B8}" srcOrd="3" destOrd="0" parTransId="{D4AD6AD9-820F-4773-94C9-0D8DAD2D158F}" sibTransId="{8B658842-29ED-414F-8984-8B022662A0F7}"/>
-    <dgm:cxn modelId="{4EDF96F3-130E-4034-A11C-0CCD96DDDC48}" srcId="{5306DE72-7EFC-497D-87F2-57F5B185402E}" destId="{7E06A363-ECCC-45DE-BEA1-4428F8DCB5FF}" srcOrd="2" destOrd="0" parTransId="{B2535E92-2000-40E8-B0F7-9146558A0D45}" sibTransId="{A8E169F1-5C06-42A8-A4E1-6AB7E8D90E91}"/>
-    <dgm:cxn modelId="{EC5CBE65-C735-458E-80EF-D631DEF3DBD1}" type="presOf" srcId="{B2535E92-2000-40E8-B0F7-9146558A0D45}" destId="{BE3C20EF-369E-473F-ADAD-A86F88936B37}" srcOrd="1" destOrd="0" presId="urn:microsoft.com/office/officeart/2005/8/layout/radial1"/>
-    <dgm:cxn modelId="{637CFE88-A8AA-4BE7-8F74-1773CA4DBB2B}" type="presOf" srcId="{D4AD6AD9-820F-4773-94C9-0D8DAD2D158F}" destId="{ACFD0B6A-5090-483F-8092-CDBE9A5EC8E4}" srcOrd="1" destOrd="0" presId="urn:microsoft.com/office/officeart/2005/8/layout/radial1"/>
-    <dgm:cxn modelId="{5E31184B-23D0-46F5-B83D-5B2BE0089E60}" type="presOf" srcId="{722C4C0B-A503-4407-B3DA-6AD027AEFA46}" destId="{56B52772-9496-482B-8937-DC80851CA761}" srcOrd="1" destOrd="0" presId="urn:microsoft.com/office/officeart/2005/8/layout/radial1"/>
-    <dgm:cxn modelId="{CD1E3E59-FF81-431A-84F1-A0A405EEAE18}" type="presOf" srcId="{722C4C0B-A503-4407-B3DA-6AD027AEFA46}" destId="{580A71D5-26CD-4A4F-AA8E-AE8F46C97F11}" srcOrd="0" destOrd="0" presId="urn:microsoft.com/office/officeart/2005/8/layout/radial1"/>
-    <dgm:cxn modelId="{BCE7565F-7190-4E59-9250-B894B85D7868}" type="presOf" srcId="{5D28AEA2-1798-4CAB-803C-78CD11A1F9B8}" destId="{A2AC560B-955D-498A-9D37-6D0D91D5A53E}" srcOrd="0" destOrd="0" presId="urn:microsoft.com/office/officeart/2005/8/layout/radial1"/>
-    <dgm:cxn modelId="{C04C18AC-5F55-4471-92C6-435EBD35A651}" type="presOf" srcId="{B2535E92-2000-40E8-B0F7-9146558A0D45}" destId="{A20011D8-FB13-4119-B578-D4FFF90D92B2}" srcOrd="0" destOrd="0" presId="urn:microsoft.com/office/officeart/2005/8/layout/radial1"/>
-    <dgm:cxn modelId="{A8048842-0E97-4FC9-99EE-77C597960DB8}" type="presOf" srcId="{A6EF3C86-D525-4B80-8D1A-6FE3013FC8E1}" destId="{185E7F8A-B6C2-4940-A53C-7A7C090242A3}" srcOrd="0" destOrd="0" presId="urn:microsoft.com/office/officeart/2005/8/layout/radial1"/>
-    <dgm:cxn modelId="{4B5CA90D-7AB2-4A7E-B378-219C22B64F19}" type="presOf" srcId="{D4AD6AD9-820F-4773-94C9-0D8DAD2D158F}" destId="{A2F4439E-EB91-4DD6-BD0A-8557660F1799}" srcOrd="0" destOrd="0" presId="urn:microsoft.com/office/officeart/2005/8/layout/radial1"/>
-    <dgm:cxn modelId="{5EA71FF2-EBBB-4F70-9890-A086EAD09A91}" type="presOf" srcId="{7E06A363-ECCC-45DE-BEA1-4428F8DCB5FF}" destId="{3164176C-1F40-4D4D-B4B0-BF8D196CDE40}" srcOrd="0" destOrd="0" presId="urn:microsoft.com/office/officeart/2005/8/layout/radial1"/>
-    <dgm:cxn modelId="{679D3515-6C8F-4F09-8B84-8114F72E3F93}" type="presOf" srcId="{D3F24189-EA81-4BAB-AE8D-73D26CD96140}" destId="{13397D41-7F99-4FB1-85F9-A8D64F6DF808}" srcOrd="0" destOrd="0" presId="urn:microsoft.com/office/officeart/2005/8/layout/radial1"/>
     <dgm:cxn modelId="{E7D07B68-C617-473E-94D3-60B6116D4671}" type="presOf" srcId="{2BB56F6B-EE8B-4D14-9F5E-8096CA69945C}" destId="{D2B9C226-D667-4840-A62C-F961CC330122}" srcOrd="0" destOrd="0" presId="urn:microsoft.com/office/officeart/2005/8/layout/radial1"/>
-    <dgm:cxn modelId="{1A9166D3-2828-49A0-BC03-C98B95752FB1}" srcId="{5306DE72-7EFC-497D-87F2-57F5B185402E}" destId="{2BB56F6B-EE8B-4D14-9F5E-8096CA69945C}" srcOrd="0" destOrd="0" parTransId="{722C4C0B-A503-4407-B3DA-6AD027AEFA46}" sibTransId="{4FFB9CB0-9A6C-46A0-A0DF-E304198F855F}"/>
-    <dgm:cxn modelId="{4D59F235-9D19-4A90-B598-DC93FA513A0F}" type="presOf" srcId="{9DD60194-2354-4EA5-8140-1078A3A2BEA5}" destId="{406D7194-0B0D-4909-B431-4C520ED1B4B5}" srcOrd="1" destOrd="0" presId="urn:microsoft.com/office/officeart/2005/8/layout/radial1"/>
     <dgm:cxn modelId="{D8C59DB8-ACF8-4E74-99E5-87D5C81E718C}" type="presOf" srcId="{5306DE72-7EFC-497D-87F2-57F5B185402E}" destId="{34A87DAE-57A7-473C-AB99-8162A75E1580}" srcOrd="0" destOrd="0" presId="urn:microsoft.com/office/officeart/2005/8/layout/radial1"/>
     <dgm:cxn modelId="{CDF7DB14-7D6A-4B86-9667-F0482BD08D0F}" type="presOf" srcId="{9DD60194-2354-4EA5-8140-1078A3A2BEA5}" destId="{728AAC5F-762C-49BE-B872-0170D0B2DCD5}" srcOrd="0" destOrd="0" presId="urn:microsoft.com/office/officeart/2005/8/layout/radial1"/>
+    <dgm:cxn modelId="{EC5CBE65-C735-458E-80EF-D631DEF3DBD1}" type="presOf" srcId="{B2535E92-2000-40E8-B0F7-9146558A0D45}" destId="{BE3C20EF-369E-473F-ADAD-A86F88936B37}" srcOrd="1" destOrd="0" presId="urn:microsoft.com/office/officeart/2005/8/layout/radial1"/>
+    <dgm:cxn modelId="{C04C18AC-5F55-4471-92C6-435EBD35A651}" type="presOf" srcId="{B2535E92-2000-40E8-B0F7-9146558A0D45}" destId="{A20011D8-FB13-4119-B578-D4FFF90D92B2}" srcOrd="0" destOrd="0" presId="urn:microsoft.com/office/officeart/2005/8/layout/radial1"/>
+    <dgm:cxn modelId="{5EA71FF2-EBBB-4F70-9890-A086EAD09A91}" type="presOf" srcId="{7E06A363-ECCC-45DE-BEA1-4428F8DCB5FF}" destId="{3164176C-1F40-4D4D-B4B0-BF8D196CDE40}" srcOrd="0" destOrd="0" presId="urn:microsoft.com/office/officeart/2005/8/layout/radial1"/>
+    <dgm:cxn modelId="{A8048842-0E97-4FC9-99EE-77C597960DB8}" type="presOf" srcId="{A6EF3C86-D525-4B80-8D1A-6FE3013FC8E1}" destId="{185E7F8A-B6C2-4940-A53C-7A7C090242A3}" srcOrd="0" destOrd="0" presId="urn:microsoft.com/office/officeart/2005/8/layout/radial1"/>
+    <dgm:cxn modelId="{637CFE88-A8AA-4BE7-8F74-1773CA4DBB2B}" type="presOf" srcId="{D4AD6AD9-820F-4773-94C9-0D8DAD2D158F}" destId="{ACFD0B6A-5090-483F-8092-CDBE9A5EC8E4}" srcOrd="1" destOrd="0" presId="urn:microsoft.com/office/officeart/2005/8/layout/radial1"/>
+    <dgm:cxn modelId="{679D3515-6C8F-4F09-8B84-8114F72E3F93}" type="presOf" srcId="{D3F24189-EA81-4BAB-AE8D-73D26CD96140}" destId="{13397D41-7F99-4FB1-85F9-A8D64F6DF808}" srcOrd="0" destOrd="0" presId="urn:microsoft.com/office/officeart/2005/8/layout/radial1"/>
+    <dgm:cxn modelId="{0B0FCB99-4E00-4C06-BA20-D5C9AB7EA2B8}" srcId="{5306DE72-7EFC-497D-87F2-57F5B185402E}" destId="{5D28AEA2-1798-4CAB-803C-78CD11A1F9B8}" srcOrd="3" destOrd="0" parTransId="{D4AD6AD9-820F-4773-94C9-0D8DAD2D158F}" sibTransId="{8B658842-29ED-414F-8984-8B022662A0F7}"/>
+    <dgm:cxn modelId="{EF81A9D0-64C3-4BCE-8331-16081CA1B58E}" srcId="{5306DE72-7EFC-497D-87F2-57F5B185402E}" destId="{D3F24189-EA81-4BAB-AE8D-73D26CD96140}" srcOrd="1" destOrd="0" parTransId="{9DD60194-2354-4EA5-8140-1078A3A2BEA5}" sibTransId="{FBB9D7FC-ED7C-4DBF-8ED3-AD09BCBBFC97}"/>
+    <dgm:cxn modelId="{5E31184B-23D0-46F5-B83D-5B2BE0089E60}" type="presOf" srcId="{722C4C0B-A503-4407-B3DA-6AD027AEFA46}" destId="{56B52772-9496-482B-8937-DC80851CA761}" srcOrd="1" destOrd="0" presId="urn:microsoft.com/office/officeart/2005/8/layout/radial1"/>
+    <dgm:cxn modelId="{BCE7565F-7190-4E59-9250-B894B85D7868}" type="presOf" srcId="{5D28AEA2-1798-4CAB-803C-78CD11A1F9B8}" destId="{A2AC560B-955D-498A-9D37-6D0D91D5A53E}" srcOrd="0" destOrd="0" presId="urn:microsoft.com/office/officeart/2005/8/layout/radial1"/>
+    <dgm:cxn modelId="{1A9166D3-2828-49A0-BC03-C98B95752FB1}" srcId="{5306DE72-7EFC-497D-87F2-57F5B185402E}" destId="{2BB56F6B-EE8B-4D14-9F5E-8096CA69945C}" srcOrd="0" destOrd="0" parTransId="{722C4C0B-A503-4407-B3DA-6AD027AEFA46}" sibTransId="{4FFB9CB0-9A6C-46A0-A0DF-E304198F855F}"/>
+    <dgm:cxn modelId="{CD1E3E59-FF81-431A-84F1-A0A405EEAE18}" type="presOf" srcId="{722C4C0B-A503-4407-B3DA-6AD027AEFA46}" destId="{580A71D5-26CD-4A4F-AA8E-AE8F46C97F11}" srcOrd="0" destOrd="0" presId="urn:microsoft.com/office/officeart/2005/8/layout/radial1"/>
+    <dgm:cxn modelId="{4EDF96F3-130E-4034-A11C-0CCD96DDDC48}" srcId="{5306DE72-7EFC-497D-87F2-57F5B185402E}" destId="{7E06A363-ECCC-45DE-BEA1-4428F8DCB5FF}" srcOrd="2" destOrd="0" parTransId="{B2535E92-2000-40E8-B0F7-9146558A0D45}" sibTransId="{A8E169F1-5C06-42A8-A4E1-6AB7E8D90E91}"/>
+    <dgm:cxn modelId="{4D59F235-9D19-4A90-B598-DC93FA513A0F}" type="presOf" srcId="{9DD60194-2354-4EA5-8140-1078A3A2BEA5}" destId="{406D7194-0B0D-4909-B431-4C520ED1B4B5}" srcOrd="1" destOrd="0" presId="urn:microsoft.com/office/officeart/2005/8/layout/radial1"/>
     <dgm:cxn modelId="{56215923-9806-4B84-9857-4A3ED3983EE4}" type="presParOf" srcId="{185E7F8A-B6C2-4940-A53C-7A7C090242A3}" destId="{34A87DAE-57A7-473C-AB99-8162A75E1580}" srcOrd="0" destOrd="0" presId="urn:microsoft.com/office/officeart/2005/8/layout/radial1"/>
     <dgm:cxn modelId="{59B0A310-A099-4DCA-9C42-01DB4F393485}" type="presParOf" srcId="{185E7F8A-B6C2-4940-A53C-7A7C090242A3}" destId="{580A71D5-26CD-4A4F-AA8E-AE8F46C97F11}" srcOrd="1" destOrd="0" presId="urn:microsoft.com/office/officeart/2005/8/layout/radial1"/>
     <dgm:cxn modelId="{70F4887C-F6E2-41C9-87F8-01EBF367F7CC}" type="presParOf" srcId="{580A71D5-26CD-4A4F-AA8E-AE8F46C97F11}" destId="{56B52772-9496-482B-8937-DC80851CA761}" srcOrd="0" destOrd="0" presId="urn:microsoft.com/office/officeart/2005/8/layout/radial1"/>
@@ -6371,10 +7243,16 @@
         <a:lstStyle/>
         <a:p>
           <a:r>
-            <a:rPr lang="en-US" altLang="zh-CN" smtClean="0"/>
+            <a:rPr lang="en-US" altLang="zh-CN" smtClean="0">
+              <a:latin typeface="Times New Roman" panose="02020603050405020304" pitchFamily="18" charset="0"/>
+              <a:cs typeface="Times New Roman" panose="02020603050405020304" pitchFamily="18" charset="0"/>
+            </a:rPr>
             <a:t>Client</a:t>
           </a:r>
-          <a:endParaRPr lang="zh-CN" altLang="en-US"/>
+          <a:endParaRPr lang="zh-CN" altLang="en-US">
+            <a:latin typeface="Times New Roman" panose="02020603050405020304" pitchFamily="18" charset="0"/>
+            <a:cs typeface="Times New Roman" panose="02020603050405020304" pitchFamily="18" charset="0"/>
+          </a:endParaRPr>
         </a:p>
       </dgm:t>
     </dgm:pt>
@@ -6408,10 +7286,16 @@
         <a:lstStyle/>
         <a:p>
           <a:r>
-            <a:rPr lang="en-US" altLang="zh-CN" smtClean="0"/>
+            <a:rPr lang="en-US" altLang="zh-CN" smtClean="0">
+              <a:latin typeface="Times New Roman" panose="02020603050405020304" pitchFamily="18" charset="0"/>
+              <a:cs typeface="Times New Roman" panose="02020603050405020304" pitchFamily="18" charset="0"/>
+            </a:rPr>
             <a:t>Auth</a:t>
           </a:r>
-          <a:endParaRPr lang="zh-CN" altLang="en-US"/>
+          <a:endParaRPr lang="zh-CN" altLang="en-US">
+            <a:latin typeface="Times New Roman" panose="02020603050405020304" pitchFamily="18" charset="0"/>
+            <a:cs typeface="Times New Roman" panose="02020603050405020304" pitchFamily="18" charset="0"/>
+          </a:endParaRPr>
         </a:p>
       </dgm:t>
     </dgm:pt>
@@ -6445,10 +7329,16 @@
         <a:lstStyle/>
         <a:p>
           <a:r>
-            <a:rPr lang="en-US" altLang="zh-CN" smtClean="0"/>
+            <a:rPr lang="en-US" altLang="zh-CN" smtClean="0">
+              <a:latin typeface="Times New Roman" panose="02020603050405020304" pitchFamily="18" charset="0"/>
+              <a:cs typeface="Times New Roman" panose="02020603050405020304" pitchFamily="18" charset="0"/>
+            </a:rPr>
             <a:t>Proxy</a:t>
           </a:r>
-          <a:endParaRPr lang="zh-CN" altLang="en-US"/>
+          <a:endParaRPr lang="zh-CN" altLang="en-US">
+            <a:latin typeface="Times New Roman" panose="02020603050405020304" pitchFamily="18" charset="0"/>
+            <a:cs typeface="Times New Roman" panose="02020603050405020304" pitchFamily="18" charset="0"/>
+          </a:endParaRPr>
         </a:p>
       </dgm:t>
     </dgm:pt>
@@ -6482,10 +7372,16 @@
         <a:lstStyle/>
         <a:p>
           <a:r>
-            <a:rPr lang="en-US" altLang="zh-CN" smtClean="0"/>
+            <a:rPr lang="en-US" altLang="zh-CN" smtClean="0">
+              <a:latin typeface="Times New Roman" panose="02020603050405020304" pitchFamily="18" charset="0"/>
+              <a:cs typeface="Times New Roman" panose="02020603050405020304" pitchFamily="18" charset="0"/>
+            </a:rPr>
             <a:t>Swift-osd</a:t>
           </a:r>
-          <a:endParaRPr lang="zh-CN" altLang="en-US"/>
+          <a:endParaRPr lang="zh-CN" altLang="en-US">
+            <a:latin typeface="Times New Roman" panose="02020603050405020304" pitchFamily="18" charset="0"/>
+            <a:cs typeface="Times New Roman" panose="02020603050405020304" pitchFamily="18" charset="0"/>
+          </a:endParaRPr>
         </a:p>
       </dgm:t>
     </dgm:pt>
@@ -6521,6 +7417,13 @@
         </dgm:presLayoutVars>
       </dgm:prSet>
       <dgm:spPr/>
+      <dgm:t>
+        <a:bodyPr/>
+        <a:lstStyle/>
+        <a:p>
+          <a:endParaRPr lang="zh-CN" altLang="en-US"/>
+        </a:p>
+      </dgm:t>
     </dgm:pt>
     <dgm:pt modelId="{1F7D7A2F-96F3-41BB-B0C8-A3F9ED9D0BAA}" type="pres">
       <dgm:prSet presAssocID="{23BBA870-A65F-406E-B6A4-3FE47CD912E3}" presName="children" presStyleCnt="0"/>
@@ -6558,6 +7461,13 @@
         </dgm:presLayoutVars>
       </dgm:prSet>
       <dgm:spPr/>
+      <dgm:t>
+        <a:bodyPr/>
+        <a:lstStyle/>
+        <a:p>
+          <a:endParaRPr lang="zh-CN" altLang="en-US"/>
+        </a:p>
+      </dgm:t>
     </dgm:pt>
     <dgm:pt modelId="{BD5B0933-2CD6-466E-B774-240C7DC36276}" type="pres">
       <dgm:prSet presAssocID="{23BBA870-A65F-406E-B6A4-3FE47CD912E3}" presName="quadrant3" presStyleLbl="node1" presStyleIdx="2" presStyleCnt="4">
@@ -6567,6 +7477,13 @@
         </dgm:presLayoutVars>
       </dgm:prSet>
       <dgm:spPr/>
+      <dgm:t>
+        <a:bodyPr/>
+        <a:lstStyle/>
+        <a:p>
+          <a:endParaRPr lang="zh-CN" altLang="en-US"/>
+        </a:p>
+      </dgm:t>
     </dgm:pt>
     <dgm:pt modelId="{94C6B39F-4CE4-4053-A695-C3E6B7BD2FB2}" type="pres">
       <dgm:prSet presAssocID="{23BBA870-A65F-406E-B6A4-3FE47CD912E3}" presName="quadrant4" presStyleLbl="node1" presStyleIdx="3" presStyleCnt="4">
@@ -6598,15 +7515,15 @@
     </dgm:pt>
   </dgm:ptLst>
   <dgm:cxnLst>
-    <dgm:cxn modelId="{4A28B2B7-6AD0-4D05-B5F8-12A1BBD8E992}" type="presOf" srcId="{8A55A42D-1A91-464D-B0C1-195A03032F94}" destId="{94C6B39F-4CE4-4053-A695-C3E6B7BD2FB2}" srcOrd="0" destOrd="0" presId="urn:microsoft.com/office/officeart/2005/8/layout/cycle4"/>
-    <dgm:cxn modelId="{908CFDD6-D860-4B7A-ADD0-B1F083D7DB5F}" type="presOf" srcId="{23BBA870-A65F-406E-B6A4-3FE47CD912E3}" destId="{640052CC-B106-4075-956F-81EA9AABE724}" srcOrd="0" destOrd="0" presId="urn:microsoft.com/office/officeart/2005/8/layout/cycle4"/>
-    <dgm:cxn modelId="{68E6B95A-B54C-4619-87A7-5A501DBDF92C}" srcId="{23BBA870-A65F-406E-B6A4-3FE47CD912E3}" destId="{FB34CF02-E4E6-42C8-BAFE-D2099245D8ED}" srcOrd="0" destOrd="0" parTransId="{CC33A8AF-5D45-4C3F-9003-B5FC6D41869A}" sibTransId="{DF0D7B75-3CAB-43BA-A4FD-CD21FFE12878}"/>
-    <dgm:cxn modelId="{5BB3B8C4-0C06-46FD-B820-A189E7122168}" type="presOf" srcId="{283F5748-61C1-4835-9EE3-B97AABC8EF68}" destId="{BD5B0933-2CD6-466E-B774-240C7DC36276}" srcOrd="0" destOrd="0" presId="urn:microsoft.com/office/officeart/2005/8/layout/cycle4"/>
-    <dgm:cxn modelId="{C04A2B74-F7E0-4723-AB31-E7DDF87C2BC7}" type="presOf" srcId="{FB34CF02-E4E6-42C8-BAFE-D2099245D8ED}" destId="{9E63A707-A6CB-4F27-9D0A-57A2F92AB11A}" srcOrd="0" destOrd="0" presId="urn:microsoft.com/office/officeart/2005/8/layout/cycle4"/>
     <dgm:cxn modelId="{38DCF43F-D229-489C-B9D7-228C1F9DF27A}" srcId="{23BBA870-A65F-406E-B6A4-3FE47CD912E3}" destId="{283F5748-61C1-4835-9EE3-B97AABC8EF68}" srcOrd="2" destOrd="0" parTransId="{6A90B17B-1D2A-4130-B579-500088ED52C9}" sibTransId="{DE1E6108-6D44-4CB6-A629-1DE36CBDACD9}"/>
     <dgm:cxn modelId="{EA7D1385-717D-4EFE-A2FC-7A42D2C22F93}" srcId="{23BBA870-A65F-406E-B6A4-3FE47CD912E3}" destId="{8A55A42D-1A91-464D-B0C1-195A03032F94}" srcOrd="3" destOrd="0" parTransId="{45C76F16-2749-419F-AB0C-50977E4B7719}" sibTransId="{79EBF7AF-846D-48E2-8B19-D1B7D70B98BA}"/>
     <dgm:cxn modelId="{959EDF4F-C3B0-41BC-8E5B-FC71CD05FA1F}" type="presOf" srcId="{C8B5AFF2-41D5-43CE-98D4-28D7447E5098}" destId="{66589CC0-E7B1-46DD-8013-7BAEF2E9C085}" srcOrd="0" destOrd="0" presId="urn:microsoft.com/office/officeart/2005/8/layout/cycle4"/>
+    <dgm:cxn modelId="{908CFDD6-D860-4B7A-ADD0-B1F083D7DB5F}" type="presOf" srcId="{23BBA870-A65F-406E-B6A4-3FE47CD912E3}" destId="{640052CC-B106-4075-956F-81EA9AABE724}" srcOrd="0" destOrd="0" presId="urn:microsoft.com/office/officeart/2005/8/layout/cycle4"/>
+    <dgm:cxn modelId="{68E6B95A-B54C-4619-87A7-5A501DBDF92C}" srcId="{23BBA870-A65F-406E-B6A4-3FE47CD912E3}" destId="{FB34CF02-E4E6-42C8-BAFE-D2099245D8ED}" srcOrd="0" destOrd="0" parTransId="{CC33A8AF-5D45-4C3F-9003-B5FC6D41869A}" sibTransId="{DF0D7B75-3CAB-43BA-A4FD-CD21FFE12878}"/>
     <dgm:cxn modelId="{1F8E9607-64BD-409A-B6AA-CF86BE5B6E40}" srcId="{23BBA870-A65F-406E-B6A4-3FE47CD912E3}" destId="{C8B5AFF2-41D5-43CE-98D4-28D7447E5098}" srcOrd="1" destOrd="0" parTransId="{215F8459-0748-4120-8726-8E7EF5BE4D82}" sibTransId="{8A40D27E-73A2-47E2-9880-4EE47C95ACB8}"/>
+    <dgm:cxn modelId="{5BB3B8C4-0C06-46FD-B820-A189E7122168}" type="presOf" srcId="{283F5748-61C1-4835-9EE3-B97AABC8EF68}" destId="{BD5B0933-2CD6-466E-B774-240C7DC36276}" srcOrd="0" destOrd="0" presId="urn:microsoft.com/office/officeart/2005/8/layout/cycle4"/>
+    <dgm:cxn modelId="{C04A2B74-F7E0-4723-AB31-E7DDF87C2BC7}" type="presOf" srcId="{FB34CF02-E4E6-42C8-BAFE-D2099245D8ED}" destId="{9E63A707-A6CB-4F27-9D0A-57A2F92AB11A}" srcOrd="0" destOrd="0" presId="urn:microsoft.com/office/officeart/2005/8/layout/cycle4"/>
+    <dgm:cxn modelId="{4A28B2B7-6AD0-4D05-B5F8-12A1BBD8E992}" type="presOf" srcId="{8A55A42D-1A91-464D-B0C1-195A03032F94}" destId="{94C6B39F-4CE4-4053-A695-C3E6B7BD2FB2}" srcOrd="0" destOrd="0" presId="urn:microsoft.com/office/officeart/2005/8/layout/cycle4"/>
     <dgm:cxn modelId="{9A25203A-410B-41F4-93E6-15819032A5EB}" type="presParOf" srcId="{640052CC-B106-4075-956F-81EA9AABE724}" destId="{1F7D7A2F-96F3-41BB-B0C8-A3F9ED9D0BAA}" srcOrd="0" destOrd="0" presId="urn:microsoft.com/office/officeart/2005/8/layout/cycle4"/>
     <dgm:cxn modelId="{A6E3E02F-5A16-446B-B76D-C2B0E7E8FCFF}" type="presParOf" srcId="{1F7D7A2F-96F3-41BB-B0C8-A3F9ED9D0BAA}" destId="{C60E458D-C4DA-415C-B211-77EA8D743BB7}" srcOrd="0" destOrd="0" presId="urn:microsoft.com/office/officeart/2005/8/layout/cycle4"/>
     <dgm:cxn modelId="{B78CA25D-9EAA-4C45-BDEE-6F561CC00486}" type="presParOf" srcId="{640052CC-B106-4075-956F-81EA9AABE724}" destId="{E81DA4C9-A35A-489D-A2A7-D581210F4749}" srcOrd="1" destOrd="0" presId="urn:microsoft.com/office/officeart/2005/8/layout/cycle4"/>
@@ -6643,10 +7560,16 @@
         <a:lstStyle/>
         <a:p>
           <a:r>
-            <a:rPr lang="en-US" altLang="zh-CN" smtClean="0"/>
+            <a:rPr lang="en-US" altLang="zh-CN" smtClean="0">
+              <a:latin typeface="Times New Roman" panose="02020603050405020304" pitchFamily="18" charset="0"/>
+              <a:cs typeface="Times New Roman" panose="02020603050405020304" pitchFamily="18" charset="0"/>
+            </a:rPr>
             <a:t>Data</a:t>
           </a:r>
-          <a:endParaRPr lang="zh-CN" altLang="en-US"/>
+          <a:endParaRPr lang="zh-CN" altLang="en-US">
+            <a:latin typeface="Times New Roman" panose="02020603050405020304" pitchFamily="18" charset="0"/>
+            <a:cs typeface="Times New Roman" panose="02020603050405020304" pitchFamily="18" charset="0"/>
+          </a:endParaRPr>
         </a:p>
       </dgm:t>
     </dgm:pt>
@@ -6680,10 +7603,16 @@
         <a:lstStyle/>
         <a:p>
           <a:r>
-            <a:rPr lang="en-US" altLang="zh-CN" smtClean="0"/>
+            <a:rPr lang="en-US" altLang="zh-CN" smtClean="0">
+              <a:latin typeface="Times New Roman" panose="02020603050405020304" pitchFamily="18" charset="0"/>
+              <a:cs typeface="Times New Roman" panose="02020603050405020304" pitchFamily="18" charset="0"/>
+            </a:rPr>
             <a:t>Meta</a:t>
           </a:r>
-          <a:endParaRPr lang="zh-CN" altLang="en-US"/>
+          <a:endParaRPr lang="zh-CN" altLang="en-US">
+            <a:latin typeface="Times New Roman" panose="02020603050405020304" pitchFamily="18" charset="0"/>
+            <a:cs typeface="Times New Roman" panose="02020603050405020304" pitchFamily="18" charset="0"/>
+          </a:endParaRPr>
         </a:p>
       </dgm:t>
     </dgm:pt>
@@ -6717,10 +7646,16 @@
         <a:lstStyle/>
         <a:p>
           <a:r>
-            <a:rPr lang="en-US" altLang="zh-CN" smtClean="0"/>
+            <a:rPr lang="en-US" altLang="zh-CN" smtClean="0">
+              <a:latin typeface="Times New Roman" panose="02020603050405020304" pitchFamily="18" charset="0"/>
+              <a:cs typeface="Times New Roman" panose="02020603050405020304" pitchFamily="18" charset="0"/>
+            </a:rPr>
             <a:t>Cache</a:t>
           </a:r>
-          <a:endParaRPr lang="zh-CN" altLang="en-US"/>
+          <a:endParaRPr lang="zh-CN" altLang="en-US">
+            <a:latin typeface="Times New Roman" panose="02020603050405020304" pitchFamily="18" charset="0"/>
+            <a:cs typeface="Times New Roman" panose="02020603050405020304" pitchFamily="18" charset="0"/>
+          </a:endParaRPr>
         </a:p>
       </dgm:t>
     </dgm:pt>
@@ -6864,6 +7799,156 @@
   <dgm:extLst>
     <a:ext uri="http://schemas.microsoft.com/office/drawing/2008/diagram">
       <dsp:dataModelExt xmlns:dsp="http://schemas.microsoft.com/office/drawing/2008/diagram" relId="rId7" minVer="http://schemas.openxmlformats.org/drawingml/2006/diagram"/>
+    </a:ext>
+  </dgm:extLst>
+</dgm:dataModel>
+</file>
+
+<file path=ppt/diagrams/data7.xml><?xml version="1.0" encoding="utf-8"?>
+<dgm:dataModel xmlns:dgm="http://schemas.openxmlformats.org/drawingml/2006/diagram" xmlns:a="http://schemas.openxmlformats.org/drawingml/2006/main">
+  <dgm:ptLst>
+    <dgm:pt modelId="{B9718E2A-3B0D-488B-B55B-038F43F611DA}" type="doc">
+      <dgm:prSet loTypeId="urn:microsoft.com/office/officeart/2009/3/layout/FramedTextPicture" loCatId="picture" qsTypeId="urn:microsoft.com/office/officeart/2005/8/quickstyle/simple1" qsCatId="simple" csTypeId="urn:microsoft.com/office/officeart/2005/8/colors/accent1_2" csCatId="accent1" phldr="1"/>
+      <dgm:spPr/>
+      <dgm:t>
+        <a:bodyPr/>
+        <a:lstStyle/>
+        <a:p>
+          <a:endParaRPr lang="zh-CN" altLang="en-US"/>
+        </a:p>
+      </dgm:t>
+    </dgm:pt>
+    <dgm:pt modelId="{F71BBEDB-A199-46F3-8172-BDEBC0482CBB}">
+      <dgm:prSet phldrT="[文本]"/>
+      <dgm:spPr/>
+      <dgm:t>
+        <a:bodyPr/>
+        <a:lstStyle/>
+        <a:p>
+          <a:r>
+            <a:rPr lang="en-US" altLang="zh-CN" smtClean="0">
+              <a:latin typeface="Times New Roman" panose="02020603050405020304" pitchFamily="18" charset="0"/>
+              <a:cs typeface="Times New Roman" panose="02020603050405020304" pitchFamily="18" charset="0"/>
+            </a:rPr>
+            <a:t>Q&amp;A</a:t>
+          </a:r>
+          <a:endParaRPr lang="zh-CN" altLang="en-US">
+            <a:latin typeface="Times New Roman" panose="02020603050405020304" pitchFamily="18" charset="0"/>
+            <a:cs typeface="Times New Roman" panose="02020603050405020304" pitchFamily="18" charset="0"/>
+          </a:endParaRPr>
+        </a:p>
+      </dgm:t>
+    </dgm:pt>
+    <dgm:pt modelId="{C58E04CB-3619-4581-8329-0B35EBC7C910}" type="parTrans" cxnId="{26D27EE5-F5DC-4E46-A64B-1C91004FBE31}">
+      <dgm:prSet/>
+      <dgm:spPr/>
+      <dgm:t>
+        <a:bodyPr/>
+        <a:lstStyle/>
+        <a:p>
+          <a:endParaRPr lang="zh-CN" altLang="en-US"/>
+        </a:p>
+      </dgm:t>
+    </dgm:pt>
+    <dgm:pt modelId="{C77CD26B-2951-4412-A627-BA08D9789897}" type="sibTrans" cxnId="{26D27EE5-F5DC-4E46-A64B-1C91004FBE31}">
+      <dgm:prSet/>
+      <dgm:spPr/>
+      <dgm:t>
+        <a:bodyPr/>
+        <a:lstStyle/>
+        <a:p>
+          <a:endParaRPr lang="zh-CN" altLang="en-US"/>
+        </a:p>
+      </dgm:t>
+    </dgm:pt>
+    <dgm:pt modelId="{B08142C5-47C1-4081-B27D-592EF846AD6F}" type="pres">
+      <dgm:prSet presAssocID="{B9718E2A-3B0D-488B-B55B-038F43F611DA}" presName="Name0" presStyleCnt="0">
+        <dgm:presLayoutVars>
+          <dgm:chMax/>
+          <dgm:chPref/>
+          <dgm:dir/>
+        </dgm:presLayoutVars>
+      </dgm:prSet>
+      <dgm:spPr/>
+    </dgm:pt>
+    <dgm:pt modelId="{484CA729-2AFD-4C35-83DC-091F4FD16E4B}" type="pres">
+      <dgm:prSet presAssocID="{F71BBEDB-A199-46F3-8172-BDEBC0482CBB}" presName="composite" presStyleCnt="0">
+        <dgm:presLayoutVars>
+          <dgm:chMax/>
+          <dgm:chPref/>
+        </dgm:presLayoutVars>
+      </dgm:prSet>
+      <dgm:spPr/>
+    </dgm:pt>
+    <dgm:pt modelId="{DBD89488-37E1-4FD2-BCC0-E8E66BEB275F}" type="pres">
+      <dgm:prSet presAssocID="{F71BBEDB-A199-46F3-8172-BDEBC0482CBB}" presName="Image" presStyleLbl="bgImgPlace1" presStyleIdx="0" presStyleCnt="1"/>
+      <dgm:spPr>
+        <a:blipFill>
+          <a:blip xmlns:r="http://schemas.openxmlformats.org/officeDocument/2006/relationships" r:embed="rId1">
+            <a:extLst>
+              <a:ext uri="{28A0092B-C50C-407E-A947-70E740481C1C}">
+                <a14:useLocalDpi xmlns:a14="http://schemas.microsoft.com/office/drawing/2010/main" val="0"/>
+              </a:ext>
+            </a:extLst>
+          </a:blip>
+          <a:srcRect/>
+          <a:stretch>
+            <a:fillRect l="-6000" r="-6000"/>
+          </a:stretch>
+        </a:blipFill>
+      </dgm:spPr>
+    </dgm:pt>
+    <dgm:pt modelId="{8D8EBA5E-9D0A-46B1-9F88-A362726573AC}" type="pres">
+      <dgm:prSet presAssocID="{F71BBEDB-A199-46F3-8172-BDEBC0482CBB}" presName="ParentText" presStyleLbl="revTx" presStyleIdx="0" presStyleCnt="1">
+        <dgm:presLayoutVars>
+          <dgm:chMax val="0"/>
+          <dgm:chPref val="0"/>
+          <dgm:bulletEnabled val="1"/>
+        </dgm:presLayoutVars>
+      </dgm:prSet>
+      <dgm:spPr/>
+      <dgm:t>
+        <a:bodyPr/>
+        <a:lstStyle/>
+        <a:p>
+          <a:endParaRPr lang="zh-CN" altLang="en-US"/>
+        </a:p>
+      </dgm:t>
+    </dgm:pt>
+    <dgm:pt modelId="{1282CEC5-F1A2-41F9-B551-E19DB0164CD0}" type="pres">
+      <dgm:prSet presAssocID="{F71BBEDB-A199-46F3-8172-BDEBC0482CBB}" presName="tlFrame" presStyleLbl="node1" presStyleIdx="0" presStyleCnt="4"/>
+      <dgm:spPr/>
+    </dgm:pt>
+    <dgm:pt modelId="{CF87DDB3-0EBE-4596-BE9C-40878F1C04F6}" type="pres">
+      <dgm:prSet presAssocID="{F71BBEDB-A199-46F3-8172-BDEBC0482CBB}" presName="trFrame" presStyleLbl="node1" presStyleIdx="1" presStyleCnt="4"/>
+      <dgm:spPr/>
+    </dgm:pt>
+    <dgm:pt modelId="{A3BF7161-D51F-4C43-99EB-905529C521C5}" type="pres">
+      <dgm:prSet presAssocID="{F71BBEDB-A199-46F3-8172-BDEBC0482CBB}" presName="blFrame" presStyleLbl="node1" presStyleIdx="2" presStyleCnt="4"/>
+      <dgm:spPr/>
+    </dgm:pt>
+    <dgm:pt modelId="{C8D5DB3B-516C-4555-B4FB-DA396379D33D}" type="pres">
+      <dgm:prSet presAssocID="{F71BBEDB-A199-46F3-8172-BDEBC0482CBB}" presName="brFrame" presStyleLbl="node1" presStyleIdx="3" presStyleCnt="4"/>
+      <dgm:spPr/>
+    </dgm:pt>
+  </dgm:ptLst>
+  <dgm:cxnLst>
+    <dgm:cxn modelId="{E0C5FC2F-B733-4A99-B08D-7FDBE5A5FEAA}" type="presOf" srcId="{F71BBEDB-A199-46F3-8172-BDEBC0482CBB}" destId="{8D8EBA5E-9D0A-46B1-9F88-A362726573AC}" srcOrd="0" destOrd="0" presId="urn:microsoft.com/office/officeart/2009/3/layout/FramedTextPicture"/>
+    <dgm:cxn modelId="{26D27EE5-F5DC-4E46-A64B-1C91004FBE31}" srcId="{B9718E2A-3B0D-488B-B55B-038F43F611DA}" destId="{F71BBEDB-A199-46F3-8172-BDEBC0482CBB}" srcOrd="0" destOrd="0" parTransId="{C58E04CB-3619-4581-8329-0B35EBC7C910}" sibTransId="{C77CD26B-2951-4412-A627-BA08D9789897}"/>
+    <dgm:cxn modelId="{32915379-4032-4F15-A65C-346A222D0454}" type="presOf" srcId="{B9718E2A-3B0D-488B-B55B-038F43F611DA}" destId="{B08142C5-47C1-4081-B27D-592EF846AD6F}" srcOrd="0" destOrd="0" presId="urn:microsoft.com/office/officeart/2009/3/layout/FramedTextPicture"/>
+    <dgm:cxn modelId="{95CBDBE1-46D8-44B0-9DF8-516DC2D2557C}" type="presParOf" srcId="{B08142C5-47C1-4081-B27D-592EF846AD6F}" destId="{484CA729-2AFD-4C35-83DC-091F4FD16E4B}" srcOrd="0" destOrd="0" presId="urn:microsoft.com/office/officeart/2009/3/layout/FramedTextPicture"/>
+    <dgm:cxn modelId="{9C622208-0391-4BEC-A8DE-BF82A5E938F1}" type="presParOf" srcId="{484CA729-2AFD-4C35-83DC-091F4FD16E4B}" destId="{DBD89488-37E1-4FD2-BCC0-E8E66BEB275F}" srcOrd="0" destOrd="0" presId="urn:microsoft.com/office/officeart/2009/3/layout/FramedTextPicture"/>
+    <dgm:cxn modelId="{DBE9DD29-49FD-4A90-BE69-2F9324854B05}" type="presParOf" srcId="{484CA729-2AFD-4C35-83DC-091F4FD16E4B}" destId="{8D8EBA5E-9D0A-46B1-9F88-A362726573AC}" srcOrd="1" destOrd="0" presId="urn:microsoft.com/office/officeart/2009/3/layout/FramedTextPicture"/>
+    <dgm:cxn modelId="{E65218DF-5277-4A89-85BD-05A8CBC258C4}" type="presParOf" srcId="{484CA729-2AFD-4C35-83DC-091F4FD16E4B}" destId="{1282CEC5-F1A2-41F9-B551-E19DB0164CD0}" srcOrd="2" destOrd="0" presId="urn:microsoft.com/office/officeart/2009/3/layout/FramedTextPicture"/>
+    <dgm:cxn modelId="{2A207BA9-D6D7-4F6D-A379-F8B925FD6864}" type="presParOf" srcId="{484CA729-2AFD-4C35-83DC-091F4FD16E4B}" destId="{CF87DDB3-0EBE-4596-BE9C-40878F1C04F6}" srcOrd="3" destOrd="0" presId="urn:microsoft.com/office/officeart/2009/3/layout/FramedTextPicture"/>
+    <dgm:cxn modelId="{D44CB1F6-D7CD-4085-A72E-8D21C5EB468A}" type="presParOf" srcId="{484CA729-2AFD-4C35-83DC-091F4FD16E4B}" destId="{A3BF7161-D51F-4C43-99EB-905529C521C5}" srcOrd="4" destOrd="0" presId="urn:microsoft.com/office/officeart/2009/3/layout/FramedTextPicture"/>
+    <dgm:cxn modelId="{A0539D8A-ED74-420F-BA74-7A30DB996947}" type="presParOf" srcId="{484CA729-2AFD-4C35-83DC-091F4FD16E4B}" destId="{C8D5DB3B-516C-4555-B4FB-DA396379D33D}" srcOrd="5" destOrd="0" presId="urn:microsoft.com/office/officeart/2009/3/layout/FramedTextPicture"/>
+  </dgm:cxnLst>
+  <dgm:bg/>
+  <dgm:whole/>
+  <dgm:extLst>
+    <a:ext uri="http://schemas.microsoft.com/office/drawing/2008/diagram">
+      <dsp:dataModelExt xmlns:dsp="http://schemas.microsoft.com/office/drawing/2008/diagram" relId="rId6" minVer="http://schemas.openxmlformats.org/drawingml/2006/diagram"/>
     </a:ext>
   </dgm:extLst>
 </dgm:dataModel>
@@ -7558,7 +8643,7 @@
           </a:avLst>
         </a:prstGeom>
         <a:solidFill>
-          <a:schemeClr val="accent6">
+          <a:schemeClr val="accent4">
             <a:alpha val="90000"/>
             <a:hueOff val="0"/>
             <a:satOff val="0"/>
@@ -7594,12 +8679,12 @@
         </a:fontRef>
       </dsp:style>
       <dsp:txBody>
-        <a:bodyPr spcFirstLastPara="0" vert="horz" wrap="square" lIns="87630" tIns="87630" rIns="87630" bIns="87630" numCol="1" spcCol="1270" anchor="ctr" anchorCtr="0">
+        <a:bodyPr spcFirstLastPara="0" vert="horz" wrap="square" lIns="114300" tIns="114300" rIns="114300" bIns="114300" numCol="1" spcCol="1270" anchor="ctr" anchorCtr="0">
           <a:noAutofit/>
         </a:bodyPr>
         <a:lstStyle/>
         <a:p>
-          <a:pPr lvl="0" algn="ctr" defTabSz="1022350">
+          <a:pPr lvl="0" algn="ctr" defTabSz="1333500">
             <a:lnSpc>
               <a:spcPct val="90000"/>
             </a:lnSpc>
@@ -7611,10 +8696,10 @@
             </a:spcAft>
           </a:pPr>
           <a:r>
-            <a:rPr lang="zh-CN" altLang="en-US" sz="2300" kern="1200" smtClean="0"/>
+            <a:rPr lang="zh-CN" altLang="en-US" sz="3000" kern="1200" smtClean="0"/>
             <a:t>安装依赖</a:t>
           </a:r>
-          <a:endParaRPr lang="zh-CN" altLang="en-US" sz="2300" kern="1200"/>
+          <a:endParaRPr lang="zh-CN" altLang="en-US" sz="3000" kern="1200"/>
         </a:p>
       </dsp:txBody>
       <dsp:txXfrm>
@@ -7639,7 +8724,7 @@
           </a:avLst>
         </a:prstGeom>
         <a:solidFill>
-          <a:schemeClr val="accent6">
+          <a:schemeClr val="accent4">
             <a:shade val="90000"/>
             <a:hueOff val="0"/>
             <a:satOff val="0"/>
@@ -7672,7 +8757,7 @@
         </a:bodyPr>
         <a:lstStyle/>
         <a:p>
-          <a:pPr lvl="0" algn="ctr" defTabSz="844550">
+          <a:pPr lvl="0" algn="ctr" defTabSz="977900">
             <a:lnSpc>
               <a:spcPct val="90000"/>
             </a:lnSpc>
@@ -7683,7 +8768,7 @@
               <a:spcPct val="35000"/>
             </a:spcAft>
           </a:pPr>
-          <a:endParaRPr lang="zh-CN" altLang="en-US" sz="1900" kern="1200"/>
+          <a:endParaRPr lang="zh-CN" altLang="en-US" sz="2200" kern="1200"/>
         </a:p>
       </dsp:txBody>
       <dsp:txXfrm>
@@ -7707,7 +8792,7 @@
           </a:avLst>
         </a:prstGeom>
         <a:solidFill>
-          <a:schemeClr val="accent6">
+          <a:schemeClr val="accent4">
             <a:alpha val="90000"/>
             <a:hueOff val="0"/>
             <a:satOff val="0"/>
@@ -7743,12 +8828,12 @@
         </a:fontRef>
       </dsp:style>
       <dsp:txBody>
-        <a:bodyPr spcFirstLastPara="0" vert="horz" wrap="square" lIns="87630" tIns="87630" rIns="87630" bIns="87630" numCol="1" spcCol="1270" anchor="ctr" anchorCtr="0">
+        <a:bodyPr spcFirstLastPara="0" vert="horz" wrap="square" lIns="114300" tIns="114300" rIns="114300" bIns="114300" numCol="1" spcCol="1270" anchor="ctr" anchorCtr="0">
           <a:noAutofit/>
         </a:bodyPr>
         <a:lstStyle/>
         <a:p>
-          <a:pPr lvl="0" algn="ctr" defTabSz="1022350">
+          <a:pPr lvl="0" algn="ctr" defTabSz="1333500">
             <a:lnSpc>
               <a:spcPct val="90000"/>
             </a:lnSpc>
@@ -7760,10 +8845,10 @@
             </a:spcAft>
           </a:pPr>
           <a:r>
-            <a:rPr lang="zh-CN" altLang="en-US" sz="2300" kern="1200" smtClean="0"/>
+            <a:rPr lang="zh-CN" altLang="en-US" sz="3000" kern="1200" smtClean="0"/>
             <a:t>挂载磁盘</a:t>
           </a:r>
-          <a:endParaRPr lang="zh-CN" altLang="en-US" sz="2300" kern="1200"/>
+          <a:endParaRPr lang="zh-CN" altLang="en-US" sz="3000" kern="1200"/>
         </a:p>
       </dsp:txBody>
       <dsp:txXfrm>
@@ -7788,11 +8873,11 @@
           </a:avLst>
         </a:prstGeom>
         <a:solidFill>
-          <a:schemeClr val="accent6">
+          <a:schemeClr val="accent4">
             <a:shade val="90000"/>
-            <a:hueOff val="-69201"/>
-            <a:satOff val="-1511"/>
-            <a:lumOff val="10000"/>
+            <a:hueOff val="72140"/>
+            <a:satOff val="-4308"/>
+            <a:lumOff val="12708"/>
             <a:alphaOff val="0"/>
           </a:schemeClr>
         </a:solidFill>
@@ -7821,7 +8906,7 @@
         </a:bodyPr>
         <a:lstStyle/>
         <a:p>
-          <a:pPr lvl="0" algn="ctr" defTabSz="844550">
+          <a:pPr lvl="0" algn="ctr" defTabSz="977900">
             <a:lnSpc>
               <a:spcPct val="90000"/>
             </a:lnSpc>
@@ -7832,7 +8917,7 @@
               <a:spcPct val="35000"/>
             </a:spcAft>
           </a:pPr>
-          <a:endParaRPr lang="zh-CN" altLang="en-US" sz="1900" kern="1200"/>
+          <a:endParaRPr lang="zh-CN" altLang="en-US" sz="2200" kern="1200"/>
         </a:p>
       </dsp:txBody>
       <dsp:txXfrm>
@@ -7856,7 +8941,7 @@
           </a:avLst>
         </a:prstGeom>
         <a:solidFill>
-          <a:schemeClr val="accent6">
+          <a:schemeClr val="accent4">
             <a:alpha val="90000"/>
             <a:hueOff val="0"/>
             <a:satOff val="0"/>
@@ -7892,12 +8977,12 @@
         </a:fontRef>
       </dsp:style>
       <dsp:txBody>
-        <a:bodyPr spcFirstLastPara="0" vert="horz" wrap="square" lIns="87630" tIns="87630" rIns="87630" bIns="87630" numCol="1" spcCol="1270" anchor="ctr" anchorCtr="0">
+        <a:bodyPr spcFirstLastPara="0" vert="horz" wrap="square" lIns="114300" tIns="114300" rIns="114300" bIns="114300" numCol="1" spcCol="1270" anchor="ctr" anchorCtr="0">
           <a:noAutofit/>
         </a:bodyPr>
         <a:lstStyle/>
         <a:p>
-          <a:pPr lvl="0" algn="ctr" defTabSz="1022350">
+          <a:pPr lvl="0" algn="ctr" defTabSz="1333500">
             <a:lnSpc>
               <a:spcPct val="90000"/>
             </a:lnSpc>
@@ -7909,14 +8994,20 @@
             </a:spcAft>
           </a:pPr>
           <a:r>
-            <a:rPr lang="zh-CN" altLang="en-US" sz="2300" kern="1200" smtClean="0"/>
+            <a:rPr lang="zh-CN" altLang="en-US" sz="3000" kern="1200" smtClean="0"/>
             <a:t>安装</a:t>
           </a:r>
           <a:r>
-            <a:rPr lang="en-US" altLang="zh-CN" sz="2300" kern="1200" smtClean="0"/>
+            <a:rPr lang="en-US" altLang="zh-CN" sz="3000" kern="1200" smtClean="0">
+              <a:latin typeface="Times New Roman" panose="02020603050405020304" pitchFamily="18" charset="0"/>
+              <a:cs typeface="Times New Roman" panose="02020603050405020304" pitchFamily="18" charset="0"/>
+            </a:rPr>
             <a:t>swift</a:t>
           </a:r>
-          <a:endParaRPr lang="zh-CN" altLang="en-US" sz="2300" kern="1200"/>
+          <a:endParaRPr lang="zh-CN" altLang="en-US" sz="3000" kern="1200">
+            <a:latin typeface="Times New Roman" panose="02020603050405020304" pitchFamily="18" charset="0"/>
+            <a:cs typeface="Times New Roman" panose="02020603050405020304" pitchFamily="18" charset="0"/>
+          </a:endParaRPr>
         </a:p>
       </dsp:txBody>
       <dsp:txXfrm>
@@ -7930,9 +9021,9 @@
         <dsp:cNvSpPr/>
       </dsp:nvSpPr>
       <dsp:spPr>
-        <a:xfrm rot="5400000">
-          <a:off x="6826932" y="2431759"/>
-          <a:ext cx="452659" cy="529526"/>
+        <a:xfrm rot="5421168">
+          <a:off x="6823935" y="2425421"/>
+          <a:ext cx="445742" cy="529526"/>
         </a:xfrm>
         <a:prstGeom prst="rightArrow">
           <a:avLst>
@@ -7941,11 +9032,11 @@
           </a:avLst>
         </a:prstGeom>
         <a:solidFill>
-          <a:schemeClr val="accent6">
+          <a:schemeClr val="accent4">
             <a:shade val="90000"/>
-            <a:hueOff val="-138403"/>
-            <a:satOff val="-3021"/>
-            <a:lumOff val="20000"/>
+            <a:hueOff val="144281"/>
+            <a:satOff val="-8616"/>
+            <a:lumOff val="25415"/>
             <a:alphaOff val="0"/>
           </a:schemeClr>
         </a:solidFill>
@@ -7974,7 +9065,7 @@
         </a:bodyPr>
         <a:lstStyle/>
         <a:p>
-          <a:pPr lvl="0" algn="ctr" defTabSz="844550">
+          <a:pPr lvl="0" algn="ctr" defTabSz="977900">
             <a:lnSpc>
               <a:spcPct val="90000"/>
             </a:lnSpc>
@@ -7985,12 +9076,12 @@
               <a:spcPct val="35000"/>
             </a:spcAft>
           </a:pPr>
-          <a:endParaRPr lang="zh-CN" altLang="en-US" sz="1900" kern="1200"/>
+          <a:endParaRPr lang="zh-CN" altLang="en-US" sz="2200" kern="1200"/>
         </a:p>
       </dsp:txBody>
       <dsp:txXfrm rot="-5400000">
-        <a:off x="6894404" y="2470192"/>
-        <a:ext cx="317716" cy="316861"/>
+        <a:off x="6888360" y="2467314"/>
+        <a:ext cx="317716" cy="312019"/>
       </dsp:txXfrm>
     </dsp:sp>
     <dsp:sp modelId="{4970E94A-C64E-457C-A07E-C30E9120445A}">
@@ -8000,7 +9091,7 @@
       </dsp:nvSpPr>
       <dsp:spPr>
         <a:xfrm>
-          <a:off x="5985668" y="3136371"/>
+          <a:off x="5972601" y="3123303"/>
           <a:ext cx="2135187" cy="1281112"/>
         </a:xfrm>
         <a:prstGeom prst="roundRect">
@@ -8009,7 +9100,7 @@
           </a:avLst>
         </a:prstGeom>
         <a:solidFill>
-          <a:schemeClr val="accent6">
+          <a:schemeClr val="accent4">
             <a:alpha val="90000"/>
             <a:hueOff val="0"/>
             <a:satOff val="0"/>
@@ -8045,12 +9136,12 @@
         </a:fontRef>
       </dsp:style>
       <dsp:txBody>
-        <a:bodyPr spcFirstLastPara="0" vert="horz" wrap="square" lIns="87630" tIns="87630" rIns="87630" bIns="87630" numCol="1" spcCol="1270" anchor="ctr" anchorCtr="0">
+        <a:bodyPr spcFirstLastPara="0" vert="horz" wrap="square" lIns="114300" tIns="114300" rIns="114300" bIns="114300" numCol="1" spcCol="1270" anchor="ctr" anchorCtr="0">
           <a:noAutofit/>
         </a:bodyPr>
         <a:lstStyle/>
         <a:p>
-          <a:pPr lvl="0" algn="ctr" defTabSz="1022350">
+          <a:pPr lvl="0" algn="ctr" defTabSz="1333500">
             <a:lnSpc>
               <a:spcPct val="90000"/>
             </a:lnSpc>
@@ -8062,18 +9153,24 @@
             </a:spcAft>
           </a:pPr>
           <a:r>
-            <a:rPr lang="zh-CN" altLang="en-US" sz="2300" kern="1200" smtClean="0"/>
+            <a:rPr lang="zh-CN" altLang="en-US" sz="3000" kern="1200" smtClean="0"/>
             <a:t>开启</a:t>
           </a:r>
           <a:r>
-            <a:rPr lang="en-US" altLang="zh-CN" sz="2300" kern="1200" smtClean="0"/>
+            <a:rPr lang="en-US" altLang="zh-CN" sz="3000" kern="1200" smtClean="0">
+              <a:latin typeface="Times New Roman" panose="02020603050405020304" pitchFamily="18" charset="0"/>
+              <a:cs typeface="Times New Roman" panose="02020603050405020304" pitchFamily="18" charset="0"/>
+            </a:rPr>
             <a:t>rsync、memcached</a:t>
           </a:r>
-          <a:endParaRPr lang="zh-CN" altLang="en-US" sz="2300" kern="1200"/>
+          <a:endParaRPr lang="zh-CN" altLang="en-US" sz="3000" kern="1200">
+            <a:latin typeface="Times New Roman" panose="02020603050405020304" pitchFamily="18" charset="0"/>
+            <a:cs typeface="Times New Roman" panose="02020603050405020304" pitchFamily="18" charset="0"/>
+          </a:endParaRPr>
         </a:p>
       </dsp:txBody>
       <dsp:txXfrm>
-        <a:off x="6023190" y="3173893"/>
+        <a:off x="6010123" y="3160825"/>
         <a:ext cx="2060143" cy="1206068"/>
       </dsp:txXfrm>
     </dsp:sp>
@@ -8083,9 +9180,9 @@
         <dsp:cNvSpPr/>
       </dsp:nvSpPr>
       <dsp:spPr>
-        <a:xfrm rot="10800000">
-          <a:off x="5345112" y="3512163"/>
-          <a:ext cx="452659" cy="529526"/>
+        <a:xfrm rot="10784906">
+          <a:off x="5341843" y="3505574"/>
+          <a:ext cx="445738" cy="529526"/>
         </a:xfrm>
         <a:prstGeom prst="rightArrow">
           <a:avLst>
@@ -8094,11 +9191,11 @@
           </a:avLst>
         </a:prstGeom>
         <a:solidFill>
-          <a:schemeClr val="accent6">
+          <a:schemeClr val="accent4">
             <a:shade val="90000"/>
-            <a:hueOff val="-207604"/>
-            <a:satOff val="-4532"/>
-            <a:lumOff val="30000"/>
+            <a:hueOff val="216421"/>
+            <a:satOff val="-12924"/>
+            <a:lumOff val="38123"/>
             <a:alphaOff val="0"/>
           </a:schemeClr>
         </a:solidFill>
@@ -8127,7 +9224,7 @@
         </a:bodyPr>
         <a:lstStyle/>
         <a:p>
-          <a:pPr lvl="0" algn="ctr" defTabSz="844550">
+          <a:pPr lvl="0" algn="ctr" defTabSz="977900">
             <a:lnSpc>
               <a:spcPct val="90000"/>
             </a:lnSpc>
@@ -8138,12 +9235,12 @@
               <a:spcPct val="35000"/>
             </a:spcAft>
           </a:pPr>
-          <a:endParaRPr lang="zh-CN" altLang="en-US" sz="1900" kern="1200"/>
+          <a:endParaRPr lang="zh-CN" altLang="en-US" sz="2200" kern="1200"/>
         </a:p>
       </dsp:txBody>
       <dsp:txXfrm rot="10800000">
-        <a:off x="5480910" y="3618068"/>
-        <a:ext cx="316861" cy="317716"/>
+        <a:off x="5475563" y="3611185"/>
+        <a:ext cx="312017" cy="317716"/>
       </dsp:txXfrm>
     </dsp:sp>
     <dsp:sp modelId="{CD2202D8-AD08-4E72-9FFE-EC2A8C159475}">
@@ -8162,7 +9259,7 @@
           </a:avLst>
         </a:prstGeom>
         <a:solidFill>
-          <a:schemeClr val="accent6">
+          <a:schemeClr val="accent4">
             <a:alpha val="90000"/>
             <a:hueOff val="0"/>
             <a:satOff val="0"/>
@@ -8198,12 +9295,12 @@
         </a:fontRef>
       </dsp:style>
       <dsp:txBody>
-        <a:bodyPr spcFirstLastPara="0" vert="horz" wrap="square" lIns="87630" tIns="87630" rIns="87630" bIns="87630" numCol="1" spcCol="1270" anchor="ctr" anchorCtr="0">
+        <a:bodyPr spcFirstLastPara="0" vert="horz" wrap="square" lIns="114300" tIns="114300" rIns="114300" bIns="114300" numCol="1" spcCol="1270" anchor="ctr" anchorCtr="0">
           <a:noAutofit/>
         </a:bodyPr>
         <a:lstStyle/>
         <a:p>
-          <a:pPr lvl="0" algn="ctr" defTabSz="1022350">
+          <a:pPr lvl="0" algn="ctr" defTabSz="1333500">
             <a:lnSpc>
               <a:spcPct val="90000"/>
             </a:lnSpc>
@@ -8215,14 +9312,20 @@
             </a:spcAft>
           </a:pPr>
           <a:r>
-            <a:rPr lang="zh-CN" altLang="en-US" sz="2300" kern="1200" smtClean="0"/>
+            <a:rPr lang="zh-CN" altLang="en-US" sz="3000" kern="1200" smtClean="0"/>
             <a:t>启动</a:t>
           </a:r>
           <a:r>
-            <a:rPr lang="en-US" altLang="zh-CN" sz="2300" kern="1200" smtClean="0"/>
+            <a:rPr lang="en-US" altLang="zh-CN" sz="3000" kern="1200" smtClean="0">
+              <a:latin typeface="Times New Roman" panose="02020603050405020304" pitchFamily="18" charset="0"/>
+              <a:cs typeface="Times New Roman" panose="02020603050405020304" pitchFamily="18" charset="0"/>
+            </a:rPr>
             <a:t>swift</a:t>
           </a:r>
-          <a:endParaRPr lang="zh-CN" altLang="en-US" sz="2300" kern="1200"/>
+          <a:endParaRPr lang="zh-CN" altLang="en-US" sz="3000" kern="1200">
+            <a:latin typeface="Times New Roman" panose="02020603050405020304" pitchFamily="18" charset="0"/>
+            <a:cs typeface="Times New Roman" panose="02020603050405020304" pitchFamily="18" charset="0"/>
+          </a:endParaRPr>
         </a:p>
       </dsp:txBody>
       <dsp:txXfrm>
@@ -8293,13 +9396,13 @@
         </a:fontRef>
       </dsp:style>
       <dsp:txBody>
-        <a:bodyPr spcFirstLastPara="0" vert="horz" wrap="square" lIns="17145" tIns="17145" rIns="17145" bIns="17145" numCol="1" spcCol="1270" anchor="ctr" anchorCtr="0">
+        <a:bodyPr spcFirstLastPara="0" vert="horz" wrap="square" lIns="18415" tIns="18415" rIns="18415" bIns="18415" numCol="1" spcCol="1270" anchor="ctr" anchorCtr="0">
           <a:noAutofit/>
           <a:sp3d extrusionH="28000" prstMaterial="matte"/>
         </a:bodyPr>
         <a:lstStyle/>
         <a:p>
-          <a:pPr lvl="0" algn="ctr" defTabSz="1200150">
+          <a:pPr lvl="0" algn="ctr" defTabSz="1289050">
             <a:lnSpc>
               <a:spcPct val="90000"/>
             </a:lnSpc>
@@ -8311,10 +9414,16 @@
             </a:spcAft>
           </a:pPr>
           <a:r>
-            <a:rPr lang="en-US" altLang="zh-CN" sz="2700" kern="1200" smtClean="0"/>
+            <a:rPr lang="en-US" altLang="zh-CN" sz="2900" kern="1200" smtClean="0">
+              <a:latin typeface="Times New Roman" panose="02020603050405020304" pitchFamily="18" charset="0"/>
+              <a:cs typeface="Times New Roman" panose="02020603050405020304" pitchFamily="18" charset="0"/>
+            </a:rPr>
             <a:t>Proxy</a:t>
           </a:r>
-          <a:endParaRPr lang="zh-CN" altLang="en-US" sz="2700" kern="1200"/>
+          <a:endParaRPr lang="zh-CN" altLang="en-US" sz="2900" kern="1200">
+            <a:latin typeface="Times New Roman" panose="02020603050405020304" pitchFamily="18" charset="0"/>
+            <a:cs typeface="Times New Roman" panose="02020603050405020304" pitchFamily="18" charset="0"/>
+          </a:endParaRPr>
         </a:p>
       </dsp:txBody>
       <dsp:txXfrm>
@@ -8453,13 +9562,13 @@
         </a:fontRef>
       </dsp:style>
       <dsp:txBody>
-        <a:bodyPr spcFirstLastPara="0" vert="horz" wrap="square" lIns="15875" tIns="15875" rIns="15875" bIns="15875" numCol="1" spcCol="1270" anchor="ctr" anchorCtr="0">
+        <a:bodyPr spcFirstLastPara="0" vert="horz" wrap="square" lIns="17780" tIns="17780" rIns="17780" bIns="17780" numCol="1" spcCol="1270" anchor="ctr" anchorCtr="0">
           <a:noAutofit/>
           <a:sp3d extrusionH="28000" prstMaterial="matte"/>
         </a:bodyPr>
         <a:lstStyle/>
         <a:p>
-          <a:pPr lvl="0" algn="ctr" defTabSz="1111250">
+          <a:pPr lvl="0" algn="ctr" defTabSz="1244600">
             <a:lnSpc>
               <a:spcPct val="90000"/>
             </a:lnSpc>
@@ -8471,10 +9580,16 @@
             </a:spcAft>
           </a:pPr>
           <a:r>
-            <a:rPr lang="en-US" altLang="zh-CN" sz="2500" kern="1200" smtClean="0"/>
+            <a:rPr lang="en-US" altLang="zh-CN" sz="2800" kern="1200" smtClean="0">
+              <a:latin typeface="Times New Roman" panose="02020603050405020304" pitchFamily="18" charset="0"/>
+              <a:cs typeface="Times New Roman" panose="02020603050405020304" pitchFamily="18" charset="0"/>
+            </a:rPr>
             <a:t>Auth</a:t>
           </a:r>
-          <a:endParaRPr lang="zh-CN" altLang="en-US" sz="2500" kern="1200"/>
+          <a:endParaRPr lang="zh-CN" altLang="en-US" sz="2800" kern="1200">
+            <a:latin typeface="Times New Roman" panose="02020603050405020304" pitchFamily="18" charset="0"/>
+            <a:cs typeface="Times New Roman" panose="02020603050405020304" pitchFamily="18" charset="0"/>
+          </a:endParaRPr>
         </a:p>
       </dsp:txBody>
       <dsp:txXfrm>
@@ -8613,13 +9728,13 @@
         </a:fontRef>
       </dsp:style>
       <dsp:txBody>
-        <a:bodyPr spcFirstLastPara="0" vert="horz" wrap="square" lIns="15875" tIns="15875" rIns="15875" bIns="15875" numCol="1" spcCol="1270" anchor="ctr" anchorCtr="0">
+        <a:bodyPr spcFirstLastPara="0" vert="horz" wrap="square" lIns="17780" tIns="17780" rIns="17780" bIns="17780" numCol="1" spcCol="1270" anchor="ctr" anchorCtr="0">
           <a:noAutofit/>
           <a:sp3d extrusionH="28000" prstMaterial="matte"/>
         </a:bodyPr>
         <a:lstStyle/>
         <a:p>
-          <a:pPr lvl="0" algn="ctr" defTabSz="1111250">
+          <a:pPr lvl="0" algn="ctr" defTabSz="1244600">
             <a:lnSpc>
               <a:spcPct val="90000"/>
             </a:lnSpc>
@@ -8631,10 +9746,16 @@
             </a:spcAft>
           </a:pPr>
           <a:r>
-            <a:rPr lang="en-US" altLang="zh-CN" sz="2500" kern="1200" smtClean="0"/>
+            <a:rPr lang="en-US" altLang="zh-CN" sz="2800" kern="1200" smtClean="0">
+              <a:latin typeface="Times New Roman" panose="02020603050405020304" pitchFamily="18" charset="0"/>
+              <a:cs typeface="Times New Roman" panose="02020603050405020304" pitchFamily="18" charset="0"/>
+            </a:rPr>
             <a:t>Swif-osd</a:t>
           </a:r>
-          <a:endParaRPr lang="zh-CN" altLang="en-US" sz="2500" kern="1200"/>
+          <a:endParaRPr lang="zh-CN" altLang="en-US" sz="2800" kern="1200">
+            <a:latin typeface="Times New Roman" panose="02020603050405020304" pitchFamily="18" charset="0"/>
+            <a:cs typeface="Times New Roman" panose="02020603050405020304" pitchFamily="18" charset="0"/>
+          </a:endParaRPr>
         </a:p>
       </dsp:txBody>
       <dsp:txXfrm>
@@ -8773,13 +9894,13 @@
         </a:fontRef>
       </dsp:style>
       <dsp:txBody>
-        <a:bodyPr spcFirstLastPara="0" vert="horz" wrap="square" lIns="15875" tIns="15875" rIns="15875" bIns="15875" numCol="1" spcCol="1270" anchor="ctr" anchorCtr="0">
+        <a:bodyPr spcFirstLastPara="0" vert="horz" wrap="square" lIns="17780" tIns="17780" rIns="17780" bIns="17780" numCol="1" spcCol="1270" anchor="ctr" anchorCtr="0">
           <a:noAutofit/>
           <a:sp3d extrusionH="28000" prstMaterial="matte"/>
         </a:bodyPr>
         <a:lstStyle/>
         <a:p>
-          <a:pPr lvl="0" algn="ctr" defTabSz="1111250">
+          <a:pPr lvl="0" algn="ctr" defTabSz="1244600">
             <a:lnSpc>
               <a:spcPct val="90000"/>
             </a:lnSpc>
@@ -8791,10 +9912,16 @@
             </a:spcAft>
           </a:pPr>
           <a:r>
-            <a:rPr lang="en-US" altLang="zh-CN" sz="2500" kern="1200" smtClean="0"/>
+            <a:rPr lang="en-US" altLang="zh-CN" sz="2800" kern="1200" smtClean="0">
+              <a:latin typeface="Times New Roman" panose="02020603050405020304" pitchFamily="18" charset="0"/>
+              <a:cs typeface="Times New Roman" panose="02020603050405020304" pitchFamily="18" charset="0"/>
+            </a:rPr>
             <a:t>Swift-osd</a:t>
           </a:r>
-          <a:endParaRPr lang="zh-CN" altLang="en-US" sz="2500" kern="1200"/>
+          <a:endParaRPr lang="zh-CN" altLang="en-US" sz="2800" kern="1200">
+            <a:latin typeface="Times New Roman" panose="02020603050405020304" pitchFamily="18" charset="0"/>
+            <a:cs typeface="Times New Roman" panose="02020603050405020304" pitchFamily="18" charset="0"/>
+          </a:endParaRPr>
         </a:p>
       </dsp:txBody>
       <dsp:txXfrm>
@@ -8933,13 +10060,13 @@
         </a:fontRef>
       </dsp:style>
       <dsp:txBody>
-        <a:bodyPr spcFirstLastPara="0" vert="horz" wrap="square" lIns="15875" tIns="15875" rIns="15875" bIns="15875" numCol="1" spcCol="1270" anchor="ctr" anchorCtr="0">
+        <a:bodyPr spcFirstLastPara="0" vert="horz" wrap="square" lIns="17780" tIns="17780" rIns="17780" bIns="17780" numCol="1" spcCol="1270" anchor="ctr" anchorCtr="0">
           <a:noAutofit/>
           <a:sp3d extrusionH="28000" prstMaterial="matte"/>
         </a:bodyPr>
         <a:lstStyle/>
         <a:p>
-          <a:pPr lvl="0" algn="ctr" defTabSz="1111250">
+          <a:pPr lvl="0" algn="ctr" defTabSz="1244600">
             <a:lnSpc>
               <a:spcPct val="90000"/>
             </a:lnSpc>
@@ -8951,10 +10078,16 @@
             </a:spcAft>
           </a:pPr>
           <a:r>
-            <a:rPr lang="en-US" altLang="zh-CN" sz="2500" kern="1200" smtClean="0"/>
+            <a:rPr lang="en-US" altLang="zh-CN" sz="2800" kern="1200" smtClean="0">
+              <a:latin typeface="Times New Roman" panose="02020603050405020304" pitchFamily="18" charset="0"/>
+              <a:cs typeface="Times New Roman" panose="02020603050405020304" pitchFamily="18" charset="0"/>
+            </a:rPr>
             <a:t>Client</a:t>
           </a:r>
-          <a:endParaRPr lang="zh-CN" altLang="en-US" sz="2500" kern="1200"/>
+          <a:endParaRPr lang="zh-CN" altLang="en-US" sz="2800" kern="1200">
+            <a:latin typeface="Times New Roman" panose="02020603050405020304" pitchFamily="18" charset="0"/>
+            <a:cs typeface="Times New Roman" panose="02020603050405020304" pitchFamily="18" charset="0"/>
+          </a:endParaRPr>
         </a:p>
       </dsp:txBody>
       <dsp:txXfrm>
@@ -9048,12 +10181,12 @@
         </a:fontRef>
       </dsp:style>
       <dsp:txBody>
-        <a:bodyPr spcFirstLastPara="0" vert="horz" wrap="square" lIns="156464" tIns="156464" rIns="156464" bIns="156464" numCol="1" spcCol="1270" anchor="ctr" anchorCtr="0">
+        <a:bodyPr spcFirstLastPara="0" vert="horz" wrap="square" lIns="170688" tIns="170688" rIns="170688" bIns="170688" numCol="1" spcCol="1270" anchor="ctr" anchorCtr="0">
           <a:noAutofit/>
         </a:bodyPr>
         <a:lstStyle/>
         <a:p>
-          <a:pPr lvl="0" algn="ctr" defTabSz="977900">
+          <a:pPr lvl="0" algn="ctr" defTabSz="1066800">
             <a:lnSpc>
               <a:spcPct val="90000"/>
             </a:lnSpc>
@@ -9065,10 +10198,16 @@
             </a:spcAft>
           </a:pPr>
           <a:r>
-            <a:rPr lang="en-US" altLang="zh-CN" sz="2200" kern="1200" smtClean="0"/>
+            <a:rPr lang="en-US" altLang="zh-CN" sz="2400" kern="1200" smtClean="0">
+              <a:latin typeface="Times New Roman" panose="02020603050405020304" pitchFamily="18" charset="0"/>
+              <a:cs typeface="Times New Roman" panose="02020603050405020304" pitchFamily="18" charset="0"/>
+            </a:rPr>
             <a:t>Client</a:t>
           </a:r>
-          <a:endParaRPr lang="zh-CN" altLang="en-US" sz="2200" kern="1200"/>
+          <a:endParaRPr lang="zh-CN" altLang="en-US" sz="2400" kern="1200">
+            <a:latin typeface="Times New Roman" panose="02020603050405020304" pitchFamily="18" charset="0"/>
+            <a:cs typeface="Times New Roman" panose="02020603050405020304" pitchFamily="18" charset="0"/>
+          </a:endParaRPr>
         </a:p>
       </dsp:txBody>
       <dsp:txXfrm>
@@ -9150,12 +10289,12 @@
         </a:fontRef>
       </dsp:style>
       <dsp:txBody>
-        <a:bodyPr spcFirstLastPara="0" vert="horz" wrap="square" lIns="156464" tIns="156464" rIns="156464" bIns="156464" numCol="1" spcCol="1270" anchor="ctr" anchorCtr="0">
+        <a:bodyPr spcFirstLastPara="0" vert="horz" wrap="square" lIns="170688" tIns="170688" rIns="170688" bIns="170688" numCol="1" spcCol="1270" anchor="ctr" anchorCtr="0">
           <a:noAutofit/>
         </a:bodyPr>
         <a:lstStyle/>
         <a:p>
-          <a:pPr lvl="0" algn="ctr" defTabSz="977900">
+          <a:pPr lvl="0" algn="ctr" defTabSz="1066800">
             <a:lnSpc>
               <a:spcPct val="90000"/>
             </a:lnSpc>
@@ -9167,10 +10306,16 @@
             </a:spcAft>
           </a:pPr>
           <a:r>
-            <a:rPr lang="en-US" altLang="zh-CN" sz="2200" kern="1200" smtClean="0"/>
+            <a:rPr lang="en-US" altLang="zh-CN" sz="2400" kern="1200" smtClean="0">
+              <a:latin typeface="Times New Roman" panose="02020603050405020304" pitchFamily="18" charset="0"/>
+              <a:cs typeface="Times New Roman" panose="02020603050405020304" pitchFamily="18" charset="0"/>
+            </a:rPr>
             <a:t>Auth</a:t>
           </a:r>
-          <a:endParaRPr lang="zh-CN" altLang="en-US" sz="2200" kern="1200"/>
+          <a:endParaRPr lang="zh-CN" altLang="en-US" sz="2400" kern="1200">
+            <a:latin typeface="Times New Roman" panose="02020603050405020304" pitchFamily="18" charset="0"/>
+            <a:cs typeface="Times New Roman" panose="02020603050405020304" pitchFamily="18" charset="0"/>
+          </a:endParaRPr>
         </a:p>
       </dsp:txBody>
       <dsp:txXfrm rot="-5400000">
@@ -9252,12 +10397,12 @@
         </a:fontRef>
       </dsp:style>
       <dsp:txBody>
-        <a:bodyPr spcFirstLastPara="0" vert="horz" wrap="square" lIns="156464" tIns="156464" rIns="156464" bIns="156464" numCol="1" spcCol="1270" anchor="ctr" anchorCtr="0">
+        <a:bodyPr spcFirstLastPara="0" vert="horz" wrap="square" lIns="170688" tIns="170688" rIns="170688" bIns="170688" numCol="1" spcCol="1270" anchor="ctr" anchorCtr="0">
           <a:noAutofit/>
         </a:bodyPr>
         <a:lstStyle/>
         <a:p>
-          <a:pPr lvl="0" algn="ctr" defTabSz="977900">
+          <a:pPr lvl="0" algn="ctr" defTabSz="1066800">
             <a:lnSpc>
               <a:spcPct val="90000"/>
             </a:lnSpc>
@@ -9269,10 +10414,16 @@
             </a:spcAft>
           </a:pPr>
           <a:r>
-            <a:rPr lang="en-US" altLang="zh-CN" sz="2200" kern="1200" smtClean="0"/>
+            <a:rPr lang="en-US" altLang="zh-CN" sz="2400" kern="1200" smtClean="0">
+              <a:latin typeface="Times New Roman" panose="02020603050405020304" pitchFamily="18" charset="0"/>
+              <a:cs typeface="Times New Roman" panose="02020603050405020304" pitchFamily="18" charset="0"/>
+            </a:rPr>
             <a:t>Proxy</a:t>
           </a:r>
-          <a:endParaRPr lang="zh-CN" altLang="en-US" sz="2200" kern="1200"/>
+          <a:endParaRPr lang="zh-CN" altLang="en-US" sz="2400" kern="1200">
+            <a:latin typeface="Times New Roman" panose="02020603050405020304" pitchFamily="18" charset="0"/>
+            <a:cs typeface="Times New Roman" panose="02020603050405020304" pitchFamily="18" charset="0"/>
+          </a:endParaRPr>
         </a:p>
       </dsp:txBody>
       <dsp:txXfrm rot="10800000">
@@ -9354,12 +10505,12 @@
         </a:fontRef>
       </dsp:style>
       <dsp:txBody>
-        <a:bodyPr spcFirstLastPara="0" vert="horz" wrap="square" lIns="156464" tIns="156464" rIns="156464" bIns="156464" numCol="1" spcCol="1270" anchor="ctr" anchorCtr="0">
+        <a:bodyPr spcFirstLastPara="0" vert="horz" wrap="square" lIns="170688" tIns="170688" rIns="170688" bIns="170688" numCol="1" spcCol="1270" anchor="ctr" anchorCtr="0">
           <a:noAutofit/>
         </a:bodyPr>
         <a:lstStyle/>
         <a:p>
-          <a:pPr lvl="0" algn="ctr" defTabSz="977900">
+          <a:pPr lvl="0" algn="ctr" defTabSz="1066800">
             <a:lnSpc>
               <a:spcPct val="90000"/>
             </a:lnSpc>
@@ -9371,10 +10522,16 @@
             </a:spcAft>
           </a:pPr>
           <a:r>
-            <a:rPr lang="en-US" altLang="zh-CN" sz="2200" kern="1200" smtClean="0"/>
+            <a:rPr lang="en-US" altLang="zh-CN" sz="2400" kern="1200" smtClean="0">
+              <a:latin typeface="Times New Roman" panose="02020603050405020304" pitchFamily="18" charset="0"/>
+              <a:cs typeface="Times New Roman" panose="02020603050405020304" pitchFamily="18" charset="0"/>
+            </a:rPr>
             <a:t>Swift-osd</a:t>
           </a:r>
-          <a:endParaRPr lang="zh-CN" altLang="en-US" sz="2200" kern="1200"/>
+          <a:endParaRPr lang="zh-CN" altLang="en-US" sz="2400" kern="1200">
+            <a:latin typeface="Times New Roman" panose="02020603050405020304" pitchFamily="18" charset="0"/>
+            <a:cs typeface="Times New Roman" panose="02020603050405020304" pitchFamily="18" charset="0"/>
+          </a:endParaRPr>
         </a:p>
       </dsp:txBody>
       <dsp:txXfrm rot="5400000">
@@ -9559,12 +10716,12 @@
         </a:fontRef>
       </dsp:style>
       <dsp:txBody>
-        <a:bodyPr spcFirstLastPara="0" vert="horz" wrap="square" lIns="35560" tIns="35560" rIns="35560" bIns="35560" numCol="1" spcCol="1270" anchor="ctr" anchorCtr="0">
+        <a:bodyPr spcFirstLastPara="0" vert="horz" wrap="square" lIns="46990" tIns="46990" rIns="46990" bIns="46990" numCol="1" spcCol="1270" anchor="ctr" anchorCtr="0">
           <a:noAutofit/>
         </a:bodyPr>
         <a:lstStyle/>
         <a:p>
-          <a:pPr lvl="0" algn="ctr" defTabSz="1244600">
+          <a:pPr lvl="0" algn="ctr" defTabSz="1644650">
             <a:lnSpc>
               <a:spcPct val="90000"/>
             </a:lnSpc>
@@ -9576,10 +10733,16 @@
             </a:spcAft>
           </a:pPr>
           <a:r>
-            <a:rPr lang="en-US" altLang="zh-CN" sz="2800" kern="1200" smtClean="0"/>
+            <a:rPr lang="en-US" altLang="zh-CN" sz="3700" kern="1200" smtClean="0">
+              <a:latin typeface="Times New Roman" panose="02020603050405020304" pitchFamily="18" charset="0"/>
+              <a:cs typeface="Times New Roman" panose="02020603050405020304" pitchFamily="18" charset="0"/>
+            </a:rPr>
             <a:t>Data</a:t>
           </a:r>
-          <a:endParaRPr lang="zh-CN" altLang="en-US" sz="2800" kern="1200"/>
+          <a:endParaRPr lang="zh-CN" altLang="en-US" sz="3700" kern="1200">
+            <a:latin typeface="Times New Roman" panose="02020603050405020304" pitchFamily="18" charset="0"/>
+            <a:cs typeface="Times New Roman" panose="02020603050405020304" pitchFamily="18" charset="0"/>
+          </a:endParaRPr>
         </a:p>
       </dsp:txBody>
       <dsp:txXfrm>
@@ -9640,12 +10803,12 @@
         </a:fontRef>
       </dsp:style>
       <dsp:txBody>
-        <a:bodyPr spcFirstLastPara="0" vert="horz" wrap="square" lIns="35560" tIns="35560" rIns="35560" bIns="35560" numCol="1" spcCol="1270" anchor="ctr" anchorCtr="0">
+        <a:bodyPr spcFirstLastPara="0" vert="horz" wrap="square" lIns="46990" tIns="46990" rIns="46990" bIns="46990" numCol="1" spcCol="1270" anchor="ctr" anchorCtr="0">
           <a:noAutofit/>
         </a:bodyPr>
         <a:lstStyle/>
         <a:p>
-          <a:pPr lvl="0" algn="ctr" defTabSz="1244600">
+          <a:pPr lvl="0" algn="ctr" defTabSz="1644650">
             <a:lnSpc>
               <a:spcPct val="90000"/>
             </a:lnSpc>
@@ -9657,10 +10820,16 @@
             </a:spcAft>
           </a:pPr>
           <a:r>
-            <a:rPr lang="en-US" altLang="zh-CN" sz="2800" kern="1200" smtClean="0"/>
+            <a:rPr lang="en-US" altLang="zh-CN" sz="3700" kern="1200" smtClean="0">
+              <a:latin typeface="Times New Roman" panose="02020603050405020304" pitchFamily="18" charset="0"/>
+              <a:cs typeface="Times New Roman" panose="02020603050405020304" pitchFamily="18" charset="0"/>
+            </a:rPr>
             <a:t>Meta</a:t>
           </a:r>
-          <a:endParaRPr lang="zh-CN" altLang="en-US" sz="2800" kern="1200"/>
+          <a:endParaRPr lang="zh-CN" altLang="en-US" sz="3700" kern="1200">
+            <a:latin typeface="Times New Roman" panose="02020603050405020304" pitchFamily="18" charset="0"/>
+            <a:cs typeface="Times New Roman" panose="02020603050405020304" pitchFamily="18" charset="0"/>
+          </a:endParaRPr>
         </a:p>
       </dsp:txBody>
       <dsp:txXfrm>
@@ -9721,12 +10890,12 @@
         </a:fontRef>
       </dsp:style>
       <dsp:txBody>
-        <a:bodyPr spcFirstLastPara="0" vert="horz" wrap="square" lIns="35560" tIns="35560" rIns="35560" bIns="35560" numCol="1" spcCol="1270" anchor="ctr" anchorCtr="0">
+        <a:bodyPr spcFirstLastPara="0" vert="horz" wrap="square" lIns="46990" tIns="46990" rIns="46990" bIns="46990" numCol="1" spcCol="1270" anchor="ctr" anchorCtr="0">
           <a:noAutofit/>
         </a:bodyPr>
         <a:lstStyle/>
         <a:p>
-          <a:pPr lvl="0" algn="ctr" defTabSz="1244600">
+          <a:pPr lvl="0" algn="ctr" defTabSz="1644650">
             <a:lnSpc>
               <a:spcPct val="90000"/>
             </a:lnSpc>
@@ -9738,16 +10907,360 @@
             </a:spcAft>
           </a:pPr>
           <a:r>
-            <a:rPr lang="en-US" altLang="zh-CN" sz="2800" kern="1200" smtClean="0"/>
+            <a:rPr lang="en-US" altLang="zh-CN" sz="3700" kern="1200" smtClean="0">
+              <a:latin typeface="Times New Roman" panose="02020603050405020304" pitchFamily="18" charset="0"/>
+              <a:cs typeface="Times New Roman" panose="02020603050405020304" pitchFamily="18" charset="0"/>
+            </a:rPr>
             <a:t>Cache</a:t>
           </a:r>
-          <a:endParaRPr lang="zh-CN" altLang="en-US" sz="2800" kern="1200"/>
+          <a:endParaRPr lang="zh-CN" altLang="en-US" sz="3700" kern="1200">
+            <a:latin typeface="Times New Roman" panose="02020603050405020304" pitchFamily="18" charset="0"/>
+            <a:cs typeface="Times New Roman" panose="02020603050405020304" pitchFamily="18" charset="0"/>
+          </a:endParaRPr>
         </a:p>
       </dsp:txBody>
       <dsp:txXfrm>
         <a:off x="1172833" y="1160489"/>
         <a:ext cx="1284425" cy="1261891"/>
       </dsp:txXfrm>
+    </dsp:sp>
+  </dsp:spTree>
+</dsp:drawing>
+</file>
+
+<file path=ppt/diagrams/drawing7.xml><?xml version="1.0" encoding="utf-8"?>
+<dsp:drawing xmlns:dgm="http://schemas.openxmlformats.org/drawingml/2006/diagram" xmlns:dsp="http://schemas.microsoft.com/office/drawing/2008/diagram" xmlns:a="http://schemas.openxmlformats.org/drawingml/2006/main">
+  <dsp:spTree>
+    <dsp:nvGrpSpPr>
+      <dsp:cNvPr id="0" name=""/>
+      <dsp:cNvGrpSpPr/>
+    </dsp:nvGrpSpPr>
+    <dsp:grpSpPr/>
+    <dsp:sp modelId="{DBD89488-37E1-4FD2-BCC0-E8E66BEB275F}">
+      <dsp:nvSpPr>
+        <dsp:cNvPr id="0" name=""/>
+        <dsp:cNvSpPr/>
+      </dsp:nvSpPr>
+      <dsp:spPr>
+        <a:xfrm>
+          <a:off x="1591402" y="0"/>
+          <a:ext cx="2210488" cy="1473653"/>
+        </a:xfrm>
+        <a:prstGeom prst="rect">
+          <a:avLst/>
+        </a:prstGeom>
+        <a:blipFill>
+          <a:blip xmlns:r="http://schemas.openxmlformats.org/officeDocument/2006/relationships" r:embed="rId1">
+            <a:extLst>
+              <a:ext uri="{28A0092B-C50C-407E-A947-70E740481C1C}">
+                <a14:useLocalDpi xmlns:a14="http://schemas.microsoft.com/office/drawing/2010/main" val="0"/>
+              </a:ext>
+            </a:extLst>
+          </a:blip>
+          <a:srcRect/>
+          <a:stretch>
+            <a:fillRect l="-6000" r="-6000"/>
+          </a:stretch>
+        </a:blipFill>
+        <a:ln w="15875" cap="rnd" cmpd="sng" algn="ctr">
+          <a:solidFill>
+            <a:schemeClr val="lt1">
+              <a:hueOff val="0"/>
+              <a:satOff val="0"/>
+              <a:lumOff val="0"/>
+              <a:alphaOff val="0"/>
+            </a:schemeClr>
+          </a:solidFill>
+          <a:prstDash val="solid"/>
+        </a:ln>
+        <a:effectLst/>
+      </dsp:spPr>
+      <dsp:style>
+        <a:lnRef idx="2">
+          <a:scrgbClr r="0" g="0" b="0"/>
+        </a:lnRef>
+        <a:fillRef idx="1">
+          <a:scrgbClr r="0" g="0" b="0"/>
+        </a:fillRef>
+        <a:effectRef idx="0">
+          <a:scrgbClr r="0" g="0" b="0"/>
+        </a:effectRef>
+        <a:fontRef idx="minor"/>
+      </dsp:style>
+    </dsp:sp>
+    <dsp:sp modelId="{8D8EBA5E-9D0A-46B1-9F88-A362726573AC}">
+      <dsp:nvSpPr>
+        <dsp:cNvPr id="0" name=""/>
+        <dsp:cNvSpPr/>
+      </dsp:nvSpPr>
+      <dsp:spPr>
+        <a:xfrm>
+          <a:off x="3894185" y="1565804"/>
+          <a:ext cx="3131716" cy="1934406"/>
+        </a:xfrm>
+        <a:prstGeom prst="rect">
+          <a:avLst/>
+        </a:prstGeom>
+        <a:noFill/>
+        <a:ln>
+          <a:noFill/>
+        </a:ln>
+        <a:effectLst/>
+      </dsp:spPr>
+      <dsp:style>
+        <a:lnRef idx="0">
+          <a:scrgbClr r="0" g="0" b="0"/>
+        </a:lnRef>
+        <a:fillRef idx="0">
+          <a:scrgbClr r="0" g="0" b="0"/>
+        </a:fillRef>
+        <a:effectRef idx="0">
+          <a:scrgbClr r="0" g="0" b="0"/>
+        </a:effectRef>
+        <a:fontRef idx="minor"/>
+      </dsp:style>
+      <dsp:txBody>
+        <a:bodyPr spcFirstLastPara="0" vert="horz" wrap="square" lIns="247650" tIns="247650" rIns="247650" bIns="247650" numCol="1" spcCol="1270" anchor="ctr" anchorCtr="0">
+          <a:noAutofit/>
+        </a:bodyPr>
+        <a:lstStyle/>
+        <a:p>
+          <a:pPr lvl="0" algn="ctr" defTabSz="2889250">
+            <a:lnSpc>
+              <a:spcPct val="90000"/>
+            </a:lnSpc>
+            <a:spcBef>
+              <a:spcPct val="0"/>
+            </a:spcBef>
+            <a:spcAft>
+              <a:spcPct val="35000"/>
+            </a:spcAft>
+          </a:pPr>
+          <a:r>
+            <a:rPr lang="en-US" altLang="zh-CN" sz="6500" kern="1200" smtClean="0">
+              <a:latin typeface="Times New Roman" panose="02020603050405020304" pitchFamily="18" charset="0"/>
+              <a:cs typeface="Times New Roman" panose="02020603050405020304" pitchFamily="18" charset="0"/>
+            </a:rPr>
+            <a:t>Q&amp;A</a:t>
+          </a:r>
+          <a:endParaRPr lang="zh-CN" altLang="en-US" sz="6500" kern="1200">
+            <a:latin typeface="Times New Roman" panose="02020603050405020304" pitchFamily="18" charset="0"/>
+            <a:cs typeface="Times New Roman" panose="02020603050405020304" pitchFamily="18" charset="0"/>
+          </a:endParaRPr>
+        </a:p>
+      </dsp:txBody>
+      <dsp:txXfrm>
+        <a:off x="3894185" y="1565804"/>
+        <a:ext cx="3131716" cy="1934406"/>
+      </dsp:txXfrm>
+    </dsp:sp>
+    <dsp:sp modelId="{1282CEC5-F1A2-41F9-B551-E19DB0164CD0}">
+      <dsp:nvSpPr>
+        <dsp:cNvPr id="0" name=""/>
+        <dsp:cNvSpPr/>
+      </dsp:nvSpPr>
+      <dsp:spPr>
+        <a:xfrm>
+          <a:off x="3617874" y="1289730"/>
+          <a:ext cx="752116" cy="752311"/>
+        </a:xfrm>
+        <a:prstGeom prst="halfFrame">
+          <a:avLst>
+            <a:gd name="adj1" fmla="val 25770"/>
+            <a:gd name="adj2" fmla="val 25770"/>
+          </a:avLst>
+        </a:prstGeom>
+        <a:solidFill>
+          <a:schemeClr val="accent1">
+            <a:hueOff val="0"/>
+            <a:satOff val="0"/>
+            <a:lumOff val="0"/>
+            <a:alphaOff val="0"/>
+          </a:schemeClr>
+        </a:solidFill>
+        <a:ln w="15875" cap="rnd" cmpd="sng" algn="ctr">
+          <a:solidFill>
+            <a:schemeClr val="lt1">
+              <a:hueOff val="0"/>
+              <a:satOff val="0"/>
+              <a:lumOff val="0"/>
+              <a:alphaOff val="0"/>
+            </a:schemeClr>
+          </a:solidFill>
+          <a:prstDash val="solid"/>
+        </a:ln>
+        <a:effectLst/>
+      </dsp:spPr>
+      <dsp:style>
+        <a:lnRef idx="2">
+          <a:scrgbClr r="0" g="0" b="0"/>
+        </a:lnRef>
+        <a:fillRef idx="1">
+          <a:scrgbClr r="0" g="0" b="0"/>
+        </a:fillRef>
+        <a:effectRef idx="0">
+          <a:scrgbClr r="0" g="0" b="0"/>
+        </a:effectRef>
+        <a:fontRef idx="minor">
+          <a:schemeClr val="lt1"/>
+        </a:fontRef>
+      </dsp:style>
+    </dsp:sp>
+    <dsp:sp modelId="{CF87DDB3-0EBE-4596-BE9C-40878F1C04F6}">
+      <dsp:nvSpPr>
+        <dsp:cNvPr id="0" name=""/>
+        <dsp:cNvSpPr/>
+      </dsp:nvSpPr>
+      <dsp:spPr>
+        <a:xfrm rot="5400000">
+          <a:off x="6571783" y="1289827"/>
+          <a:ext cx="752311" cy="752116"/>
+        </a:xfrm>
+        <a:prstGeom prst="halfFrame">
+          <a:avLst>
+            <a:gd name="adj1" fmla="val 25770"/>
+            <a:gd name="adj2" fmla="val 25770"/>
+          </a:avLst>
+        </a:prstGeom>
+        <a:solidFill>
+          <a:schemeClr val="accent1">
+            <a:hueOff val="0"/>
+            <a:satOff val="0"/>
+            <a:lumOff val="0"/>
+            <a:alphaOff val="0"/>
+          </a:schemeClr>
+        </a:solidFill>
+        <a:ln w="15875" cap="rnd" cmpd="sng" algn="ctr">
+          <a:solidFill>
+            <a:schemeClr val="lt1">
+              <a:hueOff val="0"/>
+              <a:satOff val="0"/>
+              <a:lumOff val="0"/>
+              <a:alphaOff val="0"/>
+            </a:schemeClr>
+          </a:solidFill>
+          <a:prstDash val="solid"/>
+        </a:ln>
+        <a:effectLst/>
+      </dsp:spPr>
+      <dsp:style>
+        <a:lnRef idx="2">
+          <a:scrgbClr r="0" g="0" b="0"/>
+        </a:lnRef>
+        <a:fillRef idx="1">
+          <a:scrgbClr r="0" g="0" b="0"/>
+        </a:fillRef>
+        <a:effectRef idx="0">
+          <a:scrgbClr r="0" g="0" b="0"/>
+        </a:effectRef>
+        <a:fontRef idx="minor">
+          <a:schemeClr val="lt1"/>
+        </a:fontRef>
+      </dsp:style>
+    </dsp:sp>
+    <dsp:sp modelId="{A3BF7161-D51F-4C43-99EB-905529C521C5}">
+      <dsp:nvSpPr>
+        <dsp:cNvPr id="0" name=""/>
+        <dsp:cNvSpPr/>
+      </dsp:nvSpPr>
+      <dsp:spPr>
+        <a:xfrm rot="16200000">
+          <a:off x="3617777" y="3024448"/>
+          <a:ext cx="752311" cy="752116"/>
+        </a:xfrm>
+        <a:prstGeom prst="halfFrame">
+          <a:avLst>
+            <a:gd name="adj1" fmla="val 25770"/>
+            <a:gd name="adj2" fmla="val 25770"/>
+          </a:avLst>
+        </a:prstGeom>
+        <a:solidFill>
+          <a:schemeClr val="accent1">
+            <a:hueOff val="0"/>
+            <a:satOff val="0"/>
+            <a:lumOff val="0"/>
+            <a:alphaOff val="0"/>
+          </a:schemeClr>
+        </a:solidFill>
+        <a:ln w="15875" cap="rnd" cmpd="sng" algn="ctr">
+          <a:solidFill>
+            <a:schemeClr val="lt1">
+              <a:hueOff val="0"/>
+              <a:satOff val="0"/>
+              <a:lumOff val="0"/>
+              <a:alphaOff val="0"/>
+            </a:schemeClr>
+          </a:solidFill>
+          <a:prstDash val="solid"/>
+        </a:ln>
+        <a:effectLst/>
+      </dsp:spPr>
+      <dsp:style>
+        <a:lnRef idx="2">
+          <a:scrgbClr r="0" g="0" b="0"/>
+        </a:lnRef>
+        <a:fillRef idx="1">
+          <a:scrgbClr r="0" g="0" b="0"/>
+        </a:fillRef>
+        <a:effectRef idx="0">
+          <a:scrgbClr r="0" g="0" b="0"/>
+        </a:effectRef>
+        <a:fontRef idx="minor">
+          <a:schemeClr val="lt1"/>
+        </a:fontRef>
+      </dsp:style>
+    </dsp:sp>
+    <dsp:sp modelId="{C8D5DB3B-516C-4555-B4FB-DA396379D33D}">
+      <dsp:nvSpPr>
+        <dsp:cNvPr id="0" name=""/>
+        <dsp:cNvSpPr/>
+      </dsp:nvSpPr>
+      <dsp:spPr>
+        <a:xfrm rot="10800000">
+          <a:off x="6571881" y="3024350"/>
+          <a:ext cx="752116" cy="752311"/>
+        </a:xfrm>
+        <a:prstGeom prst="halfFrame">
+          <a:avLst>
+            <a:gd name="adj1" fmla="val 25770"/>
+            <a:gd name="adj2" fmla="val 25770"/>
+          </a:avLst>
+        </a:prstGeom>
+        <a:solidFill>
+          <a:schemeClr val="accent1">
+            <a:hueOff val="0"/>
+            <a:satOff val="0"/>
+            <a:lumOff val="0"/>
+            <a:alphaOff val="0"/>
+          </a:schemeClr>
+        </a:solidFill>
+        <a:ln w="15875" cap="rnd" cmpd="sng" algn="ctr">
+          <a:solidFill>
+            <a:schemeClr val="lt1">
+              <a:hueOff val="0"/>
+              <a:satOff val="0"/>
+              <a:lumOff val="0"/>
+              <a:alphaOff val="0"/>
+            </a:schemeClr>
+          </a:solidFill>
+          <a:prstDash val="solid"/>
+        </a:ln>
+        <a:effectLst/>
+      </dsp:spPr>
+      <dsp:style>
+        <a:lnRef idx="2">
+          <a:scrgbClr r="0" g="0" b="0"/>
+        </a:lnRef>
+        <a:fillRef idx="1">
+          <a:scrgbClr r="0" g="0" b="0"/>
+        </a:fillRef>
+        <a:effectRef idx="0">
+          <a:scrgbClr r="0" g="0" b="0"/>
+        </a:effectRef>
+        <a:fontRef idx="minor">
+          <a:schemeClr val="lt1"/>
+        </a:fontRef>
+      </dsp:style>
     </dsp:sp>
   </dsp:spTree>
 </dsp:drawing>
@@ -13981,6 +15494,242 @@
 </dgm:layoutDef>
 </file>
 
+<file path=ppt/diagrams/layout7.xml><?xml version="1.0" encoding="utf-8"?>
+<dgm:layoutDef xmlns:dgm="http://schemas.openxmlformats.org/drawingml/2006/diagram" xmlns:a="http://schemas.openxmlformats.org/drawingml/2006/main" uniqueId="urn:microsoft.com/office/officeart/2009/3/layout/FramedTextPicture">
+  <dgm:title val=""/>
+  <dgm:desc val=""/>
+  <dgm:catLst>
+    <dgm:cat type="picture" pri="20000"/>
+    <dgm:cat type="pictureconvert" pri="20000"/>
+  </dgm:catLst>
+  <dgm:sampData>
+    <dgm:dataModel>
+      <dgm:ptLst>
+        <dgm:pt modelId="0" type="doc"/>
+        <dgm:pt modelId="10">
+          <dgm:prSet phldr="1"/>
+        </dgm:pt>
+      </dgm:ptLst>
+      <dgm:cxnLst>
+        <dgm:cxn modelId="20" srcId="0" destId="10" srcOrd="0" destOrd="0"/>
+      </dgm:cxnLst>
+      <dgm:bg/>
+      <dgm:whole/>
+    </dgm:dataModel>
+  </dgm:sampData>
+  <dgm:styleData>
+    <dgm:dataModel>
+      <dgm:ptLst>
+        <dgm:pt modelId="0" type="doc"/>
+        <dgm:pt modelId="10">
+          <dgm:prSet phldr="1"/>
+        </dgm:pt>
+      </dgm:ptLst>
+      <dgm:cxnLst>
+        <dgm:cxn modelId="20" srcId="0" destId="10" srcOrd="0" destOrd="0"/>
+      </dgm:cxnLst>
+      <dgm:bg/>
+      <dgm:whole/>
+    </dgm:dataModel>
+  </dgm:styleData>
+  <dgm:clrData>
+    <dgm:dataModel>
+      <dgm:ptLst>
+        <dgm:pt modelId="0" type="doc"/>
+        <dgm:pt modelId="10">
+          <dgm:prSet phldr="1"/>
+        </dgm:pt>
+      </dgm:ptLst>
+      <dgm:cxnLst>
+        <dgm:cxn modelId="20" srcId="0" destId="10" srcOrd="0" destOrd="0"/>
+      </dgm:cxnLst>
+      <dgm:bg/>
+      <dgm:whole/>
+    </dgm:dataModel>
+  </dgm:clrData>
+  <dgm:layoutNode name="Name0">
+    <dgm:varLst>
+      <dgm:chMax/>
+      <dgm:chPref/>
+      <dgm:dir/>
+    </dgm:varLst>
+    <dgm:choose name="Name1">
+      <dgm:if name="Name2" func="var" arg="dir" op="equ" val="norm">
+        <dgm:alg type="snake">
+          <dgm:param type="grDir" val="tL"/>
+          <dgm:param type="off" val="ctr"/>
+        </dgm:alg>
+      </dgm:if>
+      <dgm:else name="Name3">
+        <dgm:alg type="snake">
+          <dgm:param type="grDir" val="tR"/>
+          <dgm:param type="off" val="ctr"/>
+        </dgm:alg>
+      </dgm:else>
+    </dgm:choose>
+    <dgm:shape xmlns:r="http://schemas.openxmlformats.org/officeDocument/2006/relationships" r:blip="">
+      <dgm:adjLst/>
+    </dgm:shape>
+    <dgm:constrLst>
+      <dgm:constr type="w" for="ch" forName="composite" refType="w"/>
+      <dgm:constr type="h" for="ch" forName="composite" refType="h"/>
+      <dgm:constr type="primFontSz" for="des" ptType="node" op="equ" val="65"/>
+      <dgm:constr type="sp" refType="w" refFor="ch" refForName="composite" op="equ" fact="0.1"/>
+      <dgm:constr type="w" for="ch" forName="sibTrans" refType="w" refFor="ch" refForName="composite" op="equ" fact="0.1"/>
+      <dgm:constr type="h" for="ch" forName="sibTrans" refType="w" refFor="ch" refForName="sibTrans" op="equ"/>
+    </dgm:constrLst>
+    <dgm:forEach name="nodesForEach" axis="ch" ptType="node">
+      <dgm:layoutNode name="composite">
+        <dgm:varLst>
+          <dgm:chMax/>
+          <dgm:chPref/>
+        </dgm:varLst>
+        <dgm:alg type="composite">
+          <dgm:param type="ar" val="1.5179"/>
+        </dgm:alg>
+        <dgm:shape xmlns:r="http://schemas.openxmlformats.org/officeDocument/2006/relationships" r:blip="">
+          <dgm:adjLst/>
+        </dgm:shape>
+        <dgm:choose name="Name4">
+          <dgm:if name="Name5" func="var" arg="dir" op="equ" val="norm">
+            <dgm:constrLst>
+              <dgm:constr type="l" for="ch" forName="Image" refType="w" fact="0"/>
+              <dgm:constr type="t" for="ch" forName="Image" refType="h" fact="0"/>
+              <dgm:constr type="w" for="ch" forName="Image" refType="w" fact="0.3856"/>
+              <dgm:constr type="h" for="ch" forName="Image" refType="h" fact="0.3902"/>
+              <dgm:constr type="l" for="ch" forName="ParentText" refType="w" fact="0.4017"/>
+              <dgm:constr type="t" for="ch" forName="ParentText" refType="h" fact="0.4146"/>
+              <dgm:constr type="w" for="ch" forName="ParentText" refType="w" fact="0.5463"/>
+              <dgm:constr type="h" for="ch" forName="ParentText" refType="h" fact="0.5122"/>
+              <dgm:constr type="l" for="ch" forName="tlFrame" refType="w" fact="0.3535"/>
+              <dgm:constr type="t" for="ch" forName="tlFrame" refType="h" fact="0.3415"/>
+              <dgm:constr type="w" for="ch" forName="tlFrame" refType="w" fact="0.1312"/>
+              <dgm:constr type="h" for="ch" forName="tlFrame" refType="h" fact="0.1992"/>
+              <dgm:constr type="l" for="ch" forName="trFrame" refType="w" fact="0.8688"/>
+              <dgm:constr type="t" for="ch" forName="trFrame" refType="h" fact="0.3415"/>
+              <dgm:constr type="w" for="ch" forName="trFrame" refType="w" fact="0.1312"/>
+              <dgm:constr type="h" for="ch" forName="trFrame" refType="h" fact="0.1992"/>
+              <dgm:constr type="l" for="ch" forName="blFrame" refType="w" fact="0.3535"/>
+              <dgm:constr type="t" for="ch" forName="blFrame" refType="h" fact="0.8008"/>
+              <dgm:constr type="w" for="ch" forName="blFrame" refType="w" fact="0.1312"/>
+              <dgm:constr type="h" for="ch" forName="blFrame" refType="h" fact="0.1992"/>
+              <dgm:constr type="l" for="ch" forName="brFrame" refType="w" fact="0.8688"/>
+              <dgm:constr type="t" for="ch" forName="brFrame" refType="h" fact="0.8008"/>
+              <dgm:constr type="w" for="ch" forName="brFrame" refType="w" fact="0.1312"/>
+              <dgm:constr type="h" for="ch" forName="brFrame" refType="h" fact="0.1992"/>
+            </dgm:constrLst>
+          </dgm:if>
+          <dgm:else name="Name6">
+            <dgm:constrLst>
+              <dgm:constr type="l" for="ch" forName="Image" refType="w" fact="0.6144"/>
+              <dgm:constr type="t" for="ch" forName="Image" refType="h" fact="0"/>
+              <dgm:constr type="w" for="ch" forName="Image" refType="w" fact="0.3856"/>
+              <dgm:constr type="h" for="ch" forName="Image" refType="h" fact="0.3902"/>
+              <dgm:constr type="l" for="ch" forName="ParentText" refType="w" fact="0.0482"/>
+              <dgm:constr type="t" for="ch" forName="ParentText" refType="h" fact="0.4146"/>
+              <dgm:constr type="w" for="ch" forName="ParentText" refType="w" fact="0.5463"/>
+              <dgm:constr type="h" for="ch" forName="ParentText" refType="h" fact="0.5122"/>
+              <dgm:constr type="l" for="ch" forName="tlFrame" refType="w" fact="0"/>
+              <dgm:constr type="t" for="ch" forName="tlFrame" refType="h" fact="0.3415"/>
+              <dgm:constr type="w" for="ch" forName="tlFrame" refType="w" fact="0.1312"/>
+              <dgm:constr type="h" for="ch" forName="tlFrame" refType="h" fact="0.1992"/>
+              <dgm:constr type="l" for="ch" forName="trFrame" refType="w" fact="0.5153"/>
+              <dgm:constr type="t" for="ch" forName="trFrame" refType="h" fact="0.3415"/>
+              <dgm:constr type="w" for="ch" forName="trFrame" refType="w" fact="0.1312"/>
+              <dgm:constr type="h" for="ch" forName="trFrame" refType="h" fact="0.1992"/>
+              <dgm:constr type="l" for="ch" forName="blFrame" refType="w" fact="0"/>
+              <dgm:constr type="t" for="ch" forName="blFrame" refType="h" fact="0.8008"/>
+              <dgm:constr type="w" for="ch" forName="blFrame" refType="w" fact="0.1312"/>
+              <dgm:constr type="h" for="ch" forName="blFrame" refType="h" fact="0.1992"/>
+              <dgm:constr type="l" for="ch" forName="brFrame" refType="w" fact="0.5153"/>
+              <dgm:constr type="t" for="ch" forName="brFrame" refType="h" fact="0.8008"/>
+              <dgm:constr type="w" for="ch" forName="brFrame" refType="w" fact="0.1312"/>
+              <dgm:constr type="h" for="ch" forName="brFrame" refType="h" fact="0.1992"/>
+            </dgm:constrLst>
+          </dgm:else>
+        </dgm:choose>
+        <dgm:layoutNode name="Image" styleLbl="bgImgPlace1">
+          <dgm:alg type="sp"/>
+          <dgm:shape xmlns:r="http://schemas.openxmlformats.org/officeDocument/2006/relationships" type="rect" r:blip="" blipPhldr="1">
+            <dgm:adjLst/>
+          </dgm:shape>
+          <dgm:presOf/>
+        </dgm:layoutNode>
+        <dgm:layoutNode name="ParentText" styleLbl="revTx">
+          <dgm:varLst>
+            <dgm:chMax val="0"/>
+            <dgm:chPref val="0"/>
+            <dgm:bulletEnabled val="1"/>
+          </dgm:varLst>
+          <dgm:alg type="tx"/>
+          <dgm:shape xmlns:r="http://schemas.openxmlformats.org/officeDocument/2006/relationships" type="rect" r:blip="">
+            <dgm:adjLst/>
+          </dgm:shape>
+          <dgm:presOf axis="desOrSelf" ptType="node"/>
+          <dgm:constrLst>
+            <dgm:constr type="lMarg" refType="primFontSz" fact="0.3"/>
+            <dgm:constr type="rMarg" refType="primFontSz" fact="0.3"/>
+            <dgm:constr type="tMarg" refType="primFontSz" fact="0.3"/>
+            <dgm:constr type="bMarg" refType="primFontSz" fact="0.3"/>
+          </dgm:constrLst>
+          <dgm:ruleLst>
+            <dgm:rule type="primFontSz" val="5" fact="NaN" max="NaN"/>
+          </dgm:ruleLst>
+        </dgm:layoutNode>
+        <dgm:layoutNode name="tlFrame" styleLbl="node1">
+          <dgm:alg type="sp"/>
+          <dgm:shape xmlns:r="http://schemas.openxmlformats.org/officeDocument/2006/relationships" type="halfFrame" r:blip="">
+            <dgm:adjLst>
+              <dgm:adj idx="1" val="0.2577"/>
+              <dgm:adj idx="2" val="0.2577"/>
+            </dgm:adjLst>
+          </dgm:shape>
+          <dgm:presOf/>
+        </dgm:layoutNode>
+        <dgm:layoutNode name="trFrame" styleLbl="node1">
+          <dgm:alg type="sp"/>
+          <dgm:shape xmlns:r="http://schemas.openxmlformats.org/officeDocument/2006/relationships" rot="90" type="halfFrame" r:blip="">
+            <dgm:adjLst>
+              <dgm:adj idx="1" val="0.2577"/>
+              <dgm:adj idx="2" val="0.2577"/>
+            </dgm:adjLst>
+          </dgm:shape>
+          <dgm:presOf/>
+        </dgm:layoutNode>
+        <dgm:layoutNode name="blFrame" styleLbl="node1">
+          <dgm:alg type="sp"/>
+          <dgm:shape xmlns:r="http://schemas.openxmlformats.org/officeDocument/2006/relationships" rot="270" type="halfFrame" r:blip="">
+            <dgm:adjLst>
+              <dgm:adj idx="1" val="0.2577"/>
+              <dgm:adj idx="2" val="0.2577"/>
+            </dgm:adjLst>
+          </dgm:shape>
+          <dgm:presOf/>
+        </dgm:layoutNode>
+        <dgm:layoutNode name="brFrame" styleLbl="node1">
+          <dgm:alg type="sp"/>
+          <dgm:shape xmlns:r="http://schemas.openxmlformats.org/officeDocument/2006/relationships" rot="180" type="halfFrame" r:blip="">
+            <dgm:adjLst>
+              <dgm:adj idx="1" val="0.2577"/>
+              <dgm:adj idx="2" val="0.2577"/>
+            </dgm:adjLst>
+          </dgm:shape>
+          <dgm:presOf/>
+        </dgm:layoutNode>
+      </dgm:layoutNode>
+      <dgm:forEach name="sibTransForEach" axis="followSib" ptType="sibTrans" cnt="1">
+        <dgm:layoutNode name="sibTrans">
+          <dgm:alg type="sp"/>
+          <dgm:shape xmlns:r="http://schemas.openxmlformats.org/officeDocument/2006/relationships" r:blip="">
+            <dgm:adjLst/>
+          </dgm:shape>
+        </dgm:layoutNode>
+      </dgm:forEach>
+    </dgm:forEach>
+  </dgm:layoutNode>
+</dgm:layoutDef>
+</file>
+
 <file path=ppt/diagrams/quickStyle1.xml><?xml version="1.0" encoding="utf-8"?>
 <dgm:styleDef xmlns:dgm="http://schemas.openxmlformats.org/drawingml/2006/diagram" xmlns:a="http://schemas.openxmlformats.org/drawingml/2006/main" uniqueId="urn:microsoft.com/office/officeart/2005/8/quickstyle/simple1">
   <dgm:title val=""/>
@@ -19284,6 +21033,1040 @@
 </file>
 
 <file path=ppt/diagrams/quickStyle6.xml><?xml version="1.0" encoding="utf-8"?>
+<dgm:styleDef xmlns:dgm="http://schemas.openxmlformats.org/drawingml/2006/diagram" xmlns:a="http://schemas.openxmlformats.org/drawingml/2006/main" uniqueId="urn:microsoft.com/office/officeart/2005/8/quickstyle/simple1">
+  <dgm:title val=""/>
+  <dgm:desc val=""/>
+  <dgm:catLst>
+    <dgm:cat type="simple" pri="10100"/>
+  </dgm:catLst>
+  <dgm:scene3d>
+    <a:camera prst="orthographicFront"/>
+    <a:lightRig rig="threePt" dir="t"/>
+  </dgm:scene3d>
+  <dgm:styleLbl name="node0">
+    <dgm:scene3d>
+      <a:camera prst="orthographicFront"/>
+      <a:lightRig rig="threePt" dir="t"/>
+    </dgm:scene3d>
+    <dgm:sp3d/>
+    <dgm:txPr/>
+    <dgm:style>
+      <a:lnRef idx="2">
+        <a:scrgbClr r="0" g="0" b="0"/>
+      </a:lnRef>
+      <a:fillRef idx="1">
+        <a:scrgbClr r="0" g="0" b="0"/>
+      </a:fillRef>
+      <a:effectRef idx="0">
+        <a:scrgbClr r="0" g="0" b="0"/>
+      </a:effectRef>
+      <a:fontRef idx="minor">
+        <a:schemeClr val="lt1"/>
+      </a:fontRef>
+    </dgm:style>
+  </dgm:styleLbl>
+  <dgm:styleLbl name="lnNode1">
+    <dgm:scene3d>
+      <a:camera prst="orthographicFront"/>
+      <a:lightRig rig="threePt" dir="t"/>
+    </dgm:scene3d>
+    <dgm:sp3d/>
+    <dgm:txPr/>
+    <dgm:style>
+      <a:lnRef idx="2">
+        <a:scrgbClr r="0" g="0" b="0"/>
+      </a:lnRef>
+      <a:fillRef idx="1">
+        <a:scrgbClr r="0" g="0" b="0"/>
+      </a:fillRef>
+      <a:effectRef idx="0">
+        <a:scrgbClr r="0" g="0" b="0"/>
+      </a:effectRef>
+      <a:fontRef idx="minor">
+        <a:schemeClr val="lt1"/>
+      </a:fontRef>
+    </dgm:style>
+  </dgm:styleLbl>
+  <dgm:styleLbl name="vennNode1">
+    <dgm:scene3d>
+      <a:camera prst="orthographicFront"/>
+      <a:lightRig rig="threePt" dir="t"/>
+    </dgm:scene3d>
+    <dgm:sp3d/>
+    <dgm:txPr/>
+    <dgm:style>
+      <a:lnRef idx="2">
+        <a:scrgbClr r="0" g="0" b="0"/>
+      </a:lnRef>
+      <a:fillRef idx="1">
+        <a:scrgbClr r="0" g="0" b="0"/>
+      </a:fillRef>
+      <a:effectRef idx="0">
+        <a:scrgbClr r="0" g="0" b="0"/>
+      </a:effectRef>
+      <a:fontRef idx="minor">
+        <a:schemeClr val="tx1"/>
+      </a:fontRef>
+    </dgm:style>
+  </dgm:styleLbl>
+  <dgm:styleLbl name="alignNode1">
+    <dgm:scene3d>
+      <a:camera prst="orthographicFront"/>
+      <a:lightRig rig="threePt" dir="t"/>
+    </dgm:scene3d>
+    <dgm:sp3d/>
+    <dgm:txPr/>
+    <dgm:style>
+      <a:lnRef idx="2">
+        <a:scrgbClr r="0" g="0" b="0"/>
+      </a:lnRef>
+      <a:fillRef idx="1">
+        <a:scrgbClr r="0" g="0" b="0"/>
+      </a:fillRef>
+      <a:effectRef idx="0">
+        <a:scrgbClr r="0" g="0" b="0"/>
+      </a:effectRef>
+      <a:fontRef idx="minor">
+        <a:schemeClr val="lt1"/>
+      </a:fontRef>
+    </dgm:style>
+  </dgm:styleLbl>
+  <dgm:styleLbl name="node1">
+    <dgm:scene3d>
+      <a:camera prst="orthographicFront"/>
+      <a:lightRig rig="threePt" dir="t"/>
+    </dgm:scene3d>
+    <dgm:sp3d/>
+    <dgm:txPr/>
+    <dgm:style>
+      <a:lnRef idx="2">
+        <a:scrgbClr r="0" g="0" b="0"/>
+      </a:lnRef>
+      <a:fillRef idx="1">
+        <a:scrgbClr r="0" g="0" b="0"/>
+      </a:fillRef>
+      <a:effectRef idx="0">
+        <a:scrgbClr r="0" g="0" b="0"/>
+      </a:effectRef>
+      <a:fontRef idx="minor">
+        <a:schemeClr val="lt1"/>
+      </a:fontRef>
+    </dgm:style>
+  </dgm:styleLbl>
+  <dgm:styleLbl name="node2">
+    <dgm:scene3d>
+      <a:camera prst="orthographicFront"/>
+      <a:lightRig rig="threePt" dir="t"/>
+    </dgm:scene3d>
+    <dgm:sp3d/>
+    <dgm:txPr/>
+    <dgm:style>
+      <a:lnRef idx="2">
+        <a:scrgbClr r="0" g="0" b="0"/>
+      </a:lnRef>
+      <a:fillRef idx="1">
+        <a:scrgbClr r="0" g="0" b="0"/>
+      </a:fillRef>
+      <a:effectRef idx="0">
+        <a:scrgbClr r="0" g="0" b="0"/>
+      </a:effectRef>
+      <a:fontRef idx="minor">
+        <a:schemeClr val="lt1"/>
+      </a:fontRef>
+    </dgm:style>
+  </dgm:styleLbl>
+  <dgm:styleLbl name="node3">
+    <dgm:scene3d>
+      <a:camera prst="orthographicFront"/>
+      <a:lightRig rig="threePt" dir="t"/>
+    </dgm:scene3d>
+    <dgm:sp3d/>
+    <dgm:txPr/>
+    <dgm:style>
+      <a:lnRef idx="2">
+        <a:scrgbClr r="0" g="0" b="0"/>
+      </a:lnRef>
+      <a:fillRef idx="1">
+        <a:scrgbClr r="0" g="0" b="0"/>
+      </a:fillRef>
+      <a:effectRef idx="0">
+        <a:scrgbClr r="0" g="0" b="0"/>
+      </a:effectRef>
+      <a:fontRef idx="minor">
+        <a:schemeClr val="lt1"/>
+      </a:fontRef>
+    </dgm:style>
+  </dgm:styleLbl>
+  <dgm:styleLbl name="node4">
+    <dgm:scene3d>
+      <a:camera prst="orthographicFront"/>
+      <a:lightRig rig="threePt" dir="t"/>
+    </dgm:scene3d>
+    <dgm:sp3d/>
+    <dgm:txPr/>
+    <dgm:style>
+      <a:lnRef idx="2">
+        <a:scrgbClr r="0" g="0" b="0"/>
+      </a:lnRef>
+      <a:fillRef idx="1">
+        <a:scrgbClr r="0" g="0" b="0"/>
+      </a:fillRef>
+      <a:effectRef idx="0">
+        <a:scrgbClr r="0" g="0" b="0"/>
+      </a:effectRef>
+      <a:fontRef idx="minor">
+        <a:schemeClr val="lt1"/>
+      </a:fontRef>
+    </dgm:style>
+  </dgm:styleLbl>
+  <dgm:styleLbl name="fgImgPlace1">
+    <dgm:scene3d>
+      <a:camera prst="orthographicFront"/>
+      <a:lightRig rig="threePt" dir="t"/>
+    </dgm:scene3d>
+    <dgm:sp3d/>
+    <dgm:txPr/>
+    <dgm:style>
+      <a:lnRef idx="2">
+        <a:scrgbClr r="0" g="0" b="0"/>
+      </a:lnRef>
+      <a:fillRef idx="1">
+        <a:scrgbClr r="0" g="0" b="0"/>
+      </a:fillRef>
+      <a:effectRef idx="0">
+        <a:scrgbClr r="0" g="0" b="0"/>
+      </a:effectRef>
+      <a:fontRef idx="minor"/>
+    </dgm:style>
+  </dgm:styleLbl>
+  <dgm:styleLbl name="alignImgPlace1">
+    <dgm:scene3d>
+      <a:camera prst="orthographicFront"/>
+      <a:lightRig rig="threePt" dir="t"/>
+    </dgm:scene3d>
+    <dgm:sp3d/>
+    <dgm:txPr/>
+    <dgm:style>
+      <a:lnRef idx="2">
+        <a:scrgbClr r="0" g="0" b="0"/>
+      </a:lnRef>
+      <a:fillRef idx="1">
+        <a:scrgbClr r="0" g="0" b="0"/>
+      </a:fillRef>
+      <a:effectRef idx="0">
+        <a:scrgbClr r="0" g="0" b="0"/>
+      </a:effectRef>
+      <a:fontRef idx="minor"/>
+    </dgm:style>
+  </dgm:styleLbl>
+  <dgm:styleLbl name="bgImgPlace1">
+    <dgm:scene3d>
+      <a:camera prst="orthographicFront"/>
+      <a:lightRig rig="threePt" dir="t"/>
+    </dgm:scene3d>
+    <dgm:sp3d/>
+    <dgm:txPr/>
+    <dgm:style>
+      <a:lnRef idx="2">
+        <a:scrgbClr r="0" g="0" b="0"/>
+      </a:lnRef>
+      <a:fillRef idx="1">
+        <a:scrgbClr r="0" g="0" b="0"/>
+      </a:fillRef>
+      <a:effectRef idx="0">
+        <a:scrgbClr r="0" g="0" b="0"/>
+      </a:effectRef>
+      <a:fontRef idx="minor"/>
+    </dgm:style>
+  </dgm:styleLbl>
+  <dgm:styleLbl name="sibTrans2D1">
+    <dgm:scene3d>
+      <a:camera prst="orthographicFront"/>
+      <a:lightRig rig="threePt" dir="t"/>
+    </dgm:scene3d>
+    <dgm:sp3d/>
+    <dgm:txPr/>
+    <dgm:style>
+      <a:lnRef idx="0">
+        <a:scrgbClr r="0" g="0" b="0"/>
+      </a:lnRef>
+      <a:fillRef idx="1">
+        <a:scrgbClr r="0" g="0" b="0"/>
+      </a:fillRef>
+      <a:effectRef idx="0">
+        <a:scrgbClr r="0" g="0" b="0"/>
+      </a:effectRef>
+      <a:fontRef idx="minor">
+        <a:schemeClr val="lt1"/>
+      </a:fontRef>
+    </dgm:style>
+  </dgm:styleLbl>
+  <dgm:styleLbl name="fgSibTrans2D1">
+    <dgm:scene3d>
+      <a:camera prst="orthographicFront"/>
+      <a:lightRig rig="threePt" dir="t"/>
+    </dgm:scene3d>
+    <dgm:sp3d/>
+    <dgm:txPr/>
+    <dgm:style>
+      <a:lnRef idx="0">
+        <a:scrgbClr r="0" g="0" b="0"/>
+      </a:lnRef>
+      <a:fillRef idx="1">
+        <a:scrgbClr r="0" g="0" b="0"/>
+      </a:fillRef>
+      <a:effectRef idx="0">
+        <a:scrgbClr r="0" g="0" b="0"/>
+      </a:effectRef>
+      <a:fontRef idx="minor">
+        <a:schemeClr val="lt1"/>
+      </a:fontRef>
+    </dgm:style>
+  </dgm:styleLbl>
+  <dgm:styleLbl name="bgSibTrans2D1">
+    <dgm:scene3d>
+      <a:camera prst="orthographicFront"/>
+      <a:lightRig rig="threePt" dir="t"/>
+    </dgm:scene3d>
+    <dgm:sp3d/>
+    <dgm:txPr/>
+    <dgm:style>
+      <a:lnRef idx="0">
+        <a:scrgbClr r="0" g="0" b="0"/>
+      </a:lnRef>
+      <a:fillRef idx="1">
+        <a:scrgbClr r="0" g="0" b="0"/>
+      </a:fillRef>
+      <a:effectRef idx="0">
+        <a:scrgbClr r="0" g="0" b="0"/>
+      </a:effectRef>
+      <a:fontRef idx="minor">
+        <a:schemeClr val="lt1"/>
+      </a:fontRef>
+    </dgm:style>
+  </dgm:styleLbl>
+  <dgm:styleLbl name="sibTrans1D1">
+    <dgm:scene3d>
+      <a:camera prst="orthographicFront"/>
+      <a:lightRig rig="threePt" dir="t"/>
+    </dgm:scene3d>
+    <dgm:sp3d/>
+    <dgm:txPr/>
+    <dgm:style>
+      <a:lnRef idx="1">
+        <a:scrgbClr r="0" g="0" b="0"/>
+      </a:lnRef>
+      <a:fillRef idx="0">
+        <a:scrgbClr r="0" g="0" b="0"/>
+      </a:fillRef>
+      <a:effectRef idx="0">
+        <a:scrgbClr r="0" g="0" b="0"/>
+      </a:effectRef>
+      <a:fontRef idx="minor"/>
+    </dgm:style>
+  </dgm:styleLbl>
+  <dgm:styleLbl name="callout">
+    <dgm:scene3d>
+      <a:camera prst="orthographicFront"/>
+      <a:lightRig rig="threePt" dir="t"/>
+    </dgm:scene3d>
+    <dgm:sp3d/>
+    <dgm:txPr/>
+    <dgm:style>
+      <a:lnRef idx="2">
+        <a:scrgbClr r="0" g="0" b="0"/>
+      </a:lnRef>
+      <a:fillRef idx="1">
+        <a:scrgbClr r="0" g="0" b="0"/>
+      </a:fillRef>
+      <a:effectRef idx="0">
+        <a:scrgbClr r="0" g="0" b="0"/>
+      </a:effectRef>
+      <a:fontRef idx="minor"/>
+    </dgm:style>
+  </dgm:styleLbl>
+  <dgm:styleLbl name="asst0">
+    <dgm:scene3d>
+      <a:camera prst="orthographicFront"/>
+      <a:lightRig rig="threePt" dir="t"/>
+    </dgm:scene3d>
+    <dgm:sp3d/>
+    <dgm:txPr/>
+    <dgm:style>
+      <a:lnRef idx="2">
+        <a:scrgbClr r="0" g="0" b="0"/>
+      </a:lnRef>
+      <a:fillRef idx="1">
+        <a:scrgbClr r="0" g="0" b="0"/>
+      </a:fillRef>
+      <a:effectRef idx="0">
+        <a:scrgbClr r="0" g="0" b="0"/>
+      </a:effectRef>
+      <a:fontRef idx="minor">
+        <a:schemeClr val="lt1"/>
+      </a:fontRef>
+    </dgm:style>
+  </dgm:styleLbl>
+  <dgm:styleLbl name="asst1">
+    <dgm:scene3d>
+      <a:camera prst="orthographicFront"/>
+      <a:lightRig rig="threePt" dir="t"/>
+    </dgm:scene3d>
+    <dgm:sp3d/>
+    <dgm:txPr/>
+    <dgm:style>
+      <a:lnRef idx="2">
+        <a:scrgbClr r="0" g="0" b="0"/>
+      </a:lnRef>
+      <a:fillRef idx="1">
+        <a:scrgbClr r="0" g="0" b="0"/>
+      </a:fillRef>
+      <a:effectRef idx="0">
+        <a:scrgbClr r="0" g="0" b="0"/>
+      </a:effectRef>
+      <a:fontRef idx="minor">
+        <a:schemeClr val="lt1"/>
+      </a:fontRef>
+    </dgm:style>
+  </dgm:styleLbl>
+  <dgm:styleLbl name="asst2">
+    <dgm:scene3d>
+      <a:camera prst="orthographicFront"/>
+      <a:lightRig rig="threePt" dir="t"/>
+    </dgm:scene3d>
+    <dgm:sp3d/>
+    <dgm:txPr/>
+    <dgm:style>
+      <a:lnRef idx="2">
+        <a:scrgbClr r="0" g="0" b="0"/>
+      </a:lnRef>
+      <a:fillRef idx="1">
+        <a:scrgbClr r="0" g="0" b="0"/>
+      </a:fillRef>
+      <a:effectRef idx="0">
+        <a:scrgbClr r="0" g="0" b="0"/>
+      </a:effectRef>
+      <a:fontRef idx="minor">
+        <a:schemeClr val="lt1"/>
+      </a:fontRef>
+    </dgm:style>
+  </dgm:styleLbl>
+  <dgm:styleLbl name="asst3">
+    <dgm:scene3d>
+      <a:camera prst="orthographicFront"/>
+      <a:lightRig rig="threePt" dir="t"/>
+    </dgm:scene3d>
+    <dgm:sp3d/>
+    <dgm:txPr/>
+    <dgm:style>
+      <a:lnRef idx="2">
+        <a:scrgbClr r="0" g="0" b="0"/>
+      </a:lnRef>
+      <a:fillRef idx="1">
+        <a:scrgbClr r="0" g="0" b="0"/>
+      </a:fillRef>
+      <a:effectRef idx="0">
+        <a:scrgbClr r="0" g="0" b="0"/>
+      </a:effectRef>
+      <a:fontRef idx="minor">
+        <a:schemeClr val="lt1"/>
+      </a:fontRef>
+    </dgm:style>
+  </dgm:styleLbl>
+  <dgm:styleLbl name="asst4">
+    <dgm:scene3d>
+      <a:camera prst="orthographicFront"/>
+      <a:lightRig rig="threePt" dir="t"/>
+    </dgm:scene3d>
+    <dgm:sp3d/>
+    <dgm:txPr/>
+    <dgm:style>
+      <a:lnRef idx="2">
+        <a:scrgbClr r="0" g="0" b="0"/>
+      </a:lnRef>
+      <a:fillRef idx="1">
+        <a:scrgbClr r="0" g="0" b="0"/>
+      </a:fillRef>
+      <a:effectRef idx="0">
+        <a:scrgbClr r="0" g="0" b="0"/>
+      </a:effectRef>
+      <a:fontRef idx="minor">
+        <a:schemeClr val="lt1"/>
+      </a:fontRef>
+    </dgm:style>
+  </dgm:styleLbl>
+  <dgm:styleLbl name="parChTrans2D1">
+    <dgm:scene3d>
+      <a:camera prst="orthographicFront"/>
+      <a:lightRig rig="threePt" dir="t"/>
+    </dgm:scene3d>
+    <dgm:sp3d/>
+    <dgm:txPr/>
+    <dgm:style>
+      <a:lnRef idx="2">
+        <a:scrgbClr r="0" g="0" b="0"/>
+      </a:lnRef>
+      <a:fillRef idx="1">
+        <a:scrgbClr r="0" g="0" b="0"/>
+      </a:fillRef>
+      <a:effectRef idx="0">
+        <a:scrgbClr r="0" g="0" b="0"/>
+      </a:effectRef>
+      <a:fontRef idx="minor">
+        <a:schemeClr val="lt1"/>
+      </a:fontRef>
+    </dgm:style>
+  </dgm:styleLbl>
+  <dgm:styleLbl name="parChTrans2D2">
+    <dgm:scene3d>
+      <a:camera prst="orthographicFront"/>
+      <a:lightRig rig="threePt" dir="t"/>
+    </dgm:scene3d>
+    <dgm:sp3d/>
+    <dgm:txPr/>
+    <dgm:style>
+      <a:lnRef idx="2">
+        <a:scrgbClr r="0" g="0" b="0"/>
+      </a:lnRef>
+      <a:fillRef idx="1">
+        <a:scrgbClr r="0" g="0" b="0"/>
+      </a:fillRef>
+      <a:effectRef idx="0">
+        <a:scrgbClr r="0" g="0" b="0"/>
+      </a:effectRef>
+      <a:fontRef idx="minor">
+        <a:schemeClr val="lt1"/>
+      </a:fontRef>
+    </dgm:style>
+  </dgm:styleLbl>
+  <dgm:styleLbl name="parChTrans2D3">
+    <dgm:scene3d>
+      <a:camera prst="orthographicFront"/>
+      <a:lightRig rig="threePt" dir="t"/>
+    </dgm:scene3d>
+    <dgm:sp3d/>
+    <dgm:txPr/>
+    <dgm:style>
+      <a:lnRef idx="2">
+        <a:scrgbClr r="0" g="0" b="0"/>
+      </a:lnRef>
+      <a:fillRef idx="1">
+        <a:scrgbClr r="0" g="0" b="0"/>
+      </a:fillRef>
+      <a:effectRef idx="0">
+        <a:scrgbClr r="0" g="0" b="0"/>
+      </a:effectRef>
+      <a:fontRef idx="minor">
+        <a:schemeClr val="lt1"/>
+      </a:fontRef>
+    </dgm:style>
+  </dgm:styleLbl>
+  <dgm:styleLbl name="parChTrans2D4">
+    <dgm:scene3d>
+      <a:camera prst="orthographicFront"/>
+      <a:lightRig rig="threePt" dir="t"/>
+    </dgm:scene3d>
+    <dgm:sp3d/>
+    <dgm:txPr/>
+    <dgm:style>
+      <a:lnRef idx="2">
+        <a:scrgbClr r="0" g="0" b="0"/>
+      </a:lnRef>
+      <a:fillRef idx="1">
+        <a:scrgbClr r="0" g="0" b="0"/>
+      </a:fillRef>
+      <a:effectRef idx="0">
+        <a:scrgbClr r="0" g="0" b="0"/>
+      </a:effectRef>
+      <a:fontRef idx="minor">
+        <a:schemeClr val="lt1"/>
+      </a:fontRef>
+    </dgm:style>
+  </dgm:styleLbl>
+  <dgm:styleLbl name="parChTrans1D1">
+    <dgm:scene3d>
+      <a:camera prst="orthographicFront"/>
+      <a:lightRig rig="threePt" dir="t"/>
+    </dgm:scene3d>
+    <dgm:sp3d/>
+    <dgm:txPr/>
+    <dgm:style>
+      <a:lnRef idx="2">
+        <a:scrgbClr r="0" g="0" b="0"/>
+      </a:lnRef>
+      <a:fillRef idx="0">
+        <a:scrgbClr r="0" g="0" b="0"/>
+      </a:fillRef>
+      <a:effectRef idx="0">
+        <a:scrgbClr r="0" g="0" b="0"/>
+      </a:effectRef>
+      <a:fontRef idx="minor"/>
+    </dgm:style>
+  </dgm:styleLbl>
+  <dgm:styleLbl name="parChTrans1D2">
+    <dgm:scene3d>
+      <a:camera prst="orthographicFront"/>
+      <a:lightRig rig="threePt" dir="t"/>
+    </dgm:scene3d>
+    <dgm:sp3d/>
+    <dgm:txPr/>
+    <dgm:style>
+      <a:lnRef idx="2">
+        <a:scrgbClr r="0" g="0" b="0"/>
+      </a:lnRef>
+      <a:fillRef idx="0">
+        <a:scrgbClr r="0" g="0" b="0"/>
+      </a:fillRef>
+      <a:effectRef idx="0">
+        <a:scrgbClr r="0" g="0" b="0"/>
+      </a:effectRef>
+      <a:fontRef idx="minor"/>
+    </dgm:style>
+  </dgm:styleLbl>
+  <dgm:styleLbl name="parChTrans1D3">
+    <dgm:scene3d>
+      <a:camera prst="orthographicFront"/>
+      <a:lightRig rig="threePt" dir="t"/>
+    </dgm:scene3d>
+    <dgm:sp3d/>
+    <dgm:txPr/>
+    <dgm:style>
+      <a:lnRef idx="2">
+        <a:scrgbClr r="0" g="0" b="0"/>
+      </a:lnRef>
+      <a:fillRef idx="0">
+        <a:scrgbClr r="0" g="0" b="0"/>
+      </a:fillRef>
+      <a:effectRef idx="0">
+        <a:scrgbClr r="0" g="0" b="0"/>
+      </a:effectRef>
+      <a:fontRef idx="minor"/>
+    </dgm:style>
+  </dgm:styleLbl>
+  <dgm:styleLbl name="parChTrans1D4">
+    <dgm:scene3d>
+      <a:camera prst="orthographicFront"/>
+      <a:lightRig rig="threePt" dir="t"/>
+    </dgm:scene3d>
+    <dgm:sp3d/>
+    <dgm:txPr/>
+    <dgm:style>
+      <a:lnRef idx="2">
+        <a:scrgbClr r="0" g="0" b="0"/>
+      </a:lnRef>
+      <a:fillRef idx="0">
+        <a:scrgbClr r="0" g="0" b="0"/>
+      </a:fillRef>
+      <a:effectRef idx="0">
+        <a:scrgbClr r="0" g="0" b="0"/>
+      </a:effectRef>
+      <a:fontRef idx="minor"/>
+    </dgm:style>
+  </dgm:styleLbl>
+  <dgm:styleLbl name="fgAcc1">
+    <dgm:scene3d>
+      <a:camera prst="orthographicFront"/>
+      <a:lightRig rig="threePt" dir="t"/>
+    </dgm:scene3d>
+    <dgm:sp3d/>
+    <dgm:txPr/>
+    <dgm:style>
+      <a:lnRef idx="2">
+        <a:scrgbClr r="0" g="0" b="0"/>
+      </a:lnRef>
+      <a:fillRef idx="1">
+        <a:scrgbClr r="0" g="0" b="0"/>
+      </a:fillRef>
+      <a:effectRef idx="0">
+        <a:scrgbClr r="0" g="0" b="0"/>
+      </a:effectRef>
+      <a:fontRef idx="minor"/>
+    </dgm:style>
+  </dgm:styleLbl>
+  <dgm:styleLbl name="conFgAcc1">
+    <dgm:scene3d>
+      <a:camera prst="orthographicFront"/>
+      <a:lightRig rig="threePt" dir="t"/>
+    </dgm:scene3d>
+    <dgm:sp3d/>
+    <dgm:txPr/>
+    <dgm:style>
+      <a:lnRef idx="2">
+        <a:scrgbClr r="0" g="0" b="0"/>
+      </a:lnRef>
+      <a:fillRef idx="1">
+        <a:scrgbClr r="0" g="0" b="0"/>
+      </a:fillRef>
+      <a:effectRef idx="0">
+        <a:scrgbClr r="0" g="0" b="0"/>
+      </a:effectRef>
+      <a:fontRef idx="minor"/>
+    </dgm:style>
+  </dgm:styleLbl>
+  <dgm:styleLbl name="alignAcc1">
+    <dgm:scene3d>
+      <a:camera prst="orthographicFront"/>
+      <a:lightRig rig="threePt" dir="t"/>
+    </dgm:scene3d>
+    <dgm:sp3d/>
+    <dgm:txPr/>
+    <dgm:style>
+      <a:lnRef idx="2">
+        <a:scrgbClr r="0" g="0" b="0"/>
+      </a:lnRef>
+      <a:fillRef idx="1">
+        <a:scrgbClr r="0" g="0" b="0"/>
+      </a:fillRef>
+      <a:effectRef idx="0">
+        <a:scrgbClr r="0" g="0" b="0"/>
+      </a:effectRef>
+      <a:fontRef idx="minor"/>
+    </dgm:style>
+  </dgm:styleLbl>
+  <dgm:styleLbl name="trAlignAcc1">
+    <dgm:scene3d>
+      <a:camera prst="orthographicFront"/>
+      <a:lightRig rig="threePt" dir="t"/>
+    </dgm:scene3d>
+    <dgm:sp3d/>
+    <dgm:txPr/>
+    <dgm:style>
+      <a:lnRef idx="1">
+        <a:scrgbClr r="0" g="0" b="0"/>
+      </a:lnRef>
+      <a:fillRef idx="1">
+        <a:scrgbClr r="0" g="0" b="0"/>
+      </a:fillRef>
+      <a:effectRef idx="0">
+        <a:scrgbClr r="0" g="0" b="0"/>
+      </a:effectRef>
+      <a:fontRef idx="minor"/>
+    </dgm:style>
+  </dgm:styleLbl>
+  <dgm:styleLbl name="bgAcc1">
+    <dgm:scene3d>
+      <a:camera prst="orthographicFront"/>
+      <a:lightRig rig="threePt" dir="t"/>
+    </dgm:scene3d>
+    <dgm:sp3d/>
+    <dgm:txPr/>
+    <dgm:style>
+      <a:lnRef idx="2">
+        <a:scrgbClr r="0" g="0" b="0"/>
+      </a:lnRef>
+      <a:fillRef idx="1">
+        <a:scrgbClr r="0" g="0" b="0"/>
+      </a:fillRef>
+      <a:effectRef idx="0">
+        <a:scrgbClr r="0" g="0" b="0"/>
+      </a:effectRef>
+      <a:fontRef idx="minor"/>
+    </dgm:style>
+  </dgm:styleLbl>
+  <dgm:styleLbl name="solidFgAcc1">
+    <dgm:scene3d>
+      <a:camera prst="orthographicFront"/>
+      <a:lightRig rig="threePt" dir="t"/>
+    </dgm:scene3d>
+    <dgm:sp3d/>
+    <dgm:txPr/>
+    <dgm:style>
+      <a:lnRef idx="2">
+        <a:scrgbClr r="0" g="0" b="0"/>
+      </a:lnRef>
+      <a:fillRef idx="1">
+        <a:scrgbClr r="0" g="0" b="0"/>
+      </a:fillRef>
+      <a:effectRef idx="0">
+        <a:scrgbClr r="0" g="0" b="0"/>
+      </a:effectRef>
+      <a:fontRef idx="minor"/>
+    </dgm:style>
+  </dgm:styleLbl>
+  <dgm:styleLbl name="solidAlignAcc1">
+    <dgm:scene3d>
+      <a:camera prst="orthographicFront"/>
+      <a:lightRig rig="threePt" dir="t"/>
+    </dgm:scene3d>
+    <dgm:sp3d/>
+    <dgm:txPr/>
+    <dgm:style>
+      <a:lnRef idx="2">
+        <a:scrgbClr r="0" g="0" b="0"/>
+      </a:lnRef>
+      <a:fillRef idx="1">
+        <a:scrgbClr r="0" g="0" b="0"/>
+      </a:fillRef>
+      <a:effectRef idx="0">
+        <a:scrgbClr r="0" g="0" b="0"/>
+      </a:effectRef>
+      <a:fontRef idx="minor"/>
+    </dgm:style>
+  </dgm:styleLbl>
+  <dgm:styleLbl name="solidBgAcc1">
+    <dgm:scene3d>
+      <a:camera prst="orthographicFront"/>
+      <a:lightRig rig="threePt" dir="t"/>
+    </dgm:scene3d>
+    <dgm:sp3d/>
+    <dgm:txPr/>
+    <dgm:style>
+      <a:lnRef idx="2">
+        <a:scrgbClr r="0" g="0" b="0"/>
+      </a:lnRef>
+      <a:fillRef idx="1">
+        <a:scrgbClr r="0" g="0" b="0"/>
+      </a:fillRef>
+      <a:effectRef idx="0">
+        <a:scrgbClr r="0" g="0" b="0"/>
+      </a:effectRef>
+      <a:fontRef idx="minor"/>
+    </dgm:style>
+  </dgm:styleLbl>
+  <dgm:styleLbl name="fgAccFollowNode1">
+    <dgm:scene3d>
+      <a:camera prst="orthographicFront"/>
+      <a:lightRig rig="threePt" dir="t"/>
+    </dgm:scene3d>
+    <dgm:sp3d/>
+    <dgm:txPr/>
+    <dgm:style>
+      <a:lnRef idx="2">
+        <a:scrgbClr r="0" g="0" b="0"/>
+      </a:lnRef>
+      <a:fillRef idx="1">
+        <a:scrgbClr r="0" g="0" b="0"/>
+      </a:fillRef>
+      <a:effectRef idx="0">
+        <a:scrgbClr r="0" g="0" b="0"/>
+      </a:effectRef>
+      <a:fontRef idx="minor"/>
+    </dgm:style>
+  </dgm:styleLbl>
+  <dgm:styleLbl name="alignAccFollowNode1">
+    <dgm:scene3d>
+      <a:camera prst="orthographicFront"/>
+      <a:lightRig rig="threePt" dir="t"/>
+    </dgm:scene3d>
+    <dgm:sp3d/>
+    <dgm:txPr/>
+    <dgm:style>
+      <a:lnRef idx="2">
+        <a:scrgbClr r="0" g="0" b="0"/>
+      </a:lnRef>
+      <a:fillRef idx="1">
+        <a:scrgbClr r="0" g="0" b="0"/>
+      </a:fillRef>
+      <a:effectRef idx="0">
+        <a:scrgbClr r="0" g="0" b="0"/>
+      </a:effectRef>
+      <a:fontRef idx="minor"/>
+    </dgm:style>
+  </dgm:styleLbl>
+  <dgm:styleLbl name="bgAccFollowNode1">
+    <dgm:scene3d>
+      <a:camera prst="orthographicFront"/>
+      <a:lightRig rig="threePt" dir="t"/>
+    </dgm:scene3d>
+    <dgm:sp3d/>
+    <dgm:txPr/>
+    <dgm:style>
+      <a:lnRef idx="2">
+        <a:scrgbClr r="0" g="0" b="0"/>
+      </a:lnRef>
+      <a:fillRef idx="1">
+        <a:scrgbClr r="0" g="0" b="0"/>
+      </a:fillRef>
+      <a:effectRef idx="0">
+        <a:scrgbClr r="0" g="0" b="0"/>
+      </a:effectRef>
+      <a:fontRef idx="minor"/>
+    </dgm:style>
+  </dgm:styleLbl>
+  <dgm:styleLbl name="fgAcc0">
+    <dgm:scene3d>
+      <a:camera prst="orthographicFront"/>
+      <a:lightRig rig="threePt" dir="t"/>
+    </dgm:scene3d>
+    <dgm:sp3d/>
+    <dgm:txPr/>
+    <dgm:style>
+      <a:lnRef idx="2">
+        <a:scrgbClr r="0" g="0" b="0"/>
+      </a:lnRef>
+      <a:fillRef idx="1">
+        <a:scrgbClr r="0" g="0" b="0"/>
+      </a:fillRef>
+      <a:effectRef idx="0">
+        <a:scrgbClr r="0" g="0" b="0"/>
+      </a:effectRef>
+      <a:fontRef idx="minor"/>
+    </dgm:style>
+  </dgm:styleLbl>
+  <dgm:styleLbl name="fgAcc2">
+    <dgm:scene3d>
+      <a:camera prst="orthographicFront"/>
+      <a:lightRig rig="threePt" dir="t"/>
+    </dgm:scene3d>
+    <dgm:sp3d/>
+    <dgm:txPr/>
+    <dgm:style>
+      <a:lnRef idx="2">
+        <a:scrgbClr r="0" g="0" b="0"/>
+      </a:lnRef>
+      <a:fillRef idx="1">
+        <a:scrgbClr r="0" g="0" b="0"/>
+      </a:fillRef>
+      <a:effectRef idx="0">
+        <a:scrgbClr r="0" g="0" b="0"/>
+      </a:effectRef>
+      <a:fontRef idx="minor"/>
+    </dgm:style>
+  </dgm:styleLbl>
+  <dgm:styleLbl name="fgAcc3">
+    <dgm:scene3d>
+      <a:camera prst="orthographicFront"/>
+      <a:lightRig rig="threePt" dir="t"/>
+    </dgm:scene3d>
+    <dgm:sp3d/>
+    <dgm:txPr/>
+    <dgm:style>
+      <a:lnRef idx="2">
+        <a:scrgbClr r="0" g="0" b="0"/>
+      </a:lnRef>
+      <a:fillRef idx="1">
+        <a:scrgbClr r="0" g="0" b="0"/>
+      </a:fillRef>
+      <a:effectRef idx="0">
+        <a:scrgbClr r="0" g="0" b="0"/>
+      </a:effectRef>
+      <a:fontRef idx="minor"/>
+    </dgm:style>
+  </dgm:styleLbl>
+  <dgm:styleLbl name="fgAcc4">
+    <dgm:scene3d>
+      <a:camera prst="orthographicFront"/>
+      <a:lightRig rig="threePt" dir="t"/>
+    </dgm:scene3d>
+    <dgm:sp3d/>
+    <dgm:txPr/>
+    <dgm:style>
+      <a:lnRef idx="2">
+        <a:scrgbClr r="0" g="0" b="0"/>
+      </a:lnRef>
+      <a:fillRef idx="1">
+        <a:scrgbClr r="0" g="0" b="0"/>
+      </a:fillRef>
+      <a:effectRef idx="0">
+        <a:scrgbClr r="0" g="0" b="0"/>
+      </a:effectRef>
+      <a:fontRef idx="minor"/>
+    </dgm:style>
+  </dgm:styleLbl>
+  <dgm:styleLbl name="bgShp">
+    <dgm:scene3d>
+      <a:camera prst="orthographicFront"/>
+      <a:lightRig rig="threePt" dir="t"/>
+    </dgm:scene3d>
+    <dgm:sp3d/>
+    <dgm:txPr/>
+    <dgm:style>
+      <a:lnRef idx="0">
+        <a:scrgbClr r="0" g="0" b="0"/>
+      </a:lnRef>
+      <a:fillRef idx="1">
+        <a:scrgbClr r="0" g="0" b="0"/>
+      </a:fillRef>
+      <a:effectRef idx="0">
+        <a:scrgbClr r="0" g="0" b="0"/>
+      </a:effectRef>
+      <a:fontRef idx="minor"/>
+    </dgm:style>
+  </dgm:styleLbl>
+  <dgm:styleLbl name="dkBgShp">
+    <dgm:scene3d>
+      <a:camera prst="orthographicFront"/>
+      <a:lightRig rig="threePt" dir="t"/>
+    </dgm:scene3d>
+    <dgm:sp3d/>
+    <dgm:txPr/>
+    <dgm:style>
+      <a:lnRef idx="0">
+        <a:scrgbClr r="0" g="0" b="0"/>
+      </a:lnRef>
+      <a:fillRef idx="1">
+        <a:scrgbClr r="0" g="0" b="0"/>
+      </a:fillRef>
+      <a:effectRef idx="0">
+        <a:scrgbClr r="0" g="0" b="0"/>
+      </a:effectRef>
+      <a:fontRef idx="minor"/>
+    </dgm:style>
+  </dgm:styleLbl>
+  <dgm:styleLbl name="trBgShp">
+    <dgm:scene3d>
+      <a:camera prst="orthographicFront"/>
+      <a:lightRig rig="threePt" dir="t"/>
+    </dgm:scene3d>
+    <dgm:sp3d/>
+    <dgm:txPr/>
+    <dgm:style>
+      <a:lnRef idx="0">
+        <a:scrgbClr r="0" g="0" b="0"/>
+      </a:lnRef>
+      <a:fillRef idx="1">
+        <a:scrgbClr r="0" g="0" b="0"/>
+      </a:fillRef>
+      <a:effectRef idx="0">
+        <a:scrgbClr r="0" g="0" b="0"/>
+      </a:effectRef>
+      <a:fontRef idx="minor"/>
+    </dgm:style>
+  </dgm:styleLbl>
+  <dgm:styleLbl name="fgShp">
+    <dgm:scene3d>
+      <a:camera prst="orthographicFront"/>
+      <a:lightRig rig="threePt" dir="t"/>
+    </dgm:scene3d>
+    <dgm:sp3d/>
+    <dgm:txPr/>
+    <dgm:style>
+      <a:lnRef idx="2">
+        <a:scrgbClr r="0" g="0" b="0"/>
+      </a:lnRef>
+      <a:fillRef idx="1">
+        <a:scrgbClr r="0" g="0" b="0"/>
+      </a:fillRef>
+      <a:effectRef idx="0">
+        <a:scrgbClr r="0" g="0" b="0"/>
+      </a:effectRef>
+      <a:fontRef idx="minor"/>
+    </dgm:style>
+  </dgm:styleLbl>
+  <dgm:styleLbl name="revTx">
+    <dgm:scene3d>
+      <a:camera prst="orthographicFront"/>
+      <a:lightRig rig="threePt" dir="t"/>
+    </dgm:scene3d>
+    <dgm:sp3d/>
+    <dgm:txPr/>
+    <dgm:style>
+      <a:lnRef idx="0">
+        <a:scrgbClr r="0" g="0" b="0"/>
+      </a:lnRef>
+      <a:fillRef idx="0">
+        <a:scrgbClr r="0" g="0" b="0"/>
+      </a:fillRef>
+      <a:effectRef idx="0">
+        <a:scrgbClr r="0" g="0" b="0"/>
+      </a:effectRef>
+      <a:fontRef idx="minor"/>
+    </dgm:style>
+  </dgm:styleLbl>
+</dgm:styleDef>
+</file>
+
+<file path=ppt/diagrams/quickStyle7.xml><?xml version="1.0" encoding="utf-8"?>
 <dgm:styleDef xmlns:dgm="http://schemas.openxmlformats.org/drawingml/2006/diagram" xmlns:a="http://schemas.openxmlformats.org/drawingml/2006/main" uniqueId="urn:microsoft.com/office/officeart/2005/8/quickstyle/simple1">
   <dgm:title val=""/>
   <dgm:desc val=""/>
@@ -20823,140 +23606,40 @@
           <a:lstStyle/>
           <a:p>
             <a:r>
+              <a:rPr lang="zh-CN" altLang="en-US" smtClean="0"/>
+              <a:t>使用</a:t>
+            </a:r>
+            <a:r>
               <a:rPr lang="en-US" altLang="zh-CN" smtClean="0"/>
-              <a:t>Linux </a:t>
+              <a:t>lvmcache</a:t>
             </a:r>
             <a:r>
               <a:rPr lang="zh-CN" altLang="en-US" smtClean="0"/>
-              <a:t>的逻辑卷管理</a:t>
+              <a:t>使得数据存储空间减少。可以明显看出使用了</a:t>
             </a:r>
             <a:r>
               <a:rPr lang="en-US" altLang="zh-CN" smtClean="0"/>
-              <a:t>(LVM)</a:t>
+              <a:t>lvmcache</a:t>
             </a:r>
             <a:r>
               <a:rPr lang="zh-CN" altLang="en-US" smtClean="0"/>
-              <a:t>提供了存储虚拟化，可以将多个物理卷</a:t>
+              <a:t>，</a:t>
             </a:r>
             <a:r>
               <a:rPr lang="en-US" altLang="zh-CN" smtClean="0"/>
-              <a:t>(PV)</a:t>
+              <a:t>swift</a:t>
             </a:r>
             <a:r>
               <a:rPr lang="zh-CN" altLang="en-US" smtClean="0"/>
-              <a:t>建成一个卷组</a:t>
+              <a:t>的下载速度提高了</a:t>
             </a:r>
             <a:r>
               <a:rPr lang="en-US" altLang="zh-CN" smtClean="0"/>
-              <a:t>(VG)</a:t>
+              <a:t>50%</a:t>
             </a:r>
             <a:r>
               <a:rPr lang="zh-CN" altLang="en-US" smtClean="0"/>
-              <a:t>，然后再在 </a:t>
-            </a:r>
-            <a:r>
-              <a:rPr lang="en-US" altLang="zh-CN" smtClean="0"/>
-              <a:t>VG </a:t>
-            </a:r>
-            <a:r>
-              <a:rPr lang="zh-CN" altLang="en-US" smtClean="0"/>
-              <a:t>里创建虚拟卷</a:t>
-            </a:r>
-            <a:r>
-              <a:rPr lang="en-US" altLang="zh-CN" smtClean="0"/>
-              <a:t>(VG)</a:t>
-            </a:r>
-            <a:r>
-              <a:rPr lang="zh-CN" altLang="en-US" smtClean="0"/>
-              <a:t>。可以将</a:t>
-            </a:r>
-            <a:r>
-              <a:rPr lang="en-US" altLang="zh-CN" smtClean="0"/>
-              <a:t>lvm</a:t>
-            </a:r>
-            <a:r>
-              <a:rPr lang="zh-CN" altLang="en-US" smtClean="0"/>
-              <a:t>看作是物理卷到逻辑卷的一个映射，通过操作逻辑卷可以将数据写入物理卷。</a:t>
-            </a:r>
-            <a:r>
-              <a:rPr lang="en-US" altLang="zh-CN" smtClean="0"/>
-              <a:t>Lvm</a:t>
-            </a:r>
-            <a:r>
-              <a:rPr lang="en-US" altLang="zh-CN" baseline="0" smtClean="0"/>
-              <a:t> cache </a:t>
-            </a:r>
-            <a:r>
-              <a:rPr lang="zh-CN" altLang="en-US" baseline="0" smtClean="0"/>
-              <a:t>将逻辑卷分为三个部分</a:t>
-            </a:r>
-            <a:r>
-              <a:rPr lang="en-US" altLang="zh-CN" baseline="0" smtClean="0"/>
-              <a:t>data、cache</a:t>
-            </a:r>
-            <a:r>
-              <a:rPr lang="zh-CN" altLang="en-US" baseline="0" smtClean="0"/>
-              <a:t>和</a:t>
-            </a:r>
-            <a:r>
-              <a:rPr lang="en-US" altLang="zh-CN" baseline="0" smtClean="0"/>
-              <a:t>meta，</a:t>
-            </a:r>
-            <a:r>
-              <a:rPr lang="zh-CN" altLang="en-US" baseline="0" smtClean="0"/>
-              <a:t>其中</a:t>
-            </a:r>
-            <a:r>
-              <a:rPr lang="en-US" altLang="zh-CN" baseline="0" smtClean="0"/>
-              <a:t>data</a:t>
-            </a:r>
-            <a:r>
-              <a:rPr lang="zh-CN" altLang="en-US" baseline="0" smtClean="0"/>
-              <a:t>用于存储数据、</a:t>
-            </a:r>
-            <a:r>
-              <a:rPr lang="en-US" altLang="zh-CN" baseline="0" smtClean="0"/>
-              <a:t>cache</a:t>
-            </a:r>
-            <a:r>
-              <a:rPr lang="zh-CN" altLang="en-US" baseline="0" smtClean="0"/>
-              <a:t>用于缓存数据而</a:t>
-            </a:r>
-            <a:r>
-              <a:rPr lang="en-US" altLang="zh-CN" baseline="0" smtClean="0"/>
-              <a:t>meta</a:t>
-            </a:r>
-            <a:r>
-              <a:rPr lang="zh-CN" altLang="en-US" baseline="0" smtClean="0"/>
-              <a:t>用于存储元数据。一般把速度快的存储设备用于</a:t>
-            </a:r>
-            <a:r>
-              <a:rPr lang="en-US" altLang="zh-CN" baseline="0" smtClean="0"/>
-              <a:t>cache</a:t>
-            </a:r>
-            <a:r>
-              <a:rPr lang="zh-CN" altLang="en-US" baseline="0" smtClean="0"/>
-              <a:t>和</a:t>
-            </a:r>
-            <a:r>
-              <a:rPr lang="en-US" altLang="zh-CN" baseline="0" smtClean="0"/>
-              <a:t>meta，</a:t>
-            </a:r>
-            <a:r>
-              <a:rPr lang="zh-CN" altLang="en-US" baseline="0" smtClean="0"/>
-              <a:t>普通存储设备</a:t>
-            </a:r>
-            <a:r>
-              <a:rPr lang="en-US" altLang="zh-CN" baseline="0" smtClean="0"/>
-              <a:t>HDD</a:t>
-            </a:r>
-            <a:r>
-              <a:rPr lang="zh-CN" altLang="en-US" baseline="0" smtClean="0"/>
-              <a:t>用于</a:t>
-            </a:r>
-            <a:r>
-              <a:rPr lang="en-US" altLang="zh-CN" baseline="0" smtClean="0"/>
-              <a:t>data</a:t>
+              <a:t>以上</a:t>
             </a:r>
             <a:endParaRPr lang="zh-CN" altLang="en-US"/>
           </a:p>
@@ -20979,127 +23662,7 @@
           <a:p>
             <a:fld id="{C22B7D74-FA43-4852-9D51-018D32F40265}" type="slidenum">
               <a:rPr lang="zh-CN" altLang="en-US" smtClean="0"/>
-              <a:t>12</a:t>
-            </a:fld>
-            <a:endParaRPr lang="zh-CN" altLang="en-US"/>
-          </a:p>
-        </p:txBody>
-      </p:sp>
-    </p:spTree>
-    <p:extLst>
-      <p:ext uri="{BB962C8B-B14F-4D97-AF65-F5344CB8AC3E}">
-        <p14:creationId xmlns:p14="http://schemas.microsoft.com/office/powerpoint/2010/main" val="1269224810"/>
-      </p:ext>
-    </p:extLst>
-  </p:cSld>
-  <p:clrMapOvr>
-    <a:masterClrMapping/>
-  </p:clrMapOvr>
-</p:notes>
-</file>
-
-<file path=ppt/notesSlides/notesSlide11.xml><?xml version="1.0" encoding="utf-8"?>
-<p:notes xmlns:a="http://schemas.openxmlformats.org/drawingml/2006/main" xmlns:r="http://schemas.openxmlformats.org/officeDocument/2006/relationships" xmlns:p="http://schemas.openxmlformats.org/presentationml/2006/main">
-  <p:cSld>
-    <p:spTree>
-      <p:nvGrpSpPr>
-        <p:cNvPr id="1" name=""/>
-        <p:cNvGrpSpPr/>
-        <p:nvPr/>
-      </p:nvGrpSpPr>
-      <p:grpSpPr>
-        <a:xfrm>
-          <a:off x="0" y="0"/>
-          <a:ext cx="0" cy="0"/>
-          <a:chOff x="0" y="0"/>
-          <a:chExt cx="0" cy="0"/>
-        </a:xfrm>
-      </p:grpSpPr>
-      <p:sp>
-        <p:nvSpPr>
-          <p:cNvPr id="2" name="幻灯片图像占位符 1"/>
-          <p:cNvSpPr>
-            <a:spLocks noGrp="1" noRot="1" noChangeAspect="1"/>
-          </p:cNvSpPr>
-          <p:nvPr>
-            <p:ph type="sldImg"/>
-          </p:nvPr>
-        </p:nvSpPr>
-        <p:spPr/>
-      </p:sp>
-      <p:sp>
-        <p:nvSpPr>
-          <p:cNvPr id="3" name="备注占位符 2"/>
-          <p:cNvSpPr>
-            <a:spLocks noGrp="1"/>
-          </p:cNvSpPr>
-          <p:nvPr>
-            <p:ph type="body" idx="1"/>
-          </p:nvPr>
-        </p:nvSpPr>
-        <p:spPr/>
-        <p:txBody>
-          <a:bodyPr/>
-          <a:lstStyle/>
-          <a:p>
-            <a:r>
-              <a:rPr lang="zh-CN" altLang="en-US" smtClean="0"/>
-              <a:t>使用</a:t>
-            </a:r>
-            <a:r>
-              <a:rPr lang="en-US" altLang="zh-CN" smtClean="0"/>
-              <a:t>lvmcache</a:t>
-            </a:r>
-            <a:r>
-              <a:rPr lang="zh-CN" altLang="en-US" smtClean="0"/>
-              <a:t>使得数据存储空间减少。可以明显看出使用了</a:t>
-            </a:r>
-            <a:r>
-              <a:rPr lang="en-US" altLang="zh-CN" smtClean="0"/>
-              <a:t>lvmcache</a:t>
-            </a:r>
-            <a:r>
-              <a:rPr lang="zh-CN" altLang="en-US" smtClean="0"/>
-              <a:t>，</a:t>
-            </a:r>
-            <a:r>
-              <a:rPr lang="en-US" altLang="zh-CN" smtClean="0"/>
-              <a:t>swift</a:t>
-            </a:r>
-            <a:r>
-              <a:rPr lang="zh-CN" altLang="en-US" smtClean="0"/>
-              <a:t>的下载速度提高了</a:t>
-            </a:r>
-            <a:r>
-              <a:rPr lang="en-US" altLang="zh-CN" smtClean="0"/>
-              <a:t>50%</a:t>
-            </a:r>
-            <a:r>
-              <a:rPr lang="zh-CN" altLang="en-US" smtClean="0"/>
-              <a:t>以上</a:t>
-            </a:r>
-            <a:endParaRPr lang="zh-CN" altLang="en-US"/>
-          </a:p>
-        </p:txBody>
-      </p:sp>
-      <p:sp>
-        <p:nvSpPr>
-          <p:cNvPr id="4" name="灯片编号占位符 3"/>
-          <p:cNvSpPr>
-            <a:spLocks noGrp="1"/>
-          </p:cNvSpPr>
-          <p:nvPr>
-            <p:ph type="sldNum" sz="quarter" idx="10"/>
-          </p:nvPr>
-        </p:nvSpPr>
-        <p:spPr/>
-        <p:txBody>
-          <a:bodyPr/>
-          <a:lstStyle/>
-          <a:p>
-            <a:fld id="{C22B7D74-FA43-4852-9D51-018D32F40265}" type="slidenum">
-              <a:rPr lang="zh-CN" altLang="en-US" smtClean="0"/>
-              <a:t>15</a:t>
+              <a:t>14</a:t>
             </a:fld>
             <a:endParaRPr lang="zh-CN" altLang="en-US"/>
           </a:p>
@@ -22507,14 +25070,6 @@
           <a:bodyPr/>
           <a:lstStyle/>
           <a:p>
-            <a:r>
-              <a:rPr lang="zh-CN" altLang="en-US" smtClean="0"/>
-              <a:t>启动</a:t>
-            </a:r>
-            <a:r>
-              <a:rPr lang="en-US" altLang="zh-CN" smtClean="0"/>
-              <a:t>swift</a:t>
-            </a:r>
             <a:endParaRPr lang="zh-CN" altLang="en-US"/>
           </a:p>
         </p:txBody>
@@ -22545,7 +25100,7 @@
     </p:spTree>
     <p:extLst>
       <p:ext uri="{BB962C8B-B14F-4D97-AF65-F5344CB8AC3E}">
-        <p14:creationId xmlns:p14="http://schemas.microsoft.com/office/powerpoint/2010/main" val="3541301935"/>
+        <p14:creationId xmlns:p14="http://schemas.microsoft.com/office/powerpoint/2010/main" val="194032323"/>
       </p:ext>
     </p:extLst>
   </p:cSld>
@@ -22599,6 +25154,142 @@
           <a:bodyPr/>
           <a:lstStyle/>
           <a:p>
+            <a:r>
+              <a:rPr lang="en-US" altLang="zh-CN" smtClean="0"/>
+              <a:t>Linux </a:t>
+            </a:r>
+            <a:r>
+              <a:rPr lang="zh-CN" altLang="en-US" smtClean="0"/>
+              <a:t>的逻辑卷管理</a:t>
+            </a:r>
+            <a:r>
+              <a:rPr lang="en-US" altLang="zh-CN" smtClean="0"/>
+              <a:t>(LVM)</a:t>
+            </a:r>
+            <a:r>
+              <a:rPr lang="zh-CN" altLang="en-US" smtClean="0"/>
+              <a:t>提供了存储虚拟化，可以将多个物理卷</a:t>
+            </a:r>
+            <a:r>
+              <a:rPr lang="en-US" altLang="zh-CN" smtClean="0"/>
+              <a:t>(PV)</a:t>
+            </a:r>
+            <a:r>
+              <a:rPr lang="zh-CN" altLang="en-US" smtClean="0"/>
+              <a:t>建成一个卷组</a:t>
+            </a:r>
+            <a:r>
+              <a:rPr lang="en-US" altLang="zh-CN" smtClean="0"/>
+              <a:t>(VG)</a:t>
+            </a:r>
+            <a:r>
+              <a:rPr lang="zh-CN" altLang="en-US" smtClean="0"/>
+              <a:t>，然后再在 </a:t>
+            </a:r>
+            <a:r>
+              <a:rPr lang="en-US" altLang="zh-CN" smtClean="0"/>
+              <a:t>VG </a:t>
+            </a:r>
+            <a:r>
+              <a:rPr lang="zh-CN" altLang="en-US" smtClean="0"/>
+              <a:t>里创建虚拟卷</a:t>
+            </a:r>
+            <a:r>
+              <a:rPr lang="en-US" altLang="zh-CN" smtClean="0"/>
+              <a:t>(VG)</a:t>
+            </a:r>
+            <a:r>
+              <a:rPr lang="zh-CN" altLang="en-US" smtClean="0"/>
+              <a:t>。可以将</a:t>
+            </a:r>
+            <a:r>
+              <a:rPr lang="en-US" altLang="zh-CN" smtClean="0"/>
+              <a:t>lvm</a:t>
+            </a:r>
+            <a:r>
+              <a:rPr lang="zh-CN" altLang="en-US" smtClean="0"/>
+              <a:t>看作是物理卷到逻辑卷的一个映射，通过操作逻辑卷可以将数据写入物理卷。</a:t>
+            </a:r>
+            <a:r>
+              <a:rPr lang="en-US" altLang="zh-CN" smtClean="0"/>
+              <a:t>Lvm</a:t>
+            </a:r>
+            <a:r>
+              <a:rPr lang="en-US" altLang="zh-CN" baseline="0" smtClean="0"/>
+              <a:t> cache </a:t>
+            </a:r>
+            <a:r>
+              <a:rPr lang="zh-CN" altLang="en-US" baseline="0" smtClean="0"/>
+              <a:t>将逻辑卷分为三个部分</a:t>
+            </a:r>
+            <a:r>
+              <a:rPr lang="en-US" altLang="zh-CN" baseline="0" smtClean="0"/>
+              <a:t>data、cache</a:t>
+            </a:r>
+            <a:r>
+              <a:rPr lang="zh-CN" altLang="en-US" baseline="0" smtClean="0"/>
+              <a:t>和</a:t>
+            </a:r>
+            <a:r>
+              <a:rPr lang="en-US" altLang="zh-CN" baseline="0" smtClean="0"/>
+              <a:t>meta，</a:t>
+            </a:r>
+            <a:r>
+              <a:rPr lang="zh-CN" altLang="en-US" baseline="0" smtClean="0"/>
+              <a:t>其中</a:t>
+            </a:r>
+            <a:r>
+              <a:rPr lang="en-US" altLang="zh-CN" baseline="0" smtClean="0"/>
+              <a:t>data</a:t>
+            </a:r>
+            <a:r>
+              <a:rPr lang="zh-CN" altLang="en-US" baseline="0" smtClean="0"/>
+              <a:t>用于存储数据、</a:t>
+            </a:r>
+            <a:r>
+              <a:rPr lang="en-US" altLang="zh-CN" baseline="0" smtClean="0"/>
+              <a:t>cache</a:t>
+            </a:r>
+            <a:r>
+              <a:rPr lang="zh-CN" altLang="en-US" baseline="0" smtClean="0"/>
+              <a:t>用于缓存数据而</a:t>
+            </a:r>
+            <a:r>
+              <a:rPr lang="en-US" altLang="zh-CN" baseline="0" smtClean="0"/>
+              <a:t>meta</a:t>
+            </a:r>
+            <a:r>
+              <a:rPr lang="zh-CN" altLang="en-US" baseline="0" smtClean="0"/>
+              <a:t>用于存储元数据。一般把速度快的存储设备用于</a:t>
+            </a:r>
+            <a:r>
+              <a:rPr lang="en-US" altLang="zh-CN" baseline="0" smtClean="0"/>
+              <a:t>cache</a:t>
+            </a:r>
+            <a:r>
+              <a:rPr lang="zh-CN" altLang="en-US" baseline="0" smtClean="0"/>
+              <a:t>和</a:t>
+            </a:r>
+            <a:r>
+              <a:rPr lang="en-US" altLang="zh-CN" baseline="0" smtClean="0"/>
+              <a:t>meta，</a:t>
+            </a:r>
+            <a:r>
+              <a:rPr lang="zh-CN" altLang="en-US" baseline="0" smtClean="0"/>
+              <a:t>普通存储设备</a:t>
+            </a:r>
+            <a:r>
+              <a:rPr lang="en-US" altLang="zh-CN" baseline="0" smtClean="0"/>
+              <a:t>HDD</a:t>
+            </a:r>
+            <a:r>
+              <a:rPr lang="zh-CN" altLang="en-US" baseline="0" smtClean="0"/>
+              <a:t>用于</a:t>
+            </a:r>
+            <a:r>
+              <a:rPr lang="en-US" altLang="zh-CN" baseline="0" smtClean="0"/>
+              <a:t>data</a:t>
+            </a:r>
             <a:endParaRPr lang="zh-CN" altLang="en-US"/>
           </a:p>
         </p:txBody>
@@ -22629,7 +25320,7 @@
     </p:spTree>
     <p:extLst>
       <p:ext uri="{BB962C8B-B14F-4D97-AF65-F5344CB8AC3E}">
-        <p14:creationId xmlns:p14="http://schemas.microsoft.com/office/powerpoint/2010/main" val="194032323"/>
+        <p14:creationId xmlns:p14="http://schemas.microsoft.com/office/powerpoint/2010/main" val="1269224810"/>
       </p:ext>
     </p:extLst>
   </p:cSld>
@@ -22965,7 +25656,7 @@
     </p:spTree>
     <p:extLst>
       <p:ext uri="{BB962C8B-B14F-4D97-AF65-F5344CB8AC3E}">
-        <p14:creationId xmlns:p14="http://schemas.microsoft.com/office/powerpoint/2010/main" val="4133210212"/>
+        <p14:creationId xmlns:p14="http://schemas.microsoft.com/office/powerpoint/2010/main" val="3460222022"/>
       </p:ext>
     </p:extLst>
   </p:cSld>
@@ -23303,7 +25994,7 @@
     </p:spTree>
     <p:extLst>
       <p:ext uri="{BB962C8B-B14F-4D97-AF65-F5344CB8AC3E}">
-        <p14:creationId xmlns:p14="http://schemas.microsoft.com/office/powerpoint/2010/main" val="1588771503"/>
+        <p14:creationId xmlns:p14="http://schemas.microsoft.com/office/powerpoint/2010/main" val="3893938011"/>
       </p:ext>
     </p:extLst>
   </p:cSld>
@@ -23780,7 +26471,7 @@
     </p:spTree>
     <p:extLst>
       <p:ext uri="{BB962C8B-B14F-4D97-AF65-F5344CB8AC3E}">
-        <p14:creationId xmlns:p14="http://schemas.microsoft.com/office/powerpoint/2010/main" val="1576716638"/>
+        <p14:creationId xmlns:p14="http://schemas.microsoft.com/office/powerpoint/2010/main" val="3790110164"/>
       </p:ext>
     </p:extLst>
   </p:cSld>
@@ -24040,7 +26731,7 @@
     </p:spTree>
     <p:extLst>
       <p:ext uri="{BB962C8B-B14F-4D97-AF65-F5344CB8AC3E}">
-        <p14:creationId xmlns:p14="http://schemas.microsoft.com/office/powerpoint/2010/main" val="2514095458"/>
+        <p14:creationId xmlns:p14="http://schemas.microsoft.com/office/powerpoint/2010/main" val="3466224943"/>
       </p:ext>
     </p:extLst>
   </p:cSld>
@@ -24436,7 +27127,7 @@
     </p:spTree>
     <p:extLst>
       <p:ext uri="{BB962C8B-B14F-4D97-AF65-F5344CB8AC3E}">
-        <p14:creationId xmlns:p14="http://schemas.microsoft.com/office/powerpoint/2010/main" val="1486579280"/>
+        <p14:creationId xmlns:p14="http://schemas.microsoft.com/office/powerpoint/2010/main" val="2293605115"/>
       </p:ext>
     </p:extLst>
   </p:cSld>
@@ -24756,7 +27447,7 @@
     </p:spTree>
     <p:extLst>
       <p:ext uri="{BB962C8B-B14F-4D97-AF65-F5344CB8AC3E}">
-        <p14:creationId xmlns:p14="http://schemas.microsoft.com/office/powerpoint/2010/main" val="3071084356"/>
+        <p14:creationId xmlns:p14="http://schemas.microsoft.com/office/powerpoint/2010/main" val="1507233219"/>
       </p:ext>
     </p:extLst>
   </p:cSld>
@@ -25008,7 +27699,7 @@
     </p:spTree>
     <p:extLst>
       <p:ext uri="{BB962C8B-B14F-4D97-AF65-F5344CB8AC3E}">
-        <p14:creationId xmlns:p14="http://schemas.microsoft.com/office/powerpoint/2010/main" val="627429742"/>
+        <p14:creationId xmlns:p14="http://schemas.microsoft.com/office/powerpoint/2010/main" val="3007961378"/>
       </p:ext>
     </p:extLst>
   </p:cSld>
@@ -25270,7 +27961,7 @@
     </p:spTree>
     <p:extLst>
       <p:ext uri="{BB962C8B-B14F-4D97-AF65-F5344CB8AC3E}">
-        <p14:creationId xmlns:p14="http://schemas.microsoft.com/office/powerpoint/2010/main" val="2328744588"/>
+        <p14:creationId xmlns:p14="http://schemas.microsoft.com/office/powerpoint/2010/main" val="3084696338"/>
       </p:ext>
     </p:extLst>
   </p:cSld>
@@ -25532,7 +28223,7 @@
     </p:spTree>
     <p:extLst>
       <p:ext uri="{BB962C8B-B14F-4D97-AF65-F5344CB8AC3E}">
-        <p14:creationId xmlns:p14="http://schemas.microsoft.com/office/powerpoint/2010/main" val="2770412182"/>
+        <p14:creationId xmlns:p14="http://schemas.microsoft.com/office/powerpoint/2010/main" val="2668574101"/>
       </p:ext>
     </p:extLst>
   </p:cSld>
@@ -25866,7 +28557,7 @@
     </p:spTree>
     <p:extLst>
       <p:ext uri="{BB962C8B-B14F-4D97-AF65-F5344CB8AC3E}">
-        <p14:creationId xmlns:p14="http://schemas.microsoft.com/office/powerpoint/2010/main" val="1001624491"/>
+        <p14:creationId xmlns:p14="http://schemas.microsoft.com/office/powerpoint/2010/main" val="89482211"/>
       </p:ext>
     </p:extLst>
   </p:cSld>
@@ -26189,7 +28880,7 @@
     </p:spTree>
     <p:extLst>
       <p:ext uri="{BB962C8B-B14F-4D97-AF65-F5344CB8AC3E}">
-        <p14:creationId xmlns:p14="http://schemas.microsoft.com/office/powerpoint/2010/main" val="3266753336"/>
+        <p14:creationId xmlns:p14="http://schemas.microsoft.com/office/powerpoint/2010/main" val="1280418222"/>
       </p:ext>
     </p:extLst>
   </p:cSld>
@@ -26646,7 +29337,7 @@
     </p:spTree>
     <p:extLst>
       <p:ext uri="{BB962C8B-B14F-4D97-AF65-F5344CB8AC3E}">
-        <p14:creationId xmlns:p14="http://schemas.microsoft.com/office/powerpoint/2010/main" val="365993340"/>
+        <p14:creationId xmlns:p14="http://schemas.microsoft.com/office/powerpoint/2010/main" val="1980494168"/>
       </p:ext>
     </p:extLst>
   </p:cSld>
@@ -26846,7 +29537,7 @@
     </p:spTree>
     <p:extLst>
       <p:ext uri="{BB962C8B-B14F-4D97-AF65-F5344CB8AC3E}">
-        <p14:creationId xmlns:p14="http://schemas.microsoft.com/office/powerpoint/2010/main" val="2734386580"/>
+        <p14:creationId xmlns:p14="http://schemas.microsoft.com/office/powerpoint/2010/main" val="1508466118"/>
       </p:ext>
     </p:extLst>
   </p:cSld>
@@ -27023,7 +29714,7 @@
     </p:spTree>
     <p:extLst>
       <p:ext uri="{BB962C8B-B14F-4D97-AF65-F5344CB8AC3E}">
-        <p14:creationId xmlns:p14="http://schemas.microsoft.com/office/powerpoint/2010/main" val="812781505"/>
+        <p14:creationId xmlns:p14="http://schemas.microsoft.com/office/powerpoint/2010/main" val="68380910"/>
       </p:ext>
     </p:extLst>
   </p:cSld>
@@ -27356,7 +30047,7 @@
     </p:spTree>
     <p:extLst>
       <p:ext uri="{BB962C8B-B14F-4D97-AF65-F5344CB8AC3E}">
-        <p14:creationId xmlns:p14="http://schemas.microsoft.com/office/powerpoint/2010/main" val="3900269253"/>
+        <p14:creationId xmlns:p14="http://schemas.microsoft.com/office/powerpoint/2010/main" val="864147690"/>
       </p:ext>
     </p:extLst>
   </p:cSld>
@@ -27706,7 +30397,7 @@
     </p:spTree>
     <p:extLst>
       <p:ext uri="{BB962C8B-B14F-4D97-AF65-F5344CB8AC3E}">
-        <p14:creationId xmlns:p14="http://schemas.microsoft.com/office/powerpoint/2010/main" val="1939696425"/>
+        <p14:creationId xmlns:p14="http://schemas.microsoft.com/office/powerpoint/2010/main" val="771446721"/>
       </p:ext>
     </p:extLst>
   </p:cSld>
@@ -29770,28 +32461,28 @@
     </p:spTree>
     <p:extLst>
       <p:ext uri="{BB962C8B-B14F-4D97-AF65-F5344CB8AC3E}">
-        <p14:creationId xmlns:p14="http://schemas.microsoft.com/office/powerpoint/2010/main" val="2369990020"/>
+        <p14:creationId xmlns:p14="http://schemas.microsoft.com/office/powerpoint/2010/main" val="2487808363"/>
       </p:ext>
     </p:extLst>
   </p:cSld>
   <p:clrMap bg1="lt1" tx1="dk1" bg2="lt2" tx2="dk2" accent1="accent1" accent2="accent2" accent3="accent3" accent4="accent4" accent5="accent5" accent6="accent6" hlink="hlink" folHlink="folHlink"/>
   <p:sldLayoutIdLst>
-    <p:sldLayoutId id="2147483661" r:id="rId1"/>
-    <p:sldLayoutId id="2147483662" r:id="rId2"/>
-    <p:sldLayoutId id="2147483663" r:id="rId3"/>
-    <p:sldLayoutId id="2147483664" r:id="rId4"/>
-    <p:sldLayoutId id="2147483665" r:id="rId5"/>
-    <p:sldLayoutId id="2147483666" r:id="rId6"/>
-    <p:sldLayoutId id="2147483667" r:id="rId7"/>
-    <p:sldLayoutId id="2147483668" r:id="rId8"/>
-    <p:sldLayoutId id="2147483669" r:id="rId9"/>
-    <p:sldLayoutId id="2147483670" r:id="rId10"/>
-    <p:sldLayoutId id="2147483671" r:id="rId11"/>
-    <p:sldLayoutId id="2147483672" r:id="rId12"/>
-    <p:sldLayoutId id="2147483673" r:id="rId13"/>
-    <p:sldLayoutId id="2147483674" r:id="rId14"/>
-    <p:sldLayoutId id="2147483675" r:id="rId15"/>
-    <p:sldLayoutId id="2147483676" r:id="rId16"/>
+    <p:sldLayoutId id="2147483746" r:id="rId1"/>
+    <p:sldLayoutId id="2147483747" r:id="rId2"/>
+    <p:sldLayoutId id="2147483748" r:id="rId3"/>
+    <p:sldLayoutId id="2147483749" r:id="rId4"/>
+    <p:sldLayoutId id="2147483750" r:id="rId5"/>
+    <p:sldLayoutId id="2147483751" r:id="rId6"/>
+    <p:sldLayoutId id="2147483752" r:id="rId7"/>
+    <p:sldLayoutId id="2147483753" r:id="rId8"/>
+    <p:sldLayoutId id="2147483754" r:id="rId9"/>
+    <p:sldLayoutId id="2147483755" r:id="rId10"/>
+    <p:sldLayoutId id="2147483756" r:id="rId11"/>
+    <p:sldLayoutId id="2147483757" r:id="rId12"/>
+    <p:sldLayoutId id="2147483758" r:id="rId13"/>
+    <p:sldLayoutId id="2147483759" r:id="rId14"/>
+    <p:sldLayoutId id="2147483760" r:id="rId15"/>
+    <p:sldLayoutId id="2147483761" r:id="rId16"/>
   </p:sldLayoutIdLst>
   <p:txStyles>
     <p:titleStyle>
@@ -30436,103 +33127,6 @@
             <p:ph type="title"/>
           </p:nvPr>
         </p:nvSpPr>
-        <p:spPr/>
-        <p:txBody>
-          <a:bodyPr/>
-          <a:lstStyle/>
-          <a:p>
-            <a:r>
-              <a:rPr lang="zh-CN" altLang="en-US" smtClean="0"/>
-              <a:t>成功搭建</a:t>
-            </a:r>
-            <a:r>
-              <a:rPr lang="en-US" altLang="zh-CN" smtClean="0"/>
-              <a:t>swift</a:t>
-            </a:r>
-            <a:r>
-              <a:rPr lang="zh-CN" altLang="en-US" smtClean="0"/>
-              <a:t>环境</a:t>
-            </a:r>
-            <a:endParaRPr lang="zh-CN" altLang="en-US"/>
-          </a:p>
-        </p:txBody>
-      </p:sp>
-      <p:pic>
-        <p:nvPicPr>
-          <p:cNvPr id="4" name="内容占位符 3"/>
-          <p:cNvPicPr>
-            <a:picLocks noGrp="1" noChangeAspect="1"/>
-          </p:cNvPicPr>
-          <p:nvPr>
-            <p:ph idx="1"/>
-          </p:nvPr>
-        </p:nvPicPr>
-        <p:blipFill>
-          <a:blip r:embed="rId3">
-            <a:extLst>
-              <a:ext uri="{28A0092B-C50C-407E-A947-70E740481C1C}">
-                <a14:useLocalDpi xmlns:a14="http://schemas.microsoft.com/office/drawing/2010/main" val="0"/>
-              </a:ext>
-            </a:extLst>
-          </a:blip>
-          <a:stretch>
-            <a:fillRect/>
-          </a:stretch>
-        </p:blipFill>
-        <p:spPr>
-          <a:xfrm>
-            <a:off x="2592925" y="1905000"/>
-            <a:ext cx="6632575" cy="3190875"/>
-          </a:xfrm>
-        </p:spPr>
-      </p:pic>
-    </p:spTree>
-    <p:extLst>
-      <p:ext uri="{BB962C8B-B14F-4D97-AF65-F5344CB8AC3E}">
-        <p14:creationId xmlns:p14="http://schemas.microsoft.com/office/powerpoint/2010/main" val="864903694"/>
-      </p:ext>
-    </p:extLst>
-  </p:cSld>
-  <p:clrMapOvr>
-    <a:masterClrMapping/>
-  </p:clrMapOvr>
-  <p:timing>
-    <p:tnLst>
-      <p:par>
-        <p:cTn id="1" dur="indefinite" restart="never" nodeType="tmRoot"/>
-      </p:par>
-    </p:tnLst>
-  </p:timing>
-</p:sld>
-</file>
-
-<file path=ppt/slides/slide11.xml><?xml version="1.0" encoding="utf-8"?>
-<p:sld xmlns:a="http://schemas.openxmlformats.org/drawingml/2006/main" xmlns:r="http://schemas.openxmlformats.org/officeDocument/2006/relationships" xmlns:p="http://schemas.openxmlformats.org/presentationml/2006/main">
-  <p:cSld>
-    <p:spTree>
-      <p:nvGrpSpPr>
-        <p:cNvPr id="1" name=""/>
-        <p:cNvGrpSpPr/>
-        <p:nvPr/>
-      </p:nvGrpSpPr>
-      <p:grpSpPr>
-        <a:xfrm>
-          <a:off x="0" y="0"/>
-          <a:ext cx="0" cy="0"/>
-          <a:chOff x="0" y="0"/>
-          <a:chExt cx="0" cy="0"/>
-        </a:xfrm>
-      </p:grpSpPr>
-      <p:sp>
-        <p:nvSpPr>
-          <p:cNvPr id="2" name="标题 1"/>
-          <p:cNvSpPr>
-            <a:spLocks noGrp="1"/>
-          </p:cNvSpPr>
-          <p:nvPr>
-            <p:ph type="title"/>
-          </p:nvPr>
-        </p:nvSpPr>
         <p:spPr>
           <a:xfrm>
             <a:off x="2592925" y="624110"/>
@@ -30544,18 +33138,30 @@
           <a:lstStyle/>
           <a:p>
             <a:r>
-              <a:rPr lang="en-US" altLang="zh-CN" smtClean="0"/>
+              <a:rPr lang="en-US" altLang="zh-CN" smtClean="0">
+                <a:latin typeface="Times New Roman" panose="02020603050405020304" pitchFamily="18" charset="0"/>
+                <a:cs typeface="Times New Roman" panose="02020603050405020304" pitchFamily="18" charset="0"/>
+              </a:rPr>
               <a:t>Swift</a:t>
             </a:r>
             <a:r>
-              <a:rPr lang="zh-CN" altLang="en-US" smtClean="0"/>
+              <a:rPr lang="zh-CN" altLang="en-US" smtClean="0">
+                <a:latin typeface="Times New Roman" panose="02020603050405020304" pitchFamily="18" charset="0"/>
+                <a:cs typeface="Times New Roman" panose="02020603050405020304" pitchFamily="18" charset="0"/>
+              </a:rPr>
               <a:t>的功能：</a:t>
             </a:r>
             <a:r>
-              <a:rPr lang="en-US" altLang="zh-CN" smtClean="0"/>
+              <a:rPr lang="en-US" altLang="zh-CN" smtClean="0">
+                <a:latin typeface="Times New Roman" panose="02020603050405020304" pitchFamily="18" charset="0"/>
+                <a:cs typeface="Times New Roman" panose="02020603050405020304" pitchFamily="18" charset="0"/>
+              </a:rPr>
               <a:t>RESTful API</a:t>
             </a:r>
-            <a:endParaRPr lang="zh-CN" altLang="en-US"/>
+            <a:endParaRPr lang="zh-CN" altLang="en-US">
+              <a:latin typeface="Times New Roman" panose="02020603050405020304" pitchFamily="18" charset="0"/>
+              <a:cs typeface="Times New Roman" panose="02020603050405020304" pitchFamily="18" charset="0"/>
+            </a:endParaRPr>
           </a:p>
         </p:txBody>
       </p:sp>
@@ -30582,26 +33188,51 @@
           <a:lstStyle/>
           <a:p>
             <a:r>
-              <a:rPr lang="en-US" altLang="zh-CN" sz="2800" smtClean="0"/>
+              <a:rPr lang="en-US" altLang="zh-CN" sz="2800" smtClean="0">
+                <a:latin typeface="Times New Roman" panose="02020603050405020304" pitchFamily="18" charset="0"/>
+                <a:cs typeface="Times New Roman" panose="02020603050405020304" pitchFamily="18" charset="0"/>
+              </a:rPr>
               <a:t>Swift</a:t>
             </a:r>
             <a:r>
-              <a:rPr lang="zh-CN" altLang="en-US" sz="2800" smtClean="0"/>
+              <a:rPr lang="zh-CN" altLang="en-US" sz="2800" smtClean="0">
+                <a:latin typeface="Times New Roman" panose="02020603050405020304" pitchFamily="18" charset="0"/>
+                <a:cs typeface="Times New Roman" panose="02020603050405020304" pitchFamily="18" charset="0"/>
+              </a:rPr>
               <a:t>的</a:t>
             </a:r>
             <a:r>
-              <a:rPr lang="en-US" altLang="zh-CN" sz="2800" smtClean="0"/>
+              <a:rPr lang="en-US" altLang="zh-CN" sz="2800" smtClean="0">
+                <a:latin typeface="Times New Roman" panose="02020603050405020304" pitchFamily="18" charset="0"/>
+                <a:cs typeface="Times New Roman" panose="02020603050405020304" pitchFamily="18" charset="0"/>
+              </a:rPr>
               <a:t>RESTful API</a:t>
             </a:r>
             <a:r>
-              <a:rPr lang="zh-CN" altLang="en-US" sz="2800" smtClean="0"/>
+              <a:rPr lang="zh-CN" altLang="en-US" sz="2800" smtClean="0">
+                <a:latin typeface="Times New Roman" panose="02020603050405020304" pitchFamily="18" charset="0"/>
+                <a:cs typeface="Times New Roman" panose="02020603050405020304" pitchFamily="18" charset="0"/>
+              </a:rPr>
               <a:t>有</a:t>
             </a:r>
             <a:r>
-              <a:rPr lang="en-US" altLang="zh-CN" sz="2800" smtClean="0"/>
-              <a:t>:GET PUT  POST  HEAD COPY DELETE</a:t>
-            </a:r>
-            <a:endParaRPr lang="zh-CN" altLang="en-US" sz="2800"/>
+              <a:rPr lang="en-US" altLang="zh-CN" sz="2800" smtClean="0">
+                <a:latin typeface="Times New Roman" panose="02020603050405020304" pitchFamily="18" charset="0"/>
+                <a:cs typeface="Times New Roman" panose="02020603050405020304" pitchFamily="18" charset="0"/>
+              </a:rPr>
+              <a:t>: GET </a:t>
+            </a:r>
+            <a:r>
+              <a:rPr lang="en-US" altLang="zh-CN" sz="2800" smtClean="0">
+                <a:latin typeface="Times New Roman" panose="02020603050405020304" pitchFamily="18" charset="0"/>
+                <a:cs typeface="Times New Roman" panose="02020603050405020304" pitchFamily="18" charset="0"/>
+              </a:rPr>
+              <a:t>PUT  POST  HEAD COPY DELETE</a:t>
+            </a:r>
+            <a:endParaRPr lang="zh-CN" altLang="en-US" sz="2800">
+              <a:latin typeface="Times New Roman" panose="02020603050405020304" pitchFamily="18" charset="0"/>
+              <a:cs typeface="Times New Roman" panose="02020603050405020304" pitchFamily="18" charset="0"/>
+            </a:endParaRPr>
           </a:p>
         </p:txBody>
       </p:sp>
@@ -30628,15 +33259,24 @@
           <a:lstStyle/>
           <a:p>
             <a:r>
-              <a:rPr lang="en-US" altLang="zh-CN" smtClean="0"/>
+              <a:rPr lang="en-US" altLang="zh-CN" smtClean="0">
+                <a:latin typeface="Times New Roman" panose="02020603050405020304" pitchFamily="18" charset="0"/>
+                <a:cs typeface="Times New Roman" panose="02020603050405020304" pitchFamily="18" charset="0"/>
+              </a:rPr>
               <a:t>GET: </a:t>
             </a:r>
             <a:r>
-              <a:rPr lang="zh-CN" altLang="en-US" smtClean="0"/>
+              <a:rPr lang="zh-CN" altLang="en-US" smtClean="0">
+                <a:latin typeface="Times New Roman" panose="02020603050405020304" pitchFamily="18" charset="0"/>
+                <a:cs typeface="Times New Roman" panose="02020603050405020304" pitchFamily="18" charset="0"/>
+              </a:rPr>
               <a:t>下载文件（使用</a:t>
             </a:r>
             <a:r>
-              <a:rPr lang="en-US" altLang="zh-CN" smtClean="0"/>
+              <a:rPr lang="en-US" altLang="zh-CN" smtClean="0">
+                <a:latin typeface="Times New Roman" panose="02020603050405020304" pitchFamily="18" charset="0"/>
+                <a:cs typeface="Times New Roman" panose="02020603050405020304" pitchFamily="18" charset="0"/>
+              </a:rPr>
               <a:t>curl</a:t>
             </a:r>
             <a:r>
@@ -30757,7 +33397,7 @@
 </p:sld>
 </file>
 
-<file path=ppt/slides/slide12.xml><?xml version="1.0" encoding="utf-8"?>
+<file path=ppt/slides/slide11.xml><?xml version="1.0" encoding="utf-8"?>
 <p:sld xmlns:a="http://schemas.openxmlformats.org/drawingml/2006/main" xmlns:r="http://schemas.openxmlformats.org/officeDocument/2006/relationships" xmlns:p="http://schemas.openxmlformats.org/presentationml/2006/main">
   <p:cSld>
     <p:spTree>
@@ -30799,10 +33439,16 @@
               <a:t>分级存储</a:t>
             </a:r>
             <a:r>
-              <a:rPr lang="en-US" altLang="zh-CN" smtClean="0"/>
+              <a:rPr lang="en-US" altLang="zh-CN" smtClean="0">
+                <a:latin typeface="Times New Roman" panose="02020603050405020304" pitchFamily="18" charset="0"/>
+                <a:cs typeface="Times New Roman" panose="02020603050405020304" pitchFamily="18" charset="0"/>
+              </a:rPr>
               <a:t>: LVM Cache</a:t>
             </a:r>
-            <a:endParaRPr lang="zh-CN" altLang="en-US"/>
+            <a:endParaRPr lang="zh-CN" altLang="en-US">
+              <a:latin typeface="Times New Roman" panose="02020603050405020304" pitchFamily="18" charset="0"/>
+              <a:cs typeface="Times New Roman" panose="02020603050405020304" pitchFamily="18" charset="0"/>
+            </a:endParaRPr>
           </a:p>
         </p:txBody>
       </p:sp>
@@ -30856,10 +33502,16 @@
           <a:p>
             <a:pPr algn="ctr"/>
             <a:r>
-              <a:rPr lang="en-US" altLang="zh-CN" smtClean="0"/>
+              <a:rPr lang="en-US" altLang="zh-CN" smtClean="0">
+                <a:latin typeface="Times New Roman" panose="02020603050405020304" pitchFamily="18" charset="0"/>
+                <a:cs typeface="Times New Roman" panose="02020603050405020304" pitchFamily="18" charset="0"/>
+              </a:rPr>
               <a:t>HDD</a:t>
             </a:r>
-            <a:endParaRPr lang="zh-CN" altLang="en-US"/>
+            <a:endParaRPr lang="zh-CN" altLang="en-US">
+              <a:latin typeface="Times New Roman" panose="02020603050405020304" pitchFamily="18" charset="0"/>
+              <a:cs typeface="Times New Roman" panose="02020603050405020304" pitchFamily="18" charset="0"/>
+            </a:endParaRPr>
           </a:p>
         </p:txBody>
       </p:sp>
@@ -30913,10 +33565,16 @@
           <a:p>
             <a:pPr algn="ctr"/>
             <a:r>
-              <a:rPr lang="en-US" altLang="zh-CN" smtClean="0"/>
+              <a:rPr lang="en-US" altLang="zh-CN" smtClean="0">
+                <a:latin typeface="Times New Roman" panose="02020603050405020304" pitchFamily="18" charset="0"/>
+                <a:cs typeface="Times New Roman" panose="02020603050405020304" pitchFamily="18" charset="0"/>
+              </a:rPr>
               <a:t>SSD</a:t>
             </a:r>
-            <a:endParaRPr lang="zh-CN" altLang="en-US"/>
+            <a:endParaRPr lang="zh-CN" altLang="en-US">
+              <a:latin typeface="Times New Roman" panose="02020603050405020304" pitchFamily="18" charset="0"/>
+              <a:cs typeface="Times New Roman" panose="02020603050405020304" pitchFamily="18" charset="0"/>
+            </a:endParaRPr>
           </a:p>
         </p:txBody>
       </p:sp>
@@ -31000,7 +33658,7 @@
           <p:nvPr>
             <p:extLst>
               <p:ext uri="{D42A27DB-BD31-4B8C-83A1-F6EECF244321}">
-                <p14:modId xmlns:p14="http://schemas.microsoft.com/office/powerpoint/2010/main" val="3554694927"/>
+                <p14:modId xmlns:p14="http://schemas.microsoft.com/office/powerpoint/2010/main" val="3696330565"/>
               </p:ext>
             </p:extLst>
           </p:nvPr>
@@ -31050,10 +33708,16 @@
           <a:p>
             <a:pPr algn="ctr"/>
             <a:r>
-              <a:rPr lang="en-US" altLang="zh-CN" smtClean="0"/>
+              <a:rPr lang="en-US" altLang="zh-CN" smtClean="0">
+                <a:latin typeface="Times New Roman" panose="02020603050405020304" pitchFamily="18" charset="0"/>
+                <a:cs typeface="Times New Roman" panose="02020603050405020304" pitchFamily="18" charset="0"/>
+              </a:rPr>
               <a:t>Volume Group(VG)</a:t>
             </a:r>
-            <a:endParaRPr lang="zh-CN" altLang="en-US"/>
+            <a:endParaRPr lang="zh-CN" altLang="en-US">
+              <a:latin typeface="Times New Roman" panose="02020603050405020304" pitchFamily="18" charset="0"/>
+              <a:cs typeface="Times New Roman" panose="02020603050405020304" pitchFamily="18" charset="0"/>
+            </a:endParaRPr>
           </a:p>
         </p:txBody>
       </p:sp>
@@ -31216,8 +33880,8 @@
         </p:nvSpPr>
         <p:spPr>
           <a:xfrm>
-            <a:off x="8499763" y="5538961"/>
-            <a:ext cx="3304309" cy="646331"/>
+            <a:off x="8164286" y="5643464"/>
+            <a:ext cx="3718163" cy="646331"/>
           </a:xfrm>
           <a:prstGeom prst="rect">
             <a:avLst/>
@@ -31231,34 +33895,58 @@
           <a:lstStyle/>
           <a:p>
             <a:r>
-              <a:rPr lang="en-US" altLang="zh-CN" smtClean="0"/>
+              <a:rPr lang="en-US" altLang="zh-CN" smtClean="0">
+                <a:latin typeface="Times New Roman" panose="02020603050405020304" pitchFamily="18" charset="0"/>
+                <a:cs typeface="Times New Roman" panose="02020603050405020304" pitchFamily="18" charset="0"/>
+              </a:rPr>
               <a:t>VG</a:t>
             </a:r>
             <a:r>
-              <a:rPr lang="zh-CN" altLang="en-US" smtClean="0"/>
+              <a:rPr lang="zh-CN" altLang="en-US" smtClean="0">
+                <a:latin typeface="Times New Roman" panose="02020603050405020304" pitchFamily="18" charset="0"/>
+                <a:cs typeface="Times New Roman" panose="02020603050405020304" pitchFamily="18" charset="0"/>
+              </a:rPr>
               <a:t>中的</a:t>
             </a:r>
             <a:r>
-              <a:rPr lang="en-US" altLang="zh-CN" smtClean="0"/>
+              <a:rPr lang="en-US" altLang="zh-CN" smtClean="0">
+                <a:latin typeface="Times New Roman" panose="02020603050405020304" pitchFamily="18" charset="0"/>
+                <a:cs typeface="Times New Roman" panose="02020603050405020304" pitchFamily="18" charset="0"/>
+              </a:rPr>
               <a:t>LV(Logic volume)</a:t>
             </a:r>
             <a:r>
-              <a:rPr lang="zh-CN" altLang="en-US" smtClean="0"/>
+              <a:rPr lang="zh-CN" altLang="en-US" smtClean="0">
+                <a:latin typeface="Times New Roman" panose="02020603050405020304" pitchFamily="18" charset="0"/>
+                <a:cs typeface="Times New Roman" panose="02020603050405020304" pitchFamily="18" charset="0"/>
+              </a:rPr>
               <a:t>包括</a:t>
             </a:r>
             <a:r>
-              <a:rPr lang="en-US" altLang="zh-CN" smtClean="0"/>
+              <a:rPr lang="en-US" altLang="zh-CN" smtClean="0">
+                <a:latin typeface="Times New Roman" panose="02020603050405020304" pitchFamily="18" charset="0"/>
+                <a:cs typeface="Times New Roman" panose="02020603050405020304" pitchFamily="18" charset="0"/>
+              </a:rPr>
               <a:t>data、cache</a:t>
             </a:r>
             <a:r>
-              <a:rPr lang="zh-CN" altLang="en-US" smtClean="0"/>
+              <a:rPr lang="zh-CN" altLang="en-US" smtClean="0">
+                <a:latin typeface="Times New Roman" panose="02020603050405020304" pitchFamily="18" charset="0"/>
+                <a:cs typeface="Times New Roman" panose="02020603050405020304" pitchFamily="18" charset="0"/>
+              </a:rPr>
               <a:t>和</a:t>
             </a:r>
             <a:r>
-              <a:rPr lang="en-US" altLang="zh-CN" smtClean="0"/>
+              <a:rPr lang="en-US" altLang="zh-CN" smtClean="0">
+                <a:latin typeface="Times New Roman" panose="02020603050405020304" pitchFamily="18" charset="0"/>
+                <a:cs typeface="Times New Roman" panose="02020603050405020304" pitchFamily="18" charset="0"/>
+              </a:rPr>
               <a:t>meta</a:t>
             </a:r>
-            <a:endParaRPr lang="zh-CN" altLang="en-US"/>
+            <a:endParaRPr lang="zh-CN" altLang="en-US">
+              <a:latin typeface="Times New Roman" panose="02020603050405020304" pitchFamily="18" charset="0"/>
+              <a:cs typeface="Times New Roman" panose="02020603050405020304" pitchFamily="18" charset="0"/>
+            </a:endParaRPr>
           </a:p>
         </p:txBody>
       </p:sp>
@@ -31266,6 +33954,410 @@
     <p:extLst>
       <p:ext uri="{BB962C8B-B14F-4D97-AF65-F5344CB8AC3E}">
         <p14:creationId xmlns:p14="http://schemas.microsoft.com/office/powerpoint/2010/main" val="4245920317"/>
+      </p:ext>
+    </p:extLst>
+  </p:cSld>
+  <p:clrMapOvr>
+    <a:masterClrMapping/>
+  </p:clrMapOvr>
+  <p:timing>
+    <p:tnLst>
+      <p:par>
+        <p:cTn id="1" dur="indefinite" restart="never" nodeType="tmRoot"/>
+      </p:par>
+    </p:tnLst>
+  </p:timing>
+</p:sld>
+</file>
+
+<file path=ppt/slides/slide12.xml><?xml version="1.0" encoding="utf-8"?>
+<p:sld xmlns:a="http://schemas.openxmlformats.org/drawingml/2006/main" xmlns:r="http://schemas.openxmlformats.org/officeDocument/2006/relationships" xmlns:p="http://schemas.openxmlformats.org/presentationml/2006/main">
+  <p:cSld>
+    <p:spTree>
+      <p:nvGrpSpPr>
+        <p:cNvPr id="1" name=""/>
+        <p:cNvGrpSpPr/>
+        <p:nvPr/>
+      </p:nvGrpSpPr>
+      <p:grpSpPr>
+        <a:xfrm>
+          <a:off x="0" y="0"/>
+          <a:ext cx="0" cy="0"/>
+          <a:chOff x="0" y="0"/>
+          <a:chExt cx="0" cy="0"/>
+        </a:xfrm>
+      </p:grpSpPr>
+      <p:sp>
+        <p:nvSpPr>
+          <p:cNvPr id="2" name="标题 1"/>
+          <p:cNvSpPr>
+            <a:spLocks noGrp="1"/>
+          </p:cNvSpPr>
+          <p:nvPr>
+            <p:ph type="title"/>
+          </p:nvPr>
+        </p:nvSpPr>
+        <p:spPr>
+          <a:xfrm>
+            <a:off x="2592925" y="624110"/>
+            <a:ext cx="8911687" cy="1046428"/>
+          </a:xfrm>
+        </p:spPr>
+        <p:txBody>
+          <a:bodyPr/>
+          <a:lstStyle/>
+          <a:p>
+            <a:r>
+              <a:rPr lang="zh-CN" altLang="en-US" smtClean="0"/>
+              <a:t>测试</a:t>
+            </a:r>
+            <a:r>
+              <a:rPr lang="en-US" altLang="zh-CN" smtClean="0">
+                <a:latin typeface="Times New Roman" panose="02020603050405020304" pitchFamily="18" charset="0"/>
+                <a:cs typeface="Times New Roman" panose="02020603050405020304" pitchFamily="18" charset="0"/>
+              </a:rPr>
+              <a:t>LVM Cache</a:t>
+            </a:r>
+            <a:r>
+              <a:rPr lang="zh-CN" altLang="en-US" smtClean="0"/>
+              <a:t>性能</a:t>
+            </a:r>
+            <a:endParaRPr lang="zh-CN" altLang="en-US"/>
+          </a:p>
+        </p:txBody>
+      </p:sp>
+      <p:sp>
+        <p:nvSpPr>
+          <p:cNvPr id="3" name="内容占位符 2"/>
+          <p:cNvSpPr>
+            <a:spLocks noGrp="1"/>
+          </p:cNvSpPr>
+          <p:nvPr>
+            <p:ph idx="1"/>
+          </p:nvPr>
+        </p:nvSpPr>
+        <p:spPr>
+          <a:xfrm>
+            <a:off x="2589212" y="1670538"/>
+            <a:ext cx="8915400" cy="4240684"/>
+          </a:xfrm>
+        </p:spPr>
+        <p:txBody>
+          <a:bodyPr>
+            <a:normAutofit/>
+          </a:bodyPr>
+          <a:lstStyle/>
+          <a:p>
+            <a:r>
+              <a:rPr lang="zh-CN" altLang="en-US" sz="2400" smtClean="0"/>
+              <a:t>实验环境：</a:t>
+            </a:r>
+            <a:r>
+              <a:rPr lang="en-US" altLang="zh-CN" sz="2400" smtClean="0">
+                <a:latin typeface="Times New Roman" panose="02020603050405020304" pitchFamily="18" charset="0"/>
+                <a:cs typeface="Times New Roman" panose="02020603050405020304" pitchFamily="18" charset="0"/>
+              </a:rPr>
+              <a:t>ubuntu16.04、swift2.15.0、Lvm2</a:t>
+            </a:r>
+            <a:r>
+              <a:rPr lang="en-US" altLang="zh-CN" sz="2400" smtClean="0">
+                <a:latin typeface="Times New Roman" panose="02020603050405020304" pitchFamily="18" charset="0"/>
+                <a:cs typeface="Times New Roman" panose="02020603050405020304" pitchFamily="18" charset="0"/>
+              </a:rPr>
+              <a:t>、								swiftbrowser、10G HDD、1G SSD</a:t>
+            </a:r>
+          </a:p>
+          <a:p>
+            <a:r>
+              <a:rPr lang="zh-CN" altLang="en-US" sz="2400" smtClean="0">
+                <a:latin typeface="Times New Roman" panose="02020603050405020304" pitchFamily="18" charset="0"/>
+                <a:cs typeface="Times New Roman" panose="02020603050405020304" pitchFamily="18" charset="0"/>
+              </a:rPr>
+              <a:t>实验步骤：</a:t>
+            </a:r>
+            <a:r>
+              <a:rPr lang="en-US" altLang="zh-CN" sz="2400" smtClean="0">
+                <a:latin typeface="Times New Roman" panose="02020603050405020304" pitchFamily="18" charset="0"/>
+                <a:cs typeface="Times New Roman" panose="02020603050405020304" pitchFamily="18" charset="0"/>
+              </a:rPr>
+              <a:t>1）</a:t>
+            </a:r>
+            <a:r>
+              <a:rPr lang="zh-CN" altLang="en-US" sz="2400" smtClean="0">
+                <a:latin typeface="Times New Roman" panose="02020603050405020304" pitchFamily="18" charset="0"/>
+                <a:cs typeface="Times New Roman" panose="02020603050405020304" pitchFamily="18" charset="0"/>
+              </a:rPr>
+              <a:t>利用</a:t>
+            </a:r>
+            <a:r>
+              <a:rPr lang="en-US" altLang="zh-CN" sz="2400" smtClean="0">
+                <a:latin typeface="Times New Roman" panose="02020603050405020304" pitchFamily="18" charset="0"/>
+                <a:cs typeface="Times New Roman" panose="02020603050405020304" pitchFamily="18" charset="0"/>
+              </a:rPr>
+              <a:t>LVM，</a:t>
+            </a:r>
+            <a:r>
+              <a:rPr lang="zh-CN" altLang="en-US" sz="2400" smtClean="0">
+                <a:latin typeface="Times New Roman" panose="02020603050405020304" pitchFamily="18" charset="0"/>
+                <a:cs typeface="Times New Roman" panose="02020603050405020304" pitchFamily="18" charset="0"/>
+              </a:rPr>
+              <a:t>将</a:t>
+            </a:r>
+            <a:r>
+              <a:rPr lang="en-US" altLang="zh-CN" sz="2400" smtClean="0">
+                <a:latin typeface="Times New Roman" panose="02020603050405020304" pitchFamily="18" charset="0"/>
+                <a:cs typeface="Times New Roman" panose="02020603050405020304" pitchFamily="18" charset="0"/>
+              </a:rPr>
+              <a:t>HDD</a:t>
+            </a:r>
+            <a:r>
+              <a:rPr lang="zh-CN" altLang="en-US" sz="2400" smtClean="0">
+                <a:latin typeface="Times New Roman" panose="02020603050405020304" pitchFamily="18" charset="0"/>
+                <a:cs typeface="Times New Roman" panose="02020603050405020304" pitchFamily="18" charset="0"/>
+              </a:rPr>
+              <a:t>与</a:t>
+            </a:r>
+            <a:r>
+              <a:rPr lang="en-US" altLang="zh-CN" sz="2400" smtClean="0">
+                <a:latin typeface="Times New Roman" panose="02020603050405020304" pitchFamily="18" charset="0"/>
+                <a:cs typeface="Times New Roman" panose="02020603050405020304" pitchFamily="18" charset="0"/>
+              </a:rPr>
+              <a:t>SSD</a:t>
+            </a:r>
+            <a:r>
+              <a:rPr lang="zh-CN" altLang="en-US" sz="2400" smtClean="0">
+                <a:latin typeface="Times New Roman" panose="02020603050405020304" pitchFamily="18" charset="0"/>
+                <a:cs typeface="Times New Roman" panose="02020603050405020304" pitchFamily="18" charset="0"/>
+              </a:rPr>
+              <a:t>映射到一个</a:t>
+            </a:r>
+            <a:r>
+              <a:rPr lang="en-US" altLang="zh-CN" sz="2400" smtClean="0">
+                <a:latin typeface="Times New Roman" panose="02020603050405020304" pitchFamily="18" charset="0"/>
+                <a:cs typeface="Times New Roman" panose="02020603050405020304" pitchFamily="18" charset="0"/>
+              </a:rPr>
+              <a:t>VG</a:t>
+            </a:r>
+            <a:r>
+              <a:rPr lang="zh-CN" altLang="en-US" sz="2400" smtClean="0">
+                <a:latin typeface="Times New Roman" panose="02020603050405020304" pitchFamily="18" charset="0"/>
+                <a:cs typeface="Times New Roman" panose="02020603050405020304" pitchFamily="18" charset="0"/>
+              </a:rPr>
+              <a:t>中，将</a:t>
+            </a:r>
+            <a:r>
+              <a:rPr lang="en-US" altLang="zh-CN" sz="2400" smtClean="0">
+                <a:latin typeface="Times New Roman" panose="02020603050405020304" pitchFamily="18" charset="0"/>
+                <a:cs typeface="Times New Roman" panose="02020603050405020304" pitchFamily="18" charset="0"/>
+              </a:rPr>
+              <a:t>						VG</a:t>
+            </a:r>
+            <a:r>
+              <a:rPr lang="zh-CN" altLang="en-US" sz="2400" smtClean="0">
+                <a:latin typeface="Times New Roman" panose="02020603050405020304" pitchFamily="18" charset="0"/>
+                <a:cs typeface="Times New Roman" panose="02020603050405020304" pitchFamily="18" charset="0"/>
+              </a:rPr>
+              <a:t>划分为三个</a:t>
+            </a:r>
+            <a:r>
+              <a:rPr lang="en-US" altLang="zh-CN" sz="2400" smtClean="0">
+                <a:latin typeface="Times New Roman" panose="02020603050405020304" pitchFamily="18" charset="0"/>
+                <a:cs typeface="Times New Roman" panose="02020603050405020304" pitchFamily="18" charset="0"/>
+              </a:rPr>
+              <a:t>LV（data、cache</a:t>
+            </a:r>
+            <a:r>
+              <a:rPr lang="zh-CN" altLang="en-US" sz="2400" smtClean="0">
+                <a:latin typeface="Times New Roman" panose="02020603050405020304" pitchFamily="18" charset="0"/>
+                <a:cs typeface="Times New Roman" panose="02020603050405020304" pitchFamily="18" charset="0"/>
+              </a:rPr>
+              <a:t>以及</a:t>
+            </a:r>
+            <a:r>
+              <a:rPr lang="en-US" altLang="zh-CN" sz="2400" smtClean="0">
+                <a:latin typeface="Times New Roman" panose="02020603050405020304" pitchFamily="18" charset="0"/>
+                <a:cs typeface="Times New Roman" panose="02020603050405020304" pitchFamily="18" charset="0"/>
+              </a:rPr>
+              <a:t>meta）,					</a:t>
+            </a:r>
+            <a:r>
+              <a:rPr lang="en-US" altLang="zh-CN" sz="2400" smtClean="0">
+                <a:latin typeface="Times New Roman" panose="02020603050405020304" pitchFamily="18" charset="0"/>
+                <a:cs typeface="Times New Roman" panose="02020603050405020304" pitchFamily="18" charset="0"/>
+              </a:rPr>
+              <a:t>	</a:t>
+            </a:r>
+            <a:r>
+              <a:rPr lang="zh-CN" altLang="en-US" sz="2400" smtClean="0">
+                <a:latin typeface="Times New Roman" panose="02020603050405020304" pitchFamily="18" charset="0"/>
+                <a:cs typeface="Times New Roman" panose="02020603050405020304" pitchFamily="18" charset="0"/>
+              </a:rPr>
+              <a:t>挂载</a:t>
+            </a:r>
+            <a:r>
+              <a:rPr lang="en-US" altLang="zh-CN" sz="2400" smtClean="0">
+                <a:latin typeface="Times New Roman" panose="02020603050405020304" pitchFamily="18" charset="0"/>
+                <a:cs typeface="Times New Roman" panose="02020603050405020304" pitchFamily="18" charset="0"/>
+              </a:rPr>
+              <a:t>data；</a:t>
+            </a:r>
+          </a:p>
+          <a:p>
+            <a:pPr marL="0" indent="0">
+              <a:buNone/>
+            </a:pPr>
+            <a:r>
+              <a:rPr lang="en-US" altLang="zh-CN" sz="2400" smtClean="0">
+                <a:latin typeface="Times New Roman" panose="02020603050405020304" pitchFamily="18" charset="0"/>
+                <a:cs typeface="Times New Roman" panose="02020603050405020304" pitchFamily="18" charset="0"/>
+              </a:rPr>
+              <a:t>				2）</a:t>
+            </a:r>
+            <a:r>
+              <a:rPr lang="zh-CN" altLang="en-US" sz="2400" smtClean="0">
+                <a:latin typeface="Times New Roman" panose="02020603050405020304" pitchFamily="18" charset="0"/>
+                <a:cs typeface="Times New Roman" panose="02020603050405020304" pitchFamily="18" charset="0"/>
+              </a:rPr>
+              <a:t>将</a:t>
+            </a:r>
+            <a:r>
+              <a:rPr lang="en-US" altLang="zh-CN" sz="2400" smtClean="0">
+                <a:latin typeface="Times New Roman" panose="02020603050405020304" pitchFamily="18" charset="0"/>
+                <a:cs typeface="Times New Roman" panose="02020603050405020304" pitchFamily="18" charset="0"/>
+              </a:rPr>
+              <a:t>data</a:t>
+            </a:r>
+            <a:r>
+              <a:rPr lang="zh-CN" altLang="en-US" sz="2400" smtClean="0">
+                <a:latin typeface="Times New Roman" panose="02020603050405020304" pitchFamily="18" charset="0"/>
+                <a:cs typeface="Times New Roman" panose="02020603050405020304" pitchFamily="18" charset="0"/>
+              </a:rPr>
+              <a:t>当作对象存储设备（</a:t>
+            </a:r>
+            <a:r>
+              <a:rPr lang="en-US" altLang="zh-CN" sz="2400" smtClean="0">
+                <a:latin typeface="Times New Roman" panose="02020603050405020304" pitchFamily="18" charset="0"/>
+                <a:cs typeface="Times New Roman" panose="02020603050405020304" pitchFamily="18" charset="0"/>
+              </a:rPr>
+              <a:t>osd</a:t>
+            </a:r>
+            <a:r>
+              <a:rPr lang="zh-CN" altLang="en-US" sz="2400" smtClean="0">
+                <a:latin typeface="Times New Roman" panose="02020603050405020304" pitchFamily="18" charset="0"/>
+                <a:cs typeface="Times New Roman" panose="02020603050405020304" pitchFamily="18" charset="0"/>
+              </a:rPr>
+              <a:t>）</a:t>
+            </a:r>
+            <a:r>
+              <a:rPr lang="zh-CN" altLang="en-US" sz="2400">
+                <a:latin typeface="Times New Roman" panose="02020603050405020304" pitchFamily="18" charset="0"/>
+                <a:cs typeface="Times New Roman" panose="02020603050405020304" pitchFamily="18" charset="0"/>
+              </a:rPr>
+              <a:t>，</a:t>
+            </a:r>
+            <a:r>
+              <a:rPr lang="zh-CN" altLang="en-US" sz="2400" smtClean="0">
+                <a:latin typeface="Times New Roman" panose="02020603050405020304" pitchFamily="18" charset="0"/>
+                <a:cs typeface="Times New Roman" panose="02020603050405020304" pitchFamily="18" charset="0"/>
+              </a:rPr>
+              <a:t>搭建</a:t>
+            </a:r>
+            <a:r>
+              <a:rPr lang="en-US" altLang="zh-CN" sz="2400" smtClean="0">
+                <a:latin typeface="Times New Roman" panose="02020603050405020304" pitchFamily="18" charset="0"/>
+                <a:cs typeface="Times New Roman" panose="02020603050405020304" pitchFamily="18" charset="0"/>
+              </a:rPr>
+              <a:t>swift 						SAIO</a:t>
+            </a:r>
+            <a:r>
+              <a:rPr lang="zh-CN" altLang="en-US" sz="2400" smtClean="0">
+                <a:latin typeface="Times New Roman" panose="02020603050405020304" pitchFamily="18" charset="0"/>
+                <a:cs typeface="Times New Roman" panose="02020603050405020304" pitchFamily="18" charset="0"/>
+              </a:rPr>
+              <a:t>环境；</a:t>
+            </a:r>
+            <a:endParaRPr lang="en-US" altLang="zh-CN" sz="2400" smtClean="0">
+              <a:latin typeface="Times New Roman" panose="02020603050405020304" pitchFamily="18" charset="0"/>
+              <a:cs typeface="Times New Roman" panose="02020603050405020304" pitchFamily="18" charset="0"/>
+            </a:endParaRPr>
+          </a:p>
+          <a:p>
+            <a:pPr marL="0" indent="0">
+              <a:buNone/>
+            </a:pPr>
+            <a:r>
+              <a:rPr lang="en-US" altLang="zh-CN" sz="2400">
+                <a:latin typeface="Times New Roman" panose="02020603050405020304" pitchFamily="18" charset="0"/>
+                <a:cs typeface="Times New Roman" panose="02020603050405020304" pitchFamily="18" charset="0"/>
+              </a:rPr>
+              <a:t>	</a:t>
+            </a:r>
+            <a:r>
+              <a:rPr lang="en-US" altLang="zh-CN" sz="2400" smtClean="0">
+                <a:latin typeface="Times New Roman" panose="02020603050405020304" pitchFamily="18" charset="0"/>
+                <a:cs typeface="Times New Roman" panose="02020603050405020304" pitchFamily="18" charset="0"/>
+              </a:rPr>
+              <a:t>			3）</a:t>
+            </a:r>
+            <a:r>
+              <a:rPr lang="zh-CN" altLang="en-US" sz="2400">
+                <a:latin typeface="Times New Roman" panose="02020603050405020304" pitchFamily="18" charset="0"/>
+                <a:cs typeface="Times New Roman" panose="02020603050405020304" pitchFamily="18" charset="0"/>
+              </a:rPr>
+              <a:t>上传数据文件</a:t>
+            </a:r>
+            <a:r>
+              <a:rPr lang="zh-CN" altLang="en-US" sz="2400" smtClean="0">
+                <a:latin typeface="Times New Roman" panose="02020603050405020304" pitchFamily="18" charset="0"/>
+                <a:cs typeface="Times New Roman" panose="02020603050405020304" pitchFamily="18" charset="0"/>
+              </a:rPr>
+              <a:t>至</a:t>
+            </a:r>
+            <a:r>
+              <a:rPr lang="en-US" altLang="zh-CN" sz="2400" smtClean="0">
+                <a:latin typeface="Times New Roman" panose="02020603050405020304" pitchFamily="18" charset="0"/>
+                <a:cs typeface="Times New Roman" panose="02020603050405020304" pitchFamily="18" charset="0"/>
+              </a:rPr>
+              <a:t>osd；</a:t>
+            </a:r>
+          </a:p>
+          <a:p>
+            <a:pPr marL="0" indent="0">
+              <a:buNone/>
+            </a:pPr>
+            <a:r>
+              <a:rPr lang="en-US" altLang="zh-CN" sz="2400">
+                <a:latin typeface="Times New Roman" panose="02020603050405020304" pitchFamily="18" charset="0"/>
+                <a:cs typeface="Times New Roman" panose="02020603050405020304" pitchFamily="18" charset="0"/>
+              </a:rPr>
+              <a:t>	</a:t>
+            </a:r>
+            <a:r>
+              <a:rPr lang="en-US" altLang="zh-CN" sz="2400" smtClean="0">
+                <a:latin typeface="Times New Roman" panose="02020603050405020304" pitchFamily="18" charset="0"/>
+                <a:cs typeface="Times New Roman" panose="02020603050405020304" pitchFamily="18" charset="0"/>
+              </a:rPr>
+              <a:t>			4）</a:t>
+            </a:r>
+            <a:r>
+              <a:rPr lang="zh-CN" altLang="en-US" sz="2400" smtClean="0">
+                <a:latin typeface="Times New Roman" panose="02020603050405020304" pitchFamily="18" charset="0"/>
+                <a:cs typeface="Times New Roman" panose="02020603050405020304" pitchFamily="18" charset="0"/>
+              </a:rPr>
+              <a:t>反复下载同</a:t>
+            </a:r>
+            <a:r>
+              <a:rPr lang="zh-CN" altLang="en-US" sz="2400" smtClean="0"/>
+              <a:t>一文件多次，记录下载文件所需时间</a:t>
+            </a:r>
+            <a:endParaRPr lang="en-US" altLang="zh-CN" sz="2400" smtClean="0"/>
+          </a:p>
+        </p:txBody>
+      </p:sp>
+    </p:spTree>
+    <p:extLst>
+      <p:ext uri="{BB962C8B-B14F-4D97-AF65-F5344CB8AC3E}">
+        <p14:creationId xmlns:p14="http://schemas.microsoft.com/office/powerpoint/2010/main" val="3045143344"/>
       </p:ext>
     </p:extLst>
   </p:cSld>
@@ -31309,27 +34401,14 @@
             <p:ph type="title"/>
           </p:nvPr>
         </p:nvSpPr>
-        <p:spPr>
-          <a:xfrm>
-            <a:off x="2592925" y="624110"/>
-            <a:ext cx="8911687" cy="1046428"/>
-          </a:xfrm>
-        </p:spPr>
+        <p:spPr/>
         <p:txBody>
           <a:bodyPr/>
           <a:lstStyle/>
           <a:p>
             <a:r>
               <a:rPr lang="zh-CN" altLang="en-US" smtClean="0"/>
-              <a:t>测试</a:t>
-            </a:r>
-            <a:r>
-              <a:rPr lang="en-US" altLang="zh-CN" smtClean="0"/>
-              <a:t>LVM Cache</a:t>
-            </a:r>
-            <a:r>
-              <a:rPr lang="zh-CN" altLang="en-US" smtClean="0"/>
-              <a:t>性能</a:t>
+              <a:t>具体的实验设置</a:t>
             </a:r>
             <a:endParaRPr lang="zh-CN" altLang="en-US"/>
           </a:p>
@@ -31347,198 +34426,225 @@
         </p:nvSpPr>
         <p:spPr>
           <a:xfrm>
-            <a:off x="2589212" y="1670538"/>
-            <a:ext cx="8915400" cy="4240684"/>
+            <a:off x="2290273" y="1588477"/>
+            <a:ext cx="6062419" cy="1682261"/>
           </a:xfrm>
         </p:spPr>
         <p:txBody>
-          <a:bodyPr>
-            <a:normAutofit/>
+          <a:bodyPr/>
+          <a:lstStyle/>
+          <a:p>
+            <a:r>
+              <a:rPr lang="zh-CN" altLang="en-US" smtClean="0">
+                <a:latin typeface="Times New Roman" panose="02020603050405020304" pitchFamily="18" charset="0"/>
+                <a:cs typeface="Times New Roman" panose="02020603050405020304" pitchFamily="18" charset="0"/>
+              </a:rPr>
+              <a:t>上传</a:t>
+            </a:r>
+            <a:r>
+              <a:rPr lang="zh-CN" altLang="en-US" smtClean="0">
+                <a:latin typeface="Times New Roman" panose="02020603050405020304" pitchFamily="18" charset="0"/>
+                <a:cs typeface="Times New Roman" panose="02020603050405020304" pitchFamily="18" charset="0"/>
+              </a:rPr>
+              <a:t>文件 </a:t>
+            </a:r>
+            <a:r>
+              <a:rPr lang="en-US" altLang="zh-CN" smtClean="0">
+                <a:latin typeface="Times New Roman" panose="02020603050405020304" pitchFamily="18" charset="0"/>
+                <a:cs typeface="Times New Roman" panose="02020603050405020304" pitchFamily="18" charset="0"/>
+              </a:rPr>
+              <a:t>4.2G</a:t>
+            </a:r>
+            <a:endParaRPr lang="en-US" altLang="zh-CN" smtClean="0">
+              <a:latin typeface="Times New Roman" panose="02020603050405020304" pitchFamily="18" charset="0"/>
+              <a:cs typeface="Times New Roman" panose="02020603050405020304" pitchFamily="18" charset="0"/>
+            </a:endParaRPr>
+          </a:p>
+          <a:p>
+            <a:r>
+              <a:rPr lang="zh-CN" altLang="en-US" smtClean="0">
+                <a:latin typeface="Times New Roman" panose="02020603050405020304" pitchFamily="18" charset="0"/>
+                <a:cs typeface="Times New Roman" panose="02020603050405020304" pitchFamily="18" charset="0"/>
+              </a:rPr>
+              <a:t>下载</a:t>
+            </a:r>
+            <a:r>
+              <a:rPr lang="zh-CN" altLang="en-US" smtClean="0">
+                <a:latin typeface="Times New Roman" panose="02020603050405020304" pitchFamily="18" charset="0"/>
+                <a:cs typeface="Times New Roman" panose="02020603050405020304" pitchFamily="18" charset="0"/>
+              </a:rPr>
+              <a:t>文件 </a:t>
+            </a:r>
+            <a:r>
+              <a:rPr lang="en-US" altLang="zh-CN" smtClean="0">
+                <a:latin typeface="Times New Roman" panose="02020603050405020304" pitchFamily="18" charset="0"/>
+                <a:cs typeface="Times New Roman" panose="02020603050405020304" pitchFamily="18" charset="0"/>
+              </a:rPr>
+              <a:t>200M</a:t>
+            </a:r>
+            <a:endParaRPr lang="en-US" altLang="zh-CN" smtClean="0">
+              <a:latin typeface="Times New Roman" panose="02020603050405020304" pitchFamily="18" charset="0"/>
+              <a:cs typeface="Times New Roman" panose="02020603050405020304" pitchFamily="18" charset="0"/>
+            </a:endParaRPr>
+          </a:p>
+          <a:p>
+            <a:r>
+              <a:rPr lang="en-US" altLang="zh-CN" smtClean="0">
+                <a:latin typeface="Times New Roman" panose="02020603050405020304" pitchFamily="18" charset="0"/>
+                <a:cs typeface="Times New Roman" panose="02020603050405020304" pitchFamily="18" charset="0"/>
+              </a:rPr>
+              <a:t>Lvmcache ：data(8G) cache(2G) </a:t>
+            </a:r>
+            <a:r>
+              <a:rPr lang="en-US" altLang="zh-CN" smtClean="0">
+                <a:latin typeface="Times New Roman" panose="02020603050405020304" pitchFamily="18" charset="0"/>
+                <a:cs typeface="Times New Roman" panose="02020603050405020304" pitchFamily="18" charset="0"/>
+              </a:rPr>
+              <a:t>meta(12M) </a:t>
+            </a:r>
+            <a:endParaRPr lang="zh-CN" altLang="en-US">
+              <a:latin typeface="Times New Roman" panose="02020603050405020304" pitchFamily="18" charset="0"/>
+              <a:cs typeface="Times New Roman" panose="02020603050405020304" pitchFamily="18" charset="0"/>
+            </a:endParaRPr>
+          </a:p>
+        </p:txBody>
+      </p:sp>
+      <p:pic>
+        <p:nvPicPr>
+          <p:cNvPr id="4" name="图片 3"/>
+          <p:cNvPicPr>
+            <a:picLocks noChangeAspect="1"/>
+          </p:cNvPicPr>
+          <p:nvPr/>
+        </p:nvPicPr>
+        <p:blipFill>
+          <a:blip r:embed="rId2">
+            <a:extLst>
+              <a:ext uri="{28A0092B-C50C-407E-A947-70E740481C1C}">
+                <a14:useLocalDpi xmlns:a14="http://schemas.microsoft.com/office/drawing/2010/main" val="0"/>
+              </a:ext>
+            </a:extLst>
+          </a:blip>
+          <a:stretch>
+            <a:fillRect/>
+          </a:stretch>
+        </p:blipFill>
+        <p:spPr>
+          <a:xfrm>
+            <a:off x="580618" y="2966442"/>
+            <a:ext cx="5611176" cy="2537325"/>
+          </a:xfrm>
+          <a:prstGeom prst="rect">
+            <a:avLst/>
+          </a:prstGeom>
+        </p:spPr>
+      </p:pic>
+      <p:pic>
+        <p:nvPicPr>
+          <p:cNvPr id="8" name="图片 7"/>
+          <p:cNvPicPr>
+            <a:picLocks noChangeAspect="1"/>
+          </p:cNvPicPr>
+          <p:nvPr/>
+        </p:nvPicPr>
+        <p:blipFill>
+          <a:blip r:embed="rId3">
+            <a:extLst>
+              <a:ext uri="{28A0092B-C50C-407E-A947-70E740481C1C}">
+                <a14:useLocalDpi xmlns:a14="http://schemas.microsoft.com/office/drawing/2010/main" val="0"/>
+              </a:ext>
+            </a:extLst>
+          </a:blip>
+          <a:stretch>
+            <a:fillRect/>
+          </a:stretch>
+        </p:blipFill>
+        <p:spPr>
+          <a:xfrm>
+            <a:off x="6470888" y="2966441"/>
+            <a:ext cx="5599192" cy="2537325"/>
+          </a:xfrm>
+          <a:prstGeom prst="rect">
+            <a:avLst/>
+          </a:prstGeom>
+        </p:spPr>
+      </p:pic>
+      <p:sp>
+        <p:nvSpPr>
+          <p:cNvPr id="9" name="文本框 8"/>
+          <p:cNvSpPr txBox="1"/>
+          <p:nvPr/>
+        </p:nvSpPr>
+        <p:spPr>
+          <a:xfrm>
+            <a:off x="2129246" y="5708469"/>
+            <a:ext cx="2207623" cy="461665"/>
+          </a:xfrm>
+          <a:prstGeom prst="rect">
+            <a:avLst/>
+          </a:prstGeom>
+          <a:noFill/>
+        </p:spPr>
+        <p:txBody>
+          <a:bodyPr wrap="square" rtlCol="0">
+            <a:spAutoFit/>
           </a:bodyPr>
           <a:lstStyle/>
           <a:p>
             <a:r>
-              <a:rPr lang="zh-CN" altLang="en-US" sz="2400" smtClean="0"/>
-              <a:t>实验环境：</a:t>
-            </a:r>
-            <a:r>
-              <a:rPr lang="en-US" altLang="zh-CN" sz="2400" smtClean="0"/>
-              <a:t>ubuntu16.04、swift2、15.0、Lvm2、								swiftbrowser、10G HDD、1G SSD</a:t>
-            </a:r>
+              <a:rPr lang="en-US" altLang="zh-CN" sz="2400" b="1" smtClean="0">
+                <a:latin typeface="Times New Roman" panose="02020603050405020304" pitchFamily="18" charset="0"/>
+                <a:cs typeface="Times New Roman" panose="02020603050405020304" pitchFamily="18" charset="0"/>
+              </a:rPr>
+              <a:t>upload.sh</a:t>
+            </a:r>
+            <a:endParaRPr lang="zh-CN" altLang="en-US" sz="2400" b="1">
+              <a:latin typeface="Times New Roman" panose="02020603050405020304" pitchFamily="18" charset="0"/>
+              <a:cs typeface="Times New Roman" panose="02020603050405020304" pitchFamily="18" charset="0"/>
+            </a:endParaRPr>
           </a:p>
+        </p:txBody>
+      </p:sp>
+      <p:sp>
+        <p:nvSpPr>
+          <p:cNvPr id="10" name="文本框 9"/>
+          <p:cNvSpPr txBox="1"/>
+          <p:nvPr/>
+        </p:nvSpPr>
+        <p:spPr>
+          <a:xfrm>
+            <a:off x="8352692" y="5708469"/>
+            <a:ext cx="2207623" cy="461665"/>
+          </a:xfrm>
+          <a:prstGeom prst="rect">
+            <a:avLst/>
+          </a:prstGeom>
+          <a:noFill/>
+        </p:spPr>
+        <p:txBody>
+          <a:bodyPr wrap="square" rtlCol="0">
+            <a:spAutoFit/>
+          </a:bodyPr>
+          <a:lstStyle/>
           <a:p>
             <a:r>
-              <a:rPr lang="zh-CN" altLang="en-US" sz="2400" smtClean="0"/>
-              <a:t>实验步骤：</a:t>
-            </a:r>
-            <a:r>
-              <a:rPr lang="en-US" altLang="zh-CN" sz="2400" smtClean="0"/>
-              <a:t>1）</a:t>
-            </a:r>
-            <a:r>
-              <a:rPr lang="zh-CN" altLang="en-US" sz="2400" smtClean="0"/>
-              <a:t>利用</a:t>
-            </a:r>
-            <a:r>
-              <a:rPr lang="en-US" altLang="zh-CN" sz="2400" smtClean="0"/>
-              <a:t>LVM，</a:t>
-            </a:r>
-            <a:r>
-              <a:rPr lang="zh-CN" altLang="en-US" sz="2400" smtClean="0"/>
-              <a:t>将</a:t>
-            </a:r>
-            <a:r>
-              <a:rPr lang="en-US" altLang="zh-CN" sz="2400" smtClean="0"/>
-              <a:t>HDD</a:t>
-            </a:r>
-            <a:r>
-              <a:rPr lang="zh-CN" altLang="en-US" sz="2400" smtClean="0"/>
-              <a:t>与</a:t>
-            </a:r>
-            <a:r>
-              <a:rPr lang="en-US" altLang="zh-CN" sz="2400" smtClean="0"/>
-              <a:t>SSD</a:t>
-            </a:r>
-            <a:r>
-              <a:rPr lang="zh-CN" altLang="en-US" sz="2400" smtClean="0"/>
-              <a:t>映射到一个</a:t>
-            </a:r>
-            <a:r>
-              <a:rPr lang="en-US" altLang="zh-CN" sz="2400" smtClean="0"/>
-              <a:t>VG</a:t>
-            </a:r>
-            <a:r>
-              <a:rPr lang="zh-CN" altLang="en-US" sz="2400" smtClean="0"/>
-              <a:t>中，将</a:t>
-            </a:r>
-            <a:r>
-              <a:rPr lang="en-US" altLang="zh-CN" sz="2400" smtClean="0"/>
-              <a:t>						VG</a:t>
-            </a:r>
-            <a:r>
-              <a:rPr lang="zh-CN" altLang="en-US" sz="2400" smtClean="0"/>
-              <a:t>划分为三个</a:t>
-            </a:r>
-            <a:r>
-              <a:rPr lang="en-US" altLang="zh-CN" sz="2400" smtClean="0"/>
-              <a:t>LV（data、cache</a:t>
-            </a:r>
-            <a:r>
-              <a:rPr lang="zh-CN" altLang="en-US" sz="2400" smtClean="0"/>
-              <a:t>以及</a:t>
-            </a:r>
-            <a:r>
-              <a:rPr lang="en-US" altLang="zh-CN" sz="2400" smtClean="0"/>
-              <a:t>meta）,					</a:t>
-            </a:r>
-            <a:r>
-              <a:rPr lang="zh-CN" altLang="en-US" sz="2400" smtClean="0"/>
-              <a:t>挂载</a:t>
-            </a:r>
-            <a:r>
-              <a:rPr lang="en-US" altLang="zh-CN" sz="2400" smtClean="0"/>
-              <a:t>data；</a:t>
-            </a:r>
-          </a:p>
-          <a:p>
-            <a:pPr marL="0" indent="0">
-              <a:buNone/>
-            </a:pPr>
-            <a:r>
-              <a:rPr lang="en-US" altLang="zh-CN" sz="2400" smtClean="0"/>
-              <a:t>				2）</a:t>
-            </a:r>
-            <a:r>
-              <a:rPr lang="zh-CN" altLang="en-US" sz="2400" smtClean="0"/>
-              <a:t>将</a:t>
-            </a:r>
-            <a:r>
-              <a:rPr lang="en-US" altLang="zh-CN" sz="2400" smtClean="0"/>
-              <a:t>data</a:t>
-            </a:r>
-            <a:r>
-              <a:rPr lang="zh-CN" altLang="en-US" sz="2400" smtClean="0"/>
-              <a:t>当作对象存储设备（</a:t>
-            </a:r>
-            <a:r>
-              <a:rPr lang="en-US" altLang="zh-CN" sz="2400" smtClean="0"/>
-              <a:t>osd</a:t>
-            </a:r>
-            <a:r>
-              <a:rPr lang="zh-CN" altLang="en-US" sz="2400" smtClean="0"/>
-              <a:t>）</a:t>
-            </a:r>
-            <a:r>
-              <a:rPr lang="zh-CN" altLang="en-US" sz="2400"/>
-              <a:t>，</a:t>
-            </a:r>
-            <a:r>
-              <a:rPr lang="zh-CN" altLang="en-US" sz="2400" smtClean="0"/>
-              <a:t>搭建</a:t>
-            </a:r>
-            <a:r>
-              <a:rPr lang="en-US" altLang="zh-CN" sz="2400" smtClean="0"/>
-              <a:t>swift 						SAIO</a:t>
-            </a:r>
-            <a:r>
-              <a:rPr lang="zh-CN" altLang="en-US" sz="2400" smtClean="0"/>
-              <a:t>环境；</a:t>
-            </a:r>
-            <a:endParaRPr lang="en-US" altLang="zh-CN" sz="2400" smtClean="0"/>
-          </a:p>
-          <a:p>
-            <a:pPr marL="0" indent="0">
-              <a:buNone/>
-            </a:pPr>
-            <a:r>
-              <a:rPr lang="en-US" altLang="zh-CN" sz="2400"/>
-              <a:t>	</a:t>
-            </a:r>
-            <a:r>
-              <a:rPr lang="en-US" altLang="zh-CN" sz="2400" smtClean="0"/>
-              <a:t>			3）</a:t>
-            </a:r>
-            <a:r>
-              <a:rPr lang="zh-CN" altLang="en-US" sz="2400"/>
-              <a:t>上传数据</a:t>
-            </a:r>
-            <a:r>
-              <a:rPr lang="zh-CN" altLang="en-US" sz="2400"/>
-              <a:t>文件</a:t>
-            </a:r>
-            <a:r>
-              <a:rPr lang="zh-CN" altLang="en-US" sz="2400" smtClean="0"/>
-              <a:t>至</a:t>
-            </a:r>
-            <a:r>
-              <a:rPr lang="en-US" altLang="zh-CN" sz="2400" smtClean="0"/>
-              <a:t>osd；</a:t>
-            </a:r>
-          </a:p>
-          <a:p>
-            <a:pPr marL="0" indent="0">
-              <a:buNone/>
-            </a:pPr>
-            <a:r>
-              <a:rPr lang="en-US" altLang="zh-CN" sz="2400"/>
-              <a:t>	</a:t>
-            </a:r>
-            <a:r>
-              <a:rPr lang="en-US" altLang="zh-CN" sz="2400" smtClean="0"/>
-              <a:t>			4）</a:t>
-            </a:r>
-            <a:r>
-              <a:rPr lang="zh-CN" altLang="en-US" sz="2400" smtClean="0"/>
-              <a:t>反复下载同一文件多次，记录下载文件所需时间</a:t>
-            </a:r>
-            <a:endParaRPr lang="en-US" altLang="zh-CN" sz="2400" smtClean="0"/>
+              <a:rPr lang="en-US" altLang="zh-CN" sz="2400" b="1" smtClean="0">
+                <a:latin typeface="Times New Roman" panose="02020603050405020304" pitchFamily="18" charset="0"/>
+                <a:cs typeface="Times New Roman" panose="02020603050405020304" pitchFamily="18" charset="0"/>
+              </a:rPr>
+              <a:t>download.sh</a:t>
+            </a:r>
+            <a:endParaRPr lang="zh-CN" altLang="en-US" sz="2400" b="1">
+              <a:latin typeface="Times New Roman" panose="02020603050405020304" pitchFamily="18" charset="0"/>
+              <a:cs typeface="Times New Roman" panose="02020603050405020304" pitchFamily="18" charset="0"/>
+            </a:endParaRPr>
           </a:p>
         </p:txBody>
       </p:sp>
     </p:spTree>
     <p:extLst>
       <p:ext uri="{BB962C8B-B14F-4D97-AF65-F5344CB8AC3E}">
-        <p14:creationId xmlns:p14="http://schemas.microsoft.com/office/powerpoint/2010/main" val="3045143344"/>
+        <p14:creationId xmlns:p14="http://schemas.microsoft.com/office/powerpoint/2010/main" val="3562600582"/>
       </p:ext>
     </p:extLst>
   </p:cSld>
@@ -31588,182 +34694,23 @@
           <a:lstStyle/>
           <a:p>
             <a:r>
-              <a:rPr lang="zh-CN" altLang="en-US" smtClean="0"/>
-              <a:t>具体的实验设置</a:t>
-            </a:r>
-            <a:endParaRPr lang="zh-CN" altLang="en-US"/>
-          </a:p>
-        </p:txBody>
-      </p:sp>
-      <p:sp>
-        <p:nvSpPr>
-          <p:cNvPr id="3" name="内容占位符 2"/>
-          <p:cNvSpPr>
-            <a:spLocks noGrp="1"/>
-          </p:cNvSpPr>
-          <p:nvPr>
-            <p:ph idx="1"/>
-          </p:nvPr>
-        </p:nvSpPr>
-        <p:spPr>
-          <a:xfrm>
-            <a:off x="2290273" y="1588477"/>
-            <a:ext cx="6062419" cy="1682261"/>
-          </a:xfrm>
-        </p:spPr>
-        <p:txBody>
-          <a:bodyPr/>
-          <a:lstStyle/>
-          <a:p>
-            <a:r>
-              <a:rPr lang="zh-CN" altLang="en-US" smtClean="0"/>
-              <a:t>上传文件</a:t>
-            </a:r>
-            <a:r>
-              <a:rPr lang="en-US" altLang="zh-CN" smtClean="0"/>
-              <a:t>4.2G</a:t>
-            </a:r>
-          </a:p>
-          <a:p>
-            <a:r>
-              <a:rPr lang="zh-CN" altLang="en-US" smtClean="0"/>
-              <a:t>下载文件</a:t>
-            </a:r>
-            <a:r>
-              <a:rPr lang="en-US" altLang="zh-CN" smtClean="0"/>
-              <a:t>200M</a:t>
-            </a:r>
-          </a:p>
-          <a:p>
-            <a:r>
-              <a:rPr lang="en-US" altLang="zh-CN" smtClean="0"/>
-              <a:t>Lvmcache ：data(8G) cache(2G) meta(12m) </a:t>
-            </a:r>
-            <a:endParaRPr lang="zh-CN" altLang="en-US"/>
-          </a:p>
-        </p:txBody>
-      </p:sp>
-      <p:pic>
-        <p:nvPicPr>
-          <p:cNvPr id="6" name="图片 5"/>
-          <p:cNvPicPr>
-            <a:picLocks noChangeAspect="1"/>
-          </p:cNvPicPr>
-          <p:nvPr/>
-        </p:nvPicPr>
-        <p:blipFill>
-          <a:blip r:embed="rId2">
-            <a:extLst>
-              <a:ext uri="{28A0092B-C50C-407E-A947-70E740481C1C}">
-                <a14:useLocalDpi xmlns:a14="http://schemas.microsoft.com/office/drawing/2010/main" val="0"/>
-              </a:ext>
-            </a:extLst>
-          </a:blip>
-          <a:stretch>
-            <a:fillRect/>
-          </a:stretch>
-        </p:blipFill>
-        <p:spPr>
-          <a:xfrm>
-            <a:off x="761320" y="3270738"/>
-            <a:ext cx="5496046" cy="2390476"/>
-          </a:xfrm>
-          <a:prstGeom prst="rect">
-            <a:avLst/>
-          </a:prstGeom>
-        </p:spPr>
-      </p:pic>
-      <p:pic>
-        <p:nvPicPr>
-          <p:cNvPr id="7" name="图片 6"/>
-          <p:cNvPicPr>
-            <a:picLocks noChangeAspect="1"/>
-          </p:cNvPicPr>
-          <p:nvPr/>
-        </p:nvPicPr>
-        <p:blipFill>
-          <a:blip r:embed="rId3">
-            <a:extLst>
-              <a:ext uri="{28A0092B-C50C-407E-A947-70E740481C1C}">
-                <a14:useLocalDpi xmlns:a14="http://schemas.microsoft.com/office/drawing/2010/main" val="0"/>
-              </a:ext>
-            </a:extLst>
-          </a:blip>
-          <a:stretch>
-            <a:fillRect/>
-          </a:stretch>
-        </p:blipFill>
-        <p:spPr>
-          <a:xfrm>
-            <a:off x="6467468" y="3270738"/>
-            <a:ext cx="5581098" cy="2405621"/>
-          </a:xfrm>
-          <a:prstGeom prst="rect">
-            <a:avLst/>
-          </a:prstGeom>
-        </p:spPr>
-      </p:pic>
-    </p:spTree>
-    <p:extLst>
-      <p:ext uri="{BB962C8B-B14F-4D97-AF65-F5344CB8AC3E}">
-        <p14:creationId xmlns:p14="http://schemas.microsoft.com/office/powerpoint/2010/main" val="3562600582"/>
-      </p:ext>
-    </p:extLst>
-  </p:cSld>
-  <p:clrMapOvr>
-    <a:masterClrMapping/>
-  </p:clrMapOvr>
-  <p:timing>
-    <p:tnLst>
-      <p:par>
-        <p:cTn id="1" dur="indefinite" restart="never" nodeType="tmRoot"/>
-      </p:par>
-    </p:tnLst>
-  </p:timing>
-</p:sld>
-</file>
-
-<file path=ppt/slides/slide15.xml><?xml version="1.0" encoding="utf-8"?>
-<p:sld xmlns:a="http://schemas.openxmlformats.org/drawingml/2006/main" xmlns:r="http://schemas.openxmlformats.org/officeDocument/2006/relationships" xmlns:p="http://schemas.openxmlformats.org/presentationml/2006/main">
-  <p:cSld>
-    <p:spTree>
-      <p:nvGrpSpPr>
-        <p:cNvPr id="1" name=""/>
-        <p:cNvGrpSpPr/>
-        <p:nvPr/>
-      </p:nvGrpSpPr>
-      <p:grpSpPr>
-        <a:xfrm>
-          <a:off x="0" y="0"/>
-          <a:ext cx="0" cy="0"/>
-          <a:chOff x="0" y="0"/>
-          <a:chExt cx="0" cy="0"/>
-        </a:xfrm>
-      </p:grpSpPr>
-      <p:sp>
-        <p:nvSpPr>
-          <p:cNvPr id="2" name="标题 1"/>
-          <p:cNvSpPr>
-            <a:spLocks noGrp="1"/>
-          </p:cNvSpPr>
-          <p:nvPr>
-            <p:ph type="title"/>
-          </p:nvPr>
-        </p:nvSpPr>
-        <p:spPr/>
-        <p:txBody>
-          <a:bodyPr/>
-          <a:lstStyle/>
-          <a:p>
-            <a:r>
-              <a:rPr lang="en-US" altLang="zh-CN" smtClean="0"/>
+              <a:rPr lang="en-US" altLang="zh-CN" smtClean="0">
+                <a:latin typeface="Times New Roman" panose="02020603050405020304" pitchFamily="18" charset="0"/>
+                <a:cs typeface="Times New Roman" panose="02020603050405020304" pitchFamily="18" charset="0"/>
+              </a:rPr>
               <a:t>LVM Cache</a:t>
             </a:r>
             <a:r>
-              <a:rPr lang="zh-CN" altLang="en-US" smtClean="0"/>
+              <a:rPr lang="zh-CN" altLang="en-US" smtClean="0">
+                <a:latin typeface="Times New Roman" panose="02020603050405020304" pitchFamily="18" charset="0"/>
+                <a:cs typeface="Times New Roman" panose="02020603050405020304" pitchFamily="18" charset="0"/>
+              </a:rPr>
               <a:t>测试结果</a:t>
             </a:r>
-            <a:endParaRPr lang="zh-CN" altLang="en-US"/>
+            <a:endParaRPr lang="zh-CN" altLang="en-US">
+              <a:latin typeface="Times New Roman" panose="02020603050405020304" pitchFamily="18" charset="0"/>
+              <a:cs typeface="Times New Roman" panose="02020603050405020304" pitchFamily="18" charset="0"/>
+            </a:endParaRPr>
           </a:p>
         </p:txBody>
       </p:sp>
@@ -31896,7 +34843,7 @@
         <p:spPr>
           <a:xfrm>
             <a:off x="1899137" y="6137573"/>
-            <a:ext cx="3200401" cy="369332"/>
+            <a:ext cx="3561137" cy="461665"/>
           </a:xfrm>
           <a:prstGeom prst="rect">
             <a:avLst/>
@@ -31910,26 +34857,44 @@
           <a:lstStyle/>
           <a:p>
             <a:r>
-              <a:rPr lang="zh-CN" altLang="en-US"/>
+              <a:rPr lang="zh-CN" altLang="en-US" sz="2400" b="1">
+                <a:latin typeface="Times New Roman" panose="02020603050405020304" pitchFamily="18" charset="0"/>
+                <a:cs typeface="Times New Roman" panose="02020603050405020304" pitchFamily="18" charset="0"/>
+              </a:rPr>
               <a:t>不</a:t>
             </a:r>
             <a:r>
-              <a:rPr lang="zh-CN" altLang="en-US" smtClean="0"/>
+              <a:rPr lang="zh-CN" altLang="en-US" sz="2400" b="1" smtClean="0">
+                <a:latin typeface="Times New Roman" panose="02020603050405020304" pitchFamily="18" charset="0"/>
+                <a:cs typeface="Times New Roman" panose="02020603050405020304" pitchFamily="18" charset="0"/>
+              </a:rPr>
               <a:t>使用</a:t>
             </a:r>
             <a:r>
-              <a:rPr lang="en-US" altLang="zh-CN" smtClean="0"/>
+              <a:rPr lang="en-US" altLang="zh-CN" sz="2400" b="1" smtClean="0">
+                <a:latin typeface="Times New Roman" panose="02020603050405020304" pitchFamily="18" charset="0"/>
+                <a:cs typeface="Times New Roman" panose="02020603050405020304" pitchFamily="18" charset="0"/>
+              </a:rPr>
               <a:t>lvmcache</a:t>
             </a:r>
             <a:r>
-              <a:rPr lang="zh-CN" altLang="en-US" smtClean="0"/>
+              <a:rPr lang="zh-CN" altLang="en-US" sz="2400" b="1" smtClean="0">
+                <a:latin typeface="Times New Roman" panose="02020603050405020304" pitchFamily="18" charset="0"/>
+                <a:cs typeface="Times New Roman" panose="02020603050405020304" pitchFamily="18" charset="0"/>
+              </a:rPr>
               <a:t>的</a:t>
             </a:r>
             <a:r>
-              <a:rPr lang="en-US" altLang="zh-CN" smtClean="0"/>
+              <a:rPr lang="en-US" altLang="zh-CN" sz="2400" b="1" smtClean="0">
+                <a:latin typeface="Times New Roman" panose="02020603050405020304" pitchFamily="18" charset="0"/>
+                <a:cs typeface="Times New Roman" panose="02020603050405020304" pitchFamily="18" charset="0"/>
+              </a:rPr>
               <a:t>swift</a:t>
             </a:r>
-            <a:endParaRPr lang="zh-CN" altLang="en-US"/>
+            <a:endParaRPr lang="zh-CN" altLang="en-US" sz="2400" b="1">
+              <a:latin typeface="Times New Roman" panose="02020603050405020304" pitchFamily="18" charset="0"/>
+              <a:cs typeface="Times New Roman" panose="02020603050405020304" pitchFamily="18" charset="0"/>
+            </a:endParaRPr>
           </a:p>
         </p:txBody>
       </p:sp>
@@ -31942,7 +34907,7 @@
         <p:spPr>
           <a:xfrm>
             <a:off x="7793182" y="6137573"/>
-            <a:ext cx="3200401" cy="369332"/>
+            <a:ext cx="3711430" cy="461665"/>
           </a:xfrm>
           <a:prstGeom prst="rect">
             <a:avLst/>
@@ -31956,22 +34921,37 @@
           <a:lstStyle/>
           <a:p>
             <a:r>
-              <a:rPr lang="zh-CN" altLang="en-US" smtClean="0"/>
+              <a:rPr lang="zh-CN" altLang="en-US" sz="2400" b="1" smtClean="0">
+                <a:latin typeface="Times New Roman" panose="02020603050405020304" pitchFamily="18" charset="0"/>
+                <a:cs typeface="Times New Roman" panose="02020603050405020304" pitchFamily="18" charset="0"/>
+              </a:rPr>
               <a:t>使用</a:t>
             </a:r>
             <a:r>
-              <a:rPr lang="en-US" altLang="zh-CN" smtClean="0"/>
+              <a:rPr lang="en-US" altLang="zh-CN" sz="2400" b="1" smtClean="0">
+                <a:latin typeface="Times New Roman" panose="02020603050405020304" pitchFamily="18" charset="0"/>
+                <a:cs typeface="Times New Roman" panose="02020603050405020304" pitchFamily="18" charset="0"/>
+              </a:rPr>
               <a:t>lvmcache</a:t>
             </a:r>
             <a:r>
-              <a:rPr lang="zh-CN" altLang="en-US" smtClean="0"/>
+              <a:rPr lang="zh-CN" altLang="en-US" sz="2400" b="1" smtClean="0">
+                <a:latin typeface="Times New Roman" panose="02020603050405020304" pitchFamily="18" charset="0"/>
+                <a:cs typeface="Times New Roman" panose="02020603050405020304" pitchFamily="18" charset="0"/>
+              </a:rPr>
               <a:t>的</a:t>
             </a:r>
             <a:r>
-              <a:rPr lang="en-US" altLang="zh-CN" smtClean="0"/>
+              <a:rPr lang="en-US" altLang="zh-CN" sz="2400" b="1" smtClean="0">
+                <a:latin typeface="Times New Roman" panose="02020603050405020304" pitchFamily="18" charset="0"/>
+                <a:cs typeface="Times New Roman" panose="02020603050405020304" pitchFamily="18" charset="0"/>
+              </a:rPr>
               <a:t>swift</a:t>
             </a:r>
-            <a:endParaRPr lang="zh-CN" altLang="en-US"/>
+            <a:endParaRPr lang="zh-CN" altLang="en-US" sz="2400" b="1">
+              <a:latin typeface="Times New Roman" panose="02020603050405020304" pitchFamily="18" charset="0"/>
+              <a:cs typeface="Times New Roman" panose="02020603050405020304" pitchFamily="18" charset="0"/>
+            </a:endParaRPr>
           </a:p>
         </p:txBody>
       </p:sp>
@@ -31979,6 +34959,262 @@
     <p:extLst>
       <p:ext uri="{BB962C8B-B14F-4D97-AF65-F5344CB8AC3E}">
         <p14:creationId xmlns:p14="http://schemas.microsoft.com/office/powerpoint/2010/main" val="2185729421"/>
+      </p:ext>
+    </p:extLst>
+  </p:cSld>
+  <p:clrMapOvr>
+    <a:masterClrMapping/>
+  </p:clrMapOvr>
+  <p:timing>
+    <p:tnLst>
+      <p:par>
+        <p:cTn id="1" dur="indefinite" restart="never" nodeType="tmRoot"/>
+      </p:par>
+    </p:tnLst>
+  </p:timing>
+</p:sld>
+</file>
+
+<file path=ppt/slides/slide15.xml><?xml version="1.0" encoding="utf-8"?>
+<p:sld xmlns:a="http://schemas.openxmlformats.org/drawingml/2006/main" xmlns:r="http://schemas.openxmlformats.org/officeDocument/2006/relationships" xmlns:p="http://schemas.openxmlformats.org/presentationml/2006/main">
+  <p:cSld>
+    <p:spTree>
+      <p:nvGrpSpPr>
+        <p:cNvPr id="1" name=""/>
+        <p:cNvGrpSpPr/>
+        <p:nvPr/>
+      </p:nvGrpSpPr>
+      <p:grpSpPr>
+        <a:xfrm>
+          <a:off x="0" y="0"/>
+          <a:ext cx="0" cy="0"/>
+          <a:chOff x="0" y="0"/>
+          <a:chExt cx="0" cy="0"/>
+        </a:xfrm>
+      </p:grpSpPr>
+      <p:sp>
+        <p:nvSpPr>
+          <p:cNvPr id="2" name="标题 1"/>
+          <p:cNvSpPr>
+            <a:spLocks noGrp="1"/>
+          </p:cNvSpPr>
+          <p:nvPr>
+            <p:ph type="title"/>
+          </p:nvPr>
+        </p:nvSpPr>
+        <p:spPr/>
+        <p:txBody>
+          <a:bodyPr/>
+          <a:lstStyle/>
+          <a:p>
+            <a:r>
+              <a:rPr lang="en-US" altLang="zh-CN">
+                <a:latin typeface="Times New Roman" panose="02020603050405020304" pitchFamily="18" charset="0"/>
+                <a:cs typeface="Times New Roman" panose="02020603050405020304" pitchFamily="18" charset="0"/>
+              </a:rPr>
+              <a:t>LVM Cache</a:t>
+            </a:r>
+            <a:r>
+              <a:rPr lang="zh-CN" altLang="en-US"/>
+              <a:t>测试结果</a:t>
+            </a:r>
+          </a:p>
+        </p:txBody>
+      </p:sp>
+      <p:pic>
+        <p:nvPicPr>
+          <p:cNvPr id="4" name="内容占位符 3"/>
+          <p:cNvPicPr>
+            <a:picLocks noGrp="1" noChangeAspect="1"/>
+          </p:cNvPicPr>
+          <p:nvPr>
+            <p:ph idx="1"/>
+          </p:nvPr>
+        </p:nvPicPr>
+        <p:blipFill>
+          <a:blip r:embed="rId2">
+            <a:extLst>
+              <a:ext uri="{28A0092B-C50C-407E-A947-70E740481C1C}">
+                <a14:useLocalDpi xmlns:a14="http://schemas.microsoft.com/office/drawing/2010/main" val="0"/>
+              </a:ext>
+            </a:extLst>
+          </a:blip>
+          <a:stretch>
+            <a:fillRect/>
+          </a:stretch>
+        </p:blipFill>
+        <p:spPr>
+          <a:xfrm>
+            <a:off x="1509079" y="1905000"/>
+            <a:ext cx="5772150" cy="3438525"/>
+          </a:xfrm>
+        </p:spPr>
+      </p:pic>
+      <p:sp>
+        <p:nvSpPr>
+          <p:cNvPr id="5" name="文本框 4"/>
+          <p:cNvSpPr txBox="1"/>
+          <p:nvPr/>
+        </p:nvSpPr>
+        <p:spPr>
+          <a:xfrm>
+            <a:off x="8025045" y="1619557"/>
+            <a:ext cx="3849091" cy="3785652"/>
+          </a:xfrm>
+          <a:prstGeom prst="rect">
+            <a:avLst/>
+          </a:prstGeom>
+          <a:noFill/>
+        </p:spPr>
+        <p:txBody>
+          <a:bodyPr wrap="square" rtlCol="0">
+            <a:spAutoFit/>
+          </a:bodyPr>
+          <a:lstStyle/>
+          <a:p>
+            <a:pPr>
+              <a:lnSpc>
+                <a:spcPct val="150000"/>
+              </a:lnSpc>
+            </a:pPr>
+            <a:r>
+              <a:rPr lang="en-US" altLang="zh-CN" sz="2000" b="1">
+                <a:latin typeface="Times New Roman" panose="02020603050405020304" pitchFamily="18" charset="0"/>
+                <a:cs typeface="Times New Roman" panose="02020603050405020304" pitchFamily="18" charset="0"/>
+              </a:rPr>
+              <a:t> </a:t>
+            </a:r>
+            <a:r>
+              <a:rPr lang="en-US" altLang="zh-CN" sz="2000" b="1" smtClean="0">
+                <a:latin typeface="Times New Roman" panose="02020603050405020304" pitchFamily="18" charset="0"/>
+                <a:cs typeface="Times New Roman" panose="02020603050405020304" pitchFamily="18" charset="0"/>
+              </a:rPr>
+              <a:t>     </a:t>
+            </a:r>
+            <a:r>
+              <a:rPr lang="zh-CN" altLang="en-US" sz="2000" b="1" smtClean="0">
+                <a:latin typeface="Times New Roman" panose="02020603050405020304" pitchFamily="18" charset="0"/>
+                <a:cs typeface="Times New Roman" panose="02020603050405020304" pitchFamily="18" charset="0"/>
+              </a:rPr>
+              <a:t>重复下载文件</a:t>
+            </a:r>
+            <a:r>
+              <a:rPr lang="en-US" altLang="zh-CN" sz="2000" b="1" smtClean="0">
+                <a:latin typeface="Times New Roman" panose="02020603050405020304" pitchFamily="18" charset="0"/>
+                <a:cs typeface="Times New Roman" panose="02020603050405020304" pitchFamily="18" charset="0"/>
+              </a:rPr>
+              <a:t>20</a:t>
+            </a:r>
+            <a:r>
+              <a:rPr lang="zh-CN" altLang="en-US" sz="2000" b="1" smtClean="0">
+                <a:latin typeface="Times New Roman" panose="02020603050405020304" pitchFamily="18" charset="0"/>
+                <a:cs typeface="Times New Roman" panose="02020603050405020304" pitchFamily="18" charset="0"/>
+              </a:rPr>
+              <a:t>次得到的实验数据汇总如右图，由此可以得到以下结论：</a:t>
+            </a:r>
+            <a:endParaRPr lang="en-US" altLang="zh-CN" sz="2000" b="1" smtClean="0">
+              <a:latin typeface="Times New Roman" panose="02020603050405020304" pitchFamily="18" charset="0"/>
+              <a:cs typeface="Times New Roman" panose="02020603050405020304" pitchFamily="18" charset="0"/>
+            </a:endParaRPr>
+          </a:p>
+          <a:p>
+            <a:pPr>
+              <a:lnSpc>
+                <a:spcPct val="150000"/>
+              </a:lnSpc>
+            </a:pPr>
+            <a:r>
+              <a:rPr lang="en-US" altLang="zh-CN" sz="2000" b="1" smtClean="0">
+                <a:latin typeface="Times New Roman" panose="02020603050405020304" pitchFamily="18" charset="0"/>
+                <a:cs typeface="Times New Roman" panose="02020603050405020304" pitchFamily="18" charset="0"/>
+              </a:rPr>
+              <a:t>1）</a:t>
+            </a:r>
+            <a:r>
+              <a:rPr lang="zh-CN" altLang="en-US" sz="2000" b="1" smtClean="0">
+                <a:latin typeface="Times New Roman" panose="02020603050405020304" pitchFamily="18" charset="0"/>
+                <a:cs typeface="Times New Roman" panose="02020603050405020304" pitchFamily="18" charset="0"/>
+              </a:rPr>
+              <a:t>未使用</a:t>
+            </a:r>
+            <a:r>
+              <a:rPr lang="en-US" altLang="zh-CN" sz="2000" b="1" smtClean="0">
+                <a:latin typeface="Times New Roman" panose="02020603050405020304" pitchFamily="18" charset="0"/>
+                <a:cs typeface="Times New Roman" panose="02020603050405020304" pitchFamily="18" charset="0"/>
+              </a:rPr>
+              <a:t>lvmcache</a:t>
+            </a:r>
+            <a:r>
+              <a:rPr lang="zh-CN" altLang="en-US" sz="2000" b="1" smtClean="0">
+                <a:latin typeface="Times New Roman" panose="02020603050405020304" pitchFamily="18" charset="0"/>
+                <a:cs typeface="Times New Roman" panose="02020603050405020304" pitchFamily="18" charset="0"/>
+              </a:rPr>
+              <a:t>时，文件下载的速度起伏不定；</a:t>
+            </a:r>
+            <a:endParaRPr lang="en-US" altLang="zh-CN" sz="2000" b="1" smtClean="0">
+              <a:latin typeface="Times New Roman" panose="02020603050405020304" pitchFamily="18" charset="0"/>
+              <a:cs typeface="Times New Roman" panose="02020603050405020304" pitchFamily="18" charset="0"/>
+            </a:endParaRPr>
+          </a:p>
+          <a:p>
+            <a:pPr>
+              <a:lnSpc>
+                <a:spcPct val="150000"/>
+              </a:lnSpc>
+            </a:pPr>
+            <a:r>
+              <a:rPr lang="en-US" altLang="zh-CN" sz="2000" b="1" smtClean="0">
+                <a:latin typeface="Times New Roman" panose="02020603050405020304" pitchFamily="18" charset="0"/>
+                <a:cs typeface="Times New Roman" panose="02020603050405020304" pitchFamily="18" charset="0"/>
+              </a:rPr>
+              <a:t>2）</a:t>
+            </a:r>
+            <a:r>
+              <a:rPr lang="zh-CN" altLang="en-US" sz="2000" b="1" smtClean="0">
+                <a:latin typeface="Times New Roman" panose="02020603050405020304" pitchFamily="18" charset="0"/>
+                <a:cs typeface="Times New Roman" panose="02020603050405020304" pitchFamily="18" charset="0"/>
+              </a:rPr>
+              <a:t>使用</a:t>
+            </a:r>
+            <a:r>
+              <a:rPr lang="en-US" altLang="zh-CN" sz="2000" b="1" smtClean="0">
+                <a:latin typeface="Times New Roman" panose="02020603050405020304" pitchFamily="18" charset="0"/>
+                <a:cs typeface="Times New Roman" panose="02020603050405020304" pitchFamily="18" charset="0"/>
+              </a:rPr>
+              <a:t>lvmcache</a:t>
+            </a:r>
+            <a:r>
+              <a:rPr lang="zh-CN" altLang="en-US" sz="2000" b="1" smtClean="0">
+                <a:latin typeface="Times New Roman" panose="02020603050405020304" pitchFamily="18" charset="0"/>
+                <a:cs typeface="Times New Roman" panose="02020603050405020304" pitchFamily="18" charset="0"/>
+              </a:rPr>
+              <a:t>的</a:t>
+            </a:r>
+            <a:r>
+              <a:rPr lang="en-US" altLang="zh-CN" sz="2000" b="1" smtClean="0">
+                <a:latin typeface="Times New Roman" panose="02020603050405020304" pitchFamily="18" charset="0"/>
+                <a:cs typeface="Times New Roman" panose="02020603050405020304" pitchFamily="18" charset="0"/>
+              </a:rPr>
+              <a:t>swift，</a:t>
+            </a:r>
+            <a:r>
+              <a:rPr lang="zh-CN" altLang="en-US" sz="2000" b="1" smtClean="0">
+                <a:latin typeface="Times New Roman" panose="02020603050405020304" pitchFamily="18" charset="0"/>
+                <a:cs typeface="Times New Roman" panose="02020603050405020304" pitchFamily="18" charset="0"/>
+              </a:rPr>
+              <a:t>下载文件的速度较为平稳，且逐步下降。</a:t>
+            </a:r>
+            <a:endParaRPr lang="en-US" altLang="zh-CN" sz="2000" b="1" smtClean="0">
+              <a:latin typeface="Times New Roman" panose="02020603050405020304" pitchFamily="18" charset="0"/>
+              <a:cs typeface="Times New Roman" panose="02020603050405020304" pitchFamily="18" charset="0"/>
+            </a:endParaRPr>
+          </a:p>
+        </p:txBody>
+      </p:sp>
+    </p:spTree>
+    <p:extLst>
+      <p:ext uri="{BB962C8B-B14F-4D97-AF65-F5344CB8AC3E}">
+        <p14:creationId xmlns:p14="http://schemas.microsoft.com/office/powerpoint/2010/main" val="2713570292"/>
       </p:ext>
     </p:extLst>
   </p:cSld>
@@ -32028,13 +35264,10 @@
           <a:lstStyle/>
           <a:p>
             <a:r>
-              <a:rPr lang="en-US" altLang="zh-CN"/>
-              <a:t>LVM Cache</a:t>
-            </a:r>
-            <a:r>
-              <a:rPr lang="zh-CN" altLang="en-US"/>
-              <a:t>测试结果</a:t>
-            </a:r>
+              <a:rPr lang="zh-CN" altLang="en-US" smtClean="0"/>
+              <a:t>总结与展望</a:t>
+            </a:r>
+            <a:endParaRPr lang="zh-CN" altLang="en-US"/>
           </a:p>
         </p:txBody>
       </p:sp>
@@ -32048,19 +35281,200 @@
             <p:ph idx="1"/>
           </p:nvPr>
         </p:nvSpPr>
-        <p:spPr/>
+        <p:spPr>
+          <a:xfrm>
+            <a:off x="2445776" y="1577789"/>
+            <a:ext cx="8915400" cy="3777622"/>
+          </a:xfrm>
+        </p:spPr>
         <p:txBody>
-          <a:bodyPr/>
+          <a:bodyPr>
+            <a:normAutofit/>
+          </a:bodyPr>
           <a:lstStyle/>
           <a:p>
-            <a:endParaRPr lang="zh-CN" altLang="en-US"/>
+            <a:r>
+              <a:rPr lang="zh-CN" altLang="en-US" sz="2000" b="1" smtClean="0">
+                <a:latin typeface="Times New Roman" panose="02020603050405020304" pitchFamily="18" charset="0"/>
+                <a:cs typeface="Times New Roman" panose="02020603050405020304" pitchFamily="18" charset="0"/>
+              </a:rPr>
+              <a:t>在此次项目中，我们搭建了</a:t>
+            </a:r>
+            <a:r>
+              <a:rPr lang="en-US" altLang="zh-CN" sz="2000" b="1" smtClean="0">
+                <a:latin typeface="Times New Roman" panose="02020603050405020304" pitchFamily="18" charset="0"/>
+                <a:cs typeface="Times New Roman" panose="02020603050405020304" pitchFamily="18" charset="0"/>
+              </a:rPr>
+              <a:t>swift</a:t>
+            </a:r>
+            <a:r>
+              <a:rPr lang="zh-CN" altLang="en-US" sz="2000" b="1" smtClean="0">
+                <a:latin typeface="Times New Roman" panose="02020603050405020304" pitchFamily="18" charset="0"/>
+                <a:cs typeface="Times New Roman" panose="02020603050405020304" pitchFamily="18" charset="0"/>
+              </a:rPr>
+              <a:t>环境，并且使用</a:t>
+            </a:r>
+            <a:r>
+              <a:rPr lang="en-US" altLang="zh-CN" sz="2000" b="1" smtClean="0">
+                <a:latin typeface="Times New Roman" panose="02020603050405020304" pitchFamily="18" charset="0"/>
+                <a:cs typeface="Times New Roman" panose="02020603050405020304" pitchFamily="18" charset="0"/>
+              </a:rPr>
+              <a:t>swift</a:t>
+            </a:r>
+            <a:r>
+              <a:rPr lang="zh-CN" altLang="en-US" sz="2000" b="1" smtClean="0">
+                <a:latin typeface="Times New Roman" panose="02020603050405020304" pitchFamily="18" charset="0"/>
+                <a:cs typeface="Times New Roman" panose="02020603050405020304" pitchFamily="18" charset="0"/>
+              </a:rPr>
+              <a:t>提供的</a:t>
+            </a:r>
+            <a:r>
+              <a:rPr lang="en-US" altLang="zh-CN" sz="2000" b="1" smtClean="0">
+                <a:latin typeface="Times New Roman" panose="02020603050405020304" pitchFamily="18" charset="0"/>
+                <a:cs typeface="Times New Roman" panose="02020603050405020304" pitchFamily="18" charset="0"/>
+              </a:rPr>
+              <a:t>API</a:t>
+            </a:r>
+            <a:r>
+              <a:rPr lang="zh-CN" altLang="en-US" sz="2000" b="1" smtClean="0">
+                <a:latin typeface="Times New Roman" panose="02020603050405020304" pitchFamily="18" charset="0"/>
+                <a:cs typeface="Times New Roman" panose="02020603050405020304" pitchFamily="18" charset="0"/>
+              </a:rPr>
+              <a:t>对文件进行上传、下载、删除等基本操作；</a:t>
+            </a:r>
+            <a:endParaRPr lang="en-US" altLang="zh-CN" sz="2000" b="1" smtClean="0">
+              <a:latin typeface="Times New Roman" panose="02020603050405020304" pitchFamily="18" charset="0"/>
+              <a:cs typeface="Times New Roman" panose="02020603050405020304" pitchFamily="18" charset="0"/>
+            </a:endParaRPr>
+          </a:p>
+          <a:p>
+            <a:r>
+              <a:rPr lang="zh-CN" altLang="en-US" sz="2000" b="1" smtClean="0">
+                <a:latin typeface="Times New Roman" panose="02020603050405020304" pitchFamily="18" charset="0"/>
+                <a:cs typeface="Times New Roman" panose="02020603050405020304" pitchFamily="18" charset="0"/>
+              </a:rPr>
+              <a:t>利用</a:t>
+            </a:r>
+            <a:r>
+              <a:rPr lang="en-US" altLang="zh-CN" sz="2000" b="1" smtClean="0">
+                <a:latin typeface="Times New Roman" panose="02020603050405020304" pitchFamily="18" charset="0"/>
+                <a:cs typeface="Times New Roman" panose="02020603050405020304" pitchFamily="18" charset="0"/>
+              </a:rPr>
+              <a:t>lvm cache</a:t>
+            </a:r>
+            <a:r>
+              <a:rPr lang="zh-CN" altLang="en-US" sz="2000" b="1" smtClean="0">
+                <a:latin typeface="Times New Roman" panose="02020603050405020304" pitchFamily="18" charset="0"/>
+                <a:cs typeface="Times New Roman" panose="02020603050405020304" pitchFamily="18" charset="0"/>
+              </a:rPr>
+              <a:t>对存储设备进行存储分级，并且在</a:t>
+            </a:r>
+            <a:r>
+              <a:rPr lang="en-US" altLang="zh-CN" sz="2000" b="1" smtClean="0">
+                <a:latin typeface="Times New Roman" panose="02020603050405020304" pitchFamily="18" charset="0"/>
+                <a:cs typeface="Times New Roman" panose="02020603050405020304" pitchFamily="18" charset="0"/>
+              </a:rPr>
+              <a:t>swift</a:t>
+            </a:r>
+            <a:r>
+              <a:rPr lang="zh-CN" altLang="en-US" sz="2000" b="1" smtClean="0">
+                <a:latin typeface="Times New Roman" panose="02020603050405020304" pitchFamily="18" charset="0"/>
+                <a:cs typeface="Times New Roman" panose="02020603050405020304" pitchFamily="18" charset="0"/>
+              </a:rPr>
+              <a:t>环境中进行下载速度测试；</a:t>
+            </a:r>
+            <a:endParaRPr lang="en-US" altLang="zh-CN" sz="2000" b="1" smtClean="0">
+              <a:latin typeface="Times New Roman" panose="02020603050405020304" pitchFamily="18" charset="0"/>
+              <a:cs typeface="Times New Roman" panose="02020603050405020304" pitchFamily="18" charset="0"/>
+            </a:endParaRPr>
+          </a:p>
+          <a:p>
+            <a:r>
+              <a:rPr lang="zh-CN" altLang="en-US" sz="2000" b="1" smtClean="0">
+                <a:latin typeface="Times New Roman" panose="02020603050405020304" pitchFamily="18" charset="0"/>
+                <a:cs typeface="Times New Roman" panose="02020603050405020304" pitchFamily="18" charset="0"/>
+              </a:rPr>
+              <a:t>总的来说，在单台电脑上搭建</a:t>
+            </a:r>
+            <a:r>
+              <a:rPr lang="en-US" altLang="zh-CN" sz="2000" b="1" smtClean="0">
+                <a:latin typeface="Times New Roman" panose="02020603050405020304" pitchFamily="18" charset="0"/>
+                <a:cs typeface="Times New Roman" panose="02020603050405020304" pitchFamily="18" charset="0"/>
+              </a:rPr>
+              <a:t>swift</a:t>
+            </a:r>
+            <a:r>
+              <a:rPr lang="zh-CN" altLang="en-US" sz="2000" b="1" smtClean="0">
+                <a:latin typeface="Times New Roman" panose="02020603050405020304" pitchFamily="18" charset="0"/>
+                <a:cs typeface="Times New Roman" panose="02020603050405020304" pitchFamily="18" charset="0"/>
+              </a:rPr>
+              <a:t>环境并且使用</a:t>
+            </a:r>
+            <a:r>
+              <a:rPr lang="en-US" altLang="zh-CN" sz="2000" b="1" smtClean="0">
+                <a:latin typeface="Times New Roman" panose="02020603050405020304" pitchFamily="18" charset="0"/>
+                <a:cs typeface="Times New Roman" panose="02020603050405020304" pitchFamily="18" charset="0"/>
+              </a:rPr>
+              <a:t>lvmcache</a:t>
+            </a:r>
+            <a:r>
+              <a:rPr lang="zh-CN" altLang="en-US" sz="2000" b="1" smtClean="0">
+                <a:latin typeface="Times New Roman" panose="02020603050405020304" pitchFamily="18" charset="0"/>
+                <a:cs typeface="Times New Roman" panose="02020603050405020304" pitchFamily="18" charset="0"/>
+              </a:rPr>
+              <a:t>进行存储分级的方案是可行的。</a:t>
+            </a:r>
+            <a:endParaRPr lang="en-US" altLang="zh-CN" sz="2000" b="1" smtClean="0">
+              <a:latin typeface="Times New Roman" panose="02020603050405020304" pitchFamily="18" charset="0"/>
+              <a:cs typeface="Times New Roman" panose="02020603050405020304" pitchFamily="18" charset="0"/>
+            </a:endParaRPr>
+          </a:p>
+          <a:p>
+            <a:r>
+              <a:rPr lang="zh-CN" altLang="en-US" sz="2000" b="1" smtClean="0">
+                <a:latin typeface="Times New Roman" panose="02020603050405020304" pitchFamily="18" charset="0"/>
+                <a:cs typeface="Times New Roman" panose="02020603050405020304" pitchFamily="18" charset="0"/>
+              </a:rPr>
+              <a:t>在单台电脑上增加、删除存储节点操作十分复杂；</a:t>
+            </a:r>
+            <a:endParaRPr lang="en-US" altLang="zh-CN" sz="2000" b="1" smtClean="0">
+              <a:latin typeface="Times New Roman" panose="02020603050405020304" pitchFamily="18" charset="0"/>
+              <a:cs typeface="Times New Roman" panose="02020603050405020304" pitchFamily="18" charset="0"/>
+            </a:endParaRPr>
+          </a:p>
+          <a:p>
+            <a:r>
+              <a:rPr lang="zh-CN" altLang="en-US" sz="2000" b="1" smtClean="0">
+                <a:latin typeface="Times New Roman" panose="02020603050405020304" pitchFamily="18" charset="0"/>
+                <a:cs typeface="Times New Roman" panose="02020603050405020304" pitchFamily="18" charset="0"/>
+              </a:rPr>
+              <a:t>未来可以考虑在分布式环境中搭建</a:t>
+            </a:r>
+            <a:r>
+              <a:rPr lang="en-US" altLang="zh-CN" sz="2000" b="1" smtClean="0">
+                <a:latin typeface="Times New Roman" panose="02020603050405020304" pitchFamily="18" charset="0"/>
+                <a:cs typeface="Times New Roman" panose="02020603050405020304" pitchFamily="18" charset="0"/>
+              </a:rPr>
+              <a:t>swift</a:t>
+            </a:r>
+            <a:r>
+              <a:rPr lang="zh-CN" altLang="en-US" sz="2000" b="1" smtClean="0">
+                <a:latin typeface="Times New Roman" panose="02020603050405020304" pitchFamily="18" charset="0"/>
+                <a:cs typeface="Times New Roman" panose="02020603050405020304" pitchFamily="18" charset="0"/>
+              </a:rPr>
+              <a:t>集群。</a:t>
+            </a:r>
+            <a:endParaRPr lang="zh-CN" altLang="en-US" sz="2000" b="1">
+              <a:latin typeface="Times New Roman" panose="02020603050405020304" pitchFamily="18" charset="0"/>
+              <a:cs typeface="Times New Roman" panose="02020603050405020304" pitchFamily="18" charset="0"/>
+            </a:endParaRPr>
           </a:p>
         </p:txBody>
       </p:sp>
     </p:spTree>
     <p:extLst>
       <p:ext uri="{BB962C8B-B14F-4D97-AF65-F5344CB8AC3E}">
-        <p14:creationId xmlns:p14="http://schemas.microsoft.com/office/powerpoint/2010/main" val="2713570292"/>
+        <p14:creationId xmlns:p14="http://schemas.microsoft.com/office/powerpoint/2010/main" val="3331874227"/>
       </p:ext>
     </p:extLst>
   </p:cSld>
@@ -32094,72 +35508,35 @@
           <a:chExt cx="0" cy="0"/>
         </a:xfrm>
       </p:grpSpPr>
-      <p:sp>
-        <p:nvSpPr>
-          <p:cNvPr id="2" name="标题 1"/>
-          <p:cNvSpPr>
-            <a:spLocks noGrp="1"/>
-          </p:cNvSpPr>
-          <p:nvPr>
-            <p:ph type="title"/>
-          </p:nvPr>
-        </p:nvSpPr>
-        <p:spPr/>
-        <p:txBody>
-          <a:bodyPr/>
-          <a:lstStyle/>
-          <a:p>
-            <a:r>
-              <a:rPr lang="zh-CN" altLang="en-US" smtClean="0"/>
-              <a:t>总结与展望</a:t>
-            </a:r>
-            <a:endParaRPr lang="zh-CN" altLang="en-US"/>
-          </a:p>
-        </p:txBody>
-      </p:sp>
-      <p:sp>
-        <p:nvSpPr>
-          <p:cNvPr id="3" name="内容占位符 2"/>
-          <p:cNvSpPr>
-            <a:spLocks noGrp="1"/>
-          </p:cNvSpPr>
+      <p:graphicFrame>
+        <p:nvGraphicFramePr>
+          <p:cNvPr id="4" name="内容占位符 3"/>
+          <p:cNvGraphicFramePr>
+            <a:graphicFrameLocks noGrp="1"/>
+          </p:cNvGraphicFramePr>
           <p:nvPr>
             <p:ph idx="1"/>
+            <p:extLst>
+              <p:ext uri="{D42A27DB-BD31-4B8C-83A1-F6EECF244321}">
+                <p14:modId xmlns:p14="http://schemas.microsoft.com/office/powerpoint/2010/main" val="3469283119"/>
+              </p:ext>
+            </p:extLst>
           </p:nvPr>
-        </p:nvSpPr>
-        <p:spPr>
-          <a:xfrm>
-            <a:off x="2445776" y="1577789"/>
-            <a:ext cx="8915400" cy="3777622"/>
-          </a:xfrm>
-        </p:spPr>
-        <p:txBody>
-          <a:bodyPr/>
-          <a:lstStyle/>
-          <a:p>
-            <a:r>
-              <a:rPr lang="zh-CN" altLang="en-US" smtClean="0"/>
-              <a:t>在分布式环境中，对</a:t>
-            </a:r>
-            <a:r>
-              <a:rPr lang="en-US" altLang="zh-CN" smtClean="0"/>
-              <a:t>lvmcache</a:t>
-            </a:r>
-            <a:r>
-              <a:rPr lang="zh-CN" altLang="en-US" smtClean="0"/>
-              <a:t>的性能进行测试</a:t>
-            </a:r>
-            <a:endParaRPr lang="en-US" altLang="zh-CN" smtClean="0"/>
-          </a:p>
-          <a:p>
-            <a:endParaRPr lang="zh-CN" altLang="en-US"/>
-          </a:p>
-        </p:txBody>
-      </p:sp>
+        </p:nvGraphicFramePr>
+        <p:xfrm>
+          <a:off x="1962150" y="1716088"/>
+          <a:ext cx="8915400" cy="3776662"/>
+        </p:xfrm>
+        <a:graphic>
+          <a:graphicData uri="http://schemas.openxmlformats.org/drawingml/2006/diagram">
+            <dgm:relIds xmlns:dgm="http://schemas.openxmlformats.org/drawingml/2006/diagram" xmlns:r="http://schemas.openxmlformats.org/officeDocument/2006/relationships" r:dm="rId2" r:lo="rId3" r:qs="rId4" r:cs="rId5"/>
+          </a:graphicData>
+        </a:graphic>
+      </p:graphicFrame>
     </p:spTree>
     <p:extLst>
       <p:ext uri="{BB962C8B-B14F-4D97-AF65-F5344CB8AC3E}">
-        <p14:creationId xmlns:p14="http://schemas.microsoft.com/office/powerpoint/2010/main" val="3331874227"/>
+        <p14:creationId xmlns:p14="http://schemas.microsoft.com/office/powerpoint/2010/main" val="3506567807"/>
       </p:ext>
     </p:extLst>
   </p:cSld>
@@ -32339,7 +35716,7 @@
         </p:blipFill>
         <p:spPr>
           <a:xfrm>
-            <a:off x="2133601" y="1470050"/>
+            <a:off x="2434047" y="1470050"/>
             <a:ext cx="7458826" cy="3816514"/>
           </a:xfrm>
           <a:prstGeom prst="rect">
@@ -32538,10 +35915,20 @@
           <a:p>
             <a:r>
               <a:rPr lang="zh-CN" altLang="en-US" sz="2800"/>
-              <a:t>专为使用 </a:t>
-            </a:r>
-            <a:r>
-              <a:rPr lang="en-US" altLang="zh-CN" sz="2800"/>
+              <a:t>专为</a:t>
+            </a:r>
+            <a:r>
+              <a:rPr lang="zh-CN" altLang="en-US" sz="2800">
+                <a:latin typeface="Times New Roman" panose="02020603050405020304" pitchFamily="18" charset="0"/>
+                <a:cs typeface="Times New Roman" panose="02020603050405020304" pitchFamily="18" charset="0"/>
+              </a:rPr>
+              <a:t>使用 </a:t>
+            </a:r>
+            <a:r>
+              <a:rPr lang="en-US" altLang="zh-CN" sz="2800">
+                <a:latin typeface="Times New Roman" panose="02020603050405020304" pitchFamily="18" charset="0"/>
+                <a:cs typeface="Times New Roman" panose="02020603050405020304" pitchFamily="18" charset="0"/>
+              </a:rPr>
               <a:t>API </a:t>
             </a:r>
             <a:r>
@@ -34045,51 +37432,56 @@
         </p:nvSpPr>
         <p:spPr>
           <a:xfrm>
-            <a:off x="1446249" y="1541140"/>
-            <a:ext cx="4785623" cy="3777622"/>
+            <a:off x="1511563" y="1541139"/>
+            <a:ext cx="3922585" cy="3777622"/>
           </a:xfrm>
         </p:spPr>
         <p:txBody>
-          <a:bodyPr/>
+          <a:bodyPr>
+            <a:normAutofit/>
+          </a:bodyPr>
           <a:lstStyle/>
           <a:p>
             <a:r>
-              <a:rPr lang="en-US" altLang="zh-CN" smtClean="0"/>
+              <a:rPr lang="en-US" altLang="zh-CN" sz="2400" b="1" smtClean="0"/>
               <a:t>1.  </a:t>
             </a:r>
             <a:r>
-              <a:rPr lang="zh-CN" altLang="en-US" smtClean="0"/>
+              <a:rPr lang="zh-CN" altLang="en-US" sz="2400" b="1" smtClean="0"/>
               <a:t>实际搭建一个对象存储环境</a:t>
             </a:r>
-            <a:endParaRPr lang="en-US" altLang="zh-CN" smtClean="0"/>
+            <a:endParaRPr lang="en-US" altLang="zh-CN" sz="2400" b="1" smtClean="0"/>
           </a:p>
           <a:p>
             <a:pPr marL="0" indent="0">
               <a:buNone/>
             </a:pPr>
             <a:r>
-              <a:rPr lang="en-US" altLang="zh-CN"/>
+              <a:rPr lang="en-US" altLang="zh-CN" sz="2400" b="1"/>
               <a:t>	</a:t>
             </a:r>
             <a:r>
-              <a:rPr lang="zh-CN" altLang="en-US" smtClean="0"/>
+              <a:rPr lang="zh-CN" altLang="en-US" sz="2400" b="1" smtClean="0"/>
               <a:t>选用</a:t>
             </a:r>
             <a:r>
-              <a:rPr lang="en-US" altLang="zh-CN" smtClean="0"/>
+              <a:rPr lang="en-US" altLang="zh-CN" sz="2400" b="1" smtClean="0">
+                <a:latin typeface="Times New Roman" panose="02020603050405020304" pitchFamily="18" charset="0"/>
+                <a:cs typeface="Times New Roman" panose="02020603050405020304" pitchFamily="18" charset="0"/>
+              </a:rPr>
               <a:t>OpenStack Swift </a:t>
             </a:r>
           </a:p>
           <a:p>
             <a:r>
-              <a:rPr lang="en-US" altLang="zh-CN" smtClean="0"/>
+              <a:rPr lang="en-US" altLang="zh-CN" sz="2400" b="1" smtClean="0"/>
               <a:t>2.  </a:t>
             </a:r>
             <a:r>
-              <a:rPr lang="zh-CN" altLang="en-US" smtClean="0"/>
+              <a:rPr lang="zh-CN" altLang="en-US" sz="2400" b="1" smtClean="0"/>
               <a:t>实现一个分级存储解决方案</a:t>
             </a:r>
-            <a:endParaRPr lang="zh-CN" altLang="en-US"/>
+            <a:endParaRPr lang="zh-CN" altLang="en-US" sz="2400" b="1"/>
           </a:p>
         </p:txBody>
       </p:sp>
@@ -34115,7 +37507,7 @@
         </p:blipFill>
         <p:spPr>
           <a:xfrm>
-            <a:off x="5544484" y="1264554"/>
+            <a:off x="5648987" y="1264555"/>
             <a:ext cx="5960128" cy="4330793"/>
           </a:xfrm>
           <a:prstGeom prst="rect">
@@ -34189,7 +37581,10 @@
               <a:t>项目流程：搭建</a:t>
             </a:r>
             <a:r>
-              <a:rPr lang="en-US" altLang="zh-CN" smtClean="0"/>
+              <a:rPr lang="en-US" altLang="zh-CN" smtClean="0">
+                <a:latin typeface="Times New Roman" panose="02020603050405020304" pitchFamily="18" charset="0"/>
+                <a:cs typeface="Times New Roman" panose="02020603050405020304" pitchFamily="18" charset="0"/>
+              </a:rPr>
               <a:t>SWIFT</a:t>
             </a:r>
             <a:r>
@@ -34207,7 +37602,7 @@
           <p:nvPr>
             <p:extLst>
               <p:ext uri="{D42A27DB-BD31-4B8C-83A1-F6EECF244321}">
-                <p14:modId xmlns:p14="http://schemas.microsoft.com/office/powerpoint/2010/main" val="846496922"/>
+                <p14:modId xmlns:p14="http://schemas.microsoft.com/office/powerpoint/2010/main" val="706492942"/>
               </p:ext>
             </p:extLst>
           </p:nvPr>
@@ -34275,8 +37670,15 @@
           <a:lstStyle/>
           <a:p>
             <a:r>
+              <a:rPr lang="en-US" altLang="zh-CN" smtClean="0">
+                <a:latin typeface="Times New Roman" panose="02020603050405020304" pitchFamily="18" charset="0"/>
+                <a:cs typeface="Times New Roman" panose="02020603050405020304" pitchFamily="18" charset="0"/>
+              </a:rPr>
+              <a:t>Swift SAIO</a:t>
+            </a:r>
+            <a:r>
               <a:rPr lang="en-US" altLang="zh-CN" smtClean="0"/>
-              <a:t>Swift SAIO（</a:t>
+              <a:t>（</a:t>
             </a:r>
             <a:r>
               <a:rPr lang="zh-CN" altLang="en-US" smtClean="0"/>
@@ -34304,7 +37706,7 @@
             <p:ph idx="1"/>
             <p:extLst>
               <p:ext uri="{D42A27DB-BD31-4B8C-83A1-F6EECF244321}">
-                <p14:modId xmlns:p14="http://schemas.microsoft.com/office/powerpoint/2010/main" val="3724397382"/>
+                <p14:modId xmlns:p14="http://schemas.microsoft.com/office/powerpoint/2010/main" val="3465252437"/>
               </p:ext>
             </p:extLst>
           </p:nvPr>
@@ -34326,7 +37728,7 @@
           <p:nvPr>
             <p:extLst>
               <p:ext uri="{D42A27DB-BD31-4B8C-83A1-F6EECF244321}">
-                <p14:modId xmlns:p14="http://schemas.microsoft.com/office/powerpoint/2010/main" val="3957204083"/>
+                <p14:modId xmlns:p14="http://schemas.microsoft.com/office/powerpoint/2010/main" val="186959413"/>
               </p:ext>
             </p:extLst>
           </p:nvPr>
@@ -34349,8 +37751,8 @@
         </p:nvSpPr>
         <p:spPr>
           <a:xfrm>
-            <a:off x="2592925" y="5773271"/>
-            <a:ext cx="3299011" cy="646331"/>
+            <a:off x="2410045" y="5834698"/>
+            <a:ext cx="3860126" cy="646331"/>
           </a:xfrm>
           <a:prstGeom prst="rect">
             <a:avLst/>
@@ -34364,14 +37766,23 @@
           <a:lstStyle/>
           <a:p>
             <a:r>
-              <a:rPr lang="en-US" altLang="zh-CN" smtClean="0"/>
+              <a:rPr lang="en-US" altLang="zh-CN" smtClean="0">
+                <a:latin typeface="Times New Roman" panose="02020603050405020304" pitchFamily="18" charset="0"/>
+                <a:cs typeface="Times New Roman" panose="02020603050405020304" pitchFamily="18" charset="0"/>
+              </a:rPr>
               <a:t>SAIO:</a:t>
             </a:r>
             <a:r>
-              <a:rPr lang="zh-CN" altLang="en-US" smtClean="0"/>
+              <a:rPr lang="zh-CN" altLang="en-US" smtClean="0">
+                <a:latin typeface="Times New Roman" panose="02020603050405020304" pitchFamily="18" charset="0"/>
+                <a:cs typeface="Times New Roman" panose="02020603050405020304" pitchFamily="18" charset="0"/>
+              </a:rPr>
               <a:t>所有模块都安装在同一台电脑上</a:t>
             </a:r>
-            <a:endParaRPr lang="zh-CN" altLang="en-US"/>
+            <a:endParaRPr lang="zh-CN" altLang="en-US">
+              <a:latin typeface="Times New Roman" panose="02020603050405020304" pitchFamily="18" charset="0"/>
+              <a:cs typeface="Times New Roman" panose="02020603050405020304" pitchFamily="18" charset="0"/>
+            </a:endParaRPr>
           </a:p>
         </p:txBody>
       </p:sp>
@@ -34435,38 +37846,65 @@
           <a:lstStyle/>
           <a:p>
             <a:r>
-              <a:rPr lang="en-US" altLang="zh-CN" smtClean="0"/>
+              <a:rPr lang="en-US" altLang="zh-CN" smtClean="0">
+                <a:latin typeface="Times New Roman" panose="02020603050405020304" pitchFamily="18" charset="0"/>
+                <a:cs typeface="Times New Roman" panose="02020603050405020304" pitchFamily="18" charset="0"/>
+              </a:rPr>
               <a:t>Swift</a:t>
             </a:r>
             <a:r>
-              <a:rPr lang="zh-CN" altLang="en-US" smtClean="0"/>
+              <a:rPr lang="zh-CN" altLang="en-US" smtClean="0">
+                <a:latin typeface="Times New Roman" panose="02020603050405020304" pitchFamily="18" charset="0"/>
+                <a:cs typeface="Times New Roman" panose="02020603050405020304" pitchFamily="18" charset="0"/>
+              </a:rPr>
               <a:t>集群</a:t>
             </a:r>
             <a:r>
-              <a:rPr lang="en-US" altLang="zh-CN" smtClean="0"/>
+              <a:rPr lang="en-US" altLang="zh-CN" smtClean="0">
+                <a:latin typeface="Times New Roman" panose="02020603050405020304" pitchFamily="18" charset="0"/>
+                <a:cs typeface="Times New Roman" panose="02020603050405020304" pitchFamily="18" charset="0"/>
+              </a:rPr>
               <a:t>: </a:t>
             </a:r>
             <a:r>
-              <a:rPr lang="zh-CN" altLang="en-US" smtClean="0"/>
+              <a:rPr lang="zh-CN" altLang="en-US" smtClean="0">
+                <a:latin typeface="Times New Roman" panose="02020603050405020304" pitchFamily="18" charset="0"/>
+                <a:cs typeface="Times New Roman" panose="02020603050405020304" pitchFamily="18" charset="0"/>
+              </a:rPr>
               <a:t>每个模块安装在不同的电脑上，模块使用</a:t>
             </a:r>
             <a:r>
-              <a:rPr lang="en-US" altLang="zh-CN" smtClean="0"/>
+              <a:rPr lang="en-US" altLang="zh-CN" smtClean="0">
+                <a:latin typeface="Times New Roman" panose="02020603050405020304" pitchFamily="18" charset="0"/>
+                <a:cs typeface="Times New Roman" panose="02020603050405020304" pitchFamily="18" charset="0"/>
+              </a:rPr>
               <a:t>IP</a:t>
             </a:r>
             <a:r>
-              <a:rPr lang="zh-CN" altLang="en-US" smtClean="0"/>
+              <a:rPr lang="zh-CN" altLang="en-US" smtClean="0">
+                <a:latin typeface="Times New Roman" panose="02020603050405020304" pitchFamily="18" charset="0"/>
+                <a:cs typeface="Times New Roman" panose="02020603050405020304" pitchFamily="18" charset="0"/>
+              </a:rPr>
               <a:t>进行通信，</a:t>
             </a:r>
             <a:r>
-              <a:rPr lang="en-US" altLang="zh-CN" smtClean="0"/>
+              <a:rPr lang="en-US" altLang="zh-CN" smtClean="0">
+                <a:latin typeface="Times New Roman" panose="02020603050405020304" pitchFamily="18" charset="0"/>
+                <a:cs typeface="Times New Roman" panose="02020603050405020304" pitchFamily="18" charset="0"/>
+              </a:rPr>
               <a:t>swift-osd</a:t>
             </a:r>
             <a:r>
-              <a:rPr lang="zh-CN" altLang="en-US" smtClean="0"/>
+              <a:rPr lang="zh-CN" altLang="en-US" smtClean="0">
+                <a:latin typeface="Times New Roman" panose="02020603050405020304" pitchFamily="18" charset="0"/>
+                <a:cs typeface="Times New Roman" panose="02020603050405020304" pitchFamily="18" charset="0"/>
+              </a:rPr>
               <a:t>可以相互通信</a:t>
             </a:r>
-            <a:endParaRPr lang="zh-CN" altLang="en-US"/>
+            <a:endParaRPr lang="zh-CN" altLang="en-US">
+              <a:latin typeface="Times New Roman" panose="02020603050405020304" pitchFamily="18" charset="0"/>
+              <a:cs typeface="Times New Roman" panose="02020603050405020304" pitchFamily="18" charset="0"/>
+            </a:endParaRPr>
           </a:p>
         </p:txBody>
       </p:sp>

--- a/《海量对象文件存储》结题报告.pptx
+++ b/《海量对象文件存储》结题报告.pptx
@@ -16186,7 +16186,7 @@
           <a:p>
             <a:fld id="{E9FF1690-C28B-4488-B195-D1A6ED9DC8E4}" type="datetimeFigureOut">
               <a:rPr lang="zh-CN" altLang="en-US" smtClean="0"/>
-              <a:t>2017/12/19</a:t>
+              <a:t>2017/12/20</a:t>
             </a:fld>
             <a:endParaRPr lang="zh-CN" altLang="en-US"/>
           </a:p>
@@ -16646,7 +16646,7 @@
           <a:lstStyle/>
           <a:p>
             <a:r>
-              <a:rPr lang="en-US" altLang="zh-CN" sz="1200" b="1" kern="1200" smtClean="0">
+              <a:rPr lang="en-US" altLang="zh-CN" sz="1200" b="0" kern="1200" smtClean="0">
                 <a:solidFill>
                   <a:schemeClr val="tx1"/>
                 </a:solidFill>
@@ -16658,7 +16658,7 @@
               <a:t>Ring</a:t>
             </a:r>
             <a:r>
-              <a:rPr lang="zh-CN" altLang="zh-CN" sz="1200" b="1" kern="1200" smtClean="0">
+              <a:rPr lang="zh-CN" altLang="zh-CN" sz="1200" b="0" kern="1200" smtClean="0">
                 <a:solidFill>
                   <a:schemeClr val="tx1"/>
                 </a:solidFill>
@@ -16670,7 +16670,7 @@
               <a:t>环是</a:t>
             </a:r>
             <a:r>
-              <a:rPr lang="en-US" altLang="zh-CN" sz="1200" b="1" kern="1200" smtClean="0">
+              <a:rPr lang="en-US" altLang="zh-CN" sz="1200" b="0" kern="1200" smtClean="0">
                 <a:solidFill>
                   <a:schemeClr val="tx1"/>
                 </a:solidFill>
@@ -16682,7 +16682,7 @@
               <a:t>swift</a:t>
             </a:r>
             <a:r>
-              <a:rPr lang="zh-CN" altLang="zh-CN" sz="1200" b="1" kern="1200" smtClean="0">
+              <a:rPr lang="zh-CN" altLang="zh-CN" sz="1200" b="0" kern="1200" smtClean="0">
                 <a:solidFill>
                   <a:schemeClr val="tx1"/>
                 </a:solidFill>
@@ -16691,10 +16691,10 @@
                 <a:ea typeface="+mn-ea"/>
                 <a:cs typeface="+mn-cs"/>
               </a:rPr>
-              <a:t>中的一个重要组件，用于记录存储对象与物理设备间的映射关系。与在一致性哈希算法共同完成对象寻址操作。在查找对象时，以账户名</a:t>
-            </a:r>
-            <a:r>
-              <a:rPr lang="en-US" altLang="zh-CN" sz="1200" b="1" kern="1200" smtClean="0">
+              <a:t>中的一个重要组件，用于记录存储对象与物理设备间的映射关系。</a:t>
+            </a:r>
+            <a:r>
+              <a:rPr lang="zh-CN" altLang="zh-CN" sz="1200" b="0" kern="1200" smtClean="0">
                 <a:solidFill>
                   <a:schemeClr val="tx1"/>
                 </a:solidFill>
@@ -16703,10 +16703,10 @@
                 <a:ea typeface="+mn-ea"/>
                 <a:cs typeface="+mn-cs"/>
               </a:rPr>
-              <a:t>/</a:t>
-            </a:r>
-            <a:r>
-              <a:rPr lang="zh-CN" altLang="zh-CN" sz="1200" b="1" kern="1200" smtClean="0">
+              <a:t>与一致性</a:t>
+            </a:r>
+            <a:r>
+              <a:rPr lang="zh-CN" altLang="zh-CN" sz="1200" b="0" kern="1200" smtClean="0">
                 <a:solidFill>
                   <a:schemeClr val="tx1"/>
                 </a:solidFill>
@@ -16715,10 +16715,10 @@
                 <a:ea typeface="+mn-ea"/>
                 <a:cs typeface="+mn-cs"/>
               </a:rPr>
-              <a:t>容器名</a:t>
-            </a:r>
-            <a:r>
-              <a:rPr lang="en-US" altLang="zh-CN" sz="1200" b="1" kern="1200" smtClean="0">
+              <a:t>哈希算法共同完成对象寻址操作。在查找对象时，以账户名</a:t>
+            </a:r>
+            <a:r>
+              <a:rPr lang="en-US" altLang="zh-CN" sz="1200" b="0" kern="1200" smtClean="0">
                 <a:solidFill>
                   <a:schemeClr val="tx1"/>
                 </a:solidFill>
@@ -16730,7 +16730,7 @@
               <a:t>/</a:t>
             </a:r>
             <a:r>
-              <a:rPr lang="zh-CN" altLang="zh-CN" sz="1200" b="1" kern="1200" smtClean="0">
+              <a:rPr lang="zh-CN" altLang="zh-CN" sz="1200" b="0" kern="1200" smtClean="0">
                 <a:solidFill>
                   <a:schemeClr val="tx1"/>
                 </a:solidFill>
@@ -16739,10 +16739,10 @@
                 <a:ea typeface="+mn-ea"/>
                 <a:cs typeface="+mn-cs"/>
               </a:rPr>
-              <a:t>对象名组成的字符串作为键值，由哈希函数（</a:t>
-            </a:r>
-            <a:r>
-              <a:rPr lang="en-US" altLang="zh-CN" sz="1200" b="1" kern="1200" smtClean="0">
+              <a:t>容器名</a:t>
+            </a:r>
+            <a:r>
+              <a:rPr lang="en-US" altLang="zh-CN" sz="1200" b="0" kern="1200" smtClean="0">
                 <a:solidFill>
                   <a:schemeClr val="tx1"/>
                 </a:solidFill>
@@ -16751,10 +16751,10 @@
                 <a:ea typeface="+mn-ea"/>
                 <a:cs typeface="+mn-cs"/>
               </a:rPr>
-              <a:t>MD5</a:t>
-            </a:r>
-            <a:r>
-              <a:rPr lang="zh-CN" altLang="zh-CN" sz="1200" b="1" kern="1200" smtClean="0">
+              <a:t>/</a:t>
+            </a:r>
+            <a:r>
+              <a:rPr lang="zh-CN" altLang="zh-CN" sz="1200" b="0" kern="1200" smtClean="0">
                 <a:solidFill>
                   <a:schemeClr val="tx1"/>
                 </a:solidFill>
@@ -16763,10 +16763,10 @@
                 <a:ea typeface="+mn-ea"/>
                 <a:cs typeface="+mn-cs"/>
               </a:rPr>
-              <a:t>）求得哈希值，哈希值右移</a:t>
-            </a:r>
-            <a:r>
-              <a:rPr lang="en-US" altLang="zh-CN" sz="1200" b="1" kern="1200" smtClean="0">
+              <a:t>对象名组成的字符串作为键值，由哈希函数（</a:t>
+            </a:r>
+            <a:r>
+              <a:rPr lang="en-US" altLang="zh-CN" sz="1200" b="0" kern="1200" smtClean="0">
                 <a:solidFill>
                   <a:schemeClr val="tx1"/>
                 </a:solidFill>
@@ -16775,10 +16775,10 @@
                 <a:ea typeface="+mn-ea"/>
                 <a:cs typeface="+mn-cs"/>
               </a:rPr>
-              <a:t>m</a:t>
-            </a:r>
-            <a:r>
-              <a:rPr lang="zh-CN" altLang="zh-CN" sz="1200" b="1" kern="1200" smtClean="0">
+              <a:t>MD5</a:t>
+            </a:r>
+            <a:r>
+              <a:rPr lang="zh-CN" altLang="zh-CN" sz="1200" b="0" kern="1200" smtClean="0">
                 <a:solidFill>
                   <a:schemeClr val="tx1"/>
                 </a:solidFill>
@@ -16787,10 +16787,10 @@
                 <a:ea typeface="+mn-ea"/>
                 <a:cs typeface="+mn-cs"/>
               </a:rPr>
-              <a:t>位（也就是对</a:t>
-            </a:r>
-            <a:r>
-              <a:rPr lang="en-US" altLang="zh-CN" sz="1200" b="1" kern="1200" smtClean="0">
+              <a:t>）求得哈希值，哈希值右移</a:t>
+            </a:r>
+            <a:r>
+              <a:rPr lang="en-US" altLang="zh-CN" sz="1200" b="0" kern="1200" smtClean="0">
                 <a:solidFill>
                   <a:schemeClr val="tx1"/>
                 </a:solidFill>
@@ -16799,10 +16799,10 @@
                 <a:ea typeface="+mn-ea"/>
                 <a:cs typeface="+mn-cs"/>
               </a:rPr>
-              <a:t>2</a:t>
-            </a:r>
-            <a:r>
-              <a:rPr lang="zh-CN" altLang="zh-CN" sz="1200" b="1" kern="1200" smtClean="0">
+              <a:t>m</a:t>
+            </a:r>
+            <a:r>
+              <a:rPr lang="zh-CN" altLang="zh-CN" sz="1200" b="0" kern="1200" smtClean="0">
                 <a:solidFill>
                   <a:schemeClr val="tx1"/>
                 </a:solidFill>
@@ -16811,10 +16811,10 @@
                 <a:ea typeface="+mn-ea"/>
                 <a:cs typeface="+mn-cs"/>
               </a:rPr>
-              <a:t>的</a:t>
-            </a:r>
-            <a:r>
-              <a:rPr lang="en-US" altLang="zh-CN" sz="1200" b="1" kern="1200" smtClean="0">
+              <a:t>位（也就是对</a:t>
+            </a:r>
+            <a:r>
+              <a:rPr lang="en-US" altLang="zh-CN" sz="1200" b="0" kern="1200" smtClean="0">
                 <a:solidFill>
                   <a:schemeClr val="tx1"/>
                 </a:solidFill>
@@ -16823,10 +16823,10 @@
                 <a:ea typeface="+mn-ea"/>
                 <a:cs typeface="+mn-cs"/>
               </a:rPr>
-              <a:t>m</a:t>
-            </a:r>
-            <a:r>
-              <a:rPr lang="zh-CN" altLang="zh-CN" sz="1200" b="1" kern="1200" smtClean="0">
+              <a:t>2</a:t>
+            </a:r>
+            <a:r>
+              <a:rPr lang="zh-CN" altLang="zh-CN" sz="1200" b="0" kern="1200" smtClean="0">
                 <a:solidFill>
                   <a:schemeClr val="tx1"/>
                 </a:solidFill>
@@ -16835,10 +16835,10 @@
                 <a:ea typeface="+mn-ea"/>
                 <a:cs typeface="+mn-cs"/>
               </a:rPr>
-              <a:t>次方求模），得到分区号（这也就是在一致性哈希介绍时提到的虚拟节点</a:t>
-            </a:r>
-            <a:r>
-              <a:rPr lang="en-US" altLang="zh-CN" sz="1200" b="1" kern="1200" smtClean="0">
+              <a:t>的</a:t>
+            </a:r>
+            <a:r>
+              <a:rPr lang="en-US" altLang="zh-CN" sz="1200" b="0" kern="1200" smtClean="0">
                 <a:solidFill>
                   <a:schemeClr val="tx1"/>
                 </a:solidFill>
@@ -16847,10 +16847,34 @@
                 <a:ea typeface="+mn-ea"/>
                 <a:cs typeface="+mn-cs"/>
               </a:rPr>
+              <a:t>m</a:t>
+            </a:r>
+            <a:r>
+              <a:rPr lang="zh-CN" altLang="zh-CN" sz="1200" b="0" kern="1200" smtClean="0">
+                <a:solidFill>
+                  <a:schemeClr val="tx1"/>
+                </a:solidFill>
+                <a:effectLst/>
+                <a:latin typeface="+mn-lt"/>
+                <a:ea typeface="+mn-ea"/>
+                <a:cs typeface="+mn-cs"/>
+              </a:rPr>
+              <a:t>次方求模），得到分区号（这也就是在一致性哈希介绍时提到的虚拟节点</a:t>
+            </a:r>
+            <a:r>
+              <a:rPr lang="en-US" altLang="zh-CN" sz="1200" b="0" kern="1200" smtClean="0">
+                <a:solidFill>
+                  <a:schemeClr val="tx1"/>
+                </a:solidFill>
+                <a:effectLst/>
+                <a:latin typeface="+mn-lt"/>
+                <a:ea typeface="+mn-ea"/>
+                <a:cs typeface="+mn-cs"/>
+              </a:rPr>
               <a:t>id</a:t>
             </a:r>
             <a:r>
-              <a:rPr lang="zh-CN" altLang="zh-CN" sz="1200" b="1" kern="1200" smtClean="0">
+              <a:rPr lang="zh-CN" altLang="zh-CN" sz="1200" b="0" kern="1200" smtClean="0">
                 <a:solidFill>
                   <a:schemeClr val="tx1"/>
                 </a:solidFill>
@@ -16871,19 +16895,7 @@
                 <a:ea typeface="+mn-ea"/>
                 <a:cs typeface="+mn-cs"/>
               </a:rPr>
-              <a:t>这些设备会被尽量选择部署在不同区域（</a:t>
-            </a:r>
-            <a:r>
-              <a:rPr lang="en-US" altLang="zh-CN" sz="1200" b="0" i="0" kern="1200" smtClean="0">
-                <a:solidFill>
-                  <a:schemeClr val="tx1"/>
-                </a:solidFill>
-                <a:effectLst/>
-                <a:latin typeface="+mn-lt"/>
-                <a:ea typeface="+mn-ea"/>
-                <a:cs typeface="+mn-cs"/>
-              </a:rPr>
-              <a:t>Zone</a:t>
+              <a:t>这些设备会被尽量选择部署在不同</a:t>
             </a:r>
             <a:r>
               <a:rPr lang="zh-CN" altLang="en-US" sz="1200" b="0" i="0" kern="1200" smtClean="0">
@@ -16895,9 +16907,21 @@
                 <a:ea typeface="+mn-ea"/>
                 <a:cs typeface="+mn-cs"/>
               </a:rPr>
-              <a:t>）内，区域只是个抽象概念。</a:t>
-            </a:r>
-            <a:endParaRPr lang="zh-CN" altLang="zh-CN" sz="1200" kern="1200">
+              <a:t>区域内</a:t>
+            </a:r>
+            <a:r>
+              <a:rPr lang="zh-CN" altLang="en-US" sz="1200" b="0" i="0" kern="1200" smtClean="0">
+                <a:solidFill>
+                  <a:schemeClr val="tx1"/>
+                </a:solidFill>
+                <a:effectLst/>
+                <a:latin typeface="+mn-lt"/>
+                <a:ea typeface="+mn-ea"/>
+                <a:cs typeface="+mn-cs"/>
+              </a:rPr>
+              <a:t>，区域只是个抽象概念。</a:t>
+            </a:r>
+            <a:endParaRPr lang="zh-CN" altLang="zh-CN" sz="1200" b="0" kern="1200">
               <a:solidFill>
                 <a:schemeClr val="tx1"/>
               </a:solidFill>
@@ -16995,11 +17019,7 @@
             </a:r>
             <a:r>
               <a:rPr lang="zh-CN" altLang="en-US" smtClean="0"/>
-              <a:t>用于数据副本复制、更新的</a:t>
-            </a:r>
-            <a:r>
-              <a:rPr lang="zh-CN" altLang="en-US" smtClean="0"/>
-              <a:t>，</a:t>
+              <a:t>用于数据副本复制、更新的，</a:t>
             </a:r>
             <a:r>
               <a:rPr lang="en-US" altLang="zh-CN" smtClean="0"/>
@@ -17099,19 +17119,7 @@
           <a:p>
             <a:r>
               <a:rPr lang="zh-CN" altLang="en-US" smtClean="0"/>
-              <a:t>官方给出的标准</a:t>
-            </a:r>
-            <a:r>
-              <a:rPr lang="zh-CN" altLang="en-US" smtClean="0"/>
-              <a:t>架构如图所示，</a:t>
-            </a:r>
-            <a:r>
-              <a:rPr lang="zh-CN" altLang="en-US" smtClean="0"/>
-              <a:t>分别</a:t>
-            </a:r>
-            <a:r>
-              <a:rPr lang="zh-CN" altLang="en-US" smtClean="0"/>
-              <a:t>为对象存储设备（</a:t>
+              <a:t>官方给出的标准架构如图所示，分别为对象存储设备（</a:t>
             </a:r>
             <a:r>
               <a:rPr lang="en-US" altLang="zh-CN" smtClean="0"/>
@@ -17119,11 +17127,7 @@
             </a:r>
             <a:r>
               <a:rPr lang="zh-CN" altLang="en-US" smtClean="0"/>
-              <a:t>）</a:t>
-            </a:r>
-            <a:r>
-              <a:rPr lang="zh-CN" altLang="en-US" smtClean="0"/>
-              <a:t>、代理节点（</a:t>
+              <a:t>）、代理节点（</a:t>
             </a:r>
             <a:r>
               <a:rPr lang="en-US" altLang="zh-CN" smtClean="0"/>
@@ -17247,50 +17251,39 @@
                 <a:ea typeface="+mn-ea"/>
                 <a:cs typeface="+mn-cs"/>
               </a:rPr>
-              <a:t>和容器、对象存储等服务。</a:t>
-            </a:r>
-            <a:endParaRPr lang="en-US" altLang="zh-CN" smtClean="0"/>
-          </a:p>
-          <a:p>
-            <a:r>
-              <a:rPr lang="en-US" altLang="zh-CN" smtClean="0"/>
-              <a:t>Swift</a:t>
-            </a:r>
-            <a:r>
-              <a:rPr lang="en-US" altLang="zh-CN" baseline="0" smtClean="0"/>
-              <a:t> </a:t>
+              <a:t>和容器、对象存储等服务</a:t>
+            </a:r>
+            <a:r>
+              <a:rPr lang="zh-CN" altLang="zh-CN" sz="1200" kern="1200" smtClean="0">
+                <a:solidFill>
+                  <a:schemeClr val="tx1"/>
+                </a:solidFill>
+                <a:effectLst/>
+                <a:latin typeface="+mn-lt"/>
+                <a:ea typeface="+mn-ea"/>
+                <a:cs typeface="+mn-cs"/>
+              </a:rPr>
+              <a:t>。</a:t>
+            </a:r>
+            <a:r>
+              <a:rPr lang="zh-CN" altLang="en-US" sz="1200" kern="1200" smtClean="0">
+                <a:solidFill>
+                  <a:schemeClr val="tx1"/>
+                </a:solidFill>
+                <a:effectLst/>
+                <a:latin typeface="+mn-lt"/>
+                <a:ea typeface="+mn-ea"/>
+                <a:cs typeface="+mn-cs"/>
+              </a:rPr>
+              <a:t>代理机</a:t>
             </a:r>
             <a:r>
               <a:rPr lang="zh-CN" altLang="en-US" baseline="0" smtClean="0"/>
-              <a:t>单机安装与集群安装的区别，单机包括了</a:t>
-            </a:r>
-            <a:r>
-              <a:rPr lang="en-US" altLang="zh-CN" baseline="0" smtClean="0"/>
-              <a:t>swift</a:t>
+              <a:t>与</a:t>
             </a:r>
             <a:r>
               <a:rPr lang="zh-CN" altLang="en-US" baseline="0" smtClean="0"/>
-              <a:t>可以使用的所有的功能，用于理解与测试，</a:t>
-            </a:r>
-            <a:r>
-              <a:rPr lang="en-US" altLang="zh-CN" baseline="0" smtClean="0"/>
-              <a:t>swift</a:t>
-            </a:r>
-            <a:r>
-              <a:rPr lang="zh-CN" altLang="en-US" baseline="0" smtClean="0"/>
-              <a:t>集群安装用于生产，其中</a:t>
-            </a:r>
-            <a:r>
-              <a:rPr lang="en-US" altLang="zh-CN" baseline="0" smtClean="0"/>
-              <a:t>proxy</a:t>
-            </a:r>
-            <a:r>
-              <a:rPr lang="zh-CN" altLang="en-US" baseline="0" smtClean="0"/>
-              <a:t>与对象存储设备都</a:t>
-            </a:r>
-            <a:r>
-              <a:rPr lang="zh-CN" altLang="en-US" baseline="0" smtClean="0"/>
-              <a:t>可以根据需要增加。</a:t>
+              <a:t>对象存储设备都可以根据需要增加。</a:t>
             </a:r>
             <a:endParaRPr lang="zh-CN" altLang="en-US"/>
           </a:p>
@@ -17377,7 +17370,7 @@
           <a:lstStyle/>
           <a:p>
             <a:r>
-              <a:rPr lang="zh-CN" altLang="zh-CN" sz="1200" b="1" kern="1200" smtClean="0">
+              <a:rPr lang="zh-CN" altLang="zh-CN" sz="1200" b="0" kern="1200" smtClean="0">
                 <a:solidFill>
                   <a:schemeClr val="tx1"/>
                 </a:solidFill>
@@ -17389,7 +17382,7 @@
               <a:t>接下来介绍一下</a:t>
             </a:r>
             <a:r>
-              <a:rPr lang="en-US" altLang="zh-CN" sz="1200" b="1" kern="1200" smtClean="0">
+              <a:rPr lang="en-US" altLang="zh-CN" sz="1200" b="0" kern="1200" smtClean="0">
                 <a:solidFill>
                   <a:schemeClr val="tx1"/>
                 </a:solidFill>
@@ -17400,7 +17393,7 @@
               </a:rPr>
               <a:t>rest api</a:t>
             </a:r>
-            <a:endParaRPr lang="zh-CN" altLang="zh-CN" sz="1200" kern="1200" smtClean="0">
+            <a:endParaRPr lang="zh-CN" altLang="zh-CN" sz="1200" b="0" kern="1200" smtClean="0">
               <a:solidFill>
                 <a:schemeClr val="tx1"/>
               </a:solidFill>
@@ -17412,7 +17405,7 @@
           </a:p>
           <a:p>
             <a:r>
-              <a:rPr lang="zh-CN" altLang="zh-CN" sz="1200" b="1" kern="1200" smtClean="0">
+              <a:rPr lang="en-US" altLang="zh-CN" sz="1200" b="0" kern="1200" smtClean="0">
                 <a:solidFill>
                   <a:schemeClr val="tx1"/>
                 </a:solidFill>
@@ -17421,10 +17414,10 @@
                 <a:ea typeface="+mn-ea"/>
                 <a:cs typeface="+mn-cs"/>
               </a:rPr>
-              <a:t>在</a:t>
-            </a:r>
-            <a:r>
-              <a:rPr lang="en-US" altLang="zh-CN" sz="1200" b="1" kern="1200" smtClean="0">
+              <a:t>Swift</a:t>
+            </a:r>
+            <a:r>
+              <a:rPr lang="zh-CN" altLang="zh-CN" sz="1200" b="0" kern="1200" smtClean="0">
                 <a:solidFill>
                   <a:schemeClr val="tx1"/>
                 </a:solidFill>
@@ -17433,10 +17426,10 @@
                 <a:ea typeface="+mn-ea"/>
                 <a:cs typeface="+mn-cs"/>
               </a:rPr>
-              <a:t>swift</a:t>
-            </a:r>
-            <a:r>
-              <a:rPr lang="zh-CN" altLang="zh-CN" sz="1200" b="1" kern="1200" smtClean="0">
+              <a:t>的</a:t>
+            </a:r>
+            <a:r>
+              <a:rPr lang="en-US" altLang="zh-CN" sz="1200" b="0" kern="1200" smtClean="0">
                 <a:solidFill>
                   <a:schemeClr val="tx1"/>
                 </a:solidFill>
@@ -17445,10 +17438,10 @@
                 <a:ea typeface="+mn-ea"/>
                 <a:cs typeface="+mn-cs"/>
               </a:rPr>
-              <a:t>中可以通过</a:t>
-            </a:r>
-            <a:r>
-              <a:rPr lang="en-US" altLang="zh-CN" sz="1200" b="1" kern="1200" smtClean="0">
+              <a:t>RESTful API</a:t>
+            </a:r>
+            <a:r>
+              <a:rPr lang="zh-CN" altLang="zh-CN" sz="1200" b="0" kern="1200" smtClean="0">
                 <a:solidFill>
                   <a:schemeClr val="tx1"/>
                 </a:solidFill>
@@ -17457,10 +17450,10 @@
                 <a:ea typeface="+mn-ea"/>
                 <a:cs typeface="+mn-cs"/>
               </a:rPr>
-              <a:t>rest api</a:t>
-            </a:r>
-            <a:r>
-              <a:rPr lang="zh-CN" altLang="zh-CN" sz="1200" b="1" kern="1200" smtClean="0">
+              <a:t>有</a:t>
+            </a:r>
+            <a:r>
+              <a:rPr lang="en-US" altLang="zh-CN" sz="1200" b="0" kern="1200" smtClean="0">
                 <a:solidFill>
                   <a:schemeClr val="tx1"/>
                 </a:solidFill>
@@ -17469,117 +17462,9 @@
                 <a:ea typeface="+mn-ea"/>
                 <a:cs typeface="+mn-cs"/>
               </a:rPr>
-              <a:t>进行访问的对象有</a:t>
-            </a:r>
-            <a:r>
-              <a:rPr lang="en-US" altLang="zh-CN" sz="1200" b="1" kern="1200" smtClean="0">
-                <a:solidFill>
-                  <a:schemeClr val="tx1"/>
-                </a:solidFill>
-                <a:effectLst/>
-                <a:latin typeface="+mn-lt"/>
-                <a:ea typeface="+mn-ea"/>
-                <a:cs typeface="+mn-cs"/>
-              </a:rPr>
-              <a:t>account</a:t>
-            </a:r>
-            <a:r>
-              <a:rPr lang="zh-CN" altLang="zh-CN" sz="1200" b="1" kern="1200" smtClean="0">
-                <a:solidFill>
-                  <a:schemeClr val="tx1"/>
-                </a:solidFill>
-                <a:effectLst/>
-                <a:latin typeface="+mn-lt"/>
-                <a:ea typeface="+mn-ea"/>
-                <a:cs typeface="+mn-cs"/>
-              </a:rPr>
-              <a:t>、</a:t>
-            </a:r>
-            <a:r>
-              <a:rPr lang="en-US" altLang="zh-CN" sz="1200" b="1" kern="1200" smtClean="0">
-                <a:solidFill>
-                  <a:schemeClr val="tx1"/>
-                </a:solidFill>
-                <a:effectLst/>
-                <a:latin typeface="+mn-lt"/>
-                <a:ea typeface="+mn-ea"/>
-                <a:cs typeface="+mn-cs"/>
-              </a:rPr>
-              <a:t>container</a:t>
-            </a:r>
-            <a:r>
-              <a:rPr lang="zh-CN" altLang="zh-CN" sz="1200" b="1" kern="1200" smtClean="0">
-                <a:solidFill>
-                  <a:schemeClr val="tx1"/>
-                </a:solidFill>
-                <a:effectLst/>
-                <a:latin typeface="+mn-lt"/>
-                <a:ea typeface="+mn-ea"/>
-                <a:cs typeface="+mn-cs"/>
-              </a:rPr>
-              <a:t>、</a:t>
-            </a:r>
-            <a:r>
-              <a:rPr lang="en-US" altLang="zh-CN" sz="1200" b="1" kern="1200" smtClean="0">
-                <a:solidFill>
-                  <a:schemeClr val="tx1"/>
-                </a:solidFill>
-                <a:effectLst/>
-                <a:latin typeface="+mn-lt"/>
-                <a:ea typeface="+mn-ea"/>
-                <a:cs typeface="+mn-cs"/>
-              </a:rPr>
-              <a:t>object</a:t>
-            </a:r>
-            <a:r>
-              <a:rPr lang="zh-CN" altLang="zh-CN" sz="1200" b="1" kern="1200" smtClean="0">
-                <a:solidFill>
-                  <a:schemeClr val="tx1"/>
-                </a:solidFill>
-                <a:effectLst/>
-                <a:latin typeface="+mn-lt"/>
-                <a:ea typeface="+mn-ea"/>
-                <a:cs typeface="+mn-cs"/>
-              </a:rPr>
-              <a:t>、</a:t>
-            </a:r>
-            <a:r>
-              <a:rPr lang="en-US" altLang="zh-CN" sz="1200" b="1" kern="1200" smtClean="0">
-                <a:solidFill>
-                  <a:schemeClr val="tx1"/>
-                </a:solidFill>
-                <a:effectLst/>
-                <a:latin typeface="+mn-lt"/>
-                <a:ea typeface="+mn-ea"/>
-                <a:cs typeface="+mn-cs"/>
-              </a:rPr>
-              <a:t> info</a:t>
-            </a:r>
-            <a:r>
-              <a:rPr lang="zh-CN" altLang="zh-CN" sz="1200" b="1" kern="1200" smtClean="0">
-                <a:solidFill>
-                  <a:schemeClr val="tx1"/>
-                </a:solidFill>
-                <a:effectLst/>
-                <a:latin typeface="+mn-lt"/>
-                <a:ea typeface="+mn-ea"/>
-                <a:cs typeface="+mn-cs"/>
-              </a:rPr>
-              <a:t>和</a:t>
-            </a:r>
-            <a:r>
-              <a:rPr lang="en-US" altLang="zh-CN" sz="1200" b="1" kern="1200" smtClean="0">
-                <a:solidFill>
-                  <a:schemeClr val="tx1"/>
-                </a:solidFill>
-                <a:effectLst/>
-                <a:latin typeface="+mn-lt"/>
-                <a:ea typeface="+mn-ea"/>
-                <a:cs typeface="+mn-cs"/>
-              </a:rPr>
-              <a:t>endpoint</a:t>
-            </a:r>
-            <a:endParaRPr lang="zh-CN" altLang="zh-CN" sz="1200" kern="1200" smtClean="0">
+              <a:t>: GET PUT  POST  HEAD COPY DELETE</a:t>
+            </a:r>
+            <a:endParaRPr lang="zh-CN" altLang="zh-CN" sz="1200" b="0" kern="1200" smtClean="0">
               <a:solidFill>
                 <a:schemeClr val="tx1"/>
               </a:solidFill>
@@ -17591,7 +17476,7 @@
           </a:p>
           <a:p>
             <a:r>
-              <a:rPr lang="en-US" altLang="zh-CN" sz="1200" b="1" kern="1200" smtClean="0">
+              <a:rPr lang="en-US" altLang="zh-CN" sz="1200" b="0" kern="1200" smtClean="0">
                 <a:solidFill>
                   <a:schemeClr val="tx1"/>
                 </a:solidFill>
@@ -17600,10 +17485,10 @@
                 <a:ea typeface="+mn-ea"/>
                 <a:cs typeface="+mn-cs"/>
               </a:rPr>
-              <a:t>Swift</a:t>
-            </a:r>
-            <a:r>
-              <a:rPr lang="zh-CN" altLang="zh-CN" sz="1200" b="1" kern="1200" smtClean="0">
+              <a:t>Get:</a:t>
+            </a:r>
+            <a:r>
+              <a:rPr lang="zh-CN" altLang="zh-CN" sz="1200" b="0" kern="1200" smtClean="0">
                 <a:solidFill>
                   <a:schemeClr val="tx1"/>
                 </a:solidFill>
@@ -17612,10 +17497,10 @@
                 <a:ea typeface="+mn-ea"/>
                 <a:cs typeface="+mn-cs"/>
               </a:rPr>
-              <a:t>的</a:t>
-            </a:r>
-            <a:r>
-              <a:rPr lang="en-US" altLang="zh-CN" sz="1200" b="1" kern="1200" smtClean="0">
+              <a:t>用于下载，</a:t>
+            </a:r>
+            <a:r>
+              <a:rPr lang="en-US" altLang="zh-CN" sz="1200" b="0" kern="1200" smtClean="0">
                 <a:solidFill>
                   <a:schemeClr val="tx1"/>
                 </a:solidFill>
@@ -17624,10 +17509,10 @@
                 <a:ea typeface="+mn-ea"/>
                 <a:cs typeface="+mn-cs"/>
               </a:rPr>
-              <a:t>RESTful API</a:t>
-            </a:r>
-            <a:r>
-              <a:rPr lang="zh-CN" altLang="zh-CN" sz="1200" b="1" kern="1200" smtClean="0">
+              <a:t>put</a:t>
+            </a:r>
+            <a:r>
+              <a:rPr lang="zh-CN" altLang="zh-CN" sz="1200" b="0" kern="1200" smtClean="0">
                 <a:solidFill>
                   <a:schemeClr val="tx1"/>
                 </a:solidFill>
@@ -17636,10 +17521,10 @@
                 <a:ea typeface="+mn-ea"/>
                 <a:cs typeface="+mn-cs"/>
               </a:rPr>
-              <a:t>有</a:t>
-            </a:r>
-            <a:r>
-              <a:rPr lang="en-US" altLang="zh-CN" sz="1200" b="1" kern="1200" smtClean="0">
+              <a:t>用于上传，</a:t>
+            </a:r>
+            <a:r>
+              <a:rPr lang="en-US" altLang="zh-CN" sz="1200" b="0" kern="1200" smtClean="0">
                 <a:solidFill>
                   <a:schemeClr val="tx1"/>
                 </a:solidFill>
@@ -17648,21 +17533,10 @@
                 <a:ea typeface="+mn-ea"/>
                 <a:cs typeface="+mn-cs"/>
               </a:rPr>
-              <a:t>: GET PUT  POST  HEAD COPY DELETE</a:t>
-            </a:r>
-            <a:endParaRPr lang="zh-CN" altLang="zh-CN" sz="1200" kern="1200" smtClean="0">
-              <a:solidFill>
-                <a:schemeClr val="tx1"/>
-              </a:solidFill>
-              <a:effectLst/>
-              <a:latin typeface="+mn-lt"/>
-              <a:ea typeface="+mn-ea"/>
-              <a:cs typeface="+mn-cs"/>
-            </a:endParaRPr>
-          </a:p>
-          <a:p>
-            <a:r>
-              <a:rPr lang="en-US" altLang="zh-CN" sz="1200" b="1" kern="1200" smtClean="0">
+              <a:t>post</a:t>
+            </a:r>
+            <a:r>
+              <a:rPr lang="zh-CN" altLang="zh-CN" sz="1200" b="0" kern="1200" smtClean="0">
                 <a:solidFill>
                   <a:schemeClr val="tx1"/>
                 </a:solidFill>
@@ -17671,10 +17545,12 @@
                 <a:ea typeface="+mn-ea"/>
                 <a:cs typeface="+mn-cs"/>
               </a:rPr>
-              <a:t>Get:</a:t>
-            </a:r>
-            <a:r>
-              <a:rPr lang="zh-CN" altLang="zh-CN" sz="1200" b="1" kern="1200" smtClean="0">
+              <a:t>用于更新</a:t>
+            </a:r>
+          </a:p>
+          <a:p>
+            <a:r>
+              <a:rPr lang="zh-CN" altLang="zh-CN" sz="1200" b="0" kern="1200" smtClean="0">
                 <a:solidFill>
                   <a:schemeClr val="tx1"/>
                 </a:solidFill>
@@ -17683,10 +17559,10 @@
                 <a:ea typeface="+mn-ea"/>
                 <a:cs typeface="+mn-cs"/>
               </a:rPr>
-              <a:t>用于下载，</a:t>
-            </a:r>
-            <a:r>
-              <a:rPr lang="en-US" altLang="zh-CN" sz="1200" b="1" kern="1200" smtClean="0">
+              <a:t>图片是使用</a:t>
+            </a:r>
+            <a:r>
+              <a:rPr lang="en-US" altLang="zh-CN" sz="1200" b="0" kern="1200" smtClean="0">
                 <a:solidFill>
                   <a:schemeClr val="tx1"/>
                 </a:solidFill>
@@ -17695,10 +17571,10 @@
                 <a:ea typeface="+mn-ea"/>
                 <a:cs typeface="+mn-cs"/>
               </a:rPr>
-              <a:t>put</a:t>
-            </a:r>
-            <a:r>
-              <a:rPr lang="zh-CN" altLang="zh-CN" sz="1200" b="1" kern="1200" smtClean="0">
+              <a:t>crul</a:t>
+            </a:r>
+            <a:r>
+              <a:rPr lang="zh-CN" altLang="zh-CN" sz="1200" b="0" kern="1200" smtClean="0">
                 <a:solidFill>
                   <a:schemeClr val="tx1"/>
                 </a:solidFill>
@@ -17707,10 +17583,10 @@
                 <a:ea typeface="+mn-ea"/>
                 <a:cs typeface="+mn-cs"/>
               </a:rPr>
-              <a:t>用于上传，</a:t>
-            </a:r>
-            <a:r>
-              <a:rPr lang="en-US" altLang="zh-CN" sz="1200" b="1" kern="1200" smtClean="0">
+              <a:t>和</a:t>
+            </a:r>
+            <a:r>
+              <a:rPr lang="en-US" altLang="zh-CN" sz="1200" b="0" kern="1200" smtClean="0">
                 <a:solidFill>
                   <a:schemeClr val="tx1"/>
                 </a:solidFill>
@@ -17719,10 +17595,10 @@
                 <a:ea typeface="+mn-ea"/>
                 <a:cs typeface="+mn-cs"/>
               </a:rPr>
-              <a:t>post</a:t>
-            </a:r>
-            <a:r>
-              <a:rPr lang="zh-CN" altLang="zh-CN" sz="1200" b="1" kern="1200" smtClean="0">
+              <a:t>web</a:t>
+            </a:r>
+            <a:r>
+              <a:rPr lang="zh-CN" altLang="zh-CN" sz="1200" b="0" kern="1200" smtClean="0">
                 <a:solidFill>
                   <a:schemeClr val="tx1"/>
                 </a:solidFill>
@@ -17731,21 +17607,10 @@
                 <a:ea typeface="+mn-ea"/>
                 <a:cs typeface="+mn-cs"/>
               </a:rPr>
-              <a:t>用于更新</a:t>
-            </a:r>
-            <a:endParaRPr lang="zh-CN" altLang="zh-CN" sz="1200" kern="1200" smtClean="0">
-              <a:solidFill>
-                <a:schemeClr val="tx1"/>
-              </a:solidFill>
-              <a:effectLst/>
-              <a:latin typeface="+mn-lt"/>
-              <a:ea typeface="+mn-ea"/>
-              <a:cs typeface="+mn-cs"/>
-            </a:endParaRPr>
-          </a:p>
-          <a:p>
-            <a:r>
-              <a:rPr lang="zh-CN" altLang="zh-CN" sz="1200" b="1" kern="1200" smtClean="0">
+              <a:t>下载</a:t>
+            </a:r>
+            <a:r>
+              <a:rPr lang="en-US" altLang="zh-CN" sz="1200" b="0" kern="1200" smtClean="0">
                 <a:solidFill>
                   <a:schemeClr val="tx1"/>
                 </a:solidFill>
@@ -17754,10 +17619,10 @@
                 <a:ea typeface="+mn-ea"/>
                 <a:cs typeface="+mn-cs"/>
               </a:rPr>
-              <a:t>图片是使用</a:t>
-            </a:r>
-            <a:r>
-              <a:rPr lang="en-US" altLang="zh-CN" sz="1200" b="1" kern="1200" smtClean="0">
+              <a:t>swift</a:t>
+            </a:r>
+            <a:r>
+              <a:rPr lang="zh-CN" altLang="zh-CN" sz="1200" b="0" kern="1200" smtClean="0">
                 <a:solidFill>
                   <a:schemeClr val="tx1"/>
                 </a:solidFill>
@@ -17766,77 +17631,8 @@
                 <a:ea typeface="+mn-ea"/>
                 <a:cs typeface="+mn-cs"/>
               </a:rPr>
-              <a:t>crul</a:t>
-            </a:r>
-            <a:r>
-              <a:rPr lang="zh-CN" altLang="zh-CN" sz="1200" b="1" kern="1200" smtClean="0">
-                <a:solidFill>
-                  <a:schemeClr val="tx1"/>
-                </a:solidFill>
-                <a:effectLst/>
-                <a:latin typeface="+mn-lt"/>
-                <a:ea typeface="+mn-ea"/>
-                <a:cs typeface="+mn-cs"/>
-              </a:rPr>
-              <a:t>和</a:t>
-            </a:r>
-            <a:r>
-              <a:rPr lang="en-US" altLang="zh-CN" sz="1200" b="1" kern="1200" smtClean="0">
-                <a:solidFill>
-                  <a:schemeClr val="tx1"/>
-                </a:solidFill>
-                <a:effectLst/>
-                <a:latin typeface="+mn-lt"/>
-                <a:ea typeface="+mn-ea"/>
-                <a:cs typeface="+mn-cs"/>
-              </a:rPr>
-              <a:t>web</a:t>
-            </a:r>
-            <a:r>
-              <a:rPr lang="zh-CN" altLang="zh-CN" sz="1200" b="1" kern="1200" smtClean="0">
-                <a:solidFill>
-                  <a:schemeClr val="tx1"/>
-                </a:solidFill>
-                <a:effectLst/>
-                <a:latin typeface="+mn-lt"/>
-                <a:ea typeface="+mn-ea"/>
-                <a:cs typeface="+mn-cs"/>
-              </a:rPr>
-              <a:t>下载</a:t>
-            </a:r>
-            <a:r>
-              <a:rPr lang="en-US" altLang="zh-CN" sz="1200" b="1" kern="1200" smtClean="0">
-                <a:solidFill>
-                  <a:schemeClr val="tx1"/>
-                </a:solidFill>
-                <a:effectLst/>
-                <a:latin typeface="+mn-lt"/>
-                <a:ea typeface="+mn-ea"/>
-                <a:cs typeface="+mn-cs"/>
-              </a:rPr>
-              <a:t>swift</a:t>
-            </a:r>
-            <a:r>
-              <a:rPr lang="zh-CN" altLang="zh-CN" sz="1200" b="1" kern="1200" smtClean="0">
-                <a:solidFill>
-                  <a:schemeClr val="tx1"/>
-                </a:solidFill>
-                <a:effectLst/>
-                <a:latin typeface="+mn-lt"/>
-                <a:ea typeface="+mn-ea"/>
-                <a:cs typeface="+mn-cs"/>
-              </a:rPr>
               <a:t>对象的截图</a:t>
             </a:r>
-            <a:endParaRPr lang="zh-CN" altLang="zh-CN" sz="1200" kern="1200" smtClean="0">
-              <a:solidFill>
-                <a:schemeClr val="tx1"/>
-              </a:solidFill>
-              <a:effectLst/>
-              <a:latin typeface="+mn-lt"/>
-              <a:ea typeface="+mn-ea"/>
-              <a:cs typeface="+mn-cs"/>
-            </a:endParaRPr>
           </a:p>
           <a:p>
             <a:endParaRPr lang="zh-CN" altLang="en-US"/>
@@ -17941,7 +17737,7 @@
               <a:defRPr/>
             </a:pPr>
             <a:r>
-              <a:rPr lang="zh-CN" altLang="zh-CN" sz="1200" b="1" kern="1200" smtClean="0">
+              <a:rPr lang="zh-CN" altLang="zh-CN" sz="1200" b="0" kern="1200" smtClean="0">
                 <a:solidFill>
                   <a:schemeClr val="tx1"/>
                 </a:solidFill>
@@ -17953,7 +17749,7 @@
               <a:t>分级存储本质上是找到系统访问频繁的数据，然后将它们放入</a:t>
             </a:r>
             <a:r>
-              <a:rPr lang="en-US" altLang="zh-CN" sz="1200" b="1" kern="1200" smtClean="0">
+              <a:rPr lang="en-US" altLang="zh-CN" sz="1200" b="0" kern="1200" smtClean="0">
                 <a:solidFill>
                   <a:schemeClr val="tx1"/>
                 </a:solidFill>
@@ -17965,7 +17761,7 @@
               <a:t>cache</a:t>
             </a:r>
             <a:r>
-              <a:rPr lang="zh-CN" altLang="zh-CN" sz="1200" b="1" kern="1200" smtClean="0">
+              <a:rPr lang="zh-CN" altLang="zh-CN" sz="1200" b="0" kern="1200" smtClean="0">
                 <a:solidFill>
                   <a:schemeClr val="tx1"/>
                 </a:solidFill>
@@ -17977,7 +17773,7 @@
               <a:t>中，以便减少下次访问时间。我们找到的一个解决方案是使用</a:t>
             </a:r>
             <a:r>
-              <a:rPr lang="en-US" altLang="zh-CN" sz="1200" b="1" kern="1200" smtClean="0">
+              <a:rPr lang="en-US" altLang="zh-CN" sz="1200" b="0" kern="1200" smtClean="0">
                 <a:solidFill>
                   <a:schemeClr val="tx1"/>
                 </a:solidFill>
@@ -17989,7 +17785,7 @@
               <a:t>lvmcache</a:t>
             </a:r>
             <a:r>
-              <a:rPr lang="zh-CN" altLang="zh-CN" sz="1200" b="1" kern="1200" smtClean="0">
+              <a:rPr lang="zh-CN" altLang="zh-CN" sz="1200" b="0" kern="1200" smtClean="0">
                 <a:solidFill>
                   <a:schemeClr val="tx1"/>
                 </a:solidFill>
@@ -18001,7 +17797,7 @@
               <a:t>在具体的存储设备上建立一个卷组，卷组上的逻辑卷包括专门用于数据存储的</a:t>
             </a:r>
             <a:r>
-              <a:rPr lang="en-US" altLang="zh-CN" sz="1200" b="1" kern="1200" smtClean="0">
+              <a:rPr lang="en-US" altLang="zh-CN" sz="1200" b="0" kern="1200" smtClean="0">
                 <a:solidFill>
                   <a:schemeClr val="tx1"/>
                 </a:solidFill>
@@ -18013,7 +17809,7 @@
               <a:t>data</a:t>
             </a:r>
             <a:r>
-              <a:rPr lang="zh-CN" altLang="zh-CN" sz="1200" b="1" kern="1200" smtClean="0">
+              <a:rPr lang="zh-CN" altLang="zh-CN" sz="1200" b="0" kern="1200" smtClean="0">
                 <a:solidFill>
                   <a:schemeClr val="tx1"/>
                 </a:solidFill>
@@ -18025,7 +17821,7 @@
               <a:t>，用于缓存频繁访问对象的</a:t>
             </a:r>
             <a:r>
-              <a:rPr lang="en-US" altLang="zh-CN" sz="1200" b="1" kern="1200" smtClean="0">
+              <a:rPr lang="en-US" altLang="zh-CN" sz="1200" b="0" kern="1200" smtClean="0">
                 <a:solidFill>
                   <a:schemeClr val="tx1"/>
                 </a:solidFill>
@@ -18037,7 +17833,7 @@
               <a:t>cache</a:t>
             </a:r>
             <a:r>
-              <a:rPr lang="zh-CN" altLang="zh-CN" sz="1200" b="1" kern="1200" smtClean="0">
+              <a:rPr lang="zh-CN" altLang="zh-CN" sz="1200" b="0" kern="1200" smtClean="0">
                 <a:solidFill>
                   <a:schemeClr val="tx1"/>
                 </a:solidFill>
@@ -18049,7 +17845,7 @@
               <a:t>以及用于存储元数据的</a:t>
             </a:r>
             <a:r>
-              <a:rPr lang="en-US" altLang="zh-CN" sz="1200" b="1" kern="1200" smtClean="0">
+              <a:rPr lang="en-US" altLang="zh-CN" sz="1200" b="0" kern="1200" smtClean="0">
                 <a:solidFill>
                   <a:schemeClr val="tx1"/>
                 </a:solidFill>
@@ -18061,7 +17857,7 @@
               <a:t>meta</a:t>
             </a:r>
             <a:r>
-              <a:rPr lang="zh-CN" altLang="zh-CN" sz="1200" b="1" kern="1200" smtClean="0">
+              <a:rPr lang="zh-CN" altLang="zh-CN" sz="1200" b="0" kern="1200" smtClean="0">
                 <a:solidFill>
                   <a:schemeClr val="tx1"/>
                 </a:solidFill>
@@ -18072,24 +17868,11 @@
               </a:rPr>
               <a:t>。</a:t>
             </a:r>
-            <a:endParaRPr lang="zh-CN" altLang="zh-CN" sz="1200" kern="1200" smtClean="0">
-              <a:solidFill>
-                <a:schemeClr val="tx1"/>
-              </a:solidFill>
-              <a:effectLst/>
-              <a:latin typeface="+mn-lt"/>
-              <a:ea typeface="+mn-ea"/>
-              <a:cs typeface="+mn-cs"/>
-            </a:endParaRPr>
           </a:p>
           <a:p>
             <a:r>
               <a:rPr lang="zh-CN" altLang="en-US" baseline="0" smtClean="0"/>
-              <a:t>一般</a:t>
-            </a:r>
-            <a:r>
-              <a:rPr lang="zh-CN" altLang="en-US" baseline="0" smtClean="0"/>
-              <a:t>把速度快的存储设备用于</a:t>
+              <a:t>一般把速度快的存储设备用于</a:t>
             </a:r>
             <a:r>
               <a:rPr lang="en-US" altLang="zh-CN" baseline="0" smtClean="0"/>
@@ -18204,7 +17987,7 @@
           <a:lstStyle/>
           <a:p>
             <a:r>
-              <a:rPr lang="zh-CN" altLang="zh-CN" sz="1200" b="1" kern="1200" smtClean="0">
+              <a:rPr lang="zh-CN" altLang="zh-CN" sz="1200" b="0" kern="1200" smtClean="0">
                 <a:solidFill>
                   <a:schemeClr val="tx1"/>
                 </a:solidFill>
@@ -18216,7 +17999,7 @@
               <a:t>我们将</a:t>
             </a:r>
             <a:r>
-              <a:rPr lang="en-US" altLang="zh-CN" sz="1200" b="1" kern="1200" smtClean="0">
+              <a:rPr lang="en-US" altLang="zh-CN" sz="1200" b="0" kern="1200" smtClean="0">
                 <a:solidFill>
                   <a:schemeClr val="tx1"/>
                 </a:solidFill>
@@ -18228,7 +18011,7 @@
               <a:t>lvmcache</a:t>
             </a:r>
             <a:r>
-              <a:rPr lang="zh-CN" altLang="zh-CN" sz="1200" b="1" kern="1200" smtClean="0">
+              <a:rPr lang="zh-CN" altLang="zh-CN" sz="1200" b="0" kern="1200" smtClean="0">
                 <a:solidFill>
                   <a:schemeClr val="tx1"/>
                 </a:solidFill>
@@ -18240,7 +18023,7 @@
               <a:t>应用到了</a:t>
             </a:r>
             <a:r>
-              <a:rPr lang="en-US" altLang="zh-CN" sz="1200" b="1" kern="1200" smtClean="0">
+              <a:rPr lang="en-US" altLang="zh-CN" sz="1200" b="0" kern="1200" smtClean="0">
                 <a:solidFill>
                   <a:schemeClr val="tx1"/>
                 </a:solidFill>
@@ -18252,7 +18035,7 @@
               <a:t>swift</a:t>
             </a:r>
             <a:r>
-              <a:rPr lang="zh-CN" altLang="zh-CN" sz="1200" b="1" kern="1200" smtClean="0">
+              <a:rPr lang="zh-CN" altLang="zh-CN" sz="1200" b="0" kern="1200" smtClean="0">
                 <a:solidFill>
                   <a:schemeClr val="tx1"/>
                 </a:solidFill>
@@ -18264,7 +18047,7 @@
               <a:t>环境中，进行具体实验对</a:t>
             </a:r>
             <a:r>
-              <a:rPr lang="en-US" altLang="zh-CN" sz="1200" b="1" kern="1200" smtClean="0">
+              <a:rPr lang="en-US" altLang="zh-CN" sz="1200" b="0" kern="1200" smtClean="0">
                 <a:solidFill>
                   <a:schemeClr val="tx1"/>
                 </a:solidFill>
@@ -18276,7 +18059,7 @@
               <a:t>lvmcache</a:t>
             </a:r>
             <a:r>
-              <a:rPr lang="zh-CN" altLang="zh-CN" sz="1200" b="1" kern="1200" smtClean="0">
+              <a:rPr lang="zh-CN" altLang="zh-CN" sz="1200" b="0" kern="1200" smtClean="0">
                 <a:solidFill>
                   <a:schemeClr val="tx1"/>
                 </a:solidFill>
@@ -18287,19 +18070,10 @@
               </a:rPr>
               <a:t>的性能进行了测试。</a:t>
             </a:r>
-            <a:endParaRPr lang="zh-CN" altLang="zh-CN" sz="1200" kern="1200" smtClean="0">
-              <a:solidFill>
-                <a:schemeClr val="tx1"/>
-              </a:solidFill>
-              <a:effectLst/>
-              <a:latin typeface="+mn-lt"/>
-              <a:ea typeface="+mn-ea"/>
-              <a:cs typeface="+mn-cs"/>
-            </a:endParaRPr>
           </a:p>
           <a:p>
             <a:r>
-              <a:rPr lang="zh-CN" altLang="zh-CN" sz="1200" b="1" kern="1200" smtClean="0">
+              <a:rPr lang="zh-CN" altLang="zh-CN" sz="1200" b="0" kern="1200" smtClean="0">
                 <a:solidFill>
                   <a:schemeClr val="tx1"/>
                 </a:solidFill>
@@ -18311,7 +18085,7 @@
               <a:t>由于实验是在虚拟机上进行的，虚拟机所在的主机的硬盘是固态硬盘，所以我在上面隔出了一部分用来做实验，机械硬盘</a:t>
             </a:r>
             <a:r>
-              <a:rPr lang="en-US" altLang="zh-CN" sz="1200" b="1" kern="1200" smtClean="0">
+              <a:rPr lang="en-US" altLang="zh-CN" sz="1200" b="0" kern="1200" smtClean="0">
                 <a:solidFill>
                   <a:schemeClr val="tx1"/>
                 </a:solidFill>
@@ -18323,7 +18097,7 @@
               <a:t>HDD</a:t>
             </a:r>
             <a:r>
-              <a:rPr lang="zh-CN" altLang="zh-CN" sz="1200" b="1" kern="1200" smtClean="0">
+              <a:rPr lang="zh-CN" altLang="zh-CN" sz="1200" b="0" kern="1200" smtClean="0">
                 <a:solidFill>
                   <a:schemeClr val="tx1"/>
                 </a:solidFill>
@@ -18334,7 +18108,7 @@
               </a:rPr>
               <a:t>是挂载到虚拟机上的</a:t>
             </a:r>
-            <a:endParaRPr lang="zh-CN" altLang="zh-CN" sz="1200" kern="1200">
+            <a:endParaRPr lang="zh-CN" altLang="zh-CN" sz="1200" b="0" kern="1200">
               <a:solidFill>
                 <a:schemeClr val="tx1"/>
               </a:solidFill>
@@ -18427,7 +18201,7 @@
           <a:lstStyle/>
           <a:p>
             <a:r>
-              <a:rPr lang="zh-CN" altLang="zh-CN" sz="1200" b="1" kern="1200" smtClean="0">
+              <a:rPr lang="zh-CN" altLang="zh-CN" sz="1200" b="0" kern="1200" smtClean="0">
                 <a:solidFill>
                   <a:schemeClr val="tx1"/>
                 </a:solidFill>
@@ -18438,7 +18212,203 @@
               </a:rPr>
               <a:t>具体的实验设置</a:t>
             </a:r>
-            <a:endParaRPr lang="zh-CN" altLang="zh-CN" sz="1200" kern="1200" smtClean="0">
+          </a:p>
+          <a:p>
+            <a:r>
+              <a:rPr lang="zh-CN" altLang="zh-CN" sz="1200" b="0" kern="1200" smtClean="0">
+                <a:solidFill>
+                  <a:schemeClr val="tx1"/>
+                </a:solidFill>
+                <a:effectLst/>
+                <a:latin typeface="+mn-lt"/>
+                <a:ea typeface="+mn-ea"/>
+                <a:cs typeface="+mn-cs"/>
+              </a:rPr>
+              <a:t>上传的文件大小是</a:t>
+            </a:r>
+            <a:r>
+              <a:rPr lang="en-US" altLang="zh-CN" sz="1200" b="0" kern="1200" smtClean="0">
+                <a:solidFill>
+                  <a:schemeClr val="tx1"/>
+                </a:solidFill>
+                <a:effectLst/>
+                <a:latin typeface="+mn-lt"/>
+                <a:ea typeface="+mn-ea"/>
+                <a:cs typeface="+mn-cs"/>
+              </a:rPr>
+              <a:t>2.2G</a:t>
+            </a:r>
+            <a:r>
+              <a:rPr lang="zh-CN" altLang="zh-CN" sz="1200" b="0" kern="1200" smtClean="0">
+                <a:solidFill>
+                  <a:schemeClr val="tx1"/>
+                </a:solidFill>
+                <a:effectLst/>
+                <a:latin typeface="+mn-lt"/>
+                <a:ea typeface="+mn-ea"/>
+                <a:cs typeface="+mn-cs"/>
+              </a:rPr>
+              <a:t>，下载的文件大小是</a:t>
+            </a:r>
+            <a:r>
+              <a:rPr lang="en-US" altLang="zh-CN" sz="1200" b="0" kern="1200" smtClean="0">
+                <a:solidFill>
+                  <a:schemeClr val="tx1"/>
+                </a:solidFill>
+                <a:effectLst/>
+                <a:latin typeface="+mn-lt"/>
+                <a:ea typeface="+mn-ea"/>
+                <a:cs typeface="+mn-cs"/>
+              </a:rPr>
+              <a:t>200M</a:t>
+            </a:r>
+            <a:r>
+              <a:rPr lang="zh-CN" altLang="zh-CN" sz="1200" b="0" kern="1200" smtClean="0">
+                <a:solidFill>
+                  <a:schemeClr val="tx1"/>
+                </a:solidFill>
+                <a:effectLst/>
+                <a:latin typeface="+mn-lt"/>
+                <a:ea typeface="+mn-ea"/>
+                <a:cs typeface="+mn-cs"/>
+              </a:rPr>
+              <a:t>（下载的是</a:t>
+            </a:r>
+            <a:r>
+              <a:rPr lang="en-US" altLang="zh-CN" sz="1200" b="0" kern="1200" smtClean="0">
+                <a:solidFill>
+                  <a:schemeClr val="tx1"/>
+                </a:solidFill>
+                <a:effectLst/>
+                <a:latin typeface="+mn-lt"/>
+                <a:ea typeface="+mn-ea"/>
+                <a:cs typeface="+mn-cs"/>
+              </a:rPr>
+              <a:t>hadoop2.7.1</a:t>
+            </a:r>
+            <a:r>
+              <a:rPr lang="zh-CN" altLang="zh-CN" sz="1200" b="0" kern="1200" smtClean="0">
+                <a:solidFill>
+                  <a:schemeClr val="tx1"/>
+                </a:solidFill>
+                <a:effectLst/>
+                <a:latin typeface="+mn-lt"/>
+                <a:ea typeface="+mn-ea"/>
+                <a:cs typeface="+mn-cs"/>
+              </a:rPr>
+              <a:t>的安装包）</a:t>
+            </a:r>
+          </a:p>
+          <a:p>
+            <a:r>
+              <a:rPr lang="en-US" altLang="zh-CN" sz="1200" b="0" kern="1200" smtClean="0">
+                <a:solidFill>
+                  <a:schemeClr val="tx1"/>
+                </a:solidFill>
+                <a:effectLst/>
+                <a:latin typeface="+mn-lt"/>
+                <a:ea typeface="+mn-ea"/>
+                <a:cs typeface="+mn-cs"/>
+              </a:rPr>
+              <a:t>lvmcache</a:t>
+            </a:r>
+            <a:r>
+              <a:rPr lang="zh-CN" altLang="zh-CN" sz="1200" b="0" kern="1200" smtClean="0">
+                <a:solidFill>
+                  <a:schemeClr val="tx1"/>
+                </a:solidFill>
+                <a:effectLst/>
+                <a:latin typeface="+mn-lt"/>
+                <a:ea typeface="+mn-ea"/>
+                <a:cs typeface="+mn-cs"/>
+              </a:rPr>
+              <a:t>的设置，</a:t>
+            </a:r>
+            <a:r>
+              <a:rPr lang="en-US" altLang="zh-CN" sz="1200" b="0" kern="1200" smtClean="0">
+                <a:solidFill>
+                  <a:schemeClr val="tx1"/>
+                </a:solidFill>
+                <a:effectLst/>
+                <a:latin typeface="+mn-lt"/>
+                <a:ea typeface="+mn-ea"/>
+                <a:cs typeface="+mn-cs"/>
+              </a:rPr>
+              <a:t>data</a:t>
+            </a:r>
+            <a:r>
+              <a:rPr lang="zh-CN" altLang="zh-CN" sz="1200" b="0" kern="1200" smtClean="0">
+                <a:solidFill>
+                  <a:schemeClr val="tx1"/>
+                </a:solidFill>
+                <a:effectLst/>
+                <a:latin typeface="+mn-lt"/>
+                <a:ea typeface="+mn-ea"/>
+                <a:cs typeface="+mn-cs"/>
+              </a:rPr>
+              <a:t>是</a:t>
+            </a:r>
+            <a:r>
+              <a:rPr lang="en-US" altLang="zh-CN" sz="1200" b="0" kern="1200" smtClean="0">
+                <a:solidFill>
+                  <a:schemeClr val="tx1"/>
+                </a:solidFill>
+                <a:effectLst/>
+                <a:latin typeface="+mn-lt"/>
+                <a:ea typeface="+mn-ea"/>
+                <a:cs typeface="+mn-cs"/>
+              </a:rPr>
+              <a:t>8G,cache</a:t>
+            </a:r>
+            <a:r>
+              <a:rPr lang="zh-CN" altLang="zh-CN" sz="1200" b="0" kern="1200" smtClean="0">
+                <a:solidFill>
+                  <a:schemeClr val="tx1"/>
+                </a:solidFill>
+                <a:effectLst/>
+                <a:latin typeface="+mn-lt"/>
+                <a:ea typeface="+mn-ea"/>
+                <a:cs typeface="+mn-cs"/>
+              </a:rPr>
+              <a:t>是</a:t>
+            </a:r>
+            <a:r>
+              <a:rPr lang="en-US" altLang="zh-CN" sz="1200" b="0" kern="1200" smtClean="0">
+                <a:solidFill>
+                  <a:schemeClr val="tx1"/>
+                </a:solidFill>
+                <a:effectLst/>
+                <a:latin typeface="+mn-lt"/>
+                <a:ea typeface="+mn-ea"/>
+                <a:cs typeface="+mn-cs"/>
+              </a:rPr>
+              <a:t>2G,meta</a:t>
+            </a:r>
+            <a:r>
+              <a:rPr lang="zh-CN" altLang="zh-CN" sz="1200" b="0" kern="1200" smtClean="0">
+                <a:solidFill>
+                  <a:schemeClr val="tx1"/>
+                </a:solidFill>
+                <a:effectLst/>
+                <a:latin typeface="+mn-lt"/>
+                <a:ea typeface="+mn-ea"/>
+                <a:cs typeface="+mn-cs"/>
+              </a:rPr>
+              <a:t>是</a:t>
+            </a:r>
+            <a:r>
+              <a:rPr lang="en-US" altLang="zh-CN" sz="1200" b="0" kern="1200" smtClean="0">
+                <a:solidFill>
+                  <a:schemeClr val="tx1"/>
+                </a:solidFill>
+                <a:effectLst/>
+                <a:latin typeface="+mn-lt"/>
+                <a:ea typeface="+mn-ea"/>
+                <a:cs typeface="+mn-cs"/>
+              </a:rPr>
+              <a:t>12M</a:t>
+            </a:r>
+            <a:endParaRPr lang="zh-CN" altLang="zh-CN" sz="1200" b="0" kern="1200" smtClean="0">
               <a:solidFill>
                 <a:schemeClr val="tx1"/>
               </a:solidFill>
@@ -18450,7 +18420,7 @@
           </a:p>
           <a:p>
             <a:r>
-              <a:rPr lang="zh-CN" altLang="zh-CN" sz="1200" b="1" kern="1200" smtClean="0">
+              <a:rPr lang="zh-CN" altLang="zh-CN" sz="1200" b="0" kern="1200" smtClean="0">
                 <a:solidFill>
                   <a:schemeClr val="tx1"/>
                 </a:solidFill>
@@ -18459,10 +18429,10 @@
                 <a:ea typeface="+mn-ea"/>
                 <a:cs typeface="+mn-cs"/>
               </a:rPr>
-              <a:t>上传的文件大小是</a:t>
-            </a:r>
-            <a:r>
-              <a:rPr lang="en-US" altLang="zh-CN" sz="1200" b="1" kern="1200" smtClean="0">
+              <a:t>左边是上传文件到</a:t>
+            </a:r>
+            <a:r>
+              <a:rPr lang="en-US" altLang="zh-CN" sz="1200" b="0" kern="1200" smtClean="0">
                 <a:solidFill>
                   <a:schemeClr val="tx1"/>
                 </a:solidFill>
@@ -18471,10 +18441,10 @@
                 <a:ea typeface="+mn-ea"/>
                 <a:cs typeface="+mn-cs"/>
               </a:rPr>
-              <a:t>2.2G</a:t>
-            </a:r>
-            <a:r>
-              <a:rPr lang="zh-CN" altLang="zh-CN" sz="1200" b="1" kern="1200" smtClean="0">
+              <a:t>swift</a:t>
+            </a:r>
+            <a:r>
+              <a:rPr lang="zh-CN" altLang="zh-CN" sz="1200" b="0" kern="1200" smtClean="0">
                 <a:solidFill>
                   <a:schemeClr val="tx1"/>
                 </a:solidFill>
@@ -18483,10 +18453,10 @@
                 <a:ea typeface="+mn-ea"/>
                 <a:cs typeface="+mn-cs"/>
               </a:rPr>
-              <a:t>，下载的文件大小是</a:t>
-            </a:r>
-            <a:r>
-              <a:rPr lang="en-US" altLang="zh-CN" sz="1200" b="1" kern="1200" smtClean="0">
+              <a:t>的脚本，首先在</a:t>
+            </a:r>
+            <a:r>
+              <a:rPr lang="en-US" altLang="zh-CN" sz="1200" b="0" kern="1200" smtClean="0">
                 <a:solidFill>
                   <a:schemeClr val="tx1"/>
                 </a:solidFill>
@@ -18495,10 +18465,10 @@
                 <a:ea typeface="+mn-ea"/>
                 <a:cs typeface="+mn-cs"/>
               </a:rPr>
-              <a:t>200M</a:t>
-            </a:r>
-            <a:r>
-              <a:rPr lang="zh-CN" altLang="zh-CN" sz="1200" b="1" kern="1200" smtClean="0">
+              <a:t>swift</a:t>
+            </a:r>
+            <a:r>
+              <a:rPr lang="zh-CN" altLang="zh-CN" sz="1200" b="0" kern="1200" smtClean="0">
                 <a:solidFill>
                   <a:schemeClr val="tx1"/>
                 </a:solidFill>
@@ -18507,10 +18477,10 @@
                 <a:ea typeface="+mn-ea"/>
                 <a:cs typeface="+mn-cs"/>
               </a:rPr>
-              <a:t>（下载的是</a:t>
-            </a:r>
-            <a:r>
-              <a:rPr lang="en-US" altLang="zh-CN" sz="1200" b="1" kern="1200" smtClean="0">
+              <a:t>上创建一个</a:t>
+            </a:r>
+            <a:r>
+              <a:rPr lang="en-US" altLang="zh-CN" sz="1200" b="0" kern="1200" smtClean="0">
                 <a:solidFill>
                   <a:schemeClr val="tx1"/>
                 </a:solidFill>
@@ -18519,10 +18489,10 @@
                 <a:ea typeface="+mn-ea"/>
                 <a:cs typeface="+mn-cs"/>
               </a:rPr>
-              <a:t>hadoop2.7.1</a:t>
-            </a:r>
-            <a:r>
-              <a:rPr lang="zh-CN" altLang="zh-CN" sz="1200" b="1" kern="1200" smtClean="0">
+              <a:t>container</a:t>
+            </a:r>
+            <a:r>
+              <a:rPr lang="zh-CN" altLang="zh-CN" sz="1200" b="0" kern="1200" smtClean="0">
                 <a:solidFill>
                   <a:schemeClr val="tx1"/>
                 </a:solidFill>
@@ -18531,21 +18501,10 @@
                 <a:ea typeface="+mn-ea"/>
                 <a:cs typeface="+mn-cs"/>
               </a:rPr>
-              <a:t>的安装包）</a:t>
-            </a:r>
-            <a:endParaRPr lang="zh-CN" altLang="zh-CN" sz="1200" kern="1200" smtClean="0">
-              <a:solidFill>
-                <a:schemeClr val="tx1"/>
-              </a:solidFill>
-              <a:effectLst/>
-              <a:latin typeface="+mn-lt"/>
-              <a:ea typeface="+mn-ea"/>
-              <a:cs typeface="+mn-cs"/>
-            </a:endParaRPr>
-          </a:p>
-          <a:p>
-            <a:r>
-              <a:rPr lang="en-US" altLang="zh-CN" sz="1200" b="1" kern="1200" smtClean="0">
+              <a:t>，然后用</a:t>
+            </a:r>
+            <a:r>
+              <a:rPr lang="en-US" altLang="zh-CN" sz="1200" b="0" kern="1200" smtClean="0">
                 <a:solidFill>
                   <a:schemeClr val="tx1"/>
                 </a:solidFill>
@@ -18554,10 +18513,10 @@
                 <a:ea typeface="+mn-ea"/>
                 <a:cs typeface="+mn-cs"/>
               </a:rPr>
-              <a:t>lvmcache</a:t>
-            </a:r>
-            <a:r>
-              <a:rPr lang="zh-CN" altLang="zh-CN" sz="1200" b="1" kern="1200" smtClean="0">
+              <a:t>for</a:t>
+            </a:r>
+            <a:r>
+              <a:rPr lang="zh-CN" altLang="zh-CN" sz="1200" b="0" kern="1200" smtClean="0">
                 <a:solidFill>
                   <a:schemeClr val="tx1"/>
                 </a:solidFill>
@@ -18566,10 +18525,10 @@
                 <a:ea typeface="+mn-ea"/>
                 <a:cs typeface="+mn-cs"/>
               </a:rPr>
-              <a:t>的设置，</a:t>
-            </a:r>
-            <a:r>
-              <a:rPr lang="en-US" altLang="zh-CN" sz="1200" b="1" kern="1200" smtClean="0">
+              <a:t>循环把文件夹中的文件依次上传到</a:t>
+            </a:r>
+            <a:r>
+              <a:rPr lang="en-US" altLang="zh-CN" sz="1200" b="0" kern="1200" smtClean="0">
                 <a:solidFill>
                   <a:schemeClr val="tx1"/>
                 </a:solidFill>
@@ -18578,10 +18537,10 @@
                 <a:ea typeface="+mn-ea"/>
                 <a:cs typeface="+mn-cs"/>
               </a:rPr>
-              <a:t>data</a:t>
-            </a:r>
-            <a:r>
-              <a:rPr lang="zh-CN" altLang="zh-CN" sz="1200" b="1" kern="1200" smtClean="0">
+              <a:t>swift</a:t>
+            </a:r>
+            <a:r>
+              <a:rPr lang="zh-CN" altLang="zh-CN" sz="1200" b="0" kern="1200" smtClean="0">
                 <a:solidFill>
                   <a:schemeClr val="tx1"/>
                 </a:solidFill>
@@ -18590,10 +18549,12 @@
                 <a:ea typeface="+mn-ea"/>
                 <a:cs typeface="+mn-cs"/>
               </a:rPr>
-              <a:t>是</a:t>
-            </a:r>
-            <a:r>
-              <a:rPr lang="en-US" altLang="zh-CN" sz="1200" b="1" kern="1200" smtClean="0">
+              <a:t>对象存储设备中。</a:t>
+            </a:r>
+          </a:p>
+          <a:p>
+            <a:r>
+              <a:rPr lang="zh-CN" altLang="zh-CN" sz="1200" b="0" kern="1200" smtClean="0">
                 <a:solidFill>
                   <a:schemeClr val="tx1"/>
                 </a:solidFill>
@@ -18602,10 +18563,10 @@
                 <a:ea typeface="+mn-ea"/>
                 <a:cs typeface="+mn-cs"/>
               </a:rPr>
-              <a:t>8G,cache</a:t>
-            </a:r>
-            <a:r>
-              <a:rPr lang="zh-CN" altLang="zh-CN" sz="1200" b="1" kern="1200" smtClean="0">
+              <a:t>右边是反复下载同一个文件</a:t>
+            </a:r>
+            <a:r>
+              <a:rPr lang="en-US" altLang="zh-CN" sz="1200" b="0" kern="1200" smtClean="0">
                 <a:solidFill>
                   <a:schemeClr val="tx1"/>
                 </a:solidFill>
@@ -18614,10 +18575,10 @@
                 <a:ea typeface="+mn-ea"/>
                 <a:cs typeface="+mn-cs"/>
               </a:rPr>
-              <a:t>是</a:t>
-            </a:r>
-            <a:r>
-              <a:rPr lang="en-US" altLang="zh-CN" sz="1200" b="1" kern="1200" smtClean="0">
+              <a:t>20</a:t>
+            </a:r>
+            <a:r>
+              <a:rPr lang="zh-CN" altLang="zh-CN" sz="1200" b="0" kern="1200" smtClean="0">
                 <a:solidFill>
                   <a:schemeClr val="tx1"/>
                 </a:solidFill>
@@ -18626,231 +18587,8 @@
                 <a:ea typeface="+mn-ea"/>
                 <a:cs typeface="+mn-cs"/>
               </a:rPr>
-              <a:t>2G,meta</a:t>
-            </a:r>
-            <a:r>
-              <a:rPr lang="zh-CN" altLang="zh-CN" sz="1200" b="1" kern="1200" smtClean="0">
-                <a:solidFill>
-                  <a:schemeClr val="tx1"/>
-                </a:solidFill>
-                <a:effectLst/>
-                <a:latin typeface="+mn-lt"/>
-                <a:ea typeface="+mn-ea"/>
-                <a:cs typeface="+mn-cs"/>
-              </a:rPr>
-              <a:t>是</a:t>
-            </a:r>
-            <a:r>
-              <a:rPr lang="en-US" altLang="zh-CN" sz="1200" b="1" kern="1200" smtClean="0">
-                <a:solidFill>
-                  <a:schemeClr val="tx1"/>
-                </a:solidFill>
-                <a:effectLst/>
-                <a:latin typeface="+mn-lt"/>
-                <a:ea typeface="+mn-ea"/>
-                <a:cs typeface="+mn-cs"/>
-              </a:rPr>
-              <a:t>12M</a:t>
-            </a:r>
-            <a:endParaRPr lang="zh-CN" altLang="zh-CN" sz="1200" kern="1200" smtClean="0">
-              <a:solidFill>
-                <a:schemeClr val="tx1"/>
-              </a:solidFill>
-              <a:effectLst/>
-              <a:latin typeface="+mn-lt"/>
-              <a:ea typeface="+mn-ea"/>
-              <a:cs typeface="+mn-cs"/>
-            </a:endParaRPr>
-          </a:p>
-          <a:p>
-            <a:r>
-              <a:rPr lang="zh-CN" altLang="zh-CN" sz="1200" b="1" kern="1200" smtClean="0">
-                <a:solidFill>
-                  <a:schemeClr val="tx1"/>
-                </a:solidFill>
-                <a:effectLst/>
-                <a:latin typeface="+mn-lt"/>
-                <a:ea typeface="+mn-ea"/>
-                <a:cs typeface="+mn-cs"/>
-              </a:rPr>
-              <a:t>左边是上传文件到</a:t>
-            </a:r>
-            <a:r>
-              <a:rPr lang="en-US" altLang="zh-CN" sz="1200" b="1" kern="1200" smtClean="0">
-                <a:solidFill>
-                  <a:schemeClr val="tx1"/>
-                </a:solidFill>
-                <a:effectLst/>
-                <a:latin typeface="+mn-lt"/>
-                <a:ea typeface="+mn-ea"/>
-                <a:cs typeface="+mn-cs"/>
-              </a:rPr>
-              <a:t>swift</a:t>
-            </a:r>
-            <a:r>
-              <a:rPr lang="zh-CN" altLang="zh-CN" sz="1200" b="1" kern="1200" smtClean="0">
-                <a:solidFill>
-                  <a:schemeClr val="tx1"/>
-                </a:solidFill>
-                <a:effectLst/>
-                <a:latin typeface="+mn-lt"/>
-                <a:ea typeface="+mn-ea"/>
-                <a:cs typeface="+mn-cs"/>
-              </a:rPr>
-              <a:t>的脚本，首先在</a:t>
-            </a:r>
-            <a:r>
-              <a:rPr lang="en-US" altLang="zh-CN" sz="1200" b="1" kern="1200" smtClean="0">
-                <a:solidFill>
-                  <a:schemeClr val="tx1"/>
-                </a:solidFill>
-                <a:effectLst/>
-                <a:latin typeface="+mn-lt"/>
-                <a:ea typeface="+mn-ea"/>
-                <a:cs typeface="+mn-cs"/>
-              </a:rPr>
-              <a:t>swift</a:t>
-            </a:r>
-            <a:r>
-              <a:rPr lang="zh-CN" altLang="zh-CN" sz="1200" b="1" kern="1200" smtClean="0">
-                <a:solidFill>
-                  <a:schemeClr val="tx1"/>
-                </a:solidFill>
-                <a:effectLst/>
-                <a:latin typeface="+mn-lt"/>
-                <a:ea typeface="+mn-ea"/>
-                <a:cs typeface="+mn-cs"/>
-              </a:rPr>
-              <a:t>上创建一个</a:t>
-            </a:r>
-            <a:r>
-              <a:rPr lang="en-US" altLang="zh-CN" sz="1200" b="1" kern="1200" smtClean="0">
-                <a:solidFill>
-                  <a:schemeClr val="tx1"/>
-                </a:solidFill>
-                <a:effectLst/>
-                <a:latin typeface="+mn-lt"/>
-                <a:ea typeface="+mn-ea"/>
-                <a:cs typeface="+mn-cs"/>
-              </a:rPr>
-              <a:t>container</a:t>
-            </a:r>
-            <a:r>
-              <a:rPr lang="zh-CN" altLang="zh-CN" sz="1200" b="1" kern="1200" smtClean="0">
-                <a:solidFill>
-                  <a:schemeClr val="tx1"/>
-                </a:solidFill>
-                <a:effectLst/>
-                <a:latin typeface="+mn-lt"/>
-                <a:ea typeface="+mn-ea"/>
-                <a:cs typeface="+mn-cs"/>
-              </a:rPr>
-              <a:t>，然后用</a:t>
-            </a:r>
-            <a:r>
-              <a:rPr lang="en-US" altLang="zh-CN" sz="1200" b="1" kern="1200" smtClean="0">
-                <a:solidFill>
-                  <a:schemeClr val="tx1"/>
-                </a:solidFill>
-                <a:effectLst/>
-                <a:latin typeface="+mn-lt"/>
-                <a:ea typeface="+mn-ea"/>
-                <a:cs typeface="+mn-cs"/>
-              </a:rPr>
-              <a:t>for</a:t>
-            </a:r>
-            <a:r>
-              <a:rPr lang="zh-CN" altLang="zh-CN" sz="1200" b="1" kern="1200" smtClean="0">
-                <a:solidFill>
-                  <a:schemeClr val="tx1"/>
-                </a:solidFill>
-                <a:effectLst/>
-                <a:latin typeface="+mn-lt"/>
-                <a:ea typeface="+mn-ea"/>
-                <a:cs typeface="+mn-cs"/>
-              </a:rPr>
-              <a:t>循环把文件夹中的文件依次上传到</a:t>
-            </a:r>
-            <a:r>
-              <a:rPr lang="en-US" altLang="zh-CN" sz="1200" b="1" kern="1200" smtClean="0">
-                <a:solidFill>
-                  <a:schemeClr val="tx1"/>
-                </a:solidFill>
-                <a:effectLst/>
-                <a:latin typeface="+mn-lt"/>
-                <a:ea typeface="+mn-ea"/>
-                <a:cs typeface="+mn-cs"/>
-              </a:rPr>
-              <a:t>swift</a:t>
-            </a:r>
-            <a:r>
-              <a:rPr lang="zh-CN" altLang="zh-CN" sz="1200" b="1" kern="1200" smtClean="0">
-                <a:solidFill>
-                  <a:schemeClr val="tx1"/>
-                </a:solidFill>
-                <a:effectLst/>
-                <a:latin typeface="+mn-lt"/>
-                <a:ea typeface="+mn-ea"/>
-                <a:cs typeface="+mn-cs"/>
-              </a:rPr>
-              <a:t>对象存储设备中。</a:t>
-            </a:r>
-            <a:endParaRPr lang="zh-CN" altLang="zh-CN" sz="1200" kern="1200" smtClean="0">
-              <a:solidFill>
-                <a:schemeClr val="tx1"/>
-              </a:solidFill>
-              <a:effectLst/>
-              <a:latin typeface="+mn-lt"/>
-              <a:ea typeface="+mn-ea"/>
-              <a:cs typeface="+mn-cs"/>
-            </a:endParaRPr>
-          </a:p>
-          <a:p>
-            <a:r>
-              <a:rPr lang="zh-CN" altLang="zh-CN" sz="1200" b="1" kern="1200" smtClean="0">
-                <a:solidFill>
-                  <a:schemeClr val="tx1"/>
-                </a:solidFill>
-                <a:effectLst/>
-                <a:latin typeface="+mn-lt"/>
-                <a:ea typeface="+mn-ea"/>
-                <a:cs typeface="+mn-cs"/>
-              </a:rPr>
-              <a:t>右边是反复下载同一个文件</a:t>
-            </a:r>
-            <a:r>
-              <a:rPr lang="en-US" altLang="zh-CN" sz="1200" b="1" kern="1200" smtClean="0">
-                <a:solidFill>
-                  <a:schemeClr val="tx1"/>
-                </a:solidFill>
-                <a:effectLst/>
-                <a:latin typeface="+mn-lt"/>
-                <a:ea typeface="+mn-ea"/>
-                <a:cs typeface="+mn-cs"/>
-              </a:rPr>
-              <a:t>20</a:t>
-            </a:r>
-            <a:r>
-              <a:rPr lang="zh-CN" altLang="zh-CN" sz="1200" b="1" kern="1200" smtClean="0">
-                <a:solidFill>
-                  <a:schemeClr val="tx1"/>
-                </a:solidFill>
-                <a:effectLst/>
-                <a:latin typeface="+mn-lt"/>
-                <a:ea typeface="+mn-ea"/>
-                <a:cs typeface="+mn-cs"/>
-              </a:rPr>
               <a:t>次的脚本。</a:t>
             </a:r>
-            <a:endParaRPr lang="zh-CN" altLang="zh-CN" sz="1200" kern="1200" smtClean="0">
-              <a:solidFill>
-                <a:schemeClr val="tx1"/>
-              </a:solidFill>
-              <a:effectLst/>
-              <a:latin typeface="+mn-lt"/>
-              <a:ea typeface="+mn-ea"/>
-              <a:cs typeface="+mn-cs"/>
-            </a:endParaRPr>
           </a:p>
           <a:p>
             <a:endParaRPr lang="zh-CN" altLang="en-US"/>
@@ -18947,22 +18685,14 @@
             </a:r>
             <a:r>
               <a:rPr lang="zh-CN" altLang="en-US" smtClean="0"/>
-              <a:t>使得数据存储空间减少</a:t>
-            </a:r>
-            <a:r>
-              <a:rPr lang="zh-CN" altLang="en-US" smtClean="0"/>
-              <a:t>。</a:t>
+              <a:t>使得数据存储空间减少。</a:t>
             </a:r>
             <a:endParaRPr lang="en-US" altLang="zh-CN" smtClean="0"/>
           </a:p>
           <a:p>
             <a:r>
               <a:rPr lang="zh-CN" altLang="en-US" smtClean="0"/>
-              <a:t>可以</a:t>
-            </a:r>
-            <a:r>
-              <a:rPr lang="zh-CN" altLang="en-US" smtClean="0"/>
-              <a:t>明显看出使用了</a:t>
+              <a:t>可以明显看出使用了</a:t>
             </a:r>
             <a:r>
               <a:rPr lang="en-US" altLang="zh-CN" smtClean="0"/>
@@ -19073,7 +18803,7 @@
           <a:lstStyle/>
           <a:p>
             <a:r>
-              <a:rPr lang="zh-CN" altLang="zh-CN" sz="1200" b="1" kern="1200" smtClean="0">
+              <a:rPr lang="zh-CN" altLang="zh-CN" sz="1200" b="0" kern="1200" smtClean="0">
                 <a:solidFill>
                   <a:schemeClr val="tx1"/>
                 </a:solidFill>
@@ -19085,7 +18815,7 @@
               <a:t>这个表是实验结果汇总表，可以明显看出没有使用</a:t>
             </a:r>
             <a:r>
-              <a:rPr lang="en-US" altLang="zh-CN" sz="1200" b="1" kern="1200" smtClean="0">
+              <a:rPr lang="en-US" altLang="zh-CN" sz="1200" b="0" kern="1200" smtClean="0">
                 <a:solidFill>
                   <a:schemeClr val="tx1"/>
                 </a:solidFill>
@@ -19097,7 +18827,7 @@
               <a:t>lvmcache</a:t>
             </a:r>
             <a:r>
-              <a:rPr lang="zh-CN" altLang="zh-CN" sz="1200" b="1" kern="1200" smtClean="0">
+              <a:rPr lang="zh-CN" altLang="zh-CN" sz="1200" b="0" kern="1200" smtClean="0">
                 <a:solidFill>
                   <a:schemeClr val="tx1"/>
                 </a:solidFill>
@@ -19109,7 +18839,7 @@
               <a:t>的</a:t>
             </a:r>
             <a:r>
-              <a:rPr lang="en-US" altLang="zh-CN" sz="1200" b="1" kern="1200" smtClean="0">
+              <a:rPr lang="en-US" altLang="zh-CN" sz="1200" b="0" kern="1200" smtClean="0">
                 <a:solidFill>
                   <a:schemeClr val="tx1"/>
                 </a:solidFill>
@@ -19121,7 +18851,7 @@
               <a:t>swift</a:t>
             </a:r>
             <a:r>
-              <a:rPr lang="zh-CN" altLang="zh-CN" sz="1200" b="1" kern="1200" smtClean="0">
+              <a:rPr lang="zh-CN" altLang="zh-CN" sz="1200" b="0" kern="1200" smtClean="0">
                 <a:solidFill>
                   <a:schemeClr val="tx1"/>
                 </a:solidFill>
@@ -19133,7 +18863,7 @@
               <a:t>，文件下载速度起伏不定，并且下载时间较长，而使用</a:t>
             </a:r>
             <a:r>
-              <a:rPr lang="en-US" altLang="zh-CN" sz="1200" b="1" kern="1200" smtClean="0">
+              <a:rPr lang="en-US" altLang="zh-CN" sz="1200" b="0" kern="1200" smtClean="0">
                 <a:solidFill>
                   <a:schemeClr val="tx1"/>
                 </a:solidFill>
@@ -19145,7 +18875,7 @@
               <a:t>lvmcache</a:t>
             </a:r>
             <a:r>
-              <a:rPr lang="zh-CN" altLang="zh-CN" sz="1200" b="1" kern="1200" smtClean="0">
+              <a:rPr lang="zh-CN" altLang="zh-CN" sz="1200" b="0" kern="1200" smtClean="0">
                 <a:solidFill>
                   <a:schemeClr val="tx1"/>
                 </a:solidFill>
@@ -19157,7 +18887,7 @@
               <a:t>的</a:t>
             </a:r>
             <a:r>
-              <a:rPr lang="en-US" altLang="zh-CN" sz="1200" b="1" kern="1200" smtClean="0">
+              <a:rPr lang="en-US" altLang="zh-CN" sz="1200" b="0" kern="1200" smtClean="0">
                 <a:solidFill>
                   <a:schemeClr val="tx1"/>
                 </a:solidFill>
@@ -19169,7 +18899,7 @@
               <a:t>swift</a:t>
             </a:r>
             <a:r>
-              <a:rPr lang="zh-CN" altLang="zh-CN" sz="1200" b="1" kern="1200" smtClean="0">
+              <a:rPr lang="zh-CN" altLang="zh-CN" sz="1200" b="0" kern="1200" smtClean="0">
                 <a:solidFill>
                   <a:schemeClr val="tx1"/>
                 </a:solidFill>
@@ -19180,19 +18910,10 @@
               </a:rPr>
               <a:t>下载文件的速度较为平稳，且稳步下降。</a:t>
             </a:r>
-            <a:endParaRPr lang="zh-CN" altLang="zh-CN" sz="1200" kern="1200" smtClean="0">
-              <a:solidFill>
-                <a:schemeClr val="tx1"/>
-              </a:solidFill>
-              <a:effectLst/>
-              <a:latin typeface="+mn-lt"/>
-              <a:ea typeface="+mn-ea"/>
-              <a:cs typeface="+mn-cs"/>
-            </a:endParaRPr>
           </a:p>
           <a:p>
             <a:r>
-              <a:rPr lang="en-US" altLang="zh-CN" sz="1200" b="1" kern="1200" smtClean="0">
+              <a:rPr lang="en-US" altLang="zh-CN" sz="1200" b="0" kern="1200" smtClean="0">
                 <a:solidFill>
                   <a:schemeClr val="tx1"/>
                 </a:solidFill>
@@ -19203,7 +18924,7 @@
               </a:rPr>
               <a:t> </a:t>
             </a:r>
-            <a:endParaRPr lang="zh-CN" altLang="zh-CN" sz="1200" kern="1200" smtClean="0">
+            <a:endParaRPr lang="zh-CN" altLang="zh-CN" sz="1200" b="0" kern="1200" smtClean="0">
               <a:solidFill>
                 <a:schemeClr val="tx1"/>
               </a:solidFill>
@@ -20097,7 +19818,19 @@
                 <a:ea typeface="+mn-ea"/>
                 <a:cs typeface="+mn-cs"/>
               </a:rPr>
-              <a:t>的存储方式更灵活一些，可以牺牲一定的一致性从而提高读取速度。所以，在具体的应用上，</a:t>
+              <a:t>的存储方式更灵活一些，可以牺牲一定的一致性从而提高读取速度</a:t>
+            </a:r>
+            <a:r>
+              <a:rPr lang="zh-CN" altLang="zh-CN" sz="1200" kern="1200" smtClean="0">
+                <a:solidFill>
+                  <a:schemeClr val="tx1"/>
+                </a:solidFill>
+                <a:effectLst/>
+                <a:latin typeface="+mn-lt"/>
+                <a:ea typeface="+mn-ea"/>
+                <a:cs typeface="+mn-cs"/>
+              </a:rPr>
+              <a:t>。根据</a:t>
             </a:r>
             <a:r>
               <a:rPr lang="en-US" altLang="zh-CN" sz="1200" kern="1200" smtClean="0">
@@ -20109,7 +19842,7 @@
                 <a:ea typeface="+mn-ea"/>
                 <a:cs typeface="+mn-cs"/>
               </a:rPr>
-              <a:t>swift</a:t>
+              <a:t>CAP</a:t>
             </a:r>
             <a:r>
               <a:rPr lang="zh-CN" altLang="zh-CN" sz="1200" kern="1200" smtClean="0">
@@ -20121,7 +19854,7 @@
                 <a:ea typeface="+mn-ea"/>
                 <a:cs typeface="+mn-cs"/>
               </a:rPr>
-              <a:t>的读写效率是要高于</a:t>
+              <a:t>原理，</a:t>
             </a:r>
             <a:r>
               <a:rPr lang="en-US" altLang="zh-CN" sz="1200" kern="1200" smtClean="0">
@@ -20133,7 +19866,7 @@
                 <a:ea typeface="+mn-ea"/>
                 <a:cs typeface="+mn-cs"/>
               </a:rPr>
-              <a:t>ceph</a:t>
+              <a:t>swift</a:t>
             </a:r>
             <a:r>
               <a:rPr lang="zh-CN" altLang="zh-CN" sz="1200" kern="1200" smtClean="0">
@@ -20145,17 +19878,32 @@
                 <a:ea typeface="+mn-ea"/>
                 <a:cs typeface="+mn-cs"/>
               </a:rPr>
-              <a:t>。</a:t>
-            </a:r>
-            <a:endParaRPr lang="zh-CN" altLang="zh-CN" sz="1200" kern="1200" smtClean="0">
-              <a:solidFill>
-                <a:schemeClr val="tx1"/>
-              </a:solidFill>
-              <a:effectLst/>
-              <a:latin typeface="+mn-lt"/>
-              <a:ea typeface="+mn-ea"/>
-              <a:cs typeface="+mn-cs"/>
-            </a:endParaRPr>
+              <a:t>可以在跨度很广的地理空间上部署</a:t>
+            </a:r>
+            <a:r>
+              <a:rPr lang="en-US" altLang="zh-CN" sz="1200" kern="1200" smtClean="0">
+                <a:solidFill>
+                  <a:schemeClr val="tx1"/>
+                </a:solidFill>
+                <a:effectLst/>
+                <a:latin typeface="+mn-lt"/>
+                <a:ea typeface="+mn-ea"/>
+                <a:cs typeface="+mn-cs"/>
+              </a:rPr>
+              <a:t>swift</a:t>
+            </a:r>
+            <a:r>
+              <a:rPr lang="zh-CN" altLang="zh-CN" sz="1200" kern="1200" smtClean="0">
+                <a:solidFill>
+                  <a:schemeClr val="tx1"/>
+                </a:solidFill>
+                <a:effectLst/>
+                <a:latin typeface="+mn-lt"/>
+                <a:ea typeface="+mn-ea"/>
+                <a:cs typeface="+mn-cs"/>
+              </a:rPr>
+              <a:t>集群。</a:t>
+            </a:r>
           </a:p>
           <a:p>
             <a:pPr marL="0" marR="0" indent="0" algn="l" defTabSz="914400" rtl="0" eaLnBrk="1" fontAlgn="auto" latinLnBrk="0" hangingPunct="1">
@@ -20176,6 +19924,18 @@
               <a:defRPr/>
             </a:pPr>
             <a:r>
+              <a:rPr lang="en-US" altLang="zh-CN" sz="1200" kern="1200" smtClean="0">
+                <a:solidFill>
+                  <a:schemeClr val="tx1"/>
+                </a:solidFill>
+                <a:effectLst/>
+                <a:latin typeface="+mn-lt"/>
+                <a:ea typeface="+mn-ea"/>
+                <a:cs typeface="+mn-cs"/>
+              </a:rPr>
+              <a:t>Ceph</a:t>
+            </a:r>
+            <a:r>
               <a:rPr lang="zh-CN" altLang="zh-CN" sz="1200" kern="1200" smtClean="0">
                 <a:solidFill>
                   <a:schemeClr val="tx1"/>
@@ -20185,134 +19945,7 @@
                 <a:ea typeface="+mn-ea"/>
                 <a:cs typeface="+mn-cs"/>
               </a:rPr>
-              <a:t>根据</a:t>
-            </a:r>
-            <a:r>
-              <a:rPr lang="en-US" altLang="zh-CN" sz="1200" kern="1200" smtClean="0">
-                <a:solidFill>
-                  <a:schemeClr val="tx1"/>
-                </a:solidFill>
-                <a:effectLst/>
-                <a:latin typeface="+mn-lt"/>
-                <a:ea typeface="+mn-ea"/>
-                <a:cs typeface="+mn-cs"/>
-              </a:rPr>
-              <a:t>CAP</a:t>
-            </a:r>
-            <a:r>
-              <a:rPr lang="zh-CN" altLang="zh-CN" sz="1200" kern="1200" smtClean="0">
-                <a:solidFill>
-                  <a:schemeClr val="tx1"/>
-                </a:solidFill>
-                <a:effectLst/>
-                <a:latin typeface="+mn-lt"/>
-                <a:ea typeface="+mn-ea"/>
-                <a:cs typeface="+mn-cs"/>
-              </a:rPr>
-              <a:t>原理，</a:t>
-            </a:r>
-            <a:r>
-              <a:rPr lang="en-US" altLang="zh-CN" sz="1200" kern="1200" smtClean="0">
-                <a:solidFill>
-                  <a:schemeClr val="tx1"/>
-                </a:solidFill>
-                <a:effectLst/>
-                <a:latin typeface="+mn-lt"/>
-                <a:ea typeface="+mn-ea"/>
-                <a:cs typeface="+mn-cs"/>
-              </a:rPr>
-              <a:t>swift</a:t>
-            </a:r>
-            <a:r>
-              <a:rPr lang="zh-CN" altLang="zh-CN" sz="1200" kern="1200" smtClean="0">
-                <a:solidFill>
-                  <a:schemeClr val="tx1"/>
-                </a:solidFill>
-                <a:effectLst/>
-                <a:latin typeface="+mn-lt"/>
-                <a:ea typeface="+mn-ea"/>
-                <a:cs typeface="+mn-cs"/>
-              </a:rPr>
-              <a:t>可以在跨度很广的地理空间上部署</a:t>
-            </a:r>
-            <a:r>
-              <a:rPr lang="en-US" altLang="zh-CN" sz="1200" kern="1200" smtClean="0">
-                <a:solidFill>
-                  <a:schemeClr val="tx1"/>
-                </a:solidFill>
-                <a:effectLst/>
-                <a:latin typeface="+mn-lt"/>
-                <a:ea typeface="+mn-ea"/>
-                <a:cs typeface="+mn-cs"/>
-              </a:rPr>
-              <a:t>swift</a:t>
-            </a:r>
-            <a:r>
-              <a:rPr lang="zh-CN" altLang="zh-CN" sz="1200" kern="1200" smtClean="0">
-                <a:solidFill>
-                  <a:schemeClr val="tx1"/>
-                </a:solidFill>
-                <a:effectLst/>
-                <a:latin typeface="+mn-lt"/>
-                <a:ea typeface="+mn-ea"/>
-                <a:cs typeface="+mn-cs"/>
-              </a:rPr>
-              <a:t>集群。</a:t>
-            </a:r>
-          </a:p>
-          <a:p>
-            <a:pPr marL="0" marR="0" indent="0" algn="l" defTabSz="914400" rtl="0" eaLnBrk="1" fontAlgn="auto" latinLnBrk="0" hangingPunct="1">
-              <a:lnSpc>
-                <a:spcPct val="100000"/>
-              </a:lnSpc>
-              <a:spcBef>
-                <a:spcPts val="0"/>
-              </a:spcBef>
-              <a:spcAft>
-                <a:spcPts val="0"/>
-              </a:spcAft>
-              <a:buClrTx/>
-              <a:buSzTx/>
-              <a:buFontTx/>
-              <a:buNone/>
-              <a:tabLst/>
-              <a:defRPr/>
-            </a:pPr>
-            <a:r>
-              <a:rPr lang="en-US" altLang="zh-CN" sz="1200" kern="1200" smtClean="0">
-                <a:solidFill>
-                  <a:schemeClr val="tx1"/>
-                </a:solidFill>
-                <a:effectLst/>
-                <a:latin typeface="+mn-lt"/>
-                <a:ea typeface="+mn-ea"/>
-                <a:cs typeface="+mn-cs"/>
-              </a:rPr>
-              <a:t>Ceph</a:t>
-            </a:r>
-            <a:r>
-              <a:rPr lang="zh-CN" altLang="zh-CN" sz="1200" kern="1200" smtClean="0">
-                <a:solidFill>
-                  <a:schemeClr val="tx1"/>
-                </a:solidFill>
-                <a:effectLst/>
-                <a:latin typeface="+mn-lt"/>
-                <a:ea typeface="+mn-ea"/>
-                <a:cs typeface="+mn-cs"/>
-              </a:rPr>
-              <a:t>很重要的一个短板就是安全性</a:t>
-            </a:r>
-            <a:r>
-              <a:rPr lang="zh-CN" altLang="zh-CN" sz="1200" kern="1200" smtClean="0">
-                <a:solidFill>
-                  <a:schemeClr val="tx1"/>
-                </a:solidFill>
-                <a:effectLst/>
-                <a:latin typeface="+mn-lt"/>
-                <a:ea typeface="+mn-ea"/>
-                <a:cs typeface="+mn-cs"/>
-              </a:rPr>
-              <a:t>。</a:t>
+              <a:t>很重要的一个短板就是安全性。</a:t>
             </a:r>
             <a:r>
               <a:rPr lang="en-US" altLang="zh-CN" sz="1200" kern="1200" smtClean="0">
@@ -20483,31 +20116,7 @@
                 <a:ea typeface="+mn-ea"/>
                 <a:cs typeface="+mn-cs"/>
               </a:rPr>
-              <a:t>数据有冷热数据之分，而存储设备有快慢，一般而言，性能好的设备单位成本高，而性能较差的设备单位成本较低。分级</a:t>
-            </a:r>
-            <a:r>
-              <a:rPr lang="zh-CN" altLang="zh-CN" sz="1200" kern="1200" smtClean="0">
-                <a:solidFill>
-                  <a:schemeClr val="tx1"/>
-                </a:solidFill>
-                <a:effectLst/>
-                <a:latin typeface="+mn-lt"/>
-                <a:ea typeface="+mn-ea"/>
-                <a:cs typeface="+mn-cs"/>
-              </a:rPr>
-              <a:t>存储将</a:t>
-            </a:r>
-            <a:r>
-              <a:rPr lang="zh-CN" altLang="zh-CN" sz="1200" kern="1200" smtClean="0">
-                <a:solidFill>
-                  <a:schemeClr val="tx1"/>
-                </a:solidFill>
-                <a:effectLst/>
-                <a:latin typeface="+mn-lt"/>
-                <a:ea typeface="+mn-ea"/>
-                <a:cs typeface="+mn-cs"/>
-              </a:rPr>
-              <a:t>经常用到的热数据放到性能好的设备上，用不到的数据放到性能一般的设备上。这样就可以提高读取效率并且减少存储成本。</a:t>
+              <a:t>数据有冷热数据之分，而存储设备有快慢，一般而言，性能好的设备单位成本高，而性能较差的设备单位成本较低。分级存储将经常用到的热数据放到性能好的设备上，用不到的数据放到性能一般的设备上。这样就可以提高读取效率并且减少存储成本。</a:t>
             </a:r>
             <a:endParaRPr lang="zh-CN" altLang="en-US"/>
           </a:p>
@@ -20682,93 +20291,117 @@
           <a:lstStyle/>
           <a:p>
             <a:r>
-              <a:rPr lang="en-US" altLang="zh-CN" smtClean="0"/>
-              <a:t>Swift </a:t>
-            </a:r>
-            <a:r>
-              <a:rPr lang="zh-CN" altLang="en-US" smtClean="0"/>
-              <a:t>基于一致性散列技术，通过计算可将对象均匀分布到虚拟空间的虚拟节点上，在增加或删除节点时可大大减少需移动的数据量；虚拟空间大小通常采用 </a:t>
-            </a:r>
-            <a:r>
-              <a:rPr lang="en-US" altLang="zh-CN" smtClean="0"/>
-              <a:t>2 </a:t>
-            </a:r>
-            <a:r>
-              <a:rPr lang="zh-CN" altLang="en-US" smtClean="0"/>
-              <a:t>的 </a:t>
-            </a:r>
-            <a:r>
-              <a:rPr lang="en-US" altLang="zh-CN" smtClean="0"/>
-              <a:t>n </a:t>
-            </a:r>
-            <a:r>
-              <a:rPr lang="zh-CN" altLang="en-US" smtClean="0"/>
-              <a:t>次幂，便于进行高效的移位操作；然后通过独特的数据结构 </a:t>
-            </a:r>
-            <a:r>
-              <a:rPr lang="en-US" altLang="zh-CN" smtClean="0"/>
-              <a:t>Ring</a:t>
-            </a:r>
-            <a:r>
-              <a:rPr lang="zh-CN" altLang="en-US" smtClean="0"/>
-              <a:t>（环）再将虚拟节点映射到实际的物理存储设备上，完成寻址过程。以逆时针方向递增的散列空间有 </a:t>
-            </a:r>
-            <a:r>
-              <a:rPr lang="en-US" altLang="zh-CN" smtClean="0"/>
-              <a:t>4 </a:t>
-            </a:r>
-            <a:r>
-              <a:rPr lang="zh-CN" altLang="en-US" smtClean="0"/>
-              <a:t>个字节长共 </a:t>
-            </a:r>
-            <a:r>
-              <a:rPr lang="en-US" altLang="zh-CN" smtClean="0"/>
-              <a:t>32 </a:t>
-            </a:r>
-            <a:r>
-              <a:rPr lang="zh-CN" altLang="en-US" smtClean="0"/>
-              <a:t>位，整数范围是</a:t>
-            </a:r>
-            <a:r>
-              <a:rPr lang="en-US" altLang="zh-CN" smtClean="0"/>
-              <a:t>[0~232-1]</a:t>
-            </a:r>
-            <a:r>
-              <a:rPr lang="zh-CN" altLang="en-US" smtClean="0"/>
-              <a:t>；将散列结果右移 </a:t>
-            </a:r>
-            <a:r>
-              <a:rPr lang="en-US" altLang="zh-CN" smtClean="0"/>
-              <a:t>m </a:t>
-            </a:r>
-            <a:r>
-              <a:rPr lang="zh-CN" altLang="en-US" smtClean="0"/>
-              <a:t>位，可产生 </a:t>
-            </a:r>
-            <a:r>
-              <a:rPr lang="en-US" altLang="zh-CN" smtClean="0"/>
-              <a:t>232-m</a:t>
-            </a:r>
-            <a:r>
-              <a:rPr lang="zh-CN" altLang="en-US" smtClean="0"/>
-              <a:t>个虚拟节点，例如 </a:t>
-            </a:r>
-            <a:r>
-              <a:rPr lang="en-US" altLang="zh-CN" smtClean="0"/>
-              <a:t>m=29 </a:t>
-            </a:r>
-            <a:r>
-              <a:rPr lang="zh-CN" altLang="en-US" smtClean="0"/>
-              <a:t>时可产生 </a:t>
-            </a:r>
-            <a:r>
-              <a:rPr lang="en-US" altLang="zh-CN" smtClean="0"/>
-              <a:t>8 </a:t>
-            </a:r>
-            <a:r>
-              <a:rPr lang="zh-CN" altLang="en-US" smtClean="0"/>
-              <a:t>个虚拟节点。</a:t>
-            </a:r>
+              <a:rPr lang="en-US" altLang="zh-CN" sz="1200" b="0" kern="1200" smtClean="0">
+                <a:solidFill>
+                  <a:schemeClr val="tx1"/>
+                </a:solidFill>
+                <a:effectLst/>
+                <a:latin typeface="+mn-lt"/>
+                <a:ea typeface="+mn-ea"/>
+                <a:cs typeface="+mn-cs"/>
+              </a:rPr>
+              <a:t>Swift</a:t>
+            </a:r>
+            <a:r>
+              <a:rPr lang="zh-CN" altLang="zh-CN" sz="1200" b="0" kern="1200" smtClean="0">
+                <a:solidFill>
+                  <a:schemeClr val="tx1"/>
+                </a:solidFill>
+                <a:effectLst/>
+                <a:latin typeface="+mn-lt"/>
+                <a:ea typeface="+mn-ea"/>
+                <a:cs typeface="+mn-cs"/>
+              </a:rPr>
+              <a:t>根据一致性哈希算法计算得到对象的哈希值，这个哈希值并不是对象存储的虚拟节点</a:t>
+            </a:r>
+            <a:r>
+              <a:rPr lang="en-US" altLang="zh-CN" sz="1200" b="0" kern="1200" smtClean="0">
+                <a:solidFill>
+                  <a:schemeClr val="tx1"/>
+                </a:solidFill>
+                <a:effectLst/>
+                <a:latin typeface="+mn-lt"/>
+                <a:ea typeface="+mn-ea"/>
+                <a:cs typeface="+mn-cs"/>
+              </a:rPr>
+              <a:t>id</a:t>
+            </a:r>
+            <a:r>
+              <a:rPr lang="zh-CN" altLang="zh-CN" sz="1200" b="0" kern="1200" smtClean="0">
+                <a:solidFill>
+                  <a:schemeClr val="tx1"/>
+                </a:solidFill>
+                <a:effectLst/>
+                <a:latin typeface="+mn-lt"/>
+                <a:ea typeface="+mn-ea"/>
+                <a:cs typeface="+mn-cs"/>
+              </a:rPr>
+              <a:t>，而需要通过移位运算才能得到虚拟节点</a:t>
+            </a:r>
+            <a:r>
+              <a:rPr lang="en-US" altLang="zh-CN" sz="1200" b="0" kern="1200" smtClean="0">
+                <a:solidFill>
+                  <a:schemeClr val="tx1"/>
+                </a:solidFill>
+                <a:effectLst/>
+                <a:latin typeface="+mn-lt"/>
+                <a:ea typeface="+mn-ea"/>
+                <a:cs typeface="+mn-cs"/>
+              </a:rPr>
+              <a:t>id</a:t>
+            </a:r>
+            <a:r>
+              <a:rPr lang="zh-CN" altLang="zh-CN" sz="1200" b="0" kern="1200" smtClean="0">
+                <a:solidFill>
+                  <a:schemeClr val="tx1"/>
+                </a:solidFill>
+                <a:effectLst/>
+                <a:latin typeface="+mn-lt"/>
+                <a:ea typeface="+mn-ea"/>
+                <a:cs typeface="+mn-cs"/>
+              </a:rPr>
+              <a:t>，这样可以保证哈希值相近的对象存储在同一虚拟节点上。这个图表示应用一致性哈希算法将对象映射到虚拟节点的计算过程。其本质上是将哈希值求模得到虚拟节点</a:t>
+            </a:r>
+            <a:r>
+              <a:rPr lang="en-US" altLang="zh-CN" sz="1200" b="0" kern="1200" smtClean="0">
+                <a:solidFill>
+                  <a:schemeClr val="tx1"/>
+                </a:solidFill>
+                <a:effectLst/>
+                <a:latin typeface="+mn-lt"/>
+                <a:ea typeface="+mn-ea"/>
+                <a:cs typeface="+mn-cs"/>
+              </a:rPr>
+              <a:t>id</a:t>
+            </a:r>
+            <a:r>
+              <a:rPr lang="zh-CN" altLang="zh-CN" sz="1200" b="0" kern="1200" smtClean="0">
+                <a:solidFill>
+                  <a:schemeClr val="tx1"/>
+                </a:solidFill>
+                <a:effectLst/>
+                <a:latin typeface="+mn-lt"/>
+                <a:ea typeface="+mn-ea"/>
+                <a:cs typeface="+mn-cs"/>
+              </a:rPr>
+              <a:t>。</a:t>
+            </a:r>
+          </a:p>
+          <a:p>
+            <a:r>
+              <a:rPr lang="zh-CN" altLang="zh-CN" sz="1200" b="0" kern="1200" smtClean="0">
+                <a:solidFill>
+                  <a:schemeClr val="tx1"/>
+                </a:solidFill>
+                <a:effectLst/>
+                <a:latin typeface="+mn-lt"/>
+                <a:ea typeface="+mn-ea"/>
+                <a:cs typeface="+mn-cs"/>
+              </a:rPr>
+              <a:t>一致性哈希算法希望键值相近的对象尽可能分散地存储在不同的虚拟节点上，而希望哈希值相近的对象尽可能存储在相近的虚拟节点上，前者可以保证对象均匀分布，后者可以保证在添加或者删除机器时，需要移动的数据量尽可能小。</a:t>
+            </a:r>
+          </a:p>
+          <a:p>
             <a:endParaRPr lang="zh-CN" altLang="en-US"/>
           </a:p>
         </p:txBody>
@@ -20863,7 +20496,7 @@
                 <a:ea typeface="+mn-ea"/>
                 <a:cs typeface="+mn-cs"/>
               </a:rPr>
-              <a:t>  </a:t>
+              <a:t> </a:t>
             </a:r>
             <a:r>
               <a:rPr lang="zh-CN" altLang="en-US" sz="1200" kern="1200" smtClean="0">
@@ -20875,7 +20508,21 @@
                 <a:ea typeface="+mn-ea"/>
                 <a:cs typeface="+mn-cs"/>
               </a:rPr>
-              <a:t>按照</a:t>
+              <a:t>采用何种数据一致性模型也是区别不同分布式系统的特征。</a:t>
+            </a:r>
+          </a:p>
+          <a:p>
+            <a:r>
+              <a:rPr lang="zh-CN" altLang="en-US" sz="1200" kern="1200" smtClean="0">
+                <a:solidFill>
+                  <a:schemeClr val="tx1"/>
+                </a:solidFill>
+                <a:effectLst/>
+                <a:latin typeface="+mn-lt"/>
+                <a:ea typeface="+mn-ea"/>
+                <a:cs typeface="+mn-cs"/>
+              </a:rPr>
+              <a:t>根据</a:t>
             </a:r>
             <a:r>
               <a:rPr lang="en-US" altLang="zh-CN" sz="1200" kern="1200" smtClean="0">
@@ -20899,7 +20546,19 @@
                 <a:ea typeface="+mn-ea"/>
                 <a:cs typeface="+mn-cs"/>
               </a:rPr>
-              <a:t>理论</a:t>
+              <a:t>理论，分布式系统无法同时满足一致性，可用性和分区容错性。</a:t>
+            </a:r>
+            <a:r>
+              <a:rPr lang="en-US" altLang="zh-CN" sz="1200" kern="1200" smtClean="0">
+                <a:solidFill>
+                  <a:schemeClr val="tx1"/>
+                </a:solidFill>
+                <a:effectLst/>
+                <a:latin typeface="+mn-lt"/>
+                <a:ea typeface="+mn-ea"/>
+                <a:cs typeface="+mn-cs"/>
+              </a:rPr>
+              <a:t>Swift</a:t>
             </a:r>
             <a:r>
               <a:rPr lang="zh-CN" altLang="en-US" sz="1200" kern="1200" smtClean="0">
@@ -20911,7 +20570,21 @@
                 <a:ea typeface="+mn-ea"/>
                 <a:cs typeface="+mn-cs"/>
               </a:rPr>
-              <a:t>，分布式系统无法</a:t>
+              <a:t>放弃严格一致性，而采用最终一致性模型，以达到高可用性和无限水平扩展。</a:t>
+            </a:r>
+          </a:p>
+          <a:p>
+            <a:r>
+              <a:rPr lang="en-US" altLang="zh-CN" sz="1200" kern="1200" smtClean="0">
+                <a:solidFill>
+                  <a:schemeClr val="tx1"/>
+                </a:solidFill>
+                <a:effectLst/>
+                <a:latin typeface="+mn-lt"/>
+                <a:ea typeface="+mn-ea"/>
+                <a:cs typeface="+mn-cs"/>
+              </a:rPr>
+              <a:t>Swift</a:t>
             </a:r>
             <a:r>
               <a:rPr lang="zh-CN" altLang="en-US" sz="1200" kern="1200" smtClean="0">
@@ -20923,68 +20596,10 @@
                 <a:ea typeface="+mn-ea"/>
                 <a:cs typeface="+mn-cs"/>
               </a:rPr>
-              <a:t>同时</a:t>
-            </a:r>
-            <a:r>
-              <a:rPr lang="zh-CN" altLang="en-US" sz="1200" kern="1200" smtClean="0">
-                <a:solidFill>
-                  <a:schemeClr val="tx1"/>
-                </a:solidFill>
-                <a:effectLst/>
-                <a:latin typeface="+mn-lt"/>
-                <a:ea typeface="+mn-ea"/>
-                <a:cs typeface="+mn-cs"/>
-              </a:rPr>
-              <a:t>满足</a:t>
-            </a:r>
-            <a:r>
-              <a:rPr lang="zh-CN" altLang="en-US" sz="1200" b="0" i="0" kern="1200" smtClean="0">
-                <a:solidFill>
-                  <a:schemeClr val="tx1"/>
-                </a:solidFill>
-                <a:effectLst/>
-                <a:latin typeface="+mn-lt"/>
-                <a:ea typeface="+mn-ea"/>
-                <a:cs typeface="+mn-cs"/>
-              </a:rPr>
-              <a:t>一致性，可用性和分区容错性</a:t>
-            </a:r>
-            <a:r>
-              <a:rPr lang="zh-CN" altLang="en-US" sz="1200" kern="1200" smtClean="0">
-                <a:solidFill>
-                  <a:schemeClr val="tx1"/>
-                </a:solidFill>
-                <a:effectLst/>
-                <a:latin typeface="+mn-lt"/>
-                <a:ea typeface="+mn-ea"/>
-                <a:cs typeface="+mn-cs"/>
-              </a:rPr>
-              <a:t>，</a:t>
-            </a:r>
-            <a:r>
-              <a:rPr lang="en-US" altLang="zh-CN" sz="1200" kern="1200" smtClean="0">
-                <a:solidFill>
-                  <a:schemeClr val="tx1"/>
-                </a:solidFill>
-                <a:effectLst/>
-                <a:latin typeface="+mn-lt"/>
-                <a:ea typeface="+mn-ea"/>
-                <a:cs typeface="+mn-cs"/>
-              </a:rPr>
-              <a:t>Swift</a:t>
-            </a:r>
-            <a:r>
-              <a:rPr lang="zh-CN" altLang="en-US" sz="1200" kern="1200" smtClean="0">
-                <a:solidFill>
-                  <a:schemeClr val="tx1"/>
-                </a:solidFill>
-                <a:effectLst/>
-                <a:latin typeface="+mn-lt"/>
-                <a:ea typeface="+mn-ea"/>
-                <a:cs typeface="+mn-cs"/>
-              </a:rPr>
-              <a:t>放弃严格一致性，而采用最终一致性模型，来达到高可用性和无限水平扩展能力。</a:t>
-            </a:r>
+              <a:t>针对的是读写都比较频繁的场景，所以采用了比较折中的策略。在对某对象进行写操作时，成功更新的副本数达到总副本数的一半以上，就可以对该对象进行读操作了，而不需要等到所有副本更新完。 虽然此时仍会读取到更新前的数据，但是多读取几次，选择版本号较新的，可以得到最新数据，一段时间后，后台服务会自动更新副本，由此保证达到最终一致性。</a:t>
+            </a:r>
+          </a:p>
+          <a:p>
             <a:endParaRPr lang="zh-CN" altLang="en-US"/>
           </a:p>
         </p:txBody>
@@ -21213,7 +20828,7 @@
           <a:p>
             <a:fld id="{F39E3D19-5233-44E3-8617-56E2474F7336}" type="datetimeFigureOut">
               <a:rPr lang="zh-CN" altLang="en-US" smtClean="0"/>
-              <a:t>2017/12/19</a:t>
+              <a:t>2017/12/20</a:t>
             </a:fld>
             <a:endParaRPr lang="zh-CN" altLang="en-US"/>
           </a:p>
@@ -21551,7 +21166,7 @@
           <a:p>
             <a:fld id="{F39E3D19-5233-44E3-8617-56E2474F7336}" type="datetimeFigureOut">
               <a:rPr lang="zh-CN" altLang="en-US" smtClean="0"/>
-              <a:t>2017/12/19</a:t>
+              <a:t>2017/12/20</a:t>
             </a:fld>
             <a:endParaRPr lang="zh-CN" altLang="en-US"/>
           </a:p>
@@ -21952,7 +21567,7 @@
           <a:p>
             <a:fld id="{F39E3D19-5233-44E3-8617-56E2474F7336}" type="datetimeFigureOut">
               <a:rPr lang="zh-CN" altLang="en-US" smtClean="0"/>
-              <a:t>2017/12/19</a:t>
+              <a:t>2017/12/20</a:t>
             </a:fld>
             <a:endParaRPr lang="zh-CN" altLang="en-US"/>
           </a:p>
@@ -22288,7 +21903,7 @@
           <a:p>
             <a:fld id="{F39E3D19-5233-44E3-8617-56E2474F7336}" type="datetimeFigureOut">
               <a:rPr lang="zh-CN" altLang="en-US" smtClean="0"/>
-              <a:t>2017/12/19</a:t>
+              <a:t>2017/12/20</a:t>
             </a:fld>
             <a:endParaRPr lang="zh-CN" altLang="en-US"/>
           </a:p>
@@ -22608,7 +22223,7 @@
           <a:p>
             <a:fld id="{F39E3D19-5233-44E3-8617-56E2474F7336}" type="datetimeFigureOut">
               <a:rPr lang="zh-CN" altLang="en-US" smtClean="0"/>
-              <a:t>2017/12/19</a:t>
+              <a:t>2017/12/20</a:t>
             </a:fld>
             <a:endParaRPr lang="zh-CN" altLang="en-US"/>
           </a:p>
@@ -23004,7 +22619,7 @@
           <a:p>
             <a:fld id="{F39E3D19-5233-44E3-8617-56E2474F7336}" type="datetimeFigureOut">
               <a:rPr lang="zh-CN" altLang="en-US" smtClean="0"/>
-              <a:t>2017/12/19</a:t>
+              <a:t>2017/12/20</a:t>
             </a:fld>
             <a:endParaRPr lang="zh-CN" altLang="en-US"/>
           </a:p>
@@ -23261,7 +22876,7 @@
           <a:p>
             <a:fld id="{F39E3D19-5233-44E3-8617-56E2474F7336}" type="datetimeFigureOut">
               <a:rPr lang="zh-CN" altLang="en-US" smtClean="0"/>
-              <a:t>2017/12/19</a:t>
+              <a:t>2017/12/20</a:t>
             </a:fld>
             <a:endParaRPr lang="zh-CN" altLang="en-US"/>
           </a:p>
@@ -23523,7 +23138,7 @@
           <a:p>
             <a:fld id="{F39E3D19-5233-44E3-8617-56E2474F7336}" type="datetimeFigureOut">
               <a:rPr lang="zh-CN" altLang="en-US" smtClean="0"/>
-              <a:t>2017/12/19</a:t>
+              <a:t>2017/12/20</a:t>
             </a:fld>
             <a:endParaRPr lang="zh-CN" altLang="en-US"/>
           </a:p>
@@ -23785,7 +23400,7 @@
           <a:p>
             <a:fld id="{F39E3D19-5233-44E3-8617-56E2474F7336}" type="datetimeFigureOut">
               <a:rPr lang="zh-CN" altLang="en-US" smtClean="0"/>
-              <a:t>2017/12/19</a:t>
+              <a:t>2017/12/20</a:t>
             </a:fld>
             <a:endParaRPr lang="zh-CN" altLang="en-US"/>
           </a:p>
@@ -24114,7 +23729,7 @@
           <a:p>
             <a:fld id="{F39E3D19-5233-44E3-8617-56E2474F7336}" type="datetimeFigureOut">
               <a:rPr lang="zh-CN" altLang="en-US" smtClean="0"/>
-              <a:t>2017/12/19</a:t>
+              <a:t>2017/12/20</a:t>
             </a:fld>
             <a:endParaRPr lang="zh-CN" altLang="en-US"/>
           </a:p>
@@ -24437,7 +24052,7 @@
           <a:p>
             <a:fld id="{F39E3D19-5233-44E3-8617-56E2474F7336}" type="datetimeFigureOut">
               <a:rPr lang="zh-CN" altLang="en-US" smtClean="0"/>
-              <a:t>2017/12/19</a:t>
+              <a:t>2017/12/20</a:t>
             </a:fld>
             <a:endParaRPr lang="zh-CN" altLang="en-US"/>
           </a:p>
@@ -24894,7 +24509,7 @@
           <a:p>
             <a:fld id="{F39E3D19-5233-44E3-8617-56E2474F7336}" type="datetimeFigureOut">
               <a:rPr lang="zh-CN" altLang="en-US" smtClean="0"/>
-              <a:t>2017/12/19</a:t>
+              <a:t>2017/12/20</a:t>
             </a:fld>
             <a:endParaRPr lang="zh-CN" altLang="en-US"/>
           </a:p>
@@ -25099,7 +24714,7 @@
           <a:p>
             <a:fld id="{F39E3D19-5233-44E3-8617-56E2474F7336}" type="datetimeFigureOut">
               <a:rPr lang="zh-CN" altLang="en-US" smtClean="0"/>
-              <a:t>2017/12/19</a:t>
+              <a:t>2017/12/20</a:t>
             </a:fld>
             <a:endParaRPr lang="zh-CN" altLang="en-US"/>
           </a:p>
@@ -25276,7 +24891,7 @@
           <a:p>
             <a:fld id="{F39E3D19-5233-44E3-8617-56E2474F7336}" type="datetimeFigureOut">
               <a:rPr lang="zh-CN" altLang="en-US" smtClean="0"/>
-              <a:t>2017/12/19</a:t>
+              <a:t>2017/12/20</a:t>
             </a:fld>
             <a:endParaRPr lang="zh-CN" altLang="en-US"/>
           </a:p>
@@ -25609,7 +25224,7 @@
           <a:p>
             <a:fld id="{F39E3D19-5233-44E3-8617-56E2474F7336}" type="datetimeFigureOut">
               <a:rPr lang="zh-CN" altLang="en-US" smtClean="0"/>
-              <a:t>2017/12/19</a:t>
+              <a:t>2017/12/20</a:t>
             </a:fld>
             <a:endParaRPr lang="zh-CN" altLang="en-US"/>
           </a:p>
@@ -25954,7 +25569,7 @@
           <a:p>
             <a:fld id="{F39E3D19-5233-44E3-8617-56E2474F7336}" type="datetimeFigureOut">
               <a:rPr lang="zh-CN" altLang="en-US" smtClean="0"/>
-              <a:t>2017/12/19</a:t>
+              <a:t>2017/12/20</a:t>
             </a:fld>
             <a:endParaRPr lang="zh-CN" altLang="en-US"/>
           </a:p>
@@ -28071,7 +27686,7 @@
           <a:p>
             <a:fld id="{F39E3D19-5233-44E3-8617-56E2474F7336}" type="datetimeFigureOut">
               <a:rPr lang="zh-CN" altLang="en-US" smtClean="0"/>
-              <a:t>2017/12/19</a:t>
+              <a:t>2017/12/20</a:t>
             </a:fld>
             <a:endParaRPr lang="zh-CN" altLang="en-US"/>
           </a:p>
@@ -31979,14 +31594,7 @@
                 <a:latin typeface="Times New Roman" panose="02020603050405020304" pitchFamily="18" charset="0"/>
                 <a:cs typeface="Times New Roman" panose="02020603050405020304" pitchFamily="18" charset="0"/>
               </a:rPr>
-              <a:t>时，文件下载的速度起伏</a:t>
-            </a:r>
-            <a:r>
-              <a:rPr lang="zh-CN" altLang="en-US" sz="2000" b="1" smtClean="0">
-                <a:latin typeface="Times New Roman" panose="02020603050405020304" pitchFamily="18" charset="0"/>
-                <a:cs typeface="Times New Roman" panose="02020603050405020304" pitchFamily="18" charset="0"/>
-              </a:rPr>
-              <a:t>不定，</a:t>
+              <a:t>时，文件下载的速度起伏不定，</a:t>
             </a:r>
             <a:r>
               <a:rPr lang="zh-CN" altLang="zh-CN" sz="2000" b="1"/>
@@ -32270,14 +31878,7 @@
                 <a:latin typeface="Times New Roman" panose="02020603050405020304" pitchFamily="18" charset="0"/>
                 <a:cs typeface="Times New Roman" panose="02020603050405020304" pitchFamily="18" charset="0"/>
               </a:rPr>
-              <a:t>进行存储分级的方案是可行的</a:t>
-            </a:r>
-            <a:r>
-              <a:rPr lang="zh-CN" altLang="en-US" sz="2000" b="1" smtClean="0">
-                <a:latin typeface="Times New Roman" panose="02020603050405020304" pitchFamily="18" charset="0"/>
-                <a:cs typeface="Times New Roman" panose="02020603050405020304" pitchFamily="18" charset="0"/>
-              </a:rPr>
-              <a:t>。</a:t>
+              <a:t>进行存储分级的方案是可行的。</a:t>
             </a:r>
             <a:endParaRPr lang="en-US" altLang="zh-CN" sz="2000" b="1" smtClean="0">
               <a:latin typeface="Times New Roman" panose="02020603050405020304" pitchFamily="18" charset="0"/>
